--- a/Ppt/финальная версия.pptx
+++ b/Ppt/финальная версия.pptx
@@ -5,18 +5,17 @@
     <p:sldMasterId id="2147483648" r:id="rId1"/>
   </p:sldMasterIdLst>
   <p:notesMasterIdLst>
-    <p:notesMasterId r:id="rId11"/>
+    <p:notesMasterId r:id="rId10"/>
   </p:notesMasterIdLst>
   <p:sldIdLst>
     <p:sldId id="256" r:id="rId2"/>
     <p:sldId id="257" r:id="rId3"/>
     <p:sldId id="260" r:id="rId4"/>
     <p:sldId id="264" r:id="rId5"/>
-    <p:sldId id="267" r:id="rId6"/>
-    <p:sldId id="266" r:id="rId7"/>
-    <p:sldId id="261" r:id="rId8"/>
-    <p:sldId id="265" r:id="rId9"/>
-    <p:sldId id="263" r:id="rId10"/>
+    <p:sldId id="266" r:id="rId6"/>
+    <p:sldId id="261" r:id="rId7"/>
+    <p:sldId id="265" r:id="rId8"/>
+    <p:sldId id="263" r:id="rId9"/>
   </p:sldIdLst>
   <p:sldSz cx="12192000" cy="6858000"/>
   <p:notesSz cx="6858000" cy="9144000"/>
@@ -951,7 +950,7 @@
           <a:p>
             <a:fld id="{26816495-9AA8-4920-A4E3-50BBC0216EB0}" type="datetimeFigureOut">
               <a:rPr lang="en-US" smtClean="0"/>
-              <a:t>4/13/2025</a:t>
+              <a:t>4/14/2025</a:t>
             </a:fld>
             <a:endParaRPr lang="en-US"/>
           </a:p>
@@ -1365,7 +1364,7 @@
           <a:p>
             <a:fld id="{B0943E97-294B-45E9-899C-136CC89940D3}" type="datetime1">
               <a:rPr lang="en-US" smtClean="0"/>
-              <a:t>4/13/2025</a:t>
+              <a:t>4/14/2025</a:t>
             </a:fld>
             <a:endParaRPr lang="en-US"/>
           </a:p>
@@ -1563,7 +1562,7 @@
           <a:p>
             <a:fld id="{0F642BBF-B613-4ABF-8097-BCD36A2F9935}" type="datetime1">
               <a:rPr lang="en-US" smtClean="0"/>
-              <a:t>4/13/2025</a:t>
+              <a:t>4/14/2025</a:t>
             </a:fld>
             <a:endParaRPr lang="en-US"/>
           </a:p>
@@ -1771,7 +1770,7 @@
           <a:p>
             <a:fld id="{CA6AF254-F82C-4AB7-B0BE-ED6A450CD5BD}" type="datetime1">
               <a:rPr lang="en-US" smtClean="0"/>
-              <a:t>4/13/2025</a:t>
+              <a:t>4/14/2025</a:t>
             </a:fld>
             <a:endParaRPr lang="en-US"/>
           </a:p>
@@ -1969,7 +1968,7 @@
           <a:p>
             <a:fld id="{42790A59-F08E-4342-8C8B-7104600D68A6}" type="datetime1">
               <a:rPr lang="en-US" smtClean="0"/>
-              <a:t>4/13/2025</a:t>
+              <a:t>4/14/2025</a:t>
             </a:fld>
             <a:endParaRPr lang="en-US"/>
           </a:p>
@@ -2244,7 +2243,7 @@
           <a:p>
             <a:fld id="{33D8E024-D1DD-4434-8C82-FC7A0679AAF2}" type="datetime1">
               <a:rPr lang="en-US" smtClean="0"/>
-              <a:t>4/13/2025</a:t>
+              <a:t>4/14/2025</a:t>
             </a:fld>
             <a:endParaRPr lang="en-US"/>
           </a:p>
@@ -2509,7 +2508,7 @@
           <a:p>
             <a:fld id="{0FE08A43-03AE-4DD7-8FCA-7D14110C83DA}" type="datetime1">
               <a:rPr lang="en-US" smtClean="0"/>
-              <a:t>4/13/2025</a:t>
+              <a:t>4/14/2025</a:t>
             </a:fld>
             <a:endParaRPr lang="en-US"/>
           </a:p>
@@ -2921,7 +2920,7 @@
           <a:p>
             <a:fld id="{DC8CC3CC-900B-4C7A-AB2C-CE5D2E38FDED}" type="datetime1">
               <a:rPr lang="en-US" smtClean="0"/>
-              <a:t>4/13/2025</a:t>
+              <a:t>4/14/2025</a:t>
             </a:fld>
             <a:endParaRPr lang="en-US"/>
           </a:p>
@@ -3062,7 +3061,7 @@
           <a:p>
             <a:fld id="{87C3D0F9-ED76-44F2-8EF6-6648E44E39FD}" type="datetime1">
               <a:rPr lang="en-US" smtClean="0"/>
-              <a:t>4/13/2025</a:t>
+              <a:t>4/14/2025</a:t>
             </a:fld>
             <a:endParaRPr lang="en-US"/>
           </a:p>
@@ -3175,7 +3174,7 @@
           <a:p>
             <a:fld id="{2658607D-C406-4FB4-805C-5E07B4201D6D}" type="datetime1">
               <a:rPr lang="en-US" smtClean="0"/>
-              <a:t>4/13/2025</a:t>
+              <a:t>4/14/2025</a:t>
             </a:fld>
             <a:endParaRPr lang="en-US"/>
           </a:p>
@@ -3486,7 +3485,7 @@
           <a:p>
             <a:fld id="{BB5DB84C-98D2-480C-8EBB-99BD433F18D1}" type="datetime1">
               <a:rPr lang="en-US" smtClean="0"/>
-              <a:t>4/13/2025</a:t>
+              <a:t>4/14/2025</a:t>
             </a:fld>
             <a:endParaRPr lang="en-US"/>
           </a:p>
@@ -3774,7 +3773,7 @@
           <a:p>
             <a:fld id="{2DE09F59-93C7-4A82-BB08-710DF6652C16}" type="datetime1">
               <a:rPr lang="en-US" smtClean="0"/>
-              <a:t>4/13/2025</a:t>
+              <a:t>4/14/2025</a:t>
             </a:fld>
             <a:endParaRPr lang="en-US"/>
           </a:p>
@@ -4015,7 +4014,7 @@
           <a:p>
             <a:fld id="{12A4CB97-BF3E-4765-A4AA-0F70F4B845F2}" type="datetime1">
               <a:rPr lang="en-US" smtClean="0"/>
-              <a:t>4/13/2025</a:t>
+              <a:t>4/14/2025</a:t>
             </a:fld>
             <a:endParaRPr lang="en-US"/>
           </a:p>
@@ -5698,7 +5697,7 @@
             <p:spPr>
               <a:xfrm>
                 <a:off x="4019886" y="587486"/>
-                <a:ext cx="8013732" cy="2490105"/>
+                <a:ext cx="8013732" cy="3242683"/>
               </a:xfrm>
               <a:prstGeom prst="rect">
                 <a:avLst/>
@@ -5752,34 +5751,28 @@
                             </a:rPr>
                             <m:t>𝜑</m:t>
                           </m:r>
-                          <m:r>
-                            <a:rPr lang="ru-RU" i="1">
-                              <a:latin typeface="Cambria Math" panose="02040503050406030204" pitchFamily="18" charset="0"/>
-                            </a:rPr>
-                            <m:t>(</m:t>
-                          </m:r>
-                          <m:r>
-                            <a:rPr lang="ru-RU" i="1">
-                              <a:latin typeface="Cambria Math" panose="02040503050406030204" pitchFamily="18" charset="0"/>
-                            </a:rPr>
-                            <m:t>𝑡</m:t>
-                          </m:r>
-                          <m:r>
-                            <a:rPr lang="ru-RU" i="1">
-                              <a:latin typeface="Cambria Math" panose="02040503050406030204" pitchFamily="18" charset="0"/>
-                            </a:rPr>
-                            <m:t>)</m:t>
-                          </m:r>
                         </m:e>
                       </m:acc>
                       <m:r>
-                        <a:rPr lang="ru-RU" i="1">
+                        <a:rPr lang="en-US" b="0" i="1" smtClean="0">
                           <a:latin typeface="Cambria Math" panose="02040503050406030204" pitchFamily="18" charset="0"/>
                         </a:rPr>
-                        <m:t>+</m:t>
+                        <m:t>(</m:t>
                       </m:r>
                       <m:r>
-                        <a:rPr lang="ru-RU" i="1">
+                        <a:rPr lang="en-US" b="0" i="1" smtClean="0">
+                          <a:latin typeface="Cambria Math" panose="02040503050406030204" pitchFamily="18" charset="0"/>
+                        </a:rPr>
+                        <m:t>𝑡</m:t>
+                      </m:r>
+                      <m:r>
+                        <a:rPr lang="en-US" b="0" i="1" smtClean="0">
+                          <a:latin typeface="Cambria Math" panose="02040503050406030204" pitchFamily="18" charset="0"/>
+                        </a:rPr>
+                        <m:t>)+</m:t>
+                      </m:r>
+                      <m:r>
+                        <a:rPr lang="ru-RU" i="1" smtClean="0">
                           <a:latin typeface="Cambria Math" panose="02040503050406030204" pitchFamily="18" charset="0"/>
                         </a:rPr>
                         <m:t>𝑏</m:t>
@@ -5800,31 +5793,25 @@
                             </a:rPr>
                             <m:t>𝜑</m:t>
                           </m:r>
-                          <m:r>
-                            <a:rPr lang="ru-RU" i="1">
-                              <a:latin typeface="Cambria Math" panose="02040503050406030204" pitchFamily="18" charset="0"/>
-                            </a:rPr>
-                            <m:t>(</m:t>
-                          </m:r>
-                          <m:r>
-                            <a:rPr lang="ru-RU" i="1">
-                              <a:latin typeface="Cambria Math" panose="02040503050406030204" pitchFamily="18" charset="0"/>
-                            </a:rPr>
-                            <m:t>𝑡</m:t>
-                          </m:r>
-                          <m:r>
-                            <a:rPr lang="ru-RU" i="1">
-                              <a:latin typeface="Cambria Math" panose="02040503050406030204" pitchFamily="18" charset="0"/>
-                            </a:rPr>
-                            <m:t>)</m:t>
-                          </m:r>
                         </m:e>
                       </m:acc>
                       <m:r>
-                        <a:rPr lang="ru-RU" i="1">
+                        <a:rPr lang="ru-RU" b="0" i="1" smtClean="0">
                           <a:latin typeface="Cambria Math" panose="02040503050406030204" pitchFamily="18" charset="0"/>
                         </a:rPr>
-                        <m:t>+</m:t>
+                        <m:t>(</m:t>
+                      </m:r>
+                      <m:r>
+                        <a:rPr lang="en-US" b="0" i="1" smtClean="0">
+                          <a:latin typeface="Cambria Math" panose="02040503050406030204" pitchFamily="18" charset="0"/>
+                        </a:rPr>
+                        <m:t>𝑡</m:t>
+                      </m:r>
+                      <m:r>
+                        <a:rPr lang="en-US" b="0" i="1" smtClean="0">
+                          <a:latin typeface="Cambria Math" panose="02040503050406030204" pitchFamily="18" charset="0"/>
+                        </a:rPr>
+                        <m:t>)+</m:t>
                       </m:r>
                       <m:r>
                         <a:rPr lang="ru-RU" i="1">
@@ -5887,6 +5874,582 @@
                 </a:endParaRPr>
               </a:p>
               <a:p>
+                <a:pPr algn="ctr"/>
+                <a14:m>
+                  <m:oMathPara xmlns:m="http://schemas.openxmlformats.org/officeDocument/2006/math">
+                    <m:oMathParaPr>
+                      <m:jc m:val="centerGroup"/>
+                    </m:oMathParaPr>
+                    <m:oMath xmlns:m="http://schemas.openxmlformats.org/officeDocument/2006/math">
+                      <m:sSub>
+                        <m:sSubPr>
+                          <m:ctrlPr>
+                            <a:rPr lang="ru-RU" i="1" smtClean="0">
+                              <a:latin typeface="Cambria Math" panose="02040503050406030204" pitchFamily="18" charset="0"/>
+                            </a:rPr>
+                          </m:ctrlPr>
+                        </m:sSubPr>
+                        <m:e>
+                          <m:r>
+                            <a:rPr lang="ru-RU" i="1" smtClean="0">
+                              <a:latin typeface="Cambria Math" panose="02040503050406030204" pitchFamily="18" charset="0"/>
+                              <a:ea typeface="Cambria Math" panose="02040503050406030204" pitchFamily="18" charset="0"/>
+                            </a:rPr>
+                            <m:t>𝜔</m:t>
+                          </m:r>
+                        </m:e>
+                        <m:sub>
+                          <m:r>
+                            <a:rPr lang="en-US" b="0" i="1" smtClean="0">
+                              <a:latin typeface="Cambria Math" panose="02040503050406030204" pitchFamily="18" charset="0"/>
+                            </a:rPr>
+                            <m:t>0</m:t>
+                          </m:r>
+                        </m:sub>
+                      </m:sSub>
+                      <m:r>
+                        <a:rPr lang="en-US" b="0" i="1" smtClean="0">
+                          <a:latin typeface="Cambria Math" panose="02040503050406030204" pitchFamily="18" charset="0"/>
+                        </a:rPr>
+                        <m:t>=</m:t>
+                      </m:r>
+                      <m:rad>
+                        <m:radPr>
+                          <m:degHide m:val="on"/>
+                          <m:ctrlPr>
+                            <a:rPr lang="en-US" b="0" i="1" smtClean="0">
+                              <a:latin typeface="Cambria Math" panose="02040503050406030204" pitchFamily="18" charset="0"/>
+                            </a:rPr>
+                          </m:ctrlPr>
+                        </m:radPr>
+                        <m:deg/>
+                        <m:e>
+                          <m:f>
+                            <m:fPr>
+                              <m:ctrlPr>
+                                <a:rPr lang="en-US" b="0" i="1" smtClean="0">
+                                  <a:latin typeface="Cambria Math" panose="02040503050406030204" pitchFamily="18" charset="0"/>
+                                </a:rPr>
+                              </m:ctrlPr>
+                            </m:fPr>
+                            <m:num>
+                              <m:r>
+                                <a:rPr lang="en-US" b="0" i="1" smtClean="0">
+                                  <a:latin typeface="Cambria Math" panose="02040503050406030204" pitchFamily="18" charset="0"/>
+                                </a:rPr>
+                                <m:t>𝑐</m:t>
+                              </m:r>
+                            </m:num>
+                            <m:den>
+                              <m:r>
+                                <a:rPr lang="en-US" b="0" i="1" smtClean="0">
+                                  <a:latin typeface="Cambria Math" panose="02040503050406030204" pitchFamily="18" charset="0"/>
+                                </a:rPr>
+                                <m:t>𝐽</m:t>
+                              </m:r>
+                            </m:den>
+                          </m:f>
+                        </m:e>
+                      </m:rad>
+                      <m:r>
+                        <a:rPr lang="en-US" b="0" i="1" smtClean="0">
+                          <a:latin typeface="Cambria Math" panose="02040503050406030204" pitchFamily="18" charset="0"/>
+                        </a:rPr>
+                        <m:t>=0,52 </m:t>
+                      </m:r>
+                      <m:f>
+                        <m:fPr>
+                          <m:ctrlPr>
+                            <a:rPr lang="en-US" b="0" i="1" smtClean="0">
+                              <a:latin typeface="Cambria Math" panose="02040503050406030204" pitchFamily="18" charset="0"/>
+                            </a:rPr>
+                          </m:ctrlPr>
+                        </m:fPr>
+                        <m:num>
+                          <m:r>
+                            <a:rPr lang="ru-RU" b="0" i="1" smtClean="0">
+                              <a:latin typeface="Cambria Math" panose="02040503050406030204" pitchFamily="18" charset="0"/>
+                            </a:rPr>
+                            <m:t>рад</m:t>
+                          </m:r>
+                        </m:num>
+                        <m:den>
+                          <m:r>
+                            <a:rPr lang="ru-RU" b="0" i="1" smtClean="0">
+                              <a:latin typeface="Cambria Math" panose="02040503050406030204" pitchFamily="18" charset="0"/>
+                            </a:rPr>
+                            <m:t>с</m:t>
+                          </m:r>
+                        </m:den>
+                      </m:f>
+                    </m:oMath>
+                  </m:oMathPara>
+                </a14:m>
+                <a:br>
+                  <a:rPr lang="ru-RU" dirty="0">
+                    <a:latin typeface="+mj-lt"/>
+                  </a:rPr>
+                </a:br>
+                <a14:m>
+                  <m:oMath xmlns:m="http://schemas.openxmlformats.org/officeDocument/2006/math">
+                    <m:r>
+                      <a:rPr lang="ru-RU" i="1" smtClean="0">
+                        <a:ln w="0"/>
+                        <a:solidFill>
+                          <a:schemeClr val="tx1"/>
+                        </a:solidFill>
+                        <a:effectLst>
+                          <a:outerShdw blurRad="38100" dist="25400" dir="5400000" algn="ctr" rotWithShape="0">
+                            <a:srgbClr val="6E747A">
+                              <a:alpha val="43000"/>
+                            </a:srgbClr>
+                          </a:outerShdw>
+                        </a:effectLst>
+                        <a:latin typeface="Cambria Math" panose="02040503050406030204" pitchFamily="18" charset="0"/>
+                        <a:ea typeface="Cambria Math" panose="02040503050406030204" pitchFamily="18" charset="0"/>
+                      </a:rPr>
+                      <m:t>𝜔</m:t>
+                    </m:r>
+                    <m:r>
+                      <a:rPr lang="ru-RU" b="0" i="1" smtClean="0">
+                        <a:ln w="0"/>
+                        <a:solidFill>
+                          <a:schemeClr val="tx1"/>
+                        </a:solidFill>
+                        <a:effectLst>
+                          <a:outerShdw blurRad="38100" dist="25400" dir="5400000" algn="ctr" rotWithShape="0">
+                            <a:srgbClr val="6E747A">
+                              <a:alpha val="43000"/>
+                            </a:srgbClr>
+                          </a:outerShdw>
+                        </a:effectLst>
+                        <a:latin typeface="Cambria Math" panose="02040503050406030204" pitchFamily="18" charset="0"/>
+                        <a:ea typeface="Cambria Math" panose="02040503050406030204" pitchFamily="18" charset="0"/>
+                      </a:rPr>
+                      <m:t>= </m:t>
+                    </m:r>
+                    <m:f>
+                      <m:fPr>
+                        <m:ctrlPr>
+                          <a:rPr lang="ru-RU" b="0" i="1" smtClean="0">
+                            <a:ln w="0"/>
+                            <a:solidFill>
+                              <a:schemeClr val="tx1"/>
+                            </a:solidFill>
+                            <a:effectLst>
+                              <a:outerShdw blurRad="38100" dist="25400" dir="5400000" algn="ctr" rotWithShape="0">
+                                <a:srgbClr val="6E747A">
+                                  <a:alpha val="43000"/>
+                                </a:srgbClr>
+                              </a:outerShdw>
+                            </a:effectLst>
+                            <a:latin typeface="Cambria Math" panose="02040503050406030204" pitchFamily="18" charset="0"/>
+                            <a:ea typeface="Cambria Math" panose="02040503050406030204" pitchFamily="18" charset="0"/>
+                          </a:rPr>
+                        </m:ctrlPr>
+                      </m:fPr>
+                      <m:num>
+                        <m:r>
+                          <a:rPr lang="ru-RU" b="0" i="1" smtClean="0">
+                            <a:ln w="0"/>
+                            <a:solidFill>
+                              <a:schemeClr val="tx1"/>
+                            </a:solidFill>
+                            <a:effectLst>
+                              <a:outerShdw blurRad="38100" dist="25400" dir="5400000" algn="ctr" rotWithShape="0">
+                                <a:srgbClr val="6E747A">
+                                  <a:alpha val="43000"/>
+                                </a:srgbClr>
+                              </a:outerShdw>
+                            </a:effectLst>
+                            <a:latin typeface="Cambria Math" panose="02040503050406030204" pitchFamily="18" charset="0"/>
+                            <a:ea typeface="Cambria Math" panose="02040503050406030204" pitchFamily="18" charset="0"/>
+                          </a:rPr>
+                          <m:t>2</m:t>
+                        </m:r>
+                        <m:r>
+                          <a:rPr lang="ru-RU" b="0" i="1" smtClean="0">
+                            <a:ln w="0"/>
+                            <a:solidFill>
+                              <a:schemeClr val="tx1"/>
+                            </a:solidFill>
+                            <a:effectLst>
+                              <a:outerShdw blurRad="38100" dist="25400" dir="5400000" algn="ctr" rotWithShape="0">
+                                <a:srgbClr val="6E747A">
+                                  <a:alpha val="43000"/>
+                                </a:srgbClr>
+                              </a:outerShdw>
+                            </a:effectLst>
+                            <a:latin typeface="Cambria Math" panose="02040503050406030204" pitchFamily="18" charset="0"/>
+                            <a:ea typeface="Cambria Math" panose="02040503050406030204" pitchFamily="18" charset="0"/>
+                          </a:rPr>
+                          <m:t>𝜋</m:t>
+                        </m:r>
+                      </m:num>
+                      <m:den>
+                        <m:r>
+                          <a:rPr lang="en-US" b="0" i="1" smtClean="0">
+                            <a:ln w="0"/>
+                            <a:solidFill>
+                              <a:schemeClr val="tx1"/>
+                            </a:solidFill>
+                            <a:effectLst>
+                              <a:outerShdw blurRad="38100" dist="25400" dir="5400000" algn="ctr" rotWithShape="0">
+                                <a:srgbClr val="6E747A">
+                                  <a:alpha val="43000"/>
+                                </a:srgbClr>
+                              </a:outerShdw>
+                            </a:effectLst>
+                            <a:latin typeface="Cambria Math" panose="02040503050406030204" pitchFamily="18" charset="0"/>
+                            <a:ea typeface="Cambria Math" panose="02040503050406030204" pitchFamily="18" charset="0"/>
+                          </a:rPr>
+                          <m:t>𝑇</m:t>
+                        </m:r>
+                      </m:den>
+                    </m:f>
+                    <m:r>
+                      <a:rPr lang="en-US" b="0" i="1" smtClean="0">
+                        <a:ln w="0"/>
+                        <a:solidFill>
+                          <a:schemeClr val="tx1"/>
+                        </a:solidFill>
+                        <a:effectLst>
+                          <a:outerShdw blurRad="38100" dist="25400" dir="5400000" algn="ctr" rotWithShape="0">
+                            <a:srgbClr val="6E747A">
+                              <a:alpha val="43000"/>
+                            </a:srgbClr>
+                          </a:outerShdw>
+                        </a:effectLst>
+                        <a:latin typeface="Cambria Math" panose="02040503050406030204" pitchFamily="18" charset="0"/>
+                        <a:ea typeface="Cambria Math" panose="02040503050406030204" pitchFamily="18" charset="0"/>
+                      </a:rPr>
+                      <m:t>= </m:t>
+                    </m:r>
+                    <m:f>
+                      <m:fPr>
+                        <m:ctrlPr>
+                          <a:rPr lang="en-US" b="0" i="1" smtClean="0">
+                            <a:ln w="0"/>
+                            <a:solidFill>
+                              <a:schemeClr val="tx1"/>
+                            </a:solidFill>
+                            <a:effectLst>
+                              <a:outerShdw blurRad="38100" dist="25400" dir="5400000" algn="ctr" rotWithShape="0">
+                                <a:srgbClr val="6E747A">
+                                  <a:alpha val="43000"/>
+                                </a:srgbClr>
+                              </a:outerShdw>
+                            </a:effectLst>
+                            <a:latin typeface="Cambria Math" panose="02040503050406030204" pitchFamily="18" charset="0"/>
+                            <a:ea typeface="Cambria Math" panose="02040503050406030204" pitchFamily="18" charset="0"/>
+                          </a:rPr>
+                        </m:ctrlPr>
+                      </m:fPr>
+                      <m:num>
+                        <m:r>
+                          <a:rPr lang="en-US" b="0" i="1" smtClean="0">
+                            <a:ln w="0"/>
+                            <a:solidFill>
+                              <a:schemeClr val="tx1"/>
+                            </a:solidFill>
+                            <a:effectLst>
+                              <a:outerShdw blurRad="38100" dist="25400" dir="5400000" algn="ctr" rotWithShape="0">
+                                <a:srgbClr val="6E747A">
+                                  <a:alpha val="43000"/>
+                                </a:srgbClr>
+                              </a:outerShdw>
+                            </a:effectLst>
+                            <a:latin typeface="Cambria Math" panose="02040503050406030204" pitchFamily="18" charset="0"/>
+                            <a:ea typeface="Cambria Math" panose="02040503050406030204" pitchFamily="18" charset="0"/>
+                          </a:rPr>
+                          <m:t>2</m:t>
+                        </m:r>
+                        <m:r>
+                          <a:rPr lang="en-US" b="0" i="1" smtClean="0">
+                            <a:ln w="0"/>
+                            <a:solidFill>
+                              <a:schemeClr val="tx1"/>
+                            </a:solidFill>
+                            <a:effectLst>
+                              <a:outerShdw blurRad="38100" dist="25400" dir="5400000" algn="ctr" rotWithShape="0">
+                                <a:srgbClr val="6E747A">
+                                  <a:alpha val="43000"/>
+                                </a:srgbClr>
+                              </a:outerShdw>
+                            </a:effectLst>
+                            <a:latin typeface="Cambria Math" panose="02040503050406030204" pitchFamily="18" charset="0"/>
+                            <a:ea typeface="Cambria Math" panose="02040503050406030204" pitchFamily="18" charset="0"/>
+                          </a:rPr>
+                          <m:t>𝜋</m:t>
+                        </m:r>
+                      </m:num>
+                      <m:den>
+                        <m:r>
+                          <a:rPr lang="en-US" b="0" i="1" smtClean="0">
+                            <a:ln w="0"/>
+                            <a:solidFill>
+                              <a:schemeClr val="tx1"/>
+                            </a:solidFill>
+                            <a:effectLst>
+                              <a:outerShdw blurRad="38100" dist="25400" dir="5400000" algn="ctr" rotWithShape="0">
+                                <a:srgbClr val="6E747A">
+                                  <a:alpha val="43000"/>
+                                </a:srgbClr>
+                              </a:outerShdw>
+                            </a:effectLst>
+                            <a:latin typeface="Cambria Math" panose="02040503050406030204" pitchFamily="18" charset="0"/>
+                            <a:ea typeface="Cambria Math" panose="02040503050406030204" pitchFamily="18" charset="0"/>
+                          </a:rPr>
+                          <m:t>4</m:t>
+                        </m:r>
+                      </m:den>
+                    </m:f>
+                    <m:r>
+                      <a:rPr lang="en-US" b="0" i="1" smtClean="0">
+                        <a:ln w="0"/>
+                        <a:solidFill>
+                          <a:schemeClr val="tx1"/>
+                        </a:solidFill>
+                        <a:effectLst>
+                          <a:outerShdw blurRad="38100" dist="25400" dir="5400000" algn="ctr" rotWithShape="0">
+                            <a:srgbClr val="6E747A">
+                              <a:alpha val="43000"/>
+                            </a:srgbClr>
+                          </a:outerShdw>
+                        </a:effectLst>
+                        <a:latin typeface="Cambria Math" panose="02040503050406030204" pitchFamily="18" charset="0"/>
+                        <a:ea typeface="Cambria Math" panose="02040503050406030204" pitchFamily="18" charset="0"/>
+                      </a:rPr>
+                      <m:t>=1,57</m:t>
+                    </m:r>
+                    <m:f>
+                      <m:fPr>
+                        <m:ctrlPr>
+                          <a:rPr lang="en-US" b="0" i="1" smtClean="0">
+                            <a:ln w="0"/>
+                            <a:solidFill>
+                              <a:schemeClr val="tx1"/>
+                            </a:solidFill>
+                            <a:effectLst>
+                              <a:outerShdw blurRad="38100" dist="25400" dir="5400000" algn="ctr" rotWithShape="0">
+                                <a:srgbClr val="6E747A">
+                                  <a:alpha val="43000"/>
+                                </a:srgbClr>
+                              </a:outerShdw>
+                            </a:effectLst>
+                            <a:latin typeface="Cambria Math" panose="02040503050406030204" pitchFamily="18" charset="0"/>
+                            <a:ea typeface="Cambria Math" panose="02040503050406030204" pitchFamily="18" charset="0"/>
+                          </a:rPr>
+                        </m:ctrlPr>
+                      </m:fPr>
+                      <m:num>
+                        <m:r>
+                          <a:rPr lang="ru-RU" b="0" i="1" smtClean="0">
+                            <a:ln w="0"/>
+                            <a:solidFill>
+                              <a:schemeClr val="tx1"/>
+                            </a:solidFill>
+                            <a:effectLst>
+                              <a:outerShdw blurRad="38100" dist="25400" dir="5400000" algn="ctr" rotWithShape="0">
+                                <a:srgbClr val="6E747A">
+                                  <a:alpha val="43000"/>
+                                </a:srgbClr>
+                              </a:outerShdw>
+                            </a:effectLst>
+                            <a:latin typeface="Cambria Math" panose="02040503050406030204" pitchFamily="18" charset="0"/>
+                            <a:ea typeface="Cambria Math" panose="02040503050406030204" pitchFamily="18" charset="0"/>
+                          </a:rPr>
+                          <m:t>рад</m:t>
+                        </m:r>
+                      </m:num>
+                      <m:den>
+                        <m:r>
+                          <a:rPr lang="ru-RU" b="0" i="1" smtClean="0">
+                            <a:ln w="0"/>
+                            <a:solidFill>
+                              <a:schemeClr val="tx1"/>
+                            </a:solidFill>
+                            <a:effectLst>
+                              <a:outerShdw blurRad="38100" dist="25400" dir="5400000" algn="ctr" rotWithShape="0">
+                                <a:srgbClr val="6E747A">
+                                  <a:alpha val="43000"/>
+                                </a:srgbClr>
+                              </a:outerShdw>
+                            </a:effectLst>
+                            <a:latin typeface="Cambria Math" panose="02040503050406030204" pitchFamily="18" charset="0"/>
+                            <a:ea typeface="Cambria Math" panose="02040503050406030204" pitchFamily="18" charset="0"/>
+                          </a:rPr>
+                          <m:t>с</m:t>
+                        </m:r>
+                      </m:den>
+                    </m:f>
+                  </m:oMath>
+                </a14:m>
+                <a:r>
+                  <a:rPr lang="en-US" dirty="0">
+                    <a:solidFill>
+                      <a:schemeClr val="tx1"/>
+                    </a:solidFill>
+                    <a:latin typeface="+mj-lt"/>
+                  </a:rPr>
+                  <a:t> </a:t>
+                </a:r>
+                <a:endParaRPr lang="ru-RU" dirty="0">
+                  <a:latin typeface="+mj-lt"/>
+                </a:endParaRPr>
+              </a:p>
+              <a:p>
+                <a:pPr/>
+                <a14:m>
+                  <m:oMathPara xmlns:m="http://schemas.openxmlformats.org/officeDocument/2006/math">
+                    <m:oMathParaPr>
+                      <m:jc m:val="centerGroup"/>
+                    </m:oMathParaPr>
+                    <m:oMath xmlns:m="http://schemas.openxmlformats.org/officeDocument/2006/math">
+                      <m:r>
+                        <a:rPr lang="ru-RU" i="1" smtClean="0">
+                          <a:latin typeface="Cambria Math" panose="02040503050406030204" pitchFamily="18" charset="0"/>
+                          <a:ea typeface="Cambria Math" panose="02040503050406030204" pitchFamily="18" charset="0"/>
+                        </a:rPr>
+                        <m:t>𝜔</m:t>
+                      </m:r>
+                      <m:r>
+                        <a:rPr lang="en-US" b="0" i="1" smtClean="0">
+                          <a:latin typeface="Cambria Math" panose="02040503050406030204" pitchFamily="18" charset="0"/>
+                          <a:ea typeface="Cambria Math" panose="02040503050406030204" pitchFamily="18" charset="0"/>
+                        </a:rPr>
+                        <m:t> ≫</m:t>
+                      </m:r>
+                      <m:sSub>
+                        <m:sSubPr>
+                          <m:ctrlPr>
+                            <a:rPr lang="ru-RU" i="1" smtClean="0">
+                              <a:latin typeface="Cambria Math" panose="02040503050406030204" pitchFamily="18" charset="0"/>
+                            </a:rPr>
+                          </m:ctrlPr>
+                        </m:sSubPr>
+                        <m:e>
+                          <m:r>
+                            <a:rPr lang="ru-RU" i="1" smtClean="0">
+                              <a:latin typeface="Cambria Math" panose="02040503050406030204" pitchFamily="18" charset="0"/>
+                              <a:ea typeface="Cambria Math" panose="02040503050406030204" pitchFamily="18" charset="0"/>
+                            </a:rPr>
+                            <m:t>𝜔</m:t>
+                          </m:r>
+                        </m:e>
+                        <m:sub>
+                          <m:r>
+                            <a:rPr lang="en-US" b="0" i="1" smtClean="0">
+                              <a:latin typeface="Cambria Math" panose="02040503050406030204" pitchFamily="18" charset="0"/>
+                            </a:rPr>
+                            <m:t>0</m:t>
+                          </m:r>
+                        </m:sub>
+                      </m:sSub>
+                      <m:r>
+                        <a:rPr lang="en-US" b="0" i="1" smtClean="0">
+                          <a:latin typeface="Cambria Math" panose="02040503050406030204" pitchFamily="18" charset="0"/>
+                          <a:ea typeface="Cambria Math" panose="02040503050406030204" pitchFamily="18" charset="0"/>
+                        </a:rPr>
+                        <m:t>→</m:t>
+                      </m:r>
+                      <m:r>
+                        <a:rPr lang="ru-RU" b="0" i="0" smtClean="0">
+                          <a:latin typeface="Cambria Math" panose="02040503050406030204" pitchFamily="18" charset="0"/>
+                          <a:ea typeface="Cambria Math" panose="02040503050406030204" pitchFamily="18" charset="0"/>
+                        </a:rPr>
+                        <m:t>система работает как интегратор</m:t>
+                      </m:r>
+                    </m:oMath>
+                  </m:oMathPara>
+                </a14:m>
+                <a:endParaRPr lang="en-US" i="1" dirty="0">
+                  <a:latin typeface="Cambria Math" panose="02040503050406030204" pitchFamily="18" charset="0"/>
+                </a:endParaRPr>
+              </a:p>
+              <a:p>
+                <a:pPr/>
+                <a14:m>
+                  <m:oMathPara xmlns:m="http://schemas.openxmlformats.org/officeDocument/2006/math">
+                    <m:oMathParaPr>
+                      <m:jc m:val="centerGroup"/>
+                    </m:oMathParaPr>
+                    <m:oMath xmlns:m="http://schemas.openxmlformats.org/officeDocument/2006/math">
+                      <m:r>
+                        <a:rPr lang="ru-RU" i="1">
+                          <a:latin typeface="Cambria Math" panose="02040503050406030204" pitchFamily="18" charset="0"/>
+                        </a:rPr>
+                        <m:t>𝐽</m:t>
+                      </m:r>
+                      <m:acc>
+                        <m:accPr>
+                          <m:chr m:val="̈"/>
+                          <m:ctrlPr>
+                            <a:rPr lang="ru-RU" i="1">
+                              <a:latin typeface="Cambria Math" panose="02040503050406030204" pitchFamily="18" charset="0"/>
+                            </a:rPr>
+                          </m:ctrlPr>
+                        </m:accPr>
+                        <m:e>
+                          <m:r>
+                            <a:rPr lang="ru-RU" i="1">
+                              <a:latin typeface="Cambria Math" panose="02040503050406030204" pitchFamily="18" charset="0"/>
+                            </a:rPr>
+                            <m:t>𝜑</m:t>
+                          </m:r>
+                        </m:e>
+                      </m:acc>
+                      <m:r>
+                        <a:rPr lang="en-US" b="0" i="1" smtClean="0">
+                          <a:latin typeface="Cambria Math" panose="02040503050406030204" pitchFamily="18" charset="0"/>
+                        </a:rPr>
+                        <m:t>(</m:t>
+                      </m:r>
+                      <m:r>
+                        <a:rPr lang="en-US" b="0" i="1" smtClean="0">
+                          <a:latin typeface="Cambria Math" panose="02040503050406030204" pitchFamily="18" charset="0"/>
+                        </a:rPr>
+                        <m:t>𝑡</m:t>
+                      </m:r>
+                      <m:r>
+                        <a:rPr lang="en-US" b="0" i="1" smtClean="0">
+                          <a:latin typeface="Cambria Math" panose="02040503050406030204" pitchFamily="18" charset="0"/>
+                        </a:rPr>
+                        <m:t>)</m:t>
+                      </m:r>
+                      <m:r>
+                        <a:rPr lang="en-US" b="0" i="1" smtClean="0">
+                          <a:latin typeface="Cambria Math" panose="02040503050406030204" pitchFamily="18" charset="0"/>
+                          <a:ea typeface="Cambria Math" panose="02040503050406030204" pitchFamily="18" charset="0"/>
+                        </a:rPr>
+                        <m:t>≈</m:t>
+                      </m:r>
+                      <m:r>
+                        <a:rPr lang="ru-RU" i="1">
+                          <a:latin typeface="Cambria Math" panose="02040503050406030204" pitchFamily="18" charset="0"/>
+                        </a:rPr>
+                        <m:t>𝑀</m:t>
+                      </m:r>
+                      <m:d>
+                        <m:dPr>
+                          <m:ctrlPr>
+                            <a:rPr lang="ru-RU" i="1">
+                              <a:latin typeface="Cambria Math" panose="02040503050406030204" pitchFamily="18" charset="0"/>
+                            </a:rPr>
+                          </m:ctrlPr>
+                        </m:dPr>
+                        <m:e>
+                          <m:r>
+                            <a:rPr lang="ru-RU" i="1">
+                              <a:latin typeface="Cambria Math" panose="02040503050406030204" pitchFamily="18" charset="0"/>
+                            </a:rPr>
+                            <m:t>𝑡</m:t>
+                          </m:r>
+                        </m:e>
+                      </m:d>
+                    </m:oMath>
+                  </m:oMathPara>
+                </a14:m>
                 <a:endParaRPr lang="ru-RU" dirty="0">
                   <a:latin typeface="+mj-lt"/>
                 </a:endParaRPr>
@@ -5898,233 +6461,8 @@
                   </a:rPr>
                   <a:t>		</a:t>
                 </a:r>
-                <a14:m>
-                  <m:oMath xmlns:m="http://schemas.openxmlformats.org/officeDocument/2006/math">
-                    <m:acc>
-                      <m:accPr>
-                        <m:chr m:val="̈"/>
-                        <m:ctrlPr>
-                          <a:rPr lang="ru-RU" i="1">
-                            <a:latin typeface="Cambria Math" panose="02040503050406030204" pitchFamily="18" charset="0"/>
-                          </a:rPr>
-                        </m:ctrlPr>
-                      </m:accPr>
-                      <m:e>
-                        <m:r>
-                          <a:rPr lang="ru-RU" i="1">
-                            <a:latin typeface="Cambria Math" panose="02040503050406030204" pitchFamily="18" charset="0"/>
-                          </a:rPr>
-                          <m:t>𝜑</m:t>
-                        </m:r>
-                        <m:r>
-                          <a:rPr lang="ru-RU" i="1">
-                            <a:latin typeface="Cambria Math" panose="02040503050406030204" pitchFamily="18" charset="0"/>
-                          </a:rPr>
-                          <m:t>(</m:t>
-                        </m:r>
-                        <m:r>
-                          <a:rPr lang="ru-RU" i="1">
-                            <a:latin typeface="Cambria Math" panose="02040503050406030204" pitchFamily="18" charset="0"/>
-                          </a:rPr>
-                          <m:t>𝑡</m:t>
-                        </m:r>
-                        <m:r>
-                          <a:rPr lang="ru-RU" i="1">
-                            <a:latin typeface="Cambria Math" panose="02040503050406030204" pitchFamily="18" charset="0"/>
-                          </a:rPr>
-                          <m:t>)</m:t>
-                        </m:r>
-                      </m:e>
-                    </m:acc>
-                    <m:r>
-                      <a:rPr lang="ru-RU" i="1">
-                        <a:latin typeface="Cambria Math" panose="02040503050406030204" pitchFamily="18" charset="0"/>
-                      </a:rPr>
-                      <m:t>+2</m:t>
-                    </m:r>
-                    <m:r>
-                      <a:rPr lang="ru-RU" i="1">
-                        <a:latin typeface="Cambria Math" panose="02040503050406030204" pitchFamily="18" charset="0"/>
-                      </a:rPr>
-                      <m:t>𝜉</m:t>
-                    </m:r>
-                    <m:acc>
-                      <m:accPr>
-                        <m:chr m:val="̇"/>
-                        <m:ctrlPr>
-                          <a:rPr lang="ru-RU" i="1">
-                            <a:latin typeface="Cambria Math" panose="02040503050406030204" pitchFamily="18" charset="0"/>
-                          </a:rPr>
-                        </m:ctrlPr>
-                      </m:accPr>
-                      <m:e>
-                        <m:r>
-                          <a:rPr lang="ru-RU" i="1">
-                            <a:latin typeface="Cambria Math" panose="02040503050406030204" pitchFamily="18" charset="0"/>
-                          </a:rPr>
-                          <m:t>𝜑</m:t>
-                        </m:r>
-                        <m:r>
-                          <a:rPr lang="ru-RU" i="1">
-                            <a:latin typeface="Cambria Math" panose="02040503050406030204" pitchFamily="18" charset="0"/>
-                          </a:rPr>
-                          <m:t>(</m:t>
-                        </m:r>
-                        <m:r>
-                          <a:rPr lang="ru-RU" i="1">
-                            <a:latin typeface="Cambria Math" panose="02040503050406030204" pitchFamily="18" charset="0"/>
-                          </a:rPr>
-                          <m:t>𝑡</m:t>
-                        </m:r>
-                        <m:r>
-                          <a:rPr lang="ru-RU" i="1">
-                            <a:latin typeface="Cambria Math" panose="02040503050406030204" pitchFamily="18" charset="0"/>
-                          </a:rPr>
-                          <m:t>)</m:t>
-                        </m:r>
-                      </m:e>
-                    </m:acc>
-                    <m:r>
-                      <a:rPr lang="ru-RU" i="1">
-                        <a:latin typeface="Cambria Math" panose="02040503050406030204" pitchFamily="18" charset="0"/>
-                      </a:rPr>
-                      <m:t>+</m:t>
-                    </m:r>
-                    <m:sSubSup>
-                      <m:sSubSupPr>
-                        <m:ctrlPr>
-                          <a:rPr lang="ru-RU" i="1" smtClean="0">
-                            <a:latin typeface="Cambria Math" panose="02040503050406030204" pitchFamily="18" charset="0"/>
-                          </a:rPr>
-                        </m:ctrlPr>
-                      </m:sSubSupPr>
-                      <m:e>
-                        <m:r>
-                          <a:rPr lang="ru-RU" i="1">
-                            <a:latin typeface="Cambria Math" panose="02040503050406030204" pitchFamily="18" charset="0"/>
-                          </a:rPr>
-                          <m:t>𝜔</m:t>
-                        </m:r>
-                      </m:e>
-                      <m:sub>
-                        <m:r>
-                          <a:rPr lang="ru-RU" b="0" i="1" smtClean="0">
-                            <a:latin typeface="Cambria Math" panose="02040503050406030204" pitchFamily="18" charset="0"/>
-                          </a:rPr>
-                          <m:t>0</m:t>
-                        </m:r>
-                      </m:sub>
-                      <m:sup>
-                        <m:r>
-                          <a:rPr lang="ru-RU" b="0" i="1" smtClean="0">
-                            <a:latin typeface="Cambria Math" panose="02040503050406030204" pitchFamily="18" charset="0"/>
-                          </a:rPr>
-                          <m:t>2</m:t>
-                        </m:r>
-                      </m:sup>
-                    </m:sSubSup>
-                    <m:r>
-                      <a:rPr lang="ru-RU" i="1">
-                        <a:latin typeface="Cambria Math" panose="02040503050406030204" pitchFamily="18" charset="0"/>
-                      </a:rPr>
-                      <m:t>∗</m:t>
-                    </m:r>
-                    <m:r>
-                      <a:rPr lang="ru-RU" i="1">
-                        <a:latin typeface="Cambria Math" panose="02040503050406030204" pitchFamily="18" charset="0"/>
-                      </a:rPr>
-                      <m:t>𝜑</m:t>
-                    </m:r>
-                    <m:r>
-                      <a:rPr lang="ru-RU" i="1">
-                        <a:latin typeface="Cambria Math" panose="02040503050406030204" pitchFamily="18" charset="0"/>
-                      </a:rPr>
-                      <m:t>(</m:t>
-                    </m:r>
-                    <m:r>
-                      <a:rPr lang="en-US" i="1">
-                        <a:latin typeface="Cambria Math" panose="02040503050406030204" pitchFamily="18" charset="0"/>
-                      </a:rPr>
-                      <m:t>𝑡</m:t>
-                    </m:r>
-                    <m:r>
-                      <a:rPr lang="ru-RU" i="1">
-                        <a:latin typeface="Cambria Math" panose="02040503050406030204" pitchFamily="18" charset="0"/>
-                      </a:rPr>
-                      <m:t>)=</m:t>
-                    </m:r>
-                    <m:f>
-                      <m:fPr>
-                        <m:ctrlPr>
-                          <a:rPr lang="ru-RU" i="1">
-                            <a:latin typeface="Cambria Math" panose="02040503050406030204" pitchFamily="18" charset="0"/>
-                          </a:rPr>
-                        </m:ctrlPr>
-                      </m:fPr>
-                      <m:num>
-                        <m:r>
-                          <a:rPr lang="ru-RU" i="1">
-                            <a:latin typeface="Cambria Math" panose="02040503050406030204" pitchFamily="18" charset="0"/>
-                          </a:rPr>
-                          <m:t>𝑀</m:t>
-                        </m:r>
-                        <m:d>
-                          <m:dPr>
-                            <m:ctrlPr>
-                              <a:rPr lang="ru-RU" i="1">
-                                <a:latin typeface="Cambria Math" panose="02040503050406030204" pitchFamily="18" charset="0"/>
-                              </a:rPr>
-                            </m:ctrlPr>
-                          </m:dPr>
-                          <m:e>
-                            <m:r>
-                              <a:rPr lang="ru-RU" i="1">
-                                <a:latin typeface="Cambria Math" panose="02040503050406030204" pitchFamily="18" charset="0"/>
-                              </a:rPr>
-                              <m:t>𝑡</m:t>
-                            </m:r>
-                          </m:e>
-                        </m:d>
-                      </m:num>
-                      <m:den>
-                        <m:r>
-                          <a:rPr lang="ru-RU" i="1">
-                            <a:latin typeface="Cambria Math" panose="02040503050406030204" pitchFamily="18" charset="0"/>
-                          </a:rPr>
-                          <m:t>𝐽</m:t>
-                        </m:r>
-                      </m:den>
-                    </m:f>
-                  </m:oMath>
-                </a14:m>
-                <a:endParaRPr lang="ru-RU" dirty="0">
-                  <a:latin typeface="+mj-lt"/>
-                </a:endParaRPr>
               </a:p>
               <a:p>
-                <a:endParaRPr lang="ru-RU" dirty="0">
-                  <a:latin typeface="+mj-lt"/>
-                </a:endParaRPr>
-              </a:p>
-              <a:p>
-                <a:r>
-                  <a:rPr lang="ru-RU" dirty="0"/>
-                  <a:t>Колебательное звено </a:t>
-                </a:r>
-                <a:r>
-                  <a:rPr lang="ru-RU" b="1" dirty="0"/>
-                  <a:t>не искажает сигнал</a:t>
-                </a:r>
-                <a:r>
-                  <a:rPr lang="ru-RU" dirty="0"/>
-                  <a:t> по амплитуде </a:t>
-                </a:r>
-              </a:p>
-              <a:p>
-                <a:r>
-                  <a:rPr lang="ru-RU" dirty="0"/>
-                  <a:t>и фазе вблизи собственной частоты.</a:t>
-                </a:r>
                 <a:endParaRPr lang="ru-RU" dirty="0">
                   <a:latin typeface="+mj-lt"/>
                 </a:endParaRPr>
@@ -6144,7 +6482,7 @@
             <p:spPr>
               <a:xfrm>
                 <a:off x="4019886" y="587486"/>
-                <a:ext cx="8013732" cy="2490105"/>
+                <a:ext cx="8013732" cy="3242683"/>
               </a:xfrm>
               <a:prstGeom prst="rect">
                 <a:avLst/>
@@ -6152,7 +6490,7 @@
               <a:blipFill>
                 <a:blip r:embed="rId4"/>
                 <a:stretch>
-                  <a:fillRect l="-608" t="-1222" b="-2934"/>
+                  <a:fillRect l="-608" t="-940"/>
                 </a:stretch>
               </a:blipFill>
             </p:spPr>
@@ -6171,238 +6509,6 @@
           </p:sp>
         </mc:Fallback>
       </mc:AlternateContent>
-      <mc:AlternateContent xmlns:mc="http://schemas.openxmlformats.org/markup-compatibility/2006">
-        <mc:Choice xmlns:a14="http://schemas.microsoft.com/office/drawing/2010/main" Requires="a14">
-          <p:sp>
-            <p:nvSpPr>
-              <p:cNvPr id="8" name="Прямоугольник 7"/>
-              <p:cNvSpPr/>
-              <p:nvPr/>
-            </p:nvSpPr>
-            <p:spPr>
-              <a:xfrm>
-                <a:off x="5438869" y="3877193"/>
-                <a:ext cx="6307653" cy="1876091"/>
-              </a:xfrm>
-              <a:prstGeom prst="rect">
-                <a:avLst/>
-              </a:prstGeom>
-            </p:spPr>
-            <p:txBody>
-              <a:bodyPr wrap="square">
-                <a:spAutoFit/>
-              </a:bodyPr>
-              <a:lstStyle/>
-              <a:p>
-                <a:r>
-                  <a:rPr lang="ru-RU" b="1" dirty="0"/>
-                  <a:t>Момент от </a:t>
-                </a:r>
-                <a:r>
-                  <a:rPr lang="ru-RU" b="1" dirty="0" err="1"/>
-                  <a:t>перенацеливания</a:t>
-                </a:r>
-                <a:r>
-                  <a:rPr lang="ru-RU" dirty="0"/>
-                  <a:t> — меандр с периодом </a:t>
-                </a:r>
-                <a:r>
-                  <a:rPr lang="en-US" dirty="0"/>
-                  <a:t> </a:t>
-                </a:r>
-                <a:r>
-                  <a:rPr lang="en-US" i="1" dirty="0"/>
-                  <a:t>T</a:t>
-                </a:r>
-                <a:r>
-                  <a:rPr lang="en-US" dirty="0"/>
-                  <a:t> = </a:t>
-                </a:r>
-                <a:r>
-                  <a:rPr lang="ru-RU" dirty="0"/>
-                  <a:t>4 с.</a:t>
-                </a:r>
-                <a:br>
-                  <a:rPr lang="ru-RU" dirty="0"/>
-                </a:br>
-                <a:r>
-                  <a:rPr lang="ru-RU" b="1" dirty="0"/>
-                  <a:t>Частота </a:t>
-                </a:r>
-                <a14:m>
-                  <m:oMath xmlns:m="http://schemas.openxmlformats.org/officeDocument/2006/math">
-                    <m:r>
-                      <m:rPr>
-                        <m:sty m:val="p"/>
-                      </m:rPr>
-                      <a:rPr lang="ru-RU" b="0" i="0" smtClean="0">
-                        <a:latin typeface="Cambria Math" panose="02040503050406030204" pitchFamily="18" charset="0"/>
-                        <a:ea typeface="Cambria Math" panose="02040503050406030204" pitchFamily="18" charset="0"/>
-                      </a:rPr>
-                      <m:t>ω</m:t>
-                    </m:r>
-                    <m:r>
-                      <a:rPr lang="ru-RU" b="0" i="1" smtClean="0">
-                        <a:latin typeface="Cambria Math" panose="02040503050406030204" pitchFamily="18" charset="0"/>
-                        <a:ea typeface="Cambria Math" panose="02040503050406030204" pitchFamily="18" charset="0"/>
-                      </a:rPr>
-                      <m:t>= </m:t>
-                    </m:r>
-                    <m:f>
-                      <m:fPr>
-                        <m:ctrlPr>
-                          <a:rPr lang="ru-RU" i="1" smtClean="0">
-                            <a:latin typeface="Cambria Math" panose="02040503050406030204" pitchFamily="18" charset="0"/>
-                            <a:ea typeface="Cambria Math" panose="02040503050406030204" pitchFamily="18" charset="0"/>
-                          </a:rPr>
-                        </m:ctrlPr>
-                      </m:fPr>
-                      <m:num>
-                        <m:r>
-                          <a:rPr lang="ru-RU" b="0" i="1" smtClean="0">
-                            <a:latin typeface="Cambria Math" panose="02040503050406030204" pitchFamily="18" charset="0"/>
-                            <a:ea typeface="Cambria Math" panose="02040503050406030204" pitchFamily="18" charset="0"/>
-                          </a:rPr>
-                          <m:t>2</m:t>
-                        </m:r>
-                        <m:r>
-                          <m:rPr>
-                            <m:sty m:val="p"/>
-                          </m:rPr>
-                          <a:rPr lang="ru-RU" b="0" i="0" smtClean="0">
-                            <a:latin typeface="Cambria Math" panose="02040503050406030204" pitchFamily="18" charset="0"/>
-                            <a:ea typeface="Cambria Math" panose="02040503050406030204" pitchFamily="18" charset="0"/>
-                          </a:rPr>
-                          <m:t>π</m:t>
-                        </m:r>
-                      </m:num>
-                      <m:den>
-                        <m:r>
-                          <a:rPr lang="en-US" b="0" i="1" smtClean="0">
-                            <a:latin typeface="Cambria Math" panose="02040503050406030204" pitchFamily="18" charset="0"/>
-                            <a:ea typeface="Cambria Math" panose="02040503050406030204" pitchFamily="18" charset="0"/>
-                          </a:rPr>
-                          <m:t>𝑇</m:t>
-                        </m:r>
-                      </m:den>
-                    </m:f>
-                    <m:r>
-                      <a:rPr lang="ru-RU" b="0" i="1" smtClean="0">
-                        <a:latin typeface="Cambria Math" panose="02040503050406030204" pitchFamily="18" charset="0"/>
-                        <a:ea typeface="Cambria Math" panose="02040503050406030204" pitchFamily="18" charset="0"/>
-                      </a:rPr>
-                      <m:t>=1.57 </m:t>
-                    </m:r>
-                    <m:f>
-                      <m:fPr>
-                        <m:ctrlPr>
-                          <a:rPr lang="ru-RU" i="1" smtClean="0">
-                            <a:latin typeface="Cambria Math" panose="02040503050406030204" pitchFamily="18" charset="0"/>
-                            <a:ea typeface="Cambria Math" panose="02040503050406030204" pitchFamily="18" charset="0"/>
-                          </a:rPr>
-                        </m:ctrlPr>
-                      </m:fPr>
-                      <m:num>
-                        <m:r>
-                          <a:rPr lang="ru-RU" b="0" i="1" smtClean="0">
-                            <a:latin typeface="Cambria Math" panose="02040503050406030204" pitchFamily="18" charset="0"/>
-                            <a:ea typeface="Cambria Math" panose="02040503050406030204" pitchFamily="18" charset="0"/>
-                          </a:rPr>
-                          <m:t>рад</m:t>
-                        </m:r>
-                      </m:num>
-                      <m:den>
-                        <m:r>
-                          <a:rPr lang="ru-RU" b="0" i="1" smtClean="0">
-                            <a:latin typeface="Cambria Math" panose="02040503050406030204" pitchFamily="18" charset="0"/>
-                            <a:ea typeface="Cambria Math" panose="02040503050406030204" pitchFamily="18" charset="0"/>
-                          </a:rPr>
-                          <m:t>с</m:t>
-                        </m:r>
-                      </m:den>
-                    </m:f>
-                  </m:oMath>
-                </a14:m>
-                <a:r>
-                  <a:rPr lang="en-US" dirty="0"/>
-                  <a:t> </a:t>
-                </a:r>
-                <a:br>
-                  <a:rPr lang="ru-RU" dirty="0"/>
-                </a:br>
-                <a:br>
-                  <a:rPr lang="ru-RU" dirty="0"/>
-                </a:br>
-                <a:r>
-                  <a:rPr lang="ru-RU" dirty="0"/>
-                  <a:t>Для точного измерения остаточного момента:</a:t>
-                </a:r>
-              </a:p>
-              <a:p>
-                <a:pPr>
-                  <a:buFont typeface="Arial" panose="020B0604020202020204" pitchFamily="34" charset="0"/>
-                  <a:buChar char="•"/>
-                </a:pPr>
-                <a:r>
-                  <a:rPr lang="ru-RU" dirty="0"/>
-                  <a:t>Период собственных колебаний должен быть </a:t>
-                </a:r>
-                <a:r>
-                  <a:rPr lang="ru-RU" b="1" dirty="0"/>
-                  <a:t>≥ 10–12 с</a:t>
-                </a:r>
-                <a:r>
-                  <a:rPr lang="ru-RU" dirty="0"/>
-                  <a:t>.</a:t>
-                </a:r>
-              </a:p>
-              <a:p>
-                <a:endParaRPr lang="ru-RU" dirty="0">
-                  <a:latin typeface="+mj-lt"/>
-                </a:endParaRPr>
-              </a:p>
-            </p:txBody>
-          </p:sp>
-        </mc:Choice>
-        <mc:Fallback>
-          <p:sp>
-            <p:nvSpPr>
-              <p:cNvPr id="8" name="Прямоугольник 7"/>
-              <p:cNvSpPr>
-                <a:spLocks noRot="1" noChangeAspect="1" noMove="1" noResize="1" noEditPoints="1" noAdjustHandles="1" noChangeArrowheads="1" noChangeShapeType="1" noTextEdit="1"/>
-              </p:cNvSpPr>
-              <p:nvPr/>
-            </p:nvSpPr>
-            <p:spPr>
-              <a:xfrm>
-                <a:off x="5438869" y="3877193"/>
-                <a:ext cx="6307653" cy="1876091"/>
-              </a:xfrm>
-              <a:prstGeom prst="rect">
-                <a:avLst/>
-              </a:prstGeom>
-              <a:blipFill>
-                <a:blip r:embed="rId5"/>
-                <a:stretch>
-                  <a:fillRect l="-773" t="-1623"/>
-                </a:stretch>
-              </a:blipFill>
-            </p:spPr>
-            <p:txBody>
-              <a:bodyPr/>
-              <a:lstStyle/>
-              <a:p>
-                <a:r>
-                  <a:rPr lang="en-US">
-                    <a:noFill/>
-                  </a:rPr>
-                  <a:t> </a:t>
-                </a:r>
-              </a:p>
-            </p:txBody>
-          </p:sp>
-        </mc:Fallback>
-      </mc:AlternateContent>
       <p:sp>
         <p:nvSpPr>
           <p:cNvPr id="10" name="Прямоугольник 9"/>
@@ -6459,6 +6565,79 @@
                 <a:latin typeface="+mj-lt"/>
               </a:rPr>
               <a:t>Рисунок 3 – Возмущающий момент</a:t>
+            </a:r>
+          </a:p>
+        </p:txBody>
+      </p:sp>
+      <p:pic>
+        <p:nvPicPr>
+          <p:cNvPr id="12" name="Picture 11">
+            <a:extLst>
+              <a:ext uri="{FF2B5EF4-FFF2-40B4-BE49-F238E27FC236}">
+                <a16:creationId xmlns:a16="http://schemas.microsoft.com/office/drawing/2014/main" id="{82C7751B-DD94-4CD2-B950-26B6AC7AB58A}"/>
+              </a:ext>
+            </a:extLst>
+          </p:cNvPr>
+          <p:cNvPicPr>
+            <a:picLocks noChangeAspect="1"/>
+          </p:cNvPicPr>
+          <p:nvPr/>
+        </p:nvPicPr>
+        <p:blipFill>
+          <a:blip r:embed="rId5">
+            <a:extLst>
+              <a:ext uri="{28A0092B-C50C-407E-A947-70E740481C1C}">
+                <a14:useLocalDpi xmlns:a14="http://schemas.microsoft.com/office/drawing/2010/main" val="0"/>
+              </a:ext>
+            </a:extLst>
+          </a:blip>
+          <a:stretch>
+            <a:fillRect/>
+          </a:stretch>
+        </p:blipFill>
+        <p:spPr>
+          <a:xfrm>
+            <a:off x="5992242" y="3194942"/>
+            <a:ext cx="4399082" cy="3075572"/>
+          </a:xfrm>
+          <a:prstGeom prst="rect">
+            <a:avLst/>
+          </a:prstGeom>
+        </p:spPr>
+      </p:pic>
+      <p:sp>
+        <p:nvSpPr>
+          <p:cNvPr id="13" name="TextBox 12">
+            <a:extLst>
+              <a:ext uri="{FF2B5EF4-FFF2-40B4-BE49-F238E27FC236}">
+                <a16:creationId xmlns:a16="http://schemas.microsoft.com/office/drawing/2014/main" id="{6218CB20-F134-4F69-8209-D76CC883FC58}"/>
+              </a:ext>
+            </a:extLst>
+          </p:cNvPr>
+          <p:cNvSpPr txBox="1"/>
+          <p:nvPr/>
+        </p:nvSpPr>
+        <p:spPr>
+          <a:xfrm>
+            <a:off x="5509114" y="6215747"/>
+            <a:ext cx="6202972" cy="646331"/>
+          </a:xfrm>
+          <a:prstGeom prst="rect">
+            <a:avLst/>
+          </a:prstGeom>
+          <a:noFill/>
+        </p:spPr>
+        <p:txBody>
+          <a:bodyPr wrap="square">
+            <a:spAutoFit/>
+          </a:bodyPr>
+          <a:lstStyle/>
+          <a:p>
+            <a:r>
+              <a:rPr lang="ru-RU" sz="1800" dirty="0">
+                <a:latin typeface="+mj-lt"/>
+              </a:rPr>
+              <a:t>Рисунок 4 – Ускорение рамы с различным декрементом затухания</a:t>
             </a:r>
           </a:p>
         </p:txBody>
@@ -6495,7 +6674,13 @@
       </p:grpSpPr>
       <p:sp>
         <p:nvSpPr>
-          <p:cNvPr id="2" name="Номер слайда 1"/>
+          <p:cNvPr id="4" name="Номер слайда 3">
+            <a:extLst>
+              <a:ext uri="{FF2B5EF4-FFF2-40B4-BE49-F238E27FC236}">
+                <a16:creationId xmlns:a16="http://schemas.microsoft.com/office/drawing/2014/main" id="{FA27ABEE-315A-4D20-92C1-C12964519599}"/>
+              </a:ext>
+            </a:extLst>
+          </p:cNvPr>
           <p:cNvSpPr>
             <a:spLocks noGrp="1"/>
           </p:cNvSpPr>
@@ -6518,370 +6703,6 @@
       </p:sp>
       <p:sp>
         <p:nvSpPr>
-          <p:cNvPr id="3" name="Title 1">
-            <a:extLst>
-              <a:ext uri="{FF2B5EF4-FFF2-40B4-BE49-F238E27FC236}">
-                <a16:creationId xmlns:a16="http://schemas.microsoft.com/office/drawing/2014/main" id="{8EB6CE9A-6352-452A-A5DB-40AD19D0FA79}"/>
-              </a:ext>
-            </a:extLst>
-          </p:cNvPr>
-          <p:cNvSpPr txBox="1">
-            <a:spLocks/>
-          </p:cNvSpPr>
-          <p:nvPr/>
-        </p:nvSpPr>
-        <p:spPr>
-          <a:xfrm>
-            <a:off x="0" y="0"/>
-            <a:ext cx="11108267" cy="903161"/>
-          </a:xfrm>
-          <a:prstGeom prst="rect">
-            <a:avLst/>
-          </a:prstGeom>
-        </p:spPr>
-        <p:txBody>
-          <a:bodyPr>
-            <a:normAutofit fontScale="97500"/>
-          </a:bodyPr>
-          <a:lstStyle>
-            <a:lvl1pPr algn="l" defTabSz="914400" rtl="0" eaLnBrk="1" latinLnBrk="0" hangingPunct="1">
-              <a:lnSpc>
-                <a:spcPct val="90000"/>
-              </a:lnSpc>
-              <a:spcBef>
-                <a:spcPct val="0"/>
-              </a:spcBef>
-              <a:buNone/>
-              <a:defRPr sz="4400" kern="1200">
-                <a:solidFill>
-                  <a:schemeClr val="tx1"/>
-                </a:solidFill>
-                <a:latin typeface="+mj-lt"/>
-                <a:ea typeface="+mj-ea"/>
-                <a:cs typeface="+mj-cs"/>
-              </a:defRPr>
-            </a:lvl1pPr>
-          </a:lstStyle>
-          <a:p>
-            <a:r>
-              <a:rPr lang="ru-RU" sz="4000" dirty="0"/>
-              <a:t>Моделирование работы стенда</a:t>
-            </a:r>
-            <a:endParaRPr lang="en-US" dirty="0"/>
-          </a:p>
-        </p:txBody>
-      </p:sp>
-      <p:sp>
-        <p:nvSpPr>
-          <p:cNvPr id="8" name="Прямоугольник 7"/>
-          <p:cNvSpPr/>
-          <p:nvPr/>
-        </p:nvSpPr>
-        <p:spPr>
-          <a:xfrm>
-            <a:off x="6031524" y="729547"/>
-            <a:ext cx="6160476" cy="3416320"/>
-          </a:xfrm>
-          <a:prstGeom prst="rect">
-            <a:avLst/>
-          </a:prstGeom>
-        </p:spPr>
-        <p:txBody>
-          <a:bodyPr wrap="square">
-            <a:spAutoFit/>
-          </a:bodyPr>
-          <a:lstStyle/>
-          <a:p>
-            <a:r>
-              <a:rPr lang="ru-RU" b="1" dirty="0"/>
-              <a:t>Требования к демпфированию стенда</a:t>
-            </a:r>
-          </a:p>
-          <a:p>
-            <a:pPr>
-              <a:buFont typeface="Arial" panose="020B0604020202020204" pitchFamily="34" charset="0"/>
-              <a:buChar char="•"/>
-            </a:pPr>
-            <a:r>
-              <a:rPr lang="ru-RU" dirty="0"/>
-              <a:t>Увеличение коэффициента демпфирования </a:t>
-            </a:r>
-            <a:r>
-              <a:rPr lang="ru-RU" b="1" dirty="0"/>
-              <a:t>свыше ξ=0,1</a:t>
-            </a:r>
-            <a:br>
-              <a:rPr lang="ru-RU" dirty="0"/>
-            </a:br>
-            <a:r>
-              <a:rPr lang="ru-RU" dirty="0"/>
-              <a:t>вызывает </a:t>
-            </a:r>
-            <a:r>
-              <a:rPr lang="ru-RU" b="1" dirty="0"/>
-              <a:t>существенные искажения</a:t>
-            </a:r>
-            <a:r>
-              <a:rPr lang="ru-RU" dirty="0"/>
-              <a:t> выходного сигнала относительно входного момента.</a:t>
-            </a:r>
-          </a:p>
-          <a:p>
-            <a:pPr>
-              <a:buFont typeface="Arial" panose="020B0604020202020204" pitchFamily="34" charset="0"/>
-              <a:buChar char="•"/>
-            </a:pPr>
-            <a:r>
-              <a:rPr lang="ru-RU" dirty="0"/>
-              <a:t>Декремент затухания зависит от:</a:t>
-            </a:r>
-          </a:p>
-          <a:p>
-            <a:pPr marL="742950" lvl="1" indent="-285750">
-              <a:buFont typeface="Arial" panose="020B0604020202020204" pitchFamily="34" charset="0"/>
-              <a:buChar char="•"/>
-            </a:pPr>
-            <a:r>
-              <a:rPr lang="ru-RU" b="1" dirty="0"/>
-              <a:t>Скоростного трения</a:t>
-            </a:r>
-            <a:r>
-              <a:rPr lang="ru-RU" dirty="0"/>
-              <a:t> в оси подвеса;</a:t>
-            </a:r>
-          </a:p>
-          <a:p>
-            <a:pPr marL="742950" lvl="1" indent="-285750">
-              <a:buFont typeface="Arial" panose="020B0604020202020204" pitchFamily="34" charset="0"/>
-              <a:buChar char="•"/>
-            </a:pPr>
-            <a:r>
-              <a:rPr lang="ru-RU" b="1" dirty="0"/>
-              <a:t>Диссипативных потерь</a:t>
-            </a:r>
-            <a:r>
-              <a:rPr lang="ru-RU" dirty="0"/>
-              <a:t> в металлической струне подвеса.</a:t>
-            </a:r>
-          </a:p>
-          <a:p>
-            <a:pPr>
-              <a:buFont typeface="Arial" panose="020B0604020202020204" pitchFamily="34" charset="0"/>
-              <a:buChar char="•"/>
-            </a:pPr>
-            <a:r>
-              <a:rPr lang="ru-RU" dirty="0"/>
-              <a:t>Необходимо:</a:t>
-            </a:r>
-          </a:p>
-          <a:p>
-            <a:pPr marL="742950" lvl="1" indent="-285750">
-              <a:buFont typeface="Arial" panose="020B0604020202020204" pitchFamily="34" charset="0"/>
-              <a:buChar char="•"/>
-            </a:pPr>
-            <a:r>
-              <a:rPr lang="ru-RU" dirty="0"/>
-              <a:t>Подобрать </a:t>
-            </a:r>
-            <a:r>
-              <a:rPr lang="ru-RU" b="1" dirty="0"/>
-              <a:t>механические параметры струны</a:t>
-            </a:r>
-            <a:r>
-              <a:rPr lang="ru-RU" dirty="0"/>
-              <a:t>;</a:t>
-            </a:r>
-          </a:p>
-          <a:p>
-            <a:pPr marL="742950" lvl="1" indent="-285750">
-              <a:buFont typeface="Arial" panose="020B0604020202020204" pitchFamily="34" charset="0"/>
-              <a:buChar char="•"/>
-            </a:pPr>
-            <a:r>
-              <a:rPr lang="ru-RU" dirty="0"/>
-              <a:t>Оптимизировать </a:t>
-            </a:r>
-            <a:r>
-              <a:rPr lang="ru-RU" b="1" dirty="0"/>
-              <a:t>способ её крепления</a:t>
-            </a:r>
-            <a:r>
-              <a:rPr lang="ru-RU" dirty="0"/>
-              <a:t>;</a:t>
-            </a:r>
-          </a:p>
-          <a:p>
-            <a:pPr marL="742950" lvl="1" indent="-285750">
-              <a:buFont typeface="Arial" panose="020B0604020202020204" pitchFamily="34" charset="0"/>
-              <a:buChar char="•"/>
-            </a:pPr>
-            <a:r>
-              <a:rPr lang="ru-RU" dirty="0"/>
-              <a:t>Обеспечить ξ≤0,1</a:t>
-            </a:r>
-            <a:endParaRPr lang="ru-RU" dirty="0">
-              <a:latin typeface="+mj-lt"/>
-            </a:endParaRPr>
-          </a:p>
-        </p:txBody>
-      </p:sp>
-      <p:sp>
-        <p:nvSpPr>
-          <p:cNvPr id="10" name="Прямоугольник 9"/>
-          <p:cNvSpPr/>
-          <p:nvPr/>
-        </p:nvSpPr>
-        <p:spPr>
-          <a:xfrm>
-            <a:off x="276398" y="3605043"/>
-            <a:ext cx="4073551" cy="338554"/>
-          </a:xfrm>
-          <a:prstGeom prst="rect">
-            <a:avLst/>
-          </a:prstGeom>
-        </p:spPr>
-        <p:txBody>
-          <a:bodyPr wrap="none">
-            <a:spAutoFit/>
-          </a:bodyPr>
-          <a:lstStyle/>
-          <a:p>
-            <a:r>
-              <a:rPr lang="ru-RU" sz="1600" dirty="0">
-                <a:latin typeface="+mj-lt"/>
-              </a:rPr>
-              <a:t>Рисунок 2 – АЧХ и ФЧХ колебательного звена</a:t>
-            </a:r>
-          </a:p>
-        </p:txBody>
-      </p:sp>
-      <p:sp>
-        <p:nvSpPr>
-          <p:cNvPr id="11" name="Прямоугольник 10"/>
-          <p:cNvSpPr/>
-          <p:nvPr/>
-        </p:nvSpPr>
-        <p:spPr>
-          <a:xfrm>
-            <a:off x="164568" y="4528384"/>
-            <a:ext cx="5931432" cy="338554"/>
-          </a:xfrm>
-          <a:prstGeom prst="rect">
-            <a:avLst/>
-          </a:prstGeom>
-        </p:spPr>
-        <p:txBody>
-          <a:bodyPr wrap="square">
-            <a:spAutoFit/>
-          </a:bodyPr>
-          <a:lstStyle/>
-          <a:p>
-            <a:r>
-              <a:rPr lang="ru-RU" sz="1600" dirty="0">
-                <a:latin typeface="+mj-lt"/>
-              </a:rPr>
-              <a:t>Рисунок 4 – Ускорение рамы с различным декрементом затухания</a:t>
-            </a:r>
-          </a:p>
-        </p:txBody>
-      </p:sp>
-      <p:pic>
-        <p:nvPicPr>
-          <p:cNvPr id="16" name="Picture 15">
-            <a:extLst>
-              <a:ext uri="{FF2B5EF4-FFF2-40B4-BE49-F238E27FC236}">
-                <a16:creationId xmlns:a16="http://schemas.microsoft.com/office/drawing/2014/main" id="{7F1B7E7B-8F60-4ED4-8800-5D21EF2CF07B}"/>
-              </a:ext>
-            </a:extLst>
-          </p:cNvPr>
-          <p:cNvPicPr>
-            <a:picLocks noChangeAspect="1"/>
-          </p:cNvPicPr>
-          <p:nvPr/>
-        </p:nvPicPr>
-        <p:blipFill>
-          <a:blip r:embed="rId2">
-            <a:extLst>
-              <a:ext uri="{28A0092B-C50C-407E-A947-70E740481C1C}">
-                <a14:useLocalDpi xmlns:a14="http://schemas.microsoft.com/office/drawing/2010/main" val="0"/>
-              </a:ext>
-            </a:extLst>
-          </a:blip>
-          <a:stretch>
-            <a:fillRect/>
-          </a:stretch>
-        </p:blipFill>
-        <p:spPr>
-          <a:xfrm>
-            <a:off x="174078" y="655745"/>
-            <a:ext cx="5533909" cy="3868974"/>
-          </a:xfrm>
-          <a:prstGeom prst="rect">
-            <a:avLst/>
-          </a:prstGeom>
-        </p:spPr>
-      </p:pic>
-    </p:spTree>
-    <p:extLst>
-      <p:ext uri="{BB962C8B-B14F-4D97-AF65-F5344CB8AC3E}">
-        <p14:creationId xmlns:p14="http://schemas.microsoft.com/office/powerpoint/2010/main" val="1922539894"/>
-      </p:ext>
-    </p:extLst>
-  </p:cSld>
-  <p:clrMapOvr>
-    <a:masterClrMapping/>
-  </p:clrMapOvr>
-</p:sld>
-</file>
-
-<file path=ppt/slides/slide6.xml><?xml version="1.0" encoding="utf-8"?>
-<p:sld xmlns:a="http://schemas.openxmlformats.org/drawingml/2006/main" xmlns:r="http://schemas.openxmlformats.org/officeDocument/2006/relationships" xmlns:p="http://schemas.openxmlformats.org/presentationml/2006/main">
-  <p:cSld>
-    <p:spTree>
-      <p:nvGrpSpPr>
-        <p:cNvPr id="1" name=""/>
-        <p:cNvGrpSpPr/>
-        <p:nvPr/>
-      </p:nvGrpSpPr>
-      <p:grpSpPr>
-        <a:xfrm>
-          <a:off x="0" y="0"/>
-          <a:ext cx="0" cy="0"/>
-          <a:chOff x="0" y="0"/>
-          <a:chExt cx="0" cy="0"/>
-        </a:xfrm>
-      </p:grpSpPr>
-      <p:sp>
-        <p:nvSpPr>
-          <p:cNvPr id="4" name="Номер слайда 3">
-            <a:extLst>
-              <a:ext uri="{FF2B5EF4-FFF2-40B4-BE49-F238E27FC236}">
-                <a16:creationId xmlns:a16="http://schemas.microsoft.com/office/drawing/2014/main" id="{FA27ABEE-315A-4D20-92C1-C12964519599}"/>
-              </a:ext>
-            </a:extLst>
-          </p:cNvPr>
-          <p:cNvSpPr>
-            <a:spLocks noGrp="1"/>
-          </p:cNvSpPr>
-          <p:nvPr>
-            <p:ph type="sldNum" sz="quarter" idx="12"/>
-          </p:nvPr>
-        </p:nvSpPr>
-        <p:spPr/>
-        <p:txBody>
-          <a:bodyPr/>
-          <a:lstStyle/>
-          <a:p>
-            <a:fld id="{1F8BD534-37C6-45AF-BD63-E8CFF4C8D25C}" type="slidenum">
-              <a:rPr lang="en-US" smtClean="0"/>
-              <a:t>6</a:t>
-            </a:fld>
-            <a:endParaRPr lang="en-US"/>
-          </a:p>
-        </p:txBody>
-      </p:sp>
-      <p:sp>
-        <p:nvSpPr>
           <p:cNvPr id="7" name="Title 1">
             <a:extLst>
               <a:ext uri="{FF2B5EF4-FFF2-40B4-BE49-F238E27FC236}">
@@ -6909,10 +6730,10 @@
           <a:lstStyle/>
           <a:p>
             <a:r>
-              <a:rPr lang="ru-RU" sz="4000" dirty="0">
+              <a:rPr lang="ru-RU" sz="4000">
                 <a:latin typeface="+mj-lt"/>
               </a:rPr>
-              <a:t>Оценка момента от тестового маховика</a:t>
+              <a:t>Аттестация стенда</a:t>
             </a:r>
             <a:endParaRPr lang="en-US" dirty="0"/>
           </a:p>
@@ -6992,8 +6813,8 @@
           </a:p>
         </p:txBody>
       </p:sp>
-      <mc:AlternateContent xmlns:mc="http://schemas.openxmlformats.org/markup-compatibility/2006">
-        <mc:Choice xmlns:a14="http://schemas.microsoft.com/office/drawing/2010/main" Requires="a14">
+      <mc:AlternateContent xmlns:mc="http://schemas.openxmlformats.org/markup-compatibility/2006" xmlns:a14="http://schemas.microsoft.com/office/drawing/2010/main">
+        <mc:Choice Requires="a14">
           <p:sp>
             <p:nvSpPr>
               <p:cNvPr id="12" name="Прямоугольник 11">
@@ -7163,7 +6984,7 @@
             </p:txBody>
           </p:sp>
         </mc:Choice>
-        <mc:Fallback>
+        <mc:Fallback xmlns="">
           <p:sp>
             <p:nvSpPr>
               <p:cNvPr id="12" name="Прямоугольник 11">
@@ -7244,8 +7065,8 @@
           </a:prstGeom>
         </p:spPr>
       </p:pic>
-      <mc:AlternateContent xmlns:mc="http://schemas.openxmlformats.org/markup-compatibility/2006">
-        <mc:Choice xmlns:a14="http://schemas.microsoft.com/office/drawing/2010/main" Requires="a14">
+      <mc:AlternateContent xmlns:mc="http://schemas.openxmlformats.org/markup-compatibility/2006" xmlns:a14="http://schemas.microsoft.com/office/drawing/2010/main">
+        <mc:Choice Requires="a14">
           <p:sp>
             <p:nvSpPr>
               <p:cNvPr id="17" name="Прямоугольник 16">
@@ -7362,7 +7183,7 @@
             </p:txBody>
           </p:sp>
         </mc:Choice>
-        <mc:Fallback>
+        <mc:Fallback xmlns="">
           <p:sp>
             <p:nvSpPr>
               <p:cNvPr id="17" name="Прямоугольник 16">
@@ -7407,8 +7228,8 @@
           </p:sp>
         </mc:Fallback>
       </mc:AlternateContent>
-      <mc:AlternateContent xmlns:mc="http://schemas.openxmlformats.org/markup-compatibility/2006">
-        <mc:Choice xmlns:a14="http://schemas.microsoft.com/office/drawing/2010/main" Requires="a14">
+      <mc:AlternateContent xmlns:mc="http://schemas.openxmlformats.org/markup-compatibility/2006" xmlns:a14="http://schemas.microsoft.com/office/drawing/2010/main">
+        <mc:Choice Requires="a14">
           <p:sp>
             <p:nvSpPr>
               <p:cNvPr id="18" name="Прямоугольник 17">
@@ -7532,7 +7353,7 @@
             </p:txBody>
           </p:sp>
         </mc:Choice>
-        <mc:Fallback>
+        <mc:Fallback xmlns="">
           <p:sp>
             <p:nvSpPr>
               <p:cNvPr id="18" name="Прямоугольник 17">
@@ -7626,7 +7447,7 @@
 </p:sld>
 </file>
 
-<file path=ppt/slides/slide7.xml><?xml version="1.0" encoding="utf-8"?>
+<file path=ppt/slides/slide6.xml><?xml version="1.0" encoding="utf-8"?>
 <p:sld xmlns:a="http://schemas.openxmlformats.org/drawingml/2006/main" xmlns:r="http://schemas.openxmlformats.org/officeDocument/2006/relationships" xmlns:p="http://schemas.openxmlformats.org/presentationml/2006/main">
   <p:cSld>
     <p:spTree>
@@ -7660,7 +7481,7 @@
           <a:p>
             <a:fld id="{1F8BD534-37C6-45AF-BD63-E8CFF4C8D25C}" type="slidenum">
               <a:rPr lang="en-US" smtClean="0"/>
-              <a:t>7</a:t>
+              <a:t>6</a:t>
             </a:fld>
             <a:endParaRPr lang="en-US"/>
           </a:p>
@@ -8030,7 +7851,7 @@
 </p:sld>
 </file>
 
-<file path=ppt/slides/slide8.xml><?xml version="1.0" encoding="utf-8"?>
+<file path=ppt/slides/slide7.xml><?xml version="1.0" encoding="utf-8"?>
 <p:sld xmlns:a="http://schemas.openxmlformats.org/drawingml/2006/main" xmlns:r="http://schemas.openxmlformats.org/officeDocument/2006/relationships" xmlns:p="http://schemas.openxmlformats.org/presentationml/2006/main">
   <p:cSld>
     <p:spTree>
@@ -8070,7 +7891,7 @@
           <a:p>
             <a:fld id="{1F8BD534-37C6-45AF-BD63-E8CFF4C8D25C}" type="slidenum">
               <a:rPr lang="en-US" smtClean="0"/>
-              <a:t>8</a:t>
+              <a:t>7</a:t>
             </a:fld>
             <a:endParaRPr lang="en-US"/>
           </a:p>
@@ -8691,7 +8512,7 @@
 </p:sld>
 </file>
 
-<file path=ppt/slides/slide9.xml><?xml version="1.0" encoding="utf-8"?>
+<file path=ppt/slides/slide8.xml><?xml version="1.0" encoding="utf-8"?>
 <p:sld xmlns:a="http://schemas.openxmlformats.org/drawingml/2006/main" xmlns:r="http://schemas.openxmlformats.org/officeDocument/2006/relationships" xmlns:p="http://schemas.openxmlformats.org/presentationml/2006/main">
   <p:cSld>
     <p:spTree>
@@ -8725,7 +8546,7 @@
           <a:p>
             <a:fld id="{1F8BD534-37C6-45AF-BD63-E8CFF4C8D25C}" type="slidenum">
               <a:rPr lang="en-US" smtClean="0"/>
-              <a:t>9</a:t>
+              <a:t>8</a:t>
             </a:fld>
             <a:endParaRPr lang="en-US"/>
           </a:p>

--- a/Ppt/финальная версия.pptx
+++ b/Ppt/финальная версия.pptx
@@ -5,7 +5,7 @@
     <p:sldMasterId id="2147483648" r:id="rId1"/>
   </p:sldMasterIdLst>
   <p:notesMasterIdLst>
-    <p:notesMasterId r:id="rId10"/>
+    <p:notesMasterId r:id="rId11"/>
   </p:notesMasterIdLst>
   <p:sldIdLst>
     <p:sldId id="256" r:id="rId2"/>
@@ -13,9 +13,10 @@
     <p:sldId id="260" r:id="rId4"/>
     <p:sldId id="264" r:id="rId5"/>
     <p:sldId id="266" r:id="rId6"/>
-    <p:sldId id="261" r:id="rId7"/>
-    <p:sldId id="265" r:id="rId8"/>
-    <p:sldId id="263" r:id="rId9"/>
+    <p:sldId id="267" r:id="rId7"/>
+    <p:sldId id="261" r:id="rId8"/>
+    <p:sldId id="265" r:id="rId9"/>
+    <p:sldId id="263" r:id="rId10"/>
   </p:sldIdLst>
   <p:sldSz cx="12192000" cy="6858000"/>
   <p:notesSz cx="6858000" cy="9144000"/>
@@ -950,7 +951,7 @@
           <a:p>
             <a:fld id="{26816495-9AA8-4920-A4E3-50BBC0216EB0}" type="datetimeFigureOut">
               <a:rPr lang="en-US" smtClean="0"/>
-              <a:t>4/14/2025</a:t>
+              <a:t>4/15/2025</a:t>
             </a:fld>
             <a:endParaRPr lang="en-US"/>
           </a:p>
@@ -1364,7 +1365,7 @@
           <a:p>
             <a:fld id="{B0943E97-294B-45E9-899C-136CC89940D3}" type="datetime1">
               <a:rPr lang="en-US" smtClean="0"/>
-              <a:t>4/14/2025</a:t>
+              <a:t>4/15/2025</a:t>
             </a:fld>
             <a:endParaRPr lang="en-US"/>
           </a:p>
@@ -1562,7 +1563,7 @@
           <a:p>
             <a:fld id="{0F642BBF-B613-4ABF-8097-BCD36A2F9935}" type="datetime1">
               <a:rPr lang="en-US" smtClean="0"/>
-              <a:t>4/14/2025</a:t>
+              <a:t>4/15/2025</a:t>
             </a:fld>
             <a:endParaRPr lang="en-US"/>
           </a:p>
@@ -1770,7 +1771,7 @@
           <a:p>
             <a:fld id="{CA6AF254-F82C-4AB7-B0BE-ED6A450CD5BD}" type="datetime1">
               <a:rPr lang="en-US" smtClean="0"/>
-              <a:t>4/14/2025</a:t>
+              <a:t>4/15/2025</a:t>
             </a:fld>
             <a:endParaRPr lang="en-US"/>
           </a:p>
@@ -1968,7 +1969,7 @@
           <a:p>
             <a:fld id="{42790A59-F08E-4342-8C8B-7104600D68A6}" type="datetime1">
               <a:rPr lang="en-US" smtClean="0"/>
-              <a:t>4/14/2025</a:t>
+              <a:t>4/15/2025</a:t>
             </a:fld>
             <a:endParaRPr lang="en-US"/>
           </a:p>
@@ -2243,7 +2244,7 @@
           <a:p>
             <a:fld id="{33D8E024-D1DD-4434-8C82-FC7A0679AAF2}" type="datetime1">
               <a:rPr lang="en-US" smtClean="0"/>
-              <a:t>4/14/2025</a:t>
+              <a:t>4/15/2025</a:t>
             </a:fld>
             <a:endParaRPr lang="en-US"/>
           </a:p>
@@ -2508,7 +2509,7 @@
           <a:p>
             <a:fld id="{0FE08A43-03AE-4DD7-8FCA-7D14110C83DA}" type="datetime1">
               <a:rPr lang="en-US" smtClean="0"/>
-              <a:t>4/14/2025</a:t>
+              <a:t>4/15/2025</a:t>
             </a:fld>
             <a:endParaRPr lang="en-US"/>
           </a:p>
@@ -2920,7 +2921,7 @@
           <a:p>
             <a:fld id="{DC8CC3CC-900B-4C7A-AB2C-CE5D2E38FDED}" type="datetime1">
               <a:rPr lang="en-US" smtClean="0"/>
-              <a:t>4/14/2025</a:t>
+              <a:t>4/15/2025</a:t>
             </a:fld>
             <a:endParaRPr lang="en-US"/>
           </a:p>
@@ -3061,7 +3062,7 @@
           <a:p>
             <a:fld id="{87C3D0F9-ED76-44F2-8EF6-6648E44E39FD}" type="datetime1">
               <a:rPr lang="en-US" smtClean="0"/>
-              <a:t>4/14/2025</a:t>
+              <a:t>4/15/2025</a:t>
             </a:fld>
             <a:endParaRPr lang="en-US"/>
           </a:p>
@@ -3174,7 +3175,7 @@
           <a:p>
             <a:fld id="{2658607D-C406-4FB4-805C-5E07B4201D6D}" type="datetime1">
               <a:rPr lang="en-US" smtClean="0"/>
-              <a:t>4/14/2025</a:t>
+              <a:t>4/15/2025</a:t>
             </a:fld>
             <a:endParaRPr lang="en-US"/>
           </a:p>
@@ -3485,7 +3486,7 @@
           <a:p>
             <a:fld id="{BB5DB84C-98D2-480C-8EBB-99BD433F18D1}" type="datetime1">
               <a:rPr lang="en-US" smtClean="0"/>
-              <a:t>4/14/2025</a:t>
+              <a:t>4/15/2025</a:t>
             </a:fld>
             <a:endParaRPr lang="en-US"/>
           </a:p>
@@ -3773,7 +3774,7 @@
           <a:p>
             <a:fld id="{2DE09F59-93C7-4A82-BB08-710DF6652C16}" type="datetime1">
               <a:rPr lang="en-US" smtClean="0"/>
-              <a:t>4/14/2025</a:t>
+              <a:t>4/15/2025</a:t>
             </a:fld>
             <a:endParaRPr lang="en-US"/>
           </a:p>
@@ -4014,7 +4015,7 @@
           <a:p>
             <a:fld id="{12A4CB97-BF3E-4765-A4AA-0F70F4B845F2}" type="datetime1">
               <a:rPr lang="en-US" smtClean="0"/>
-              <a:t>4/14/2025</a:t>
+              <a:t>4/15/2025</a:t>
             </a:fld>
             <a:endParaRPr lang="en-US"/>
           </a:p>
@@ -5686,8 +5687,8 @@
           </a:graphicData>
         </a:graphic>
       </p:graphicFrame>
-      <mc:AlternateContent xmlns:mc="http://schemas.openxmlformats.org/markup-compatibility/2006">
-        <mc:Choice xmlns:a14="http://schemas.microsoft.com/office/drawing/2010/main" Requires="a14">
+      <mc:AlternateContent xmlns:mc="http://schemas.openxmlformats.org/markup-compatibility/2006" xmlns:a14="http://schemas.microsoft.com/office/drawing/2010/main">
+        <mc:Choice Requires="a14">
           <p:sp>
             <p:nvSpPr>
               <p:cNvPr id="4" name="Прямоугольник 3"/>
@@ -6415,14 +6416,7 @@
                         <a:rPr lang="en-US" b="0" i="1" smtClean="0">
                           <a:latin typeface="Cambria Math" panose="02040503050406030204" pitchFamily="18" charset="0"/>
                         </a:rPr>
-                        <m:t>)</m:t>
-                      </m:r>
-                      <m:r>
-                        <a:rPr lang="en-US" b="0" i="1" smtClean="0">
-                          <a:latin typeface="Cambria Math" panose="02040503050406030204" pitchFamily="18" charset="0"/>
-                          <a:ea typeface="Cambria Math" panose="02040503050406030204" pitchFamily="18" charset="0"/>
-                        </a:rPr>
-                        <m:t>≈</m:t>
+                        <m:t>)≈</m:t>
                       </m:r>
                       <m:r>
                         <a:rPr lang="ru-RU" i="1">
@@ -6470,7 +6464,7 @@
             </p:txBody>
           </p:sp>
         </mc:Choice>
-        <mc:Fallback>
+        <mc:Fallback xmlns="">
           <p:sp>
             <p:nvSpPr>
               <p:cNvPr id="4" name="Прямоугольник 3"/>
@@ -6719,21 +6713,21 @@
         </p:nvSpPr>
         <p:spPr>
           <a:xfrm>
-            <a:off x="0" y="0"/>
-            <a:ext cx="11108267" cy="903161"/>
+            <a:off x="0" y="-11239"/>
+            <a:ext cx="12084424" cy="903161"/>
           </a:xfrm>
         </p:spPr>
         <p:txBody>
           <a:bodyPr>
-            <a:normAutofit/>
+            <a:normAutofit fontScale="90000"/>
           </a:bodyPr>
           <a:lstStyle/>
           <a:p>
             <a:r>
-              <a:rPr lang="ru-RU" sz="4000">
+              <a:rPr lang="ru-RU" sz="4000" dirty="0">
                 <a:latin typeface="+mj-lt"/>
               </a:rPr>
-              <a:t>Аттестация стенда</a:t>
+              <a:t>Аттестация стенда. Измерение момента инерции маховика</a:t>
             </a:r>
             <a:endParaRPr lang="en-US" dirty="0"/>
           </a:p>
@@ -6741,10 +6735,10 @@
       </p:sp>
       <p:sp>
         <p:nvSpPr>
-          <p:cNvPr id="8" name="TextBox 7">
+          <p:cNvPr id="11" name="TextBox 10">
             <a:extLst>
               <a:ext uri="{FF2B5EF4-FFF2-40B4-BE49-F238E27FC236}">
-                <a16:creationId xmlns:a16="http://schemas.microsoft.com/office/drawing/2014/main" id="{E70A2C1B-F506-4569-9641-6BC9F9E7FA82}"/>
+                <a16:creationId xmlns:a16="http://schemas.microsoft.com/office/drawing/2014/main" id="{256846A2-90A5-48EF-8FAF-1DD4DB27DC82}"/>
               </a:ext>
             </a:extLst>
           </p:cNvPr>
@@ -6753,44 +6747,7 @@
         </p:nvSpPr>
         <p:spPr>
           <a:xfrm>
-            <a:off x="93784" y="3539028"/>
-            <a:ext cx="4605748" cy="338554"/>
-          </a:xfrm>
-          <a:prstGeom prst="rect">
-            <a:avLst/>
-          </a:prstGeom>
-          <a:noFill/>
-        </p:spPr>
-        <p:txBody>
-          <a:bodyPr wrap="none" rtlCol="0">
-            <a:spAutoFit/>
-          </a:bodyPr>
-          <a:lstStyle/>
-          <a:p>
-            <a:r>
-              <a:rPr lang="ru-RU" sz="1600" dirty="0">
-                <a:latin typeface="+mj-lt"/>
-              </a:rPr>
-              <a:t>Рисунок 5 – Профиль разгона эталонного маховика</a:t>
-            </a:r>
-          </a:p>
-        </p:txBody>
-      </p:sp>
-      <p:sp>
-        <p:nvSpPr>
-          <p:cNvPr id="11" name="TextBox 10">
-            <a:extLst>
-              <a:ext uri="{FF2B5EF4-FFF2-40B4-BE49-F238E27FC236}">
-                <a16:creationId xmlns:a16="http://schemas.microsoft.com/office/drawing/2014/main" id="{256846A2-90A5-48EF-8FAF-1DD4DB27DC82}"/>
-              </a:ext>
-            </a:extLst>
-          </p:cNvPr>
-          <p:cNvSpPr txBox="1"/>
-          <p:nvPr/>
-        </p:nvSpPr>
-        <p:spPr>
-          <a:xfrm>
-            <a:off x="93784" y="6282228"/>
+            <a:off x="730278" y="4008918"/>
             <a:ext cx="2953053" cy="338554"/>
           </a:xfrm>
           <a:prstGeom prst="rect">
@@ -6813,8 +6770,8 @@
           </a:p>
         </p:txBody>
       </p:sp>
-      <mc:AlternateContent xmlns:mc="http://schemas.openxmlformats.org/markup-compatibility/2006" xmlns:a14="http://schemas.microsoft.com/office/drawing/2010/main">
-        <mc:Choice Requires="a14">
+      <mc:AlternateContent xmlns:mc="http://schemas.openxmlformats.org/markup-compatibility/2006">
+        <mc:Choice xmlns:a14="http://schemas.microsoft.com/office/drawing/2010/main" Requires="a14">
           <p:sp>
             <p:nvSpPr>
               <p:cNvPr id="12" name="Прямоугольник 11">
@@ -6829,21 +6786,340 @@
             </p:nvSpPr>
             <p:spPr>
               <a:xfrm>
-                <a:off x="4440598" y="4097087"/>
-                <a:ext cx="6096000" cy="862608"/>
+                <a:off x="4917485" y="684037"/>
+                <a:ext cx="6970644" cy="6525633"/>
               </a:xfrm>
               <a:prstGeom prst="rect">
                 <a:avLst/>
               </a:prstGeom>
             </p:spPr>
             <p:txBody>
-              <a:bodyPr>
+              <a:bodyPr wrap="square">
                 <a:spAutoFit/>
               </a:bodyPr>
               <a:lstStyle/>
               <a:p>
-                <a:pPr algn="just"/>
+                <a:pPr marL="342900" indent="-342900" algn="just">
+                  <a:buFont typeface="Arial" panose="020B0604020202020204" pitchFamily="34" charset="0"/>
+                  <a:buChar char="•"/>
+                </a:pPr>
+                <a:r>
+                  <a:rPr lang="ru-RU" sz="2400" dirty="0"/>
+                  <a:t>Стороны маховика измеряются с помощью штангенциркуля ШЦЦ-</a:t>
+                </a:r>
+                <a:r>
+                  <a:rPr lang="en-US" sz="2400" dirty="0"/>
+                  <a:t>I-125-0,01 </a:t>
+                </a:r>
+                <a:r>
+                  <a:rPr lang="ru-RU" sz="2400" dirty="0"/>
+                  <a:t>с погрешностью 0,03 мм.</a:t>
+                </a:r>
+              </a:p>
+              <a:p>
+                <a:pPr marL="342900" indent="-342900" algn="just">
+                  <a:buFont typeface="Arial" panose="020B0604020202020204" pitchFamily="34" charset="0"/>
+                  <a:buChar char="•"/>
+                </a:pPr>
+                <a:r>
+                  <a:rPr lang="ru-RU" sz="2400" dirty="0"/>
+                  <a:t>Массу маховика измеряем на весах </a:t>
+                </a:r>
+                <a:r>
+                  <a:rPr lang="en-US" sz="2400" dirty="0"/>
+                  <a:t>EK-12Ki </a:t>
+                </a:r>
+                <a:r>
+                  <a:rPr lang="ru-RU" sz="2400" dirty="0"/>
+                  <a:t>с пределом допускаемой погрешности </a:t>
+                </a:r>
+                <a:r>
+                  <a:rPr lang="en-US" sz="2400" dirty="0"/>
+                  <a:t>±3</a:t>
+                </a:r>
+                <a:r>
+                  <a:rPr lang="ru-RU" sz="2400" dirty="0"/>
+                  <a:t> г. </a:t>
+                </a:r>
+              </a:p>
+              <a:p>
+                <a:pPr marL="342900" indent="-342900" algn="just">
+                  <a:buFont typeface="Arial" panose="020B0604020202020204" pitchFamily="34" charset="0"/>
+                  <a:buChar char="•"/>
+                </a:pPr>
+                <a:r>
+                  <a:rPr lang="ru-RU" sz="2400" dirty="0"/>
+                  <a:t>Рассчитываем плотность материала </a:t>
+                </a:r>
+                <a:br>
+                  <a:rPr lang="ru-RU" sz="2400" dirty="0"/>
+                </a:br>
+                <a14:m>
+                  <m:oMath xmlns:m="http://schemas.openxmlformats.org/officeDocument/2006/math">
+                    <m:r>
+                      <a:rPr lang="ru-RU" sz="2400" i="1" smtClean="0">
+                        <a:latin typeface="Cambria Math" panose="02040503050406030204" pitchFamily="18" charset="0"/>
+                        <a:ea typeface="Cambria Math" panose="02040503050406030204" pitchFamily="18" charset="0"/>
+                      </a:rPr>
+                      <m:t>𝜌</m:t>
+                    </m:r>
+                    <m:r>
+                      <a:rPr lang="ru-RU" sz="2400" b="0" i="1" smtClean="0">
+                        <a:latin typeface="Cambria Math" panose="02040503050406030204" pitchFamily="18" charset="0"/>
+                        <a:ea typeface="Cambria Math" panose="02040503050406030204" pitchFamily="18" charset="0"/>
+                      </a:rPr>
+                      <m:t>=</m:t>
+                    </m:r>
+                    <m:f>
+                      <m:fPr>
+                        <m:ctrlPr>
+                          <a:rPr lang="ru-RU" sz="2400" b="0" i="1" smtClean="0">
+                            <a:latin typeface="Cambria Math" panose="02040503050406030204" pitchFamily="18" charset="0"/>
+                            <a:ea typeface="Cambria Math" panose="02040503050406030204" pitchFamily="18" charset="0"/>
+                          </a:rPr>
+                        </m:ctrlPr>
+                      </m:fPr>
+                      <m:num>
+                        <m:r>
+                          <a:rPr lang="en-US" sz="2400" b="0" i="1" smtClean="0">
+                            <a:latin typeface="Cambria Math" panose="02040503050406030204" pitchFamily="18" charset="0"/>
+                            <a:ea typeface="Cambria Math" panose="02040503050406030204" pitchFamily="18" charset="0"/>
+                          </a:rPr>
+                          <m:t>𝑚</m:t>
+                        </m:r>
+                      </m:num>
+                      <m:den>
+                        <m:r>
+                          <a:rPr lang="en-US" sz="2400" b="0" i="1" smtClean="0">
+                            <a:latin typeface="Cambria Math" panose="02040503050406030204" pitchFamily="18" charset="0"/>
+                            <a:ea typeface="Cambria Math" panose="02040503050406030204" pitchFamily="18" charset="0"/>
+                          </a:rPr>
+                          <m:t>𝑉</m:t>
+                        </m:r>
+                      </m:den>
+                    </m:f>
+                  </m:oMath>
+                </a14:m>
+                <a:endParaRPr lang="en-US" sz="2400" dirty="0"/>
+              </a:p>
+              <a:p>
+                <a:pPr marL="342900" indent="-342900" algn="just">
+                  <a:buFont typeface="Arial" panose="020B0604020202020204" pitchFamily="34" charset="0"/>
+                  <a:buChar char="•"/>
+                </a:pPr>
+                <a:r>
+                  <a:rPr lang="ru-RU" sz="2400" dirty="0"/>
+                  <a:t>Рассчитываем массу составных частей</a:t>
+                </a:r>
+                <a:br>
+                  <a:rPr lang="ru-RU" sz="2400" dirty="0"/>
+                </a:br>
+                <a14:m>
+                  <m:oMath xmlns:m="http://schemas.openxmlformats.org/officeDocument/2006/math">
+                    <m:sSub>
+                      <m:sSubPr>
+                        <m:ctrlPr>
+                          <a:rPr lang="en-US" sz="2400" b="0" i="1" smtClean="0">
+                            <a:latin typeface="Cambria Math" panose="02040503050406030204" pitchFamily="18" charset="0"/>
+                          </a:rPr>
+                        </m:ctrlPr>
+                      </m:sSubPr>
+                      <m:e>
+                        <m:r>
+                          <a:rPr lang="en-US" sz="2400" b="0" i="1" smtClean="0">
+                            <a:latin typeface="Cambria Math" panose="02040503050406030204" pitchFamily="18" charset="0"/>
+                          </a:rPr>
+                          <m:t>𝑚</m:t>
+                        </m:r>
+                      </m:e>
+                      <m:sub>
+                        <m:r>
+                          <a:rPr lang="en-US" sz="2400" b="0" i="1" smtClean="0">
+                            <a:latin typeface="Cambria Math" panose="02040503050406030204" pitchFamily="18" charset="0"/>
+                          </a:rPr>
+                          <m:t>𝑖</m:t>
+                        </m:r>
+                      </m:sub>
+                    </m:sSub>
+                    <m:r>
+                      <a:rPr lang="en-US" sz="2400" b="0" i="1" smtClean="0">
+                        <a:latin typeface="Cambria Math" panose="02040503050406030204" pitchFamily="18" charset="0"/>
+                      </a:rPr>
+                      <m:t>=</m:t>
+                    </m:r>
+                    <m:r>
+                      <a:rPr lang="en-US" sz="2400" b="0" i="1" smtClean="0">
+                        <a:latin typeface="Cambria Math" panose="02040503050406030204" pitchFamily="18" charset="0"/>
+                        <a:ea typeface="Cambria Math" panose="02040503050406030204" pitchFamily="18" charset="0"/>
+                      </a:rPr>
+                      <m:t>𝜌</m:t>
+                    </m:r>
+                    <m:r>
+                      <a:rPr lang="en-US" sz="2400" b="0" i="1" smtClean="0">
+                        <a:latin typeface="Cambria Math" panose="02040503050406030204" pitchFamily="18" charset="0"/>
+                        <a:ea typeface="Cambria Math" panose="02040503050406030204" pitchFamily="18" charset="0"/>
+                      </a:rPr>
+                      <m:t>∙</m:t>
+                    </m:r>
+                    <m:sSub>
+                      <m:sSubPr>
+                        <m:ctrlPr>
+                          <a:rPr lang="en-US" sz="2400" b="0" i="1" smtClean="0">
+                            <a:latin typeface="Cambria Math" panose="02040503050406030204" pitchFamily="18" charset="0"/>
+                            <a:ea typeface="Cambria Math" panose="02040503050406030204" pitchFamily="18" charset="0"/>
+                          </a:rPr>
+                        </m:ctrlPr>
+                      </m:sSubPr>
+                      <m:e>
+                        <m:r>
+                          <a:rPr lang="en-US" sz="2400" b="0" i="1" smtClean="0">
+                            <a:latin typeface="Cambria Math" panose="02040503050406030204" pitchFamily="18" charset="0"/>
+                            <a:ea typeface="Cambria Math" panose="02040503050406030204" pitchFamily="18" charset="0"/>
+                          </a:rPr>
+                          <m:t>𝑉</m:t>
+                        </m:r>
+                      </m:e>
+                      <m:sub>
+                        <m:r>
+                          <a:rPr lang="en-US" sz="2400" b="0" i="1" smtClean="0">
+                            <a:latin typeface="Cambria Math" panose="02040503050406030204" pitchFamily="18" charset="0"/>
+                            <a:ea typeface="Cambria Math" panose="02040503050406030204" pitchFamily="18" charset="0"/>
+                          </a:rPr>
+                          <m:t>𝑖</m:t>
+                        </m:r>
+                      </m:sub>
+                    </m:sSub>
+                  </m:oMath>
+                </a14:m>
+                <a:endParaRPr lang="en-US" sz="2400" dirty="0"/>
+              </a:p>
+              <a:p>
+                <a:pPr marL="342900" indent="-342900" algn="just">
+                  <a:buFont typeface="Arial" panose="020B0604020202020204" pitchFamily="34" charset="0"/>
+                  <a:buChar char="•"/>
+                </a:pPr>
+                <a:r>
+                  <a:rPr lang="ru-RU" sz="2400" dirty="0"/>
+                  <a:t>Определяем момент инерции составных частей</a:t>
+                </a:r>
+                <a:br>
+                  <a:rPr lang="ru-RU" sz="2400" dirty="0"/>
+                </a:br>
+                <a14:m>
+                  <m:oMath xmlns:m="http://schemas.openxmlformats.org/officeDocument/2006/math">
+                    <m:sSub>
+                      <m:sSubPr>
+                        <m:ctrlPr>
+                          <a:rPr lang="ru-RU" sz="2400" i="1" smtClean="0">
+                            <a:latin typeface="Cambria Math" panose="02040503050406030204" pitchFamily="18" charset="0"/>
+                          </a:rPr>
+                        </m:ctrlPr>
+                      </m:sSubPr>
+                      <m:e>
+                        <m:r>
+                          <a:rPr lang="en-US" sz="2400" b="0" i="1" smtClean="0">
+                            <a:latin typeface="Cambria Math" panose="02040503050406030204" pitchFamily="18" charset="0"/>
+                          </a:rPr>
+                          <m:t>𝐽</m:t>
+                        </m:r>
+                      </m:e>
+                      <m:sub>
+                        <m:r>
+                          <a:rPr lang="en-US" sz="2400" b="0" i="1" smtClean="0">
+                            <a:latin typeface="Cambria Math" panose="02040503050406030204" pitchFamily="18" charset="0"/>
+                          </a:rPr>
+                          <m:t>𝑖</m:t>
+                        </m:r>
+                      </m:sub>
+                    </m:sSub>
+                    <m:r>
+                      <a:rPr lang="en-US" sz="2400" b="0" i="1" smtClean="0">
+                        <a:latin typeface="Cambria Math" panose="02040503050406030204" pitchFamily="18" charset="0"/>
+                      </a:rPr>
+                      <m:t>=</m:t>
+                    </m:r>
+                    <m:f>
+                      <m:fPr>
+                        <m:ctrlPr>
+                          <a:rPr lang="en-US" sz="2400" b="0" i="1" smtClean="0">
+                            <a:latin typeface="Cambria Math" panose="02040503050406030204" pitchFamily="18" charset="0"/>
+                          </a:rPr>
+                        </m:ctrlPr>
+                      </m:fPr>
+                      <m:num>
+                        <m:sSub>
+                          <m:sSubPr>
+                            <m:ctrlPr>
+                              <a:rPr lang="en-US" sz="2400" b="0" i="1" smtClean="0">
+                                <a:latin typeface="Cambria Math" panose="02040503050406030204" pitchFamily="18" charset="0"/>
+                              </a:rPr>
+                            </m:ctrlPr>
+                          </m:sSubPr>
+                          <m:e>
+                            <m:r>
+                              <a:rPr lang="en-US" sz="2400" b="0" i="1" smtClean="0">
+                                <a:latin typeface="Cambria Math" panose="02040503050406030204" pitchFamily="18" charset="0"/>
+                              </a:rPr>
+                              <m:t>𝑚</m:t>
+                            </m:r>
+                          </m:e>
+                          <m:sub>
+                            <m:r>
+                              <a:rPr lang="en-US" sz="2400" b="0" i="1" smtClean="0">
+                                <a:latin typeface="Cambria Math" panose="02040503050406030204" pitchFamily="18" charset="0"/>
+                              </a:rPr>
+                              <m:t>𝑖</m:t>
+                            </m:r>
+                          </m:sub>
+                        </m:sSub>
+                      </m:num>
+                      <m:den>
+                        <m:r>
+                          <a:rPr lang="en-US" sz="2400" b="0" i="1" smtClean="0">
+                            <a:latin typeface="Cambria Math" panose="02040503050406030204" pitchFamily="18" charset="0"/>
+                          </a:rPr>
+                          <m:t>2</m:t>
+                        </m:r>
+                      </m:den>
+                    </m:f>
+                    <m:sSub>
+                      <m:sSubPr>
+                        <m:ctrlPr>
+                          <a:rPr lang="en-US" sz="2400" b="0" i="1" smtClean="0">
+                            <a:latin typeface="Cambria Math" panose="02040503050406030204" pitchFamily="18" charset="0"/>
+                          </a:rPr>
+                        </m:ctrlPr>
+                      </m:sSubPr>
+                      <m:e>
+                        <m:r>
+                          <a:rPr lang="en-US" sz="2400" b="0" i="1" smtClean="0">
+                            <a:latin typeface="Cambria Math" panose="02040503050406030204" pitchFamily="18" charset="0"/>
+                          </a:rPr>
+                          <m:t>𝑟</m:t>
+                        </m:r>
+                      </m:e>
+                      <m:sub>
+                        <m:r>
+                          <a:rPr lang="en-US" sz="2400" b="0" i="1" smtClean="0">
+                            <a:latin typeface="Cambria Math" panose="02040503050406030204" pitchFamily="18" charset="0"/>
+                          </a:rPr>
+                          <m:t>𝑖</m:t>
+                        </m:r>
+                      </m:sub>
+                    </m:sSub>
+                  </m:oMath>
+                </a14:m>
                 <a:endParaRPr lang="ru-RU" sz="2400" dirty="0"/>
+              </a:p>
+              <a:p>
+                <a:pPr marL="342900" indent="-342900" algn="just">
+                  <a:buFont typeface="Arial" panose="020B0604020202020204" pitchFamily="34" charset="0"/>
+                  <a:buChar char="•"/>
+                </a:pPr>
+                <a:r>
+                  <a:rPr lang="ru-RU" sz="2400" dirty="0"/>
+                  <a:t>Определяем суммарный момент инерции</a:t>
+                </a:r>
               </a:p>
               <a:p>
                 <a:pPr algn="just"/>
@@ -6854,7 +7130,7 @@
                     </m:oMathParaPr>
                     <m:oMath xmlns:m="http://schemas.openxmlformats.org/officeDocument/2006/math">
                       <m:r>
-                        <a:rPr lang="en-US" sz="2400" i="1" smtClean="0">
+                        <a:rPr lang="en-US" sz="2400" b="0" i="1" smtClean="0">
                           <a:latin typeface="Cambria Math" panose="02040503050406030204" pitchFamily="18" charset="0"/>
                         </a:rPr>
                         <m:t>𝐽</m:t>
@@ -6863,13 +7139,114 @@
                         <a:rPr lang="en-US" sz="2400" b="0" i="1" smtClean="0">
                           <a:latin typeface="Cambria Math" panose="02040503050406030204" pitchFamily="18" charset="0"/>
                         </a:rPr>
-                        <m:t>=2,69·</m:t>
+                        <m:t>=</m:t>
+                      </m:r>
+                      <m:sSub>
+                        <m:sSubPr>
+                          <m:ctrlPr>
+                            <a:rPr lang="en-US" sz="2400" b="0" i="1" smtClean="0">
+                              <a:latin typeface="Cambria Math" panose="02040503050406030204" pitchFamily="18" charset="0"/>
+                            </a:rPr>
+                          </m:ctrlPr>
+                        </m:sSubPr>
+                        <m:e>
+                          <m:r>
+                            <a:rPr lang="en-US" sz="2400" b="0" i="1" smtClean="0">
+                              <a:latin typeface="Cambria Math" panose="02040503050406030204" pitchFamily="18" charset="0"/>
+                            </a:rPr>
+                            <m:t>𝐽</m:t>
+                          </m:r>
+                        </m:e>
+                        <m:sub>
+                          <m:r>
+                            <a:rPr lang="en-US" sz="2400" b="0" i="1" smtClean="0">
+                              <a:latin typeface="Cambria Math" panose="02040503050406030204" pitchFamily="18" charset="0"/>
+                            </a:rPr>
+                            <m:t>1</m:t>
+                          </m:r>
+                        </m:sub>
+                      </m:sSub>
+                      <m:r>
+                        <a:rPr lang="en-US" sz="2400" b="0" i="1" smtClean="0">
+                          <a:latin typeface="Cambria Math" panose="02040503050406030204" pitchFamily="18" charset="0"/>
+                        </a:rPr>
+                        <m:t>+</m:t>
+                      </m:r>
+                      <m:sSub>
+                        <m:sSubPr>
+                          <m:ctrlPr>
+                            <a:rPr lang="en-US" sz="2400" b="0" i="1" smtClean="0">
+                              <a:latin typeface="Cambria Math" panose="02040503050406030204" pitchFamily="18" charset="0"/>
+                            </a:rPr>
+                          </m:ctrlPr>
+                        </m:sSubPr>
+                        <m:e>
+                          <m:r>
+                            <a:rPr lang="en-US" sz="2400" b="0" i="1" smtClean="0">
+                              <a:latin typeface="Cambria Math" panose="02040503050406030204" pitchFamily="18" charset="0"/>
+                            </a:rPr>
+                            <m:t>𝐽</m:t>
+                          </m:r>
+                        </m:e>
+                        <m:sub>
+                          <m:r>
+                            <a:rPr lang="en-US" sz="2400" b="0" i="1" smtClean="0">
+                              <a:latin typeface="Cambria Math" panose="02040503050406030204" pitchFamily="18" charset="0"/>
+                            </a:rPr>
+                            <m:t>2</m:t>
+                          </m:r>
+                        </m:sub>
+                      </m:sSub>
+                      <m:r>
+                        <a:rPr lang="en-US" sz="2400" b="0" i="1" smtClean="0">
+                          <a:latin typeface="Cambria Math" panose="02040503050406030204" pitchFamily="18" charset="0"/>
+                        </a:rPr>
+                        <m:t>+</m:t>
+                      </m:r>
+                      <m:sSub>
+                        <m:sSubPr>
+                          <m:ctrlPr>
+                            <a:rPr lang="en-US" sz="2400" b="0" i="1" smtClean="0">
+                              <a:latin typeface="Cambria Math" panose="02040503050406030204" pitchFamily="18" charset="0"/>
+                            </a:rPr>
+                          </m:ctrlPr>
+                        </m:sSubPr>
+                        <m:e>
+                          <m:r>
+                            <a:rPr lang="en-US" sz="2400" b="0" i="1" smtClean="0">
+                              <a:latin typeface="Cambria Math" panose="02040503050406030204" pitchFamily="18" charset="0"/>
+                            </a:rPr>
+                            <m:t>𝐽</m:t>
+                          </m:r>
+                        </m:e>
+                        <m:sub>
+                          <m:r>
+                            <a:rPr lang="en-US" sz="2400" b="0" i="1" smtClean="0">
+                              <a:latin typeface="Cambria Math" panose="02040503050406030204" pitchFamily="18" charset="0"/>
+                            </a:rPr>
+                            <m:t>3</m:t>
+                          </m:r>
+                        </m:sub>
+                      </m:sSub>
+                      <m:r>
+                        <a:rPr lang="en-US" sz="2400" b="0" i="1" smtClean="0">
+                          <a:latin typeface="Cambria Math" panose="02040503050406030204" pitchFamily="18" charset="0"/>
+                        </a:rPr>
+                        <m:t>=2,69</m:t>
+                      </m:r>
+                      <m:r>
+                        <a:rPr lang="en-US" sz="2400" b="0" i="1" smtClean="0">
+                          <a:latin typeface="Cambria Math" panose="02040503050406030204" pitchFamily="18" charset="0"/>
+                          <a:ea typeface="Cambria Math" panose="02040503050406030204" pitchFamily="18" charset="0"/>
+                        </a:rPr>
+                        <m:t>∙</m:t>
                       </m:r>
                       <m:sSup>
                         <m:sSupPr>
                           <m:ctrlPr>
                             <a:rPr lang="en-US" sz="2400" b="0" i="1" smtClean="0">
                               <a:latin typeface="Cambria Math" panose="02040503050406030204" pitchFamily="18" charset="0"/>
+                              <a:ea typeface="Cambria Math" panose="02040503050406030204" pitchFamily="18" charset="0"/>
                             </a:rPr>
                           </m:ctrlPr>
                         </m:sSupPr>
@@ -6877,6 +7254,7 @@
                           <m:r>
                             <a:rPr lang="en-US" sz="2400" b="0" i="1" smtClean="0">
                               <a:latin typeface="Cambria Math" panose="02040503050406030204" pitchFamily="18" charset="0"/>
+                              <a:ea typeface="Cambria Math" panose="02040503050406030204" pitchFamily="18" charset="0"/>
                             </a:rPr>
                             <m:t>10</m:t>
                           </m:r>
@@ -6885,30 +7263,18 @@
                           <m:r>
                             <a:rPr lang="en-US" sz="2400" b="0" i="1" smtClean="0">
                               <a:latin typeface="Cambria Math" panose="02040503050406030204" pitchFamily="18" charset="0"/>
+                              <a:ea typeface="Cambria Math" panose="02040503050406030204" pitchFamily="18" charset="0"/>
                             </a:rPr>
                             <m:t>−4</m:t>
                           </m:r>
                         </m:sup>
                       </m:sSup>
                       <m:r>
-                        <a:rPr lang="en-US" sz="2400" b="0" i="1" smtClean="0">
-                          <a:latin typeface="Cambria Math" panose="02040503050406030204" pitchFamily="18" charset="0"/>
-                        </a:rPr>
-                        <m:t> </m:t>
-                      </m:r>
-                      <m:r>
-                        <a:rPr lang="en-US" sz="2400" b="0" i="1" smtClean="0">
-                          <a:latin typeface="Cambria Math" panose="02040503050406030204" pitchFamily="18" charset="0"/>
-                          <a:ea typeface="Cambria Math" panose="02040503050406030204" pitchFamily="18" charset="0"/>
-                        </a:rPr>
-                        <m:t>±</m:t>
-                      </m:r>
-                      <m:r>
                         <a:rPr lang="ru-RU" sz="2400" b="0" i="1" smtClean="0">
                           <a:latin typeface="Cambria Math" panose="02040503050406030204" pitchFamily="18" charset="0"/>
                           <a:ea typeface="Cambria Math" panose="02040503050406030204" pitchFamily="18" charset="0"/>
                         </a:rPr>
-                        <m:t>4,58·</m:t>
+                        <m:t> кг∙</m:t>
                       </m:r>
                       <m:sSup>
                         <m:sSupPr>
@@ -6925,7 +7291,7 @@
                               <a:latin typeface="Cambria Math" panose="02040503050406030204" pitchFamily="18" charset="0"/>
                               <a:ea typeface="Cambria Math" panose="02040503050406030204" pitchFamily="18" charset="0"/>
                             </a:rPr>
-                            <m:t>10</m:t>
+                            <m:t>м</m:t>
                           </m:r>
                         </m:e>
                         <m:sup>
@@ -6933,44 +7299,6 @@
                             <a:rPr lang="ru-RU" sz="2400" b="0" i="1" smtClean="0">
                               <a:latin typeface="Cambria Math" panose="02040503050406030204" pitchFamily="18" charset="0"/>
                               <a:ea typeface="Cambria Math" panose="02040503050406030204" pitchFamily="18" charset="0"/>
-                            </a:rPr>
-                            <m:t>−7</m:t>
-                          </m:r>
-                        </m:sup>
-                      </m:sSup>
-                      <m:r>
-                        <a:rPr lang="ru-RU" sz="2400" b="0" i="1" smtClean="0">
-                          <a:latin typeface="Cambria Math" panose="02040503050406030204" pitchFamily="18" charset="0"/>
-                          <a:ea typeface="Cambria Math" panose="02040503050406030204" pitchFamily="18" charset="0"/>
-                        </a:rPr>
-                        <m:t> </m:t>
-                      </m:r>
-                      <m:r>
-                        <a:rPr lang="ru-RU" sz="2400" b="0" i="1" smtClean="0">
-                          <a:latin typeface="Cambria Math" panose="02040503050406030204" pitchFamily="18" charset="0"/>
-                        </a:rPr>
-                        <m:t>кг·</m:t>
-                      </m:r>
-                      <m:sSup>
-                        <m:sSupPr>
-                          <m:ctrlPr>
-                            <a:rPr lang="ru-RU" sz="2400" b="0" i="1" smtClean="0">
-                              <a:latin typeface="Cambria Math" panose="02040503050406030204" pitchFamily="18" charset="0"/>
-                            </a:rPr>
-                          </m:ctrlPr>
-                        </m:sSupPr>
-                        <m:e>
-                          <m:r>
-                            <a:rPr lang="ru-RU" sz="2400" b="0" i="1" smtClean="0">
-                              <a:latin typeface="Cambria Math" panose="02040503050406030204" pitchFamily="18" charset="0"/>
-                            </a:rPr>
-                            <m:t>м</m:t>
-                          </m:r>
-                        </m:e>
-                        <m:sup>
-                          <m:r>
-                            <a:rPr lang="ru-RU" sz="2400" b="0" i="1" smtClean="0">
-                              <a:latin typeface="Cambria Math" panose="02040503050406030204" pitchFamily="18" charset="0"/>
                             </a:rPr>
                             <m:t>2</m:t>
                           </m:r>
@@ -6981,10 +7309,21 @@
                 </a14:m>
                 <a:endParaRPr lang="ru-RU" sz="2400" dirty="0"/>
               </a:p>
+              <a:p>
+                <a:pPr algn="just"/>
+                <a:br>
+                  <a:rPr lang="ru-RU" sz="2400" dirty="0"/>
+                </a:br>
+                <a:endParaRPr lang="ru-RU" sz="2400" dirty="0"/>
+              </a:p>
+              <a:p>
+                <a:pPr algn="just"/>
+                <a:endParaRPr lang="ru-RU" sz="2400" dirty="0"/>
+              </a:p>
             </p:txBody>
           </p:sp>
         </mc:Choice>
-        <mc:Fallback xmlns="">
+        <mc:Fallback>
           <p:sp>
             <p:nvSpPr>
               <p:cNvPr id="12" name="Прямоугольник 11">
@@ -7001,8 +7340,8 @@
             </p:nvSpPr>
             <p:spPr>
               <a:xfrm>
-                <a:off x="4440598" y="4097087"/>
-                <a:ext cx="6096000" cy="862608"/>
+                <a:off x="4917485" y="684037"/>
+                <a:ext cx="6970644" cy="6525633"/>
               </a:xfrm>
               <a:prstGeom prst="rect">
                 <a:avLst/>
@@ -7010,7 +7349,7 @@
               <a:blipFill>
                 <a:blip r:embed="rId2"/>
                 <a:stretch>
-                  <a:fillRect b="-2817"/>
+                  <a:fillRect l="-1225" t="-747" r="-1312"/>
                 </a:stretch>
               </a:blipFill>
             </p:spPr>
@@ -7019,7 +7358,7 @@
               <a:lstStyle/>
               <a:p>
                 <a:r>
-                  <a:rPr lang="en-US">
+                  <a:rPr lang="ru-RU">
                     <a:noFill/>
                   </a:rPr>
                   <a:t> </a:t>
@@ -7029,12 +7368,44 @@
           </p:sp>
         </mc:Fallback>
       </mc:AlternateContent>
+      <p:sp>
+        <p:nvSpPr>
+          <p:cNvPr id="18" name="Прямоугольник 17">
+            <a:extLst>
+              <a:ext uri="{FF2B5EF4-FFF2-40B4-BE49-F238E27FC236}">
+                <a16:creationId xmlns:a16="http://schemas.microsoft.com/office/drawing/2014/main" id="{754E424C-1F93-4A75-B081-543E48DF86C0}"/>
+              </a:ext>
+            </a:extLst>
+          </p:cNvPr>
+          <p:cNvSpPr/>
+          <p:nvPr/>
+        </p:nvSpPr>
+        <p:spPr>
+          <a:xfrm>
+            <a:off x="4994997" y="4656580"/>
+            <a:ext cx="4987203" cy="461665"/>
+          </a:xfrm>
+          <a:prstGeom prst="rect">
+            <a:avLst/>
+          </a:prstGeom>
+        </p:spPr>
+        <p:txBody>
+          <a:bodyPr wrap="square">
+            <a:spAutoFit/>
+          </a:bodyPr>
+          <a:lstStyle/>
+          <a:p>
+            <a:pPr algn="just"/>
+            <a:endParaRPr lang="ru-RU" sz="2400" dirty="0"/>
+          </a:p>
+        </p:txBody>
+      </p:sp>
       <p:pic>
         <p:nvPicPr>
-          <p:cNvPr id="16" name="Рисунок 15">
+          <p:cNvPr id="20" name="Рисунок 19">
             <a:extLst>
               <a:ext uri="{FF2B5EF4-FFF2-40B4-BE49-F238E27FC236}">
-                <a16:creationId xmlns:a16="http://schemas.microsoft.com/office/drawing/2014/main" id="{C6F535CA-B9ED-47B3-A4CF-9B7FE3055B16}"/>
+                <a16:creationId xmlns:a16="http://schemas.microsoft.com/office/drawing/2014/main" id="{19F5ABB4-1D1D-46C1-8552-B8C8964CFB5D}"/>
               </a:ext>
             </a:extLst>
           </p:cNvPr>
@@ -7057,36 +7428,37 @@
         </p:blipFill>
         <p:spPr>
           <a:xfrm>
-            <a:off x="93784" y="912529"/>
-            <a:ext cx="3489506" cy="2617130"/>
+            <a:off x="107576" y="838257"/>
+            <a:ext cx="4702333" cy="3170661"/>
           </a:xfrm>
           <a:prstGeom prst="rect">
             <a:avLst/>
           </a:prstGeom>
         </p:spPr>
       </p:pic>
-      <mc:AlternateContent xmlns:mc="http://schemas.openxmlformats.org/markup-compatibility/2006" xmlns:a14="http://schemas.microsoft.com/office/drawing/2010/main">
-        <mc:Choice Requires="a14">
+      <mc:AlternateContent xmlns:mc="http://schemas.openxmlformats.org/markup-compatibility/2006">
+        <mc:Choice xmlns:a14="http://schemas.microsoft.com/office/drawing/2010/main" Requires="a14">
           <p:sp>
             <p:nvSpPr>
-              <p:cNvPr id="17" name="Прямоугольник 16">
+              <p:cNvPr id="14" name="TextBox 13">
                 <a:extLst>
                   <a:ext uri="{FF2B5EF4-FFF2-40B4-BE49-F238E27FC236}">
-                    <a16:creationId xmlns:a16="http://schemas.microsoft.com/office/drawing/2014/main" id="{8D232528-66D2-41F9-87E1-7BEB6DAAB731}"/>
+                    <a16:creationId xmlns:a16="http://schemas.microsoft.com/office/drawing/2014/main" id="{FD5CE986-D61E-44F6-99D5-3DA81B507ACD}"/>
                   </a:ext>
                 </a:extLst>
               </p:cNvPr>
-              <p:cNvSpPr/>
+              <p:cNvSpPr txBox="1"/>
               <p:nvPr/>
             </p:nvSpPr>
             <p:spPr>
               <a:xfrm>
-                <a:off x="4894383" y="693992"/>
-                <a:ext cx="3546231" cy="950388"/>
+                <a:off x="97523" y="4438552"/>
+                <a:ext cx="5677524" cy="1735411"/>
               </a:xfrm>
               <a:prstGeom prst="rect">
                 <a:avLst/>
               </a:prstGeom>
+              <a:noFill/>
             </p:spPr>
             <p:txBody>
               <a:bodyPr wrap="square">
@@ -7094,114 +7466,539 @@
               </a:bodyPr>
               <a:lstStyle/>
               <a:p>
-                <a:pPr algn="just"/>
-                <a:endParaRPr lang="ru-RU" sz="2400" dirty="0"/>
+                <a:pPr>
+                  <a:lnSpc>
+                    <a:spcPct val="150000"/>
+                  </a:lnSpc>
+                </a:pPr>
+                <a:r>
+                  <a:rPr lang="ru-RU" sz="1800" dirty="0">
+                    <a:effectLst/>
+                    <a:latin typeface="Cambria Math" panose="02040503050406030204" pitchFamily="18" charset="0"/>
+                    <a:ea typeface="SimSun" panose="02010600030101010101" pitchFamily="2" charset="-122"/>
+                  </a:rPr>
+                  <a:t>Определяем погрешность по формуле:</a:t>
+                </a:r>
               </a:p>
               <a:p>
-                <a:pPr algn="just"/>
+                <a:pPr>
+                  <a:lnSpc>
+                    <a:spcPct val="150000"/>
+                  </a:lnSpc>
+                </a:pPr>
                 <a14:m>
-                  <m:oMath xmlns:m="http://schemas.openxmlformats.org/officeDocument/2006/math">
-                    <m:r>
-                      <a:rPr lang="en-US" sz="2400" b="0" i="1" smtClean="0">
-                        <a:latin typeface="Cambria Math" panose="02040503050406030204" pitchFamily="18" charset="0"/>
-                        <a:ea typeface="Cambria Math" panose="02040503050406030204" pitchFamily="18" charset="0"/>
-                      </a:rPr>
-                      <m:t>𝜀</m:t>
-                    </m:r>
-                    <m:r>
-                      <a:rPr lang="en-US" sz="2400" b="0" i="1" smtClean="0">
-                        <a:latin typeface="Cambria Math" panose="02040503050406030204" pitchFamily="18" charset="0"/>
-                      </a:rPr>
-                      <m:t>=18,58</m:t>
-                    </m:r>
-                    <m:r>
-                      <a:rPr lang="en-US" sz="2400" b="0" i="1" smtClean="0">
-                        <a:latin typeface="Cambria Math" panose="02040503050406030204" pitchFamily="18" charset="0"/>
-                        <a:ea typeface="Cambria Math" panose="02040503050406030204" pitchFamily="18" charset="0"/>
-                      </a:rPr>
-                      <m:t>±</m:t>
-                    </m:r>
-                    <m:r>
-                      <a:rPr lang="ru-RU" sz="2400" b="0" i="1" smtClean="0">
-                        <a:latin typeface="Cambria Math" panose="02040503050406030204" pitchFamily="18" charset="0"/>
-                        <a:ea typeface="Cambria Math" panose="02040503050406030204" pitchFamily="18" charset="0"/>
-                      </a:rPr>
-                      <m:t>0,079</m:t>
-                    </m:r>
-                    <m:f>
-                      <m:fPr>
-                        <m:ctrlPr>
-                          <a:rPr lang="en-US" sz="2400" b="0" i="1" smtClean="0">
-                            <a:latin typeface="Cambria Math" panose="02040503050406030204" pitchFamily="18" charset="0"/>
-                          </a:rPr>
-                        </m:ctrlPr>
-                      </m:fPr>
-                      <m:num>
-                        <m:r>
-                          <a:rPr lang="ru-RU" sz="2400" b="0" i="1" smtClean="0">
-                            <a:latin typeface="Cambria Math" panose="02040503050406030204" pitchFamily="18" charset="0"/>
-                          </a:rPr>
-                          <m:t>рад</m:t>
-                        </m:r>
-                      </m:num>
-                      <m:den>
-                        <m:sSup>
-                          <m:sSupPr>
-                            <m:ctrlPr>
-                              <a:rPr lang="en-US" sz="2400" b="0" i="1" smtClean="0">
-                                <a:latin typeface="Cambria Math" panose="02040503050406030204" pitchFamily="18" charset="0"/>
-                              </a:rPr>
-                            </m:ctrlPr>
-                          </m:sSupPr>
-                          <m:e>
-                            <m:r>
-                              <a:rPr lang="ru-RU" sz="2400" b="0" i="1" smtClean="0">
-                                <a:latin typeface="Cambria Math" panose="02040503050406030204" pitchFamily="18" charset="0"/>
-                              </a:rPr>
-                              <m:t>с</m:t>
-                            </m:r>
-                          </m:e>
-                          <m:sup>
-                            <m:r>
-                              <a:rPr lang="ru-RU" sz="2400" b="0" i="1" smtClean="0">
-                                <a:latin typeface="Cambria Math" panose="02040503050406030204" pitchFamily="18" charset="0"/>
-                              </a:rPr>
-                              <m:t>2</m:t>
-                            </m:r>
-                          </m:sup>
-                        </m:sSup>
-                      </m:den>
-                    </m:f>
-                  </m:oMath>
+                  <m:oMathPara xmlns:m="http://schemas.openxmlformats.org/officeDocument/2006/math">
+                    <m:oMathParaPr>
+                      <m:jc m:val="centerGroup"/>
+                    </m:oMathParaPr>
+                    <m:oMath xmlns:m="http://schemas.openxmlformats.org/officeDocument/2006/math">
+                      <m:sSub>
+                        <m:sSubPr>
+                          <m:ctrlPr>
+                            <a:rPr lang="ru-RU" sz="1800" i="1" smtClean="0">
+                              <a:effectLst/>
+                              <a:latin typeface="Cambria Math" panose="02040503050406030204" pitchFamily="18" charset="0"/>
+                              <a:ea typeface="SimSun" panose="02010600030101010101" pitchFamily="2" charset="-122"/>
+                            </a:rPr>
+                          </m:ctrlPr>
+                        </m:sSubPr>
+                        <m:e>
+                          <m:r>
+                            <a:rPr lang="ru-RU" sz="1800" i="1">
+                              <a:effectLst/>
+                              <a:latin typeface="Cambria Math" panose="02040503050406030204" pitchFamily="18" charset="0"/>
+                              <a:ea typeface="SimSun" panose="02010600030101010101" pitchFamily="2" charset="-122"/>
+                            </a:rPr>
+                            <m:t>𝐽</m:t>
+                          </m:r>
+                        </m:e>
+                        <m:sub>
+                          <m:r>
+                            <a:rPr lang="ru-RU" sz="1800" i="1">
+                              <a:effectLst/>
+                              <a:latin typeface="Cambria Math" panose="02040503050406030204" pitchFamily="18" charset="0"/>
+                              <a:ea typeface="SimSun" panose="02010600030101010101" pitchFamily="2" charset="-122"/>
+                            </a:rPr>
+                            <m:t>𝑖</m:t>
+                          </m:r>
+                        </m:sub>
+                      </m:sSub>
+                      <m:r>
+                        <a:rPr lang="ru-RU" sz="1800" i="1">
+                          <a:effectLst/>
+                          <a:latin typeface="Cambria Math" panose="02040503050406030204" pitchFamily="18" charset="0"/>
+                          <a:ea typeface="SimSun" panose="02010600030101010101" pitchFamily="2" charset="-122"/>
+                        </a:rPr>
+                        <m:t>= </m:t>
+                      </m:r>
+                      <m:sSub>
+                        <m:sSubPr>
+                          <m:ctrlPr>
+                            <a:rPr lang="ru-RU" sz="1800" i="1">
+                              <a:effectLst/>
+                              <a:latin typeface="Cambria Math" panose="02040503050406030204" pitchFamily="18" charset="0"/>
+                              <a:ea typeface="SimSun" panose="02010600030101010101" pitchFamily="2" charset="-122"/>
+                            </a:rPr>
+                          </m:ctrlPr>
+                        </m:sSubPr>
+                        <m:e>
+                          <m:r>
+                            <a:rPr lang="en-US" sz="1800" i="1">
+                              <a:effectLst/>
+                              <a:latin typeface="Cambria Math" panose="02040503050406030204" pitchFamily="18" charset="0"/>
+                              <a:ea typeface="SimSun" panose="02010600030101010101" pitchFamily="2" charset="-122"/>
+                            </a:rPr>
+                            <m:t>𝐽</m:t>
+                          </m:r>
+                        </m:e>
+                        <m:sub>
+                          <m:r>
+                            <a:rPr lang="ru-RU" sz="1800" i="1">
+                              <a:effectLst/>
+                              <a:latin typeface="Cambria Math" panose="02040503050406030204" pitchFamily="18" charset="0"/>
+                              <a:ea typeface="SimSun" panose="02010600030101010101" pitchFamily="2" charset="-122"/>
+                            </a:rPr>
+                            <m:t>𝑖</m:t>
+                          </m:r>
+                        </m:sub>
+                      </m:sSub>
+                      <m:rad>
+                        <m:radPr>
+                          <m:degHide m:val="on"/>
+                          <m:ctrlPr>
+                            <a:rPr lang="ru-RU" sz="1800" i="1">
+                              <a:effectLst/>
+                              <a:latin typeface="Cambria Math" panose="02040503050406030204" pitchFamily="18" charset="0"/>
+                              <a:ea typeface="SimSun" panose="02010600030101010101" pitchFamily="2" charset="-122"/>
+                            </a:rPr>
+                          </m:ctrlPr>
+                        </m:radPr>
+                        <m:deg/>
+                        <m:e>
+                          <m:sSup>
+                            <m:sSupPr>
+                              <m:ctrlPr>
+                                <a:rPr lang="ru-RU" sz="1800" i="1">
+                                  <a:effectLst/>
+                                  <a:latin typeface="Cambria Math" panose="02040503050406030204" pitchFamily="18" charset="0"/>
+                                  <a:ea typeface="SimSun" panose="02010600030101010101" pitchFamily="2" charset="-122"/>
+                                </a:rPr>
+                              </m:ctrlPr>
+                            </m:sSupPr>
+                            <m:e>
+                              <m:d>
+                                <m:dPr>
+                                  <m:ctrlPr>
+                                    <a:rPr lang="ru-RU" sz="1800" i="1">
+                                      <a:effectLst/>
+                                      <a:latin typeface="Cambria Math" panose="02040503050406030204" pitchFamily="18" charset="0"/>
+                                      <a:ea typeface="SimSun" panose="02010600030101010101" pitchFamily="2" charset="-122"/>
+                                    </a:rPr>
+                                  </m:ctrlPr>
+                                </m:dPr>
+                                <m:e>
+                                  <m:f>
+                                    <m:fPr>
+                                      <m:ctrlPr>
+                                        <a:rPr lang="ru-RU" sz="1800" i="1">
+                                          <a:effectLst/>
+                                          <a:latin typeface="Cambria Math" panose="02040503050406030204" pitchFamily="18" charset="0"/>
+                                          <a:ea typeface="SimSun" panose="02010600030101010101" pitchFamily="2" charset="-122"/>
+                                        </a:rPr>
+                                      </m:ctrlPr>
+                                    </m:fPr>
+                                    <m:num>
+                                      <m:r>
+                                        <a:rPr lang="ru-RU" sz="1800" i="1">
+                                          <a:effectLst/>
+                                          <a:latin typeface="Cambria Math" panose="02040503050406030204" pitchFamily="18" charset="0"/>
+                                          <a:ea typeface="SimSun" panose="02010600030101010101" pitchFamily="2" charset="-122"/>
+                                        </a:rPr>
+                                        <m:t>𝜕</m:t>
+                                      </m:r>
+                                      <m:r>
+                                        <m:rPr>
+                                          <m:sty m:val="p"/>
+                                        </m:rPr>
+                                        <a:rPr lang="ru-RU" sz="1800">
+                                          <a:effectLst/>
+                                          <a:latin typeface="Cambria Math" panose="02040503050406030204" pitchFamily="18" charset="0"/>
+                                          <a:ea typeface="SimSun" panose="02010600030101010101" pitchFamily="2" charset="-122"/>
+                                        </a:rPr>
+                                        <m:t>ln</m:t>
+                                      </m:r>
+                                      <m:r>
+                                        <a:rPr lang="ru-RU" sz="1800">
+                                          <a:effectLst/>
+                                          <a:latin typeface="Cambria Math" panose="02040503050406030204" pitchFamily="18" charset="0"/>
+                                          <a:ea typeface="SimSun" panose="02010600030101010101" pitchFamily="2" charset="-122"/>
+                                        </a:rPr>
+                                        <m:t>⁡</m:t>
+                                      </m:r>
+                                      <m:r>
+                                        <a:rPr lang="ru-RU" sz="1800" i="1">
+                                          <a:effectLst/>
+                                          <a:latin typeface="Cambria Math" panose="02040503050406030204" pitchFamily="18" charset="0"/>
+                                          <a:ea typeface="SimSun" panose="02010600030101010101" pitchFamily="2" charset="-122"/>
+                                        </a:rPr>
+                                        <m:t>(</m:t>
+                                      </m:r>
+                                      <m:sSub>
+                                        <m:sSubPr>
+                                          <m:ctrlPr>
+                                            <a:rPr lang="ru-RU" sz="1800" i="1">
+                                              <a:effectLst/>
+                                              <a:latin typeface="Cambria Math" panose="02040503050406030204" pitchFamily="18" charset="0"/>
+                                              <a:ea typeface="SimSun" panose="02010600030101010101" pitchFamily="2" charset="-122"/>
+                                            </a:rPr>
+                                          </m:ctrlPr>
+                                        </m:sSubPr>
+                                        <m:e>
+                                          <m:r>
+                                            <a:rPr lang="ru-RU" sz="1800" i="1">
+                                              <a:effectLst/>
+                                              <a:latin typeface="Cambria Math" panose="02040503050406030204" pitchFamily="18" charset="0"/>
+                                              <a:ea typeface="SimSun" panose="02010600030101010101" pitchFamily="2" charset="-122"/>
+                                            </a:rPr>
+                                            <m:t>𝐽</m:t>
+                                          </m:r>
+                                        </m:e>
+                                        <m:sub>
+                                          <m:r>
+                                            <a:rPr lang="ru-RU" sz="1800" i="1">
+                                              <a:effectLst/>
+                                              <a:latin typeface="Cambria Math" panose="02040503050406030204" pitchFamily="18" charset="0"/>
+                                              <a:ea typeface="SimSun" panose="02010600030101010101" pitchFamily="2" charset="-122"/>
+                                            </a:rPr>
+                                            <m:t>𝑖</m:t>
+                                          </m:r>
+                                        </m:sub>
+                                      </m:sSub>
+                                      <m:r>
+                                        <a:rPr lang="ru-RU" sz="1800" i="1">
+                                          <a:effectLst/>
+                                          <a:latin typeface="Cambria Math" panose="02040503050406030204" pitchFamily="18" charset="0"/>
+                                          <a:ea typeface="SimSun" panose="02010600030101010101" pitchFamily="2" charset="-122"/>
+                                        </a:rPr>
+                                        <m:t>)</m:t>
+                                      </m:r>
+                                    </m:num>
+                                    <m:den>
+                                      <m:r>
+                                        <a:rPr lang="ru-RU" sz="1800" i="1">
+                                          <a:effectLst/>
+                                          <a:latin typeface="Cambria Math" panose="02040503050406030204" pitchFamily="18" charset="0"/>
+                                          <a:ea typeface="SimSun" panose="02010600030101010101" pitchFamily="2" charset="-122"/>
+                                        </a:rPr>
+                                        <m:t>𝜕</m:t>
+                                      </m:r>
+                                      <m:sSub>
+                                        <m:sSubPr>
+                                          <m:ctrlPr>
+                                            <a:rPr lang="ru-RU" sz="1800" i="1">
+                                              <a:effectLst/>
+                                              <a:latin typeface="Cambria Math" panose="02040503050406030204" pitchFamily="18" charset="0"/>
+                                              <a:ea typeface="SimSun" panose="02010600030101010101" pitchFamily="2" charset="-122"/>
+                                            </a:rPr>
+                                          </m:ctrlPr>
+                                        </m:sSubPr>
+                                        <m:e>
+                                          <m:r>
+                                            <a:rPr lang="ru-RU" sz="1800" i="1">
+                                              <a:effectLst/>
+                                              <a:latin typeface="Cambria Math" panose="02040503050406030204" pitchFamily="18" charset="0"/>
+                                              <a:ea typeface="SimSun" panose="02010600030101010101" pitchFamily="2" charset="-122"/>
+                                            </a:rPr>
+                                            <m:t>𝑚</m:t>
+                                          </m:r>
+                                        </m:e>
+                                        <m:sub>
+                                          <m:r>
+                                            <a:rPr lang="ru-RU" sz="1800" i="1">
+                                              <a:effectLst/>
+                                              <a:latin typeface="Cambria Math" panose="02040503050406030204" pitchFamily="18" charset="0"/>
+                                              <a:ea typeface="SimSun" panose="02010600030101010101" pitchFamily="2" charset="-122"/>
+                                            </a:rPr>
+                                            <m:t>𝑖</m:t>
+                                          </m:r>
+                                        </m:sub>
+                                      </m:sSub>
+                                    </m:den>
+                                  </m:f>
+                                  <m:r>
+                                    <a:rPr lang="ru-RU" sz="1800" i="1">
+                                      <a:effectLst/>
+                                      <a:latin typeface="Cambria Math" panose="02040503050406030204" pitchFamily="18" charset="0"/>
+                                      <a:ea typeface="SimSun" panose="02010600030101010101" pitchFamily="2" charset="-122"/>
+                                    </a:rPr>
+                                    <m:t>∆</m:t>
+                                  </m:r>
+                                  <m:sSub>
+                                    <m:sSubPr>
+                                      <m:ctrlPr>
+                                        <a:rPr lang="ru-RU" sz="1800" i="1">
+                                          <a:effectLst/>
+                                          <a:latin typeface="Cambria Math" panose="02040503050406030204" pitchFamily="18" charset="0"/>
+                                          <a:ea typeface="SimSun" panose="02010600030101010101" pitchFamily="2" charset="-122"/>
+                                        </a:rPr>
+                                      </m:ctrlPr>
+                                    </m:sSubPr>
+                                    <m:e>
+                                      <m:r>
+                                        <a:rPr lang="ru-RU" sz="1800" i="1">
+                                          <a:effectLst/>
+                                          <a:latin typeface="Cambria Math" panose="02040503050406030204" pitchFamily="18" charset="0"/>
+                                          <a:ea typeface="SimSun" panose="02010600030101010101" pitchFamily="2" charset="-122"/>
+                                        </a:rPr>
+                                        <m:t>𝑚</m:t>
+                                      </m:r>
+                                    </m:e>
+                                    <m:sub>
+                                      <m:r>
+                                        <a:rPr lang="ru-RU" sz="1800" i="1">
+                                          <a:effectLst/>
+                                          <a:latin typeface="Cambria Math" panose="02040503050406030204" pitchFamily="18" charset="0"/>
+                                          <a:ea typeface="SimSun" panose="02010600030101010101" pitchFamily="2" charset="-122"/>
+                                        </a:rPr>
+                                        <m:t>𝑖</m:t>
+                                      </m:r>
+                                    </m:sub>
+                                  </m:sSub>
+                                </m:e>
+                              </m:d>
+                            </m:e>
+                            <m:sup>
+                              <m:r>
+                                <a:rPr lang="ru-RU" sz="1800" i="1">
+                                  <a:effectLst/>
+                                  <a:latin typeface="Cambria Math" panose="02040503050406030204" pitchFamily="18" charset="0"/>
+                                  <a:ea typeface="SimSun" panose="02010600030101010101" pitchFamily="2" charset="-122"/>
+                                </a:rPr>
+                                <m:t>2</m:t>
+                              </m:r>
+                            </m:sup>
+                          </m:sSup>
+                          <m:r>
+                            <a:rPr lang="ru-RU" sz="1800" i="1">
+                              <a:effectLst/>
+                              <a:latin typeface="Cambria Math" panose="02040503050406030204" pitchFamily="18" charset="0"/>
+                              <a:ea typeface="SimSun" panose="02010600030101010101" pitchFamily="2" charset="-122"/>
+                            </a:rPr>
+                            <m:t>+</m:t>
+                          </m:r>
+                          <m:sSup>
+                            <m:sSupPr>
+                              <m:ctrlPr>
+                                <a:rPr lang="ru-RU" sz="1800" i="1">
+                                  <a:effectLst/>
+                                  <a:latin typeface="Cambria Math" panose="02040503050406030204" pitchFamily="18" charset="0"/>
+                                  <a:ea typeface="SimSun" panose="02010600030101010101" pitchFamily="2" charset="-122"/>
+                                </a:rPr>
+                              </m:ctrlPr>
+                            </m:sSupPr>
+                            <m:e>
+                              <m:d>
+                                <m:dPr>
+                                  <m:ctrlPr>
+                                    <a:rPr lang="ru-RU" sz="1800" i="1">
+                                      <a:effectLst/>
+                                      <a:latin typeface="Cambria Math" panose="02040503050406030204" pitchFamily="18" charset="0"/>
+                                      <a:ea typeface="SimSun" panose="02010600030101010101" pitchFamily="2" charset="-122"/>
+                                    </a:rPr>
+                                  </m:ctrlPr>
+                                </m:dPr>
+                                <m:e>
+                                  <m:f>
+                                    <m:fPr>
+                                      <m:ctrlPr>
+                                        <a:rPr lang="ru-RU" sz="1800" i="1">
+                                          <a:effectLst/>
+                                          <a:latin typeface="Cambria Math" panose="02040503050406030204" pitchFamily="18" charset="0"/>
+                                          <a:ea typeface="SimSun" panose="02010600030101010101" pitchFamily="2" charset="-122"/>
+                                        </a:rPr>
+                                      </m:ctrlPr>
+                                    </m:fPr>
+                                    <m:num>
+                                      <m:r>
+                                        <a:rPr lang="ru-RU" sz="1800" i="1">
+                                          <a:effectLst/>
+                                          <a:latin typeface="Cambria Math" panose="02040503050406030204" pitchFamily="18" charset="0"/>
+                                          <a:ea typeface="SimSun" panose="02010600030101010101" pitchFamily="2" charset="-122"/>
+                                        </a:rPr>
+                                        <m:t>𝜕</m:t>
+                                      </m:r>
+                                      <m:r>
+                                        <m:rPr>
+                                          <m:sty m:val="p"/>
+                                        </m:rPr>
+                                        <a:rPr lang="ru-RU" sz="1800">
+                                          <a:effectLst/>
+                                          <a:latin typeface="Cambria Math" panose="02040503050406030204" pitchFamily="18" charset="0"/>
+                                          <a:ea typeface="SimSun" panose="02010600030101010101" pitchFamily="2" charset="-122"/>
+                                        </a:rPr>
+                                        <m:t>ln</m:t>
+                                      </m:r>
+                                      <m:r>
+                                        <a:rPr lang="ru-RU" sz="1800">
+                                          <a:effectLst/>
+                                          <a:latin typeface="Cambria Math" panose="02040503050406030204" pitchFamily="18" charset="0"/>
+                                          <a:ea typeface="SimSun" panose="02010600030101010101" pitchFamily="2" charset="-122"/>
+                                        </a:rPr>
+                                        <m:t>⁡</m:t>
+                                      </m:r>
+                                      <m:r>
+                                        <a:rPr lang="ru-RU" sz="1800" i="1">
+                                          <a:effectLst/>
+                                          <a:latin typeface="Cambria Math" panose="02040503050406030204" pitchFamily="18" charset="0"/>
+                                          <a:ea typeface="SimSun" panose="02010600030101010101" pitchFamily="2" charset="-122"/>
+                                        </a:rPr>
+                                        <m:t>(</m:t>
+                                      </m:r>
+                                      <m:sSub>
+                                        <m:sSubPr>
+                                          <m:ctrlPr>
+                                            <a:rPr lang="ru-RU" sz="1800" i="1">
+                                              <a:effectLst/>
+                                              <a:latin typeface="Cambria Math" panose="02040503050406030204" pitchFamily="18" charset="0"/>
+                                              <a:ea typeface="SimSun" panose="02010600030101010101" pitchFamily="2" charset="-122"/>
+                                            </a:rPr>
+                                          </m:ctrlPr>
+                                        </m:sSubPr>
+                                        <m:e>
+                                          <m:r>
+                                            <a:rPr lang="ru-RU" sz="1800" i="1">
+                                              <a:effectLst/>
+                                              <a:latin typeface="Cambria Math" panose="02040503050406030204" pitchFamily="18" charset="0"/>
+                                              <a:ea typeface="SimSun" panose="02010600030101010101" pitchFamily="2" charset="-122"/>
+                                            </a:rPr>
+                                            <m:t>𝐽</m:t>
+                                          </m:r>
+                                        </m:e>
+                                        <m:sub>
+                                          <m:r>
+                                            <a:rPr lang="ru-RU" sz="1800" i="1">
+                                              <a:effectLst/>
+                                              <a:latin typeface="Cambria Math" panose="02040503050406030204" pitchFamily="18" charset="0"/>
+                                              <a:ea typeface="SimSun" panose="02010600030101010101" pitchFamily="2" charset="-122"/>
+                                            </a:rPr>
+                                            <m:t>𝑖</m:t>
+                                          </m:r>
+                                        </m:sub>
+                                      </m:sSub>
+                                      <m:r>
+                                        <a:rPr lang="ru-RU" sz="1800" i="1">
+                                          <a:effectLst/>
+                                          <a:latin typeface="Cambria Math" panose="02040503050406030204" pitchFamily="18" charset="0"/>
+                                          <a:ea typeface="SimSun" panose="02010600030101010101" pitchFamily="2" charset="-122"/>
+                                        </a:rPr>
+                                        <m:t>)</m:t>
+                                      </m:r>
+                                    </m:num>
+                                    <m:den>
+                                      <m:r>
+                                        <a:rPr lang="ru-RU" sz="1800" i="1">
+                                          <a:effectLst/>
+                                          <a:latin typeface="Cambria Math" panose="02040503050406030204" pitchFamily="18" charset="0"/>
+                                          <a:ea typeface="SimSun" panose="02010600030101010101" pitchFamily="2" charset="-122"/>
+                                        </a:rPr>
+                                        <m:t>𝜕</m:t>
+                                      </m:r>
+                                      <m:sSub>
+                                        <m:sSubPr>
+                                          <m:ctrlPr>
+                                            <a:rPr lang="ru-RU" sz="1800" i="1">
+                                              <a:effectLst/>
+                                              <a:latin typeface="Cambria Math" panose="02040503050406030204" pitchFamily="18" charset="0"/>
+                                              <a:ea typeface="SimSun" panose="02010600030101010101" pitchFamily="2" charset="-122"/>
+                                            </a:rPr>
+                                          </m:ctrlPr>
+                                        </m:sSubPr>
+                                        <m:e>
+                                          <m:r>
+                                            <a:rPr lang="ru-RU" sz="1800" i="1">
+                                              <a:effectLst/>
+                                              <a:latin typeface="Cambria Math" panose="02040503050406030204" pitchFamily="18" charset="0"/>
+                                              <a:ea typeface="SimSun" panose="02010600030101010101" pitchFamily="2" charset="-122"/>
+                                            </a:rPr>
+                                            <m:t>𝑟</m:t>
+                                          </m:r>
+                                        </m:e>
+                                        <m:sub>
+                                          <m:r>
+                                            <a:rPr lang="ru-RU" sz="1800" i="1">
+                                              <a:effectLst/>
+                                              <a:latin typeface="Cambria Math" panose="02040503050406030204" pitchFamily="18" charset="0"/>
+                                              <a:ea typeface="SimSun" panose="02010600030101010101" pitchFamily="2" charset="-122"/>
+                                            </a:rPr>
+                                            <m:t>𝑖</m:t>
+                                          </m:r>
+                                        </m:sub>
+                                      </m:sSub>
+                                    </m:den>
+                                  </m:f>
+                                  <m:r>
+                                    <a:rPr lang="ru-RU" sz="1800" i="1">
+                                      <a:effectLst/>
+                                      <a:latin typeface="Cambria Math" panose="02040503050406030204" pitchFamily="18" charset="0"/>
+                                      <a:ea typeface="SimSun" panose="02010600030101010101" pitchFamily="2" charset="-122"/>
+                                    </a:rPr>
+                                    <m:t>∆</m:t>
+                                  </m:r>
+                                  <m:r>
+                                    <a:rPr lang="ru-RU" sz="1800" i="1">
+                                      <a:effectLst/>
+                                      <a:latin typeface="Cambria Math" panose="02040503050406030204" pitchFamily="18" charset="0"/>
+                                      <a:ea typeface="SimSun" panose="02010600030101010101" pitchFamily="2" charset="-122"/>
+                                    </a:rPr>
+                                    <m:t>𝑟</m:t>
+                                  </m:r>
+                                </m:e>
+                              </m:d>
+                            </m:e>
+                            <m:sup>
+                              <m:r>
+                                <a:rPr lang="ru-RU" sz="1800" i="1">
+                                  <a:effectLst/>
+                                  <a:latin typeface="Cambria Math" panose="02040503050406030204" pitchFamily="18" charset="0"/>
+                                  <a:ea typeface="SimSun" panose="02010600030101010101" pitchFamily="2" charset="-122"/>
+                                </a:rPr>
+                                <m:t>2</m:t>
+                              </m:r>
+                            </m:sup>
+                          </m:sSup>
+                        </m:e>
+                      </m:rad>
+                    </m:oMath>
+                  </m:oMathPara>
                 </a14:m>
-                <a:r>
-                  <a:rPr lang="en-US" sz="2400" dirty="0"/>
-                  <a:t> </a:t>
-                </a:r>
-                <a:endParaRPr lang="ru-RU" sz="2400" dirty="0"/>
+                <a:endParaRPr lang="ru-RU" sz="1800" dirty="0">
+                  <a:effectLst/>
+                  <a:latin typeface="Times New Roman" panose="02020603050405020304" pitchFamily="18" charset="0"/>
+                  <a:ea typeface="SimSun" panose="02010600030101010101" pitchFamily="2" charset="-122"/>
+                </a:endParaRPr>
               </a:p>
             </p:txBody>
           </p:sp>
         </mc:Choice>
-        <mc:Fallback xmlns="">
+        <mc:Fallback>
           <p:sp>
             <p:nvSpPr>
-              <p:cNvPr id="17" name="Прямоугольник 16">
+              <p:cNvPr id="14" name="TextBox 13">
                 <a:extLst>
                   <a:ext uri="{FF2B5EF4-FFF2-40B4-BE49-F238E27FC236}">
-                    <a16:creationId xmlns:a16="http://schemas.microsoft.com/office/drawing/2014/main" id="{8D232528-66D2-41F9-87E1-7BEB6DAAB731}"/>
+                    <a16:creationId xmlns:a16="http://schemas.microsoft.com/office/drawing/2014/main" id="{FD5CE986-D61E-44F6-99D5-3DA81B507ACD}"/>
                   </a:ext>
                 </a:extLst>
               </p:cNvPr>
-              <p:cNvSpPr>
+              <p:cNvSpPr txBox="1">
                 <a:spLocks noRot="1" noChangeAspect="1" noMove="1" noResize="1" noEditPoints="1" noAdjustHandles="1" noChangeArrowheads="1" noChangeShapeType="1" noTextEdit="1"/>
               </p:cNvSpPr>
               <p:nvPr/>
             </p:nvSpPr>
             <p:spPr>
               <a:xfrm>
-                <a:off x="4894383" y="693992"/>
-                <a:ext cx="3546231" cy="950388"/>
+                <a:off x="97523" y="4438552"/>
+                <a:ext cx="5677524" cy="1735411"/>
               </a:xfrm>
               <a:prstGeom prst="rect">
                 <a:avLst/>
@@ -7209,7 +8006,7 @@
               <a:blipFill>
                 <a:blip r:embed="rId4"/>
                 <a:stretch>
-                  <a:fillRect/>
+                  <a:fillRect l="-967"/>
                 </a:stretch>
               </a:blipFill>
             </p:spPr>
@@ -7218,7 +8015,7 @@
               <a:lstStyle/>
               <a:p>
                 <a:r>
-                  <a:rPr lang="en-US">
+                  <a:rPr lang="ru-RU">
                     <a:noFill/>
                   </a:rPr>
                   <a:t> </a:t>
@@ -7228,28 +8025,29 @@
           </p:sp>
         </mc:Fallback>
       </mc:AlternateContent>
-      <mc:AlternateContent xmlns:mc="http://schemas.openxmlformats.org/markup-compatibility/2006" xmlns:a14="http://schemas.microsoft.com/office/drawing/2010/main">
-        <mc:Choice Requires="a14">
+      <mc:AlternateContent xmlns:mc="http://schemas.openxmlformats.org/markup-compatibility/2006">
+        <mc:Choice xmlns:a14="http://schemas.microsoft.com/office/drawing/2010/main" Requires="a14">
           <p:sp>
             <p:nvSpPr>
-              <p:cNvPr id="18" name="Прямоугольник 17">
+              <p:cNvPr id="15" name="TextBox 14">
                 <a:extLst>
                   <a:ext uri="{FF2B5EF4-FFF2-40B4-BE49-F238E27FC236}">
-                    <a16:creationId xmlns:a16="http://schemas.microsoft.com/office/drawing/2014/main" id="{754E424C-1F93-4A75-B081-543E48DF86C0}"/>
+                    <a16:creationId xmlns:a16="http://schemas.microsoft.com/office/drawing/2014/main" id="{C56A41B1-1177-44A3-8AD3-CD3EA2C2983E}"/>
                   </a:ext>
                 </a:extLst>
               </p:cNvPr>
-              <p:cNvSpPr/>
+              <p:cNvSpPr txBox="1"/>
               <p:nvPr/>
             </p:nvSpPr>
             <p:spPr>
               <a:xfrm>
-                <a:off x="4994997" y="4656580"/>
-                <a:ext cx="4987203" cy="835165"/>
+                <a:off x="2759700" y="6322484"/>
+                <a:ext cx="6190128" cy="375552"/>
               </a:xfrm>
               <a:prstGeom prst="rect">
                 <a:avLst/>
               </a:prstGeom>
+              <a:noFill/>
             </p:spPr>
             <p:txBody>
               <a:bodyPr wrap="square">
@@ -7257,121 +8055,230 @@
               </a:bodyPr>
               <a:lstStyle/>
               <a:p>
-                <a:pPr algn="just"/>
-                <a:endParaRPr lang="ru-RU" sz="2400" dirty="0"/>
-              </a:p>
-              <a:p>
-                <a:pPr algn="just"/>
                 <a14:m>
-                  <m:oMath xmlns:m="http://schemas.openxmlformats.org/officeDocument/2006/math">
-                    <m:r>
-                      <m:rPr>
-                        <m:sty m:val="p"/>
-                      </m:rPr>
-                      <a:rPr lang="en-US" sz="2400" i="1">
-                        <a:latin typeface="Cambria Math" panose="02040503050406030204" pitchFamily="18" charset="0"/>
-                        <a:ea typeface="Cambria Math" panose="02040503050406030204" pitchFamily="18" charset="0"/>
-                      </a:rPr>
-                      <m:t>M</m:t>
-                    </m:r>
-                    <m:r>
-                      <a:rPr lang="en-US" sz="2400" b="0" i="1" smtClean="0">
-                        <a:latin typeface="Cambria Math" panose="02040503050406030204" pitchFamily="18" charset="0"/>
-                      </a:rPr>
-                      <m:t>=</m:t>
-                    </m:r>
-                    <m:r>
-                      <a:rPr lang="en-US" sz="2400" b="0" i="1" smtClean="0">
-                        <a:latin typeface="Cambria Math" panose="02040503050406030204" pitchFamily="18" charset="0"/>
-                      </a:rPr>
-                      <m:t>𝐽</m:t>
-                    </m:r>
-                    <m:r>
-                      <a:rPr lang="en-US" sz="2400" b="0" i="1" smtClean="0">
-                        <a:latin typeface="Cambria Math" panose="02040503050406030204" pitchFamily="18" charset="0"/>
-                        <a:ea typeface="Cambria Math" panose="02040503050406030204" pitchFamily="18" charset="0"/>
-                      </a:rPr>
-                      <m:t>𝜀</m:t>
-                    </m:r>
-                    <m:r>
-                      <a:rPr lang="en-US" sz="2400" b="0" i="1" smtClean="0">
-                        <a:latin typeface="Cambria Math" panose="02040503050406030204" pitchFamily="18" charset="0"/>
-                        <a:ea typeface="Cambria Math" panose="02040503050406030204" pitchFamily="18" charset="0"/>
-                      </a:rPr>
-                      <m:t>=0,005±4,65·</m:t>
-                    </m:r>
-                    <m:sSup>
-                      <m:sSupPr>
-                        <m:ctrlPr>
-                          <a:rPr lang="en-US" sz="2400" b="0" i="1" smtClean="0">
-                            <a:latin typeface="Cambria Math" panose="02040503050406030204" pitchFamily="18" charset="0"/>
-                            <a:ea typeface="Cambria Math" panose="02040503050406030204" pitchFamily="18" charset="0"/>
-                          </a:rPr>
-                        </m:ctrlPr>
-                      </m:sSupPr>
-                      <m:e>
-                        <m:r>
-                          <a:rPr lang="en-US" sz="2400" b="0" i="1" smtClean="0">
-                            <a:latin typeface="Cambria Math" panose="02040503050406030204" pitchFamily="18" charset="0"/>
-                            <a:ea typeface="Cambria Math" panose="02040503050406030204" pitchFamily="18" charset="0"/>
-                          </a:rPr>
-                          <m:t>10</m:t>
-                        </m:r>
-                      </m:e>
-                      <m:sup>
-                        <m:r>
-                          <a:rPr lang="en-US" sz="2400" b="0" i="1" smtClean="0">
-                            <a:latin typeface="Cambria Math" panose="02040503050406030204" pitchFamily="18" charset="0"/>
-                            <a:ea typeface="Cambria Math" panose="02040503050406030204" pitchFamily="18" charset="0"/>
-                          </a:rPr>
-                          <m:t>−5</m:t>
-                        </m:r>
-                      </m:sup>
-                    </m:sSup>
-                    <m:r>
-                      <a:rPr lang="en-US" sz="2400" b="0" i="1" smtClean="0">
-                        <a:latin typeface="Cambria Math" panose="02040503050406030204" pitchFamily="18" charset="0"/>
-                        <a:ea typeface="Cambria Math" panose="02040503050406030204" pitchFamily="18" charset="0"/>
-                      </a:rPr>
-                      <m:t> </m:t>
-                    </m:r>
-                    <m:r>
-                      <a:rPr lang="ru-RU" sz="2400" b="0" i="1" smtClean="0">
-                        <a:latin typeface="Cambria Math" panose="02040503050406030204" pitchFamily="18" charset="0"/>
-                        <a:ea typeface="Cambria Math" panose="02040503050406030204" pitchFamily="18" charset="0"/>
-                      </a:rPr>
-                      <m:t>Н·м</m:t>
-                    </m:r>
-                  </m:oMath>
+                  <m:oMathPara xmlns:m="http://schemas.openxmlformats.org/officeDocument/2006/math">
+                    <m:oMathParaPr>
+                      <m:jc m:val="centerGroup"/>
+                    </m:oMathParaPr>
+                    <m:oMath xmlns:m="http://schemas.openxmlformats.org/officeDocument/2006/math">
+                      <m:r>
+                        <a:rPr lang="en-US" b="1" i="1" smtClean="0">
+                          <a:latin typeface="Cambria Math" panose="02040503050406030204" pitchFamily="18" charset="0"/>
+                        </a:rPr>
+                        <m:t>𝑱</m:t>
+                      </m:r>
+                      <m:r>
+                        <a:rPr lang="en-US" b="1" i="1" smtClean="0">
+                          <a:latin typeface="Cambria Math" panose="02040503050406030204" pitchFamily="18" charset="0"/>
+                        </a:rPr>
+                        <m:t>=</m:t>
+                      </m:r>
+                      <m:r>
+                        <a:rPr lang="en-US" b="1" i="1" smtClean="0">
+                          <a:latin typeface="Cambria Math" panose="02040503050406030204" pitchFamily="18" charset="0"/>
+                        </a:rPr>
+                        <m:t>𝟐</m:t>
+                      </m:r>
+                      <m:r>
+                        <a:rPr lang="en-US" b="1" i="1" smtClean="0">
+                          <a:latin typeface="Cambria Math" panose="02040503050406030204" pitchFamily="18" charset="0"/>
+                        </a:rPr>
+                        <m:t>,</m:t>
+                      </m:r>
+                      <m:r>
+                        <a:rPr lang="en-US" b="1" i="1" smtClean="0">
+                          <a:latin typeface="Cambria Math" panose="02040503050406030204" pitchFamily="18" charset="0"/>
+                        </a:rPr>
+                        <m:t>𝟔𝟗</m:t>
+                      </m:r>
+                      <m:r>
+                        <a:rPr lang="en-US" b="1" i="1" smtClean="0">
+                          <a:latin typeface="Cambria Math" panose="02040503050406030204" pitchFamily="18" charset="0"/>
+                          <a:ea typeface="Cambria Math" panose="02040503050406030204" pitchFamily="18" charset="0"/>
+                        </a:rPr>
+                        <m:t>∙</m:t>
+                      </m:r>
+                      <m:sSup>
+                        <m:sSupPr>
+                          <m:ctrlPr>
+                            <a:rPr lang="en-US" b="1" i="1" smtClean="0">
+                              <a:latin typeface="Cambria Math" panose="02040503050406030204" pitchFamily="18" charset="0"/>
+                              <a:ea typeface="Cambria Math" panose="02040503050406030204" pitchFamily="18" charset="0"/>
+                            </a:rPr>
+                          </m:ctrlPr>
+                        </m:sSupPr>
+                        <m:e>
+                          <m:r>
+                            <a:rPr lang="en-US" b="1" i="1" smtClean="0">
+                              <a:latin typeface="Cambria Math" panose="02040503050406030204" pitchFamily="18" charset="0"/>
+                              <a:ea typeface="Cambria Math" panose="02040503050406030204" pitchFamily="18" charset="0"/>
+                            </a:rPr>
+                            <m:t>𝟏𝟎</m:t>
+                          </m:r>
+                        </m:e>
+                        <m:sup>
+                          <m:r>
+                            <a:rPr lang="en-US" b="1" i="1" smtClean="0">
+                              <a:latin typeface="Cambria Math" panose="02040503050406030204" pitchFamily="18" charset="0"/>
+                              <a:ea typeface="Cambria Math" panose="02040503050406030204" pitchFamily="18" charset="0"/>
+                            </a:rPr>
+                            <m:t>−</m:t>
+                          </m:r>
+                          <m:r>
+                            <a:rPr lang="en-US" b="1" i="1" smtClean="0">
+                              <a:latin typeface="Cambria Math" panose="02040503050406030204" pitchFamily="18" charset="0"/>
+                              <a:ea typeface="Cambria Math" panose="02040503050406030204" pitchFamily="18" charset="0"/>
+                            </a:rPr>
+                            <m:t>𝟒</m:t>
+                          </m:r>
+                        </m:sup>
+                      </m:sSup>
+                      <m:r>
+                        <a:rPr lang="en-US" b="1" i="1" smtClean="0">
+                          <a:latin typeface="Cambria Math" panose="02040503050406030204" pitchFamily="18" charset="0"/>
+                          <a:ea typeface="Cambria Math" panose="02040503050406030204" pitchFamily="18" charset="0"/>
+                        </a:rPr>
+                        <m:t> ±</m:t>
+                      </m:r>
+                      <m:r>
+                        <a:rPr lang="en-US" b="1" i="1" smtClean="0">
+                          <a:latin typeface="Cambria Math" panose="02040503050406030204" pitchFamily="18" charset="0"/>
+                          <a:ea typeface="Cambria Math" panose="02040503050406030204" pitchFamily="18" charset="0"/>
+                        </a:rPr>
+                        <m:t>𝟒</m:t>
+                      </m:r>
+                      <m:r>
+                        <a:rPr lang="en-US" b="1" i="1" smtClean="0">
+                          <a:latin typeface="Cambria Math" panose="02040503050406030204" pitchFamily="18" charset="0"/>
+                          <a:ea typeface="Cambria Math" panose="02040503050406030204" pitchFamily="18" charset="0"/>
+                        </a:rPr>
+                        <m:t>,</m:t>
+                      </m:r>
+                      <m:r>
+                        <a:rPr lang="en-US" b="1" i="1" smtClean="0">
+                          <a:latin typeface="Cambria Math" panose="02040503050406030204" pitchFamily="18" charset="0"/>
+                          <a:ea typeface="Cambria Math" panose="02040503050406030204" pitchFamily="18" charset="0"/>
+                        </a:rPr>
+                        <m:t>𝟓𝟖</m:t>
+                      </m:r>
+                      <m:r>
+                        <a:rPr lang="en-US" b="1" i="1" smtClean="0">
+                          <a:latin typeface="Cambria Math" panose="02040503050406030204" pitchFamily="18" charset="0"/>
+                          <a:ea typeface="Cambria Math" panose="02040503050406030204" pitchFamily="18" charset="0"/>
+                        </a:rPr>
+                        <m:t>∙</m:t>
+                      </m:r>
+                      <m:sSup>
+                        <m:sSupPr>
+                          <m:ctrlPr>
+                            <a:rPr lang="en-US" b="1" i="1" smtClean="0">
+                              <a:latin typeface="Cambria Math" panose="02040503050406030204" pitchFamily="18" charset="0"/>
+                              <a:ea typeface="Cambria Math" panose="02040503050406030204" pitchFamily="18" charset="0"/>
+                            </a:rPr>
+                          </m:ctrlPr>
+                        </m:sSupPr>
+                        <m:e>
+                          <m:r>
+                            <a:rPr lang="en-US" b="1" i="1" smtClean="0">
+                              <a:latin typeface="Cambria Math" panose="02040503050406030204" pitchFamily="18" charset="0"/>
+                              <a:ea typeface="Cambria Math" panose="02040503050406030204" pitchFamily="18" charset="0"/>
+                            </a:rPr>
+                            <m:t>𝟏𝟎</m:t>
+                          </m:r>
+                        </m:e>
+                        <m:sup>
+                          <m:r>
+                            <a:rPr lang="en-US" b="1" i="1" smtClean="0">
+                              <a:latin typeface="Cambria Math" panose="02040503050406030204" pitchFamily="18" charset="0"/>
+                              <a:ea typeface="Cambria Math" panose="02040503050406030204" pitchFamily="18" charset="0"/>
+                            </a:rPr>
+                            <m:t>−</m:t>
+                          </m:r>
+                          <m:r>
+                            <a:rPr lang="en-US" b="1" i="1" smtClean="0">
+                              <a:latin typeface="Cambria Math" panose="02040503050406030204" pitchFamily="18" charset="0"/>
+                              <a:ea typeface="Cambria Math" panose="02040503050406030204" pitchFamily="18" charset="0"/>
+                            </a:rPr>
+                            <m:t>𝟕</m:t>
+                          </m:r>
+                        </m:sup>
+                      </m:sSup>
+                      <m:r>
+                        <a:rPr lang="en-US" b="1" i="1" smtClean="0">
+                          <a:latin typeface="Cambria Math" panose="02040503050406030204" pitchFamily="18" charset="0"/>
+                          <a:ea typeface="Cambria Math" panose="02040503050406030204" pitchFamily="18" charset="0"/>
+                        </a:rPr>
+                        <m:t> </m:t>
+                      </m:r>
+                      <m:r>
+                        <a:rPr lang="ru-RU" b="1" i="0" smtClean="0">
+                          <a:latin typeface="Cambria Math" panose="02040503050406030204" pitchFamily="18" charset="0"/>
+                          <a:ea typeface="Cambria Math" panose="02040503050406030204" pitchFamily="18" charset="0"/>
+                        </a:rPr>
+                        <m:t>кг</m:t>
+                      </m:r>
+                      <m:r>
+                        <a:rPr lang="ru-RU" b="1" i="1" smtClean="0">
+                          <a:latin typeface="Cambria Math" panose="02040503050406030204" pitchFamily="18" charset="0"/>
+                          <a:ea typeface="Cambria Math" panose="02040503050406030204" pitchFamily="18" charset="0"/>
+                        </a:rPr>
+                        <m:t>∙</m:t>
+                      </m:r>
+                      <m:sSup>
+                        <m:sSupPr>
+                          <m:ctrlPr>
+                            <a:rPr lang="ru-RU" b="1" i="1" smtClean="0">
+                              <a:latin typeface="Cambria Math" panose="02040503050406030204" pitchFamily="18" charset="0"/>
+                              <a:ea typeface="Cambria Math" panose="02040503050406030204" pitchFamily="18" charset="0"/>
+                            </a:rPr>
+                          </m:ctrlPr>
+                        </m:sSupPr>
+                        <m:e>
+                          <m:r>
+                            <a:rPr lang="ru-RU" b="1" i="1" smtClean="0">
+                              <a:latin typeface="Cambria Math" panose="02040503050406030204" pitchFamily="18" charset="0"/>
+                              <a:ea typeface="Cambria Math" panose="02040503050406030204" pitchFamily="18" charset="0"/>
+                            </a:rPr>
+                            <m:t>м</m:t>
+                          </m:r>
+                        </m:e>
+                        <m:sup>
+                          <m:r>
+                            <a:rPr lang="ru-RU" b="1" i="1" smtClean="0">
+                              <a:latin typeface="Cambria Math" panose="02040503050406030204" pitchFamily="18" charset="0"/>
+                              <a:ea typeface="Cambria Math" panose="02040503050406030204" pitchFamily="18" charset="0"/>
+                            </a:rPr>
+                            <m:t>𝟐</m:t>
+                          </m:r>
+                        </m:sup>
+                      </m:sSup>
+                    </m:oMath>
+                  </m:oMathPara>
                 </a14:m>
-                <a:r>
-                  <a:rPr lang="en-US" sz="2400" dirty="0"/>
-                  <a:t> </a:t>
-                </a:r>
-                <a:endParaRPr lang="ru-RU" sz="2400" dirty="0"/>
+                <a:endParaRPr lang="ru-RU" b="1" dirty="0"/>
               </a:p>
             </p:txBody>
           </p:sp>
         </mc:Choice>
-        <mc:Fallback xmlns="">
+        <mc:Fallback>
           <p:sp>
             <p:nvSpPr>
-              <p:cNvPr id="18" name="Прямоугольник 17">
+              <p:cNvPr id="15" name="TextBox 14">
                 <a:extLst>
                   <a:ext uri="{FF2B5EF4-FFF2-40B4-BE49-F238E27FC236}">
-                    <a16:creationId xmlns:a16="http://schemas.microsoft.com/office/drawing/2014/main" id="{754E424C-1F93-4A75-B081-543E48DF86C0}"/>
+                    <a16:creationId xmlns:a16="http://schemas.microsoft.com/office/drawing/2014/main" id="{C56A41B1-1177-44A3-8AD3-CD3EA2C2983E}"/>
                   </a:ext>
                 </a:extLst>
               </p:cNvPr>
-              <p:cNvSpPr>
+              <p:cNvSpPr txBox="1">
                 <a:spLocks noRot="1" noChangeAspect="1" noMove="1" noResize="1" noEditPoints="1" noAdjustHandles="1" noChangeArrowheads="1" noChangeShapeType="1" noTextEdit="1"/>
               </p:cNvSpPr>
               <p:nvPr/>
             </p:nvSpPr>
             <p:spPr>
               <a:xfrm>
-                <a:off x="4994997" y="4656580"/>
-                <a:ext cx="4987203" cy="835165"/>
+                <a:off x="2759700" y="6322484"/>
+                <a:ext cx="6190128" cy="375552"/>
               </a:xfrm>
               <a:prstGeom prst="rect">
                 <a:avLst/>
@@ -7379,7 +8286,7 @@
               <a:blipFill>
                 <a:blip r:embed="rId5"/>
                 <a:stretch>
-                  <a:fillRect l="-244" b="-6569"/>
+                  <a:fillRect b="-9677"/>
                 </a:stretch>
               </a:blipFill>
             </p:spPr>
@@ -7388,7 +8295,7 @@
               <a:lstStyle/>
               <a:p>
                 <a:r>
-                  <a:rPr lang="en-US">
+                  <a:rPr lang="ru-RU">
                     <a:noFill/>
                   </a:rPr>
                   <a:t> </a:t>
@@ -7398,42 +8305,6 @@
           </p:sp>
         </mc:Fallback>
       </mc:AlternateContent>
-      <p:pic>
-        <p:nvPicPr>
-          <p:cNvPr id="20" name="Рисунок 19">
-            <a:extLst>
-              <a:ext uri="{FF2B5EF4-FFF2-40B4-BE49-F238E27FC236}">
-                <a16:creationId xmlns:a16="http://schemas.microsoft.com/office/drawing/2014/main" id="{19F5ABB4-1D1D-46C1-8552-B8C8964CFB5D}"/>
-              </a:ext>
-            </a:extLst>
-          </p:cNvPr>
-          <p:cNvPicPr>
-            <a:picLocks noChangeAspect="1"/>
-          </p:cNvPicPr>
-          <p:nvPr/>
-        </p:nvPicPr>
-        <p:blipFill>
-          <a:blip r:embed="rId6">
-            <a:extLst>
-              <a:ext uri="{28A0092B-C50C-407E-A947-70E740481C1C}">
-                <a14:useLocalDpi xmlns:a14="http://schemas.microsoft.com/office/drawing/2010/main" val="0"/>
-              </a:ext>
-            </a:extLst>
-          </a:blip>
-          <a:stretch>
-            <a:fillRect/>
-          </a:stretch>
-        </p:blipFill>
-        <p:spPr>
-          <a:xfrm>
-            <a:off x="93784" y="3995696"/>
-            <a:ext cx="3198898" cy="2156934"/>
-          </a:xfrm>
-          <a:prstGeom prst="rect">
-            <a:avLst/>
-          </a:prstGeom>
-        </p:spPr>
-      </p:pic>
     </p:spTree>
     <p:extLst>
       <p:ext uri="{BB962C8B-B14F-4D97-AF65-F5344CB8AC3E}">
@@ -7466,7 +8337,13 @@
       </p:grpSpPr>
       <p:sp>
         <p:nvSpPr>
-          <p:cNvPr id="4" name="Номер слайда 3"/>
+          <p:cNvPr id="4" name="Номер слайда 3">
+            <a:extLst>
+              <a:ext uri="{FF2B5EF4-FFF2-40B4-BE49-F238E27FC236}">
+                <a16:creationId xmlns:a16="http://schemas.microsoft.com/office/drawing/2014/main" id="{FA27ABEE-315A-4D20-92C1-C12964519599}"/>
+              </a:ext>
+            </a:extLst>
+          </p:cNvPr>
           <p:cNvSpPr>
             <a:spLocks noGrp="1"/>
           </p:cNvSpPr>
@@ -7489,10 +8366,58 @@
       </p:sp>
       <p:sp>
         <p:nvSpPr>
-          <p:cNvPr id="6" name="TextBox 5">
+          <p:cNvPr id="7" name="Title 1">
             <a:extLst>
               <a:ext uri="{FF2B5EF4-FFF2-40B4-BE49-F238E27FC236}">
-                <a16:creationId xmlns:a16="http://schemas.microsoft.com/office/drawing/2014/main" id="{CAFF6426-FDD7-42E0-817D-102F277D4415}"/>
+                <a16:creationId xmlns:a16="http://schemas.microsoft.com/office/drawing/2014/main" id="{4F3EFBB3-C0F5-4C25-A4EC-6CEF46C91B4B}"/>
+              </a:ext>
+            </a:extLst>
+          </p:cNvPr>
+          <p:cNvSpPr>
+            <a:spLocks noGrp="1"/>
+          </p:cNvSpPr>
+          <p:nvPr>
+            <p:ph type="title"/>
+          </p:nvPr>
+        </p:nvSpPr>
+        <p:spPr>
+          <a:xfrm>
+            <a:off x="0" y="-11239"/>
+            <a:ext cx="12084424" cy="903161"/>
+          </a:xfrm>
+        </p:spPr>
+        <p:txBody>
+          <a:bodyPr>
+            <a:normAutofit/>
+          </a:bodyPr>
+          <a:lstStyle/>
+          <a:p>
+            <a:r>
+              <a:rPr lang="ru-RU" sz="4000" dirty="0">
+                <a:latin typeface="+mj-lt"/>
+              </a:rPr>
+              <a:t>Аттестация стенда. Измерение </a:t>
+            </a:r>
+            <a:r>
+              <a:rPr lang="ru-RU" sz="4000" dirty="0"/>
+              <a:t>ускорения</a:t>
+            </a:r>
+            <a:r>
+              <a:rPr lang="ru-RU" sz="4000" dirty="0">
+                <a:latin typeface="+mj-lt"/>
+              </a:rPr>
+              <a:t> маховика</a:t>
+            </a:r>
+            <a:endParaRPr lang="en-US" dirty="0"/>
+          </a:p>
+        </p:txBody>
+      </p:sp>
+      <p:sp>
+        <p:nvSpPr>
+          <p:cNvPr id="11" name="TextBox 10">
+            <a:extLst>
+              <a:ext uri="{FF2B5EF4-FFF2-40B4-BE49-F238E27FC236}">
+                <a16:creationId xmlns:a16="http://schemas.microsoft.com/office/drawing/2014/main" id="{256846A2-90A5-48EF-8FAF-1DD4DB27DC82}"/>
               </a:ext>
             </a:extLst>
           </p:cNvPr>
@@ -7501,8 +8426,8 @@
         </p:nvSpPr>
         <p:spPr>
           <a:xfrm>
-            <a:off x="0" y="-7506"/>
-            <a:ext cx="10633039" cy="646331"/>
+            <a:off x="730278" y="4008918"/>
+            <a:ext cx="2953053" cy="338554"/>
           </a:xfrm>
           <a:prstGeom prst="rect">
             <a:avLst/>
@@ -7516,94 +8441,20 @@
           <a:lstStyle/>
           <a:p>
             <a:r>
-              <a:rPr lang="ru-RU" sz="3600" dirty="0">
+              <a:rPr lang="ru-RU" sz="1600" dirty="0">
                 <a:latin typeface="+mj-lt"/>
               </a:rPr>
-              <a:t>Оценка момента на основание при перенацеливании</a:t>
+              <a:t>Рисунок 6 – Эталонный маховик</a:t>
             </a:r>
           </a:p>
         </p:txBody>
       </p:sp>
       <p:sp>
         <p:nvSpPr>
-          <p:cNvPr id="10" name="Прямоугольник 9"/>
-          <p:cNvSpPr/>
-          <p:nvPr/>
-        </p:nvSpPr>
-        <p:spPr>
-          <a:xfrm>
-            <a:off x="7268029" y="2993861"/>
-            <a:ext cx="3507692" cy="584775"/>
-          </a:xfrm>
-          <a:prstGeom prst="rect">
-            <a:avLst/>
-          </a:prstGeom>
-        </p:spPr>
-        <p:txBody>
-          <a:bodyPr wrap="none">
-            <a:spAutoFit/>
-          </a:bodyPr>
-          <a:lstStyle/>
-          <a:p>
-            <a:r>
-              <a:rPr lang="ru-RU" sz="1600" dirty="0">
-                <a:latin typeface="+mj-lt"/>
-              </a:rPr>
-              <a:t>Рисунок 7 – Скорость колебаний рамы</a:t>
-            </a:r>
-          </a:p>
-          <a:p>
-            <a:r>
-              <a:rPr lang="ru-RU" sz="1600" dirty="0">
-                <a:latin typeface="+mj-lt"/>
-              </a:rPr>
-              <a:t> при перенацеливании</a:t>
-            </a:r>
-          </a:p>
-        </p:txBody>
-      </p:sp>
-      <p:pic>
-        <p:nvPicPr>
-          <p:cNvPr id="5" name="Picture 4">
+          <p:cNvPr id="12" name="Прямоугольник 11">
             <a:extLst>
               <a:ext uri="{FF2B5EF4-FFF2-40B4-BE49-F238E27FC236}">
-                <a16:creationId xmlns:a16="http://schemas.microsoft.com/office/drawing/2014/main" id="{89308C76-4FEC-4D20-8A24-B231BF2179F1}"/>
-              </a:ext>
-            </a:extLst>
-          </p:cNvPr>
-          <p:cNvPicPr>
-            <a:picLocks noChangeAspect="1"/>
-          </p:cNvPicPr>
-          <p:nvPr/>
-        </p:nvPicPr>
-        <p:blipFill>
-          <a:blip r:embed="rId2">
-            <a:extLst>
-              <a:ext uri="{28A0092B-C50C-407E-A947-70E740481C1C}">
-                <a14:useLocalDpi xmlns:a14="http://schemas.microsoft.com/office/drawing/2010/main" val="0"/>
-              </a:ext>
-            </a:extLst>
-          </a:blip>
-          <a:stretch>
-            <a:fillRect/>
-          </a:stretch>
-        </p:blipFill>
-        <p:spPr>
-          <a:xfrm>
-            <a:off x="435946" y="569442"/>
-            <a:ext cx="3622410" cy="2716807"/>
-          </a:xfrm>
-          <a:prstGeom prst="rect">
-            <a:avLst/>
-          </a:prstGeom>
-        </p:spPr>
-      </p:pic>
-      <p:sp>
-        <p:nvSpPr>
-          <p:cNvPr id="11" name="Прямоугольник 9">
-            <a:extLst>
-              <a:ext uri="{FF2B5EF4-FFF2-40B4-BE49-F238E27FC236}">
-                <a16:creationId xmlns:a16="http://schemas.microsoft.com/office/drawing/2014/main" id="{8E7C32F8-8752-46DB-9FED-7DA86E6B1059}"/>
+                <a16:creationId xmlns:a16="http://schemas.microsoft.com/office/drawing/2014/main" id="{85C5B0C8-5735-4441-B508-AA2CACCFCBE9}"/>
               </a:ext>
             </a:extLst>
           </p:cNvPr>
@@ -7612,8 +8463,8 @@
         </p:nvSpPr>
         <p:spPr>
           <a:xfrm>
-            <a:off x="636808" y="3136612"/>
-            <a:ext cx="3534780" cy="584775"/>
+            <a:off x="4917485" y="684037"/>
+            <a:ext cx="6970644" cy="3416320"/>
           </a:xfrm>
           <a:prstGeom prst="rect">
             <a:avLst/>
@@ -7625,65 +8476,81 @@
           </a:bodyPr>
           <a:lstStyle/>
           <a:p>
-            <a:r>
-              <a:rPr lang="ru-RU" sz="1600" dirty="0">
-                <a:latin typeface="+mj-lt"/>
-              </a:rPr>
-              <a:t>Рисунок 7 – Скорость колебаний рамы </a:t>
-            </a:r>
-          </a:p>
-          <a:p>
-            <a:r>
-              <a:rPr lang="ru-RU" sz="1600" dirty="0">
-                <a:latin typeface="+mj-lt"/>
-              </a:rPr>
-              <a:t>при тестовом воздействии</a:t>
-            </a:r>
+            <a:pPr algn="just"/>
+            <a:r>
+              <a:rPr lang="ru-RU" sz="2400" dirty="0"/>
+              <a:t>Маховик устанавливается на </a:t>
+            </a:r>
+            <a:r>
+              <a:rPr lang="ru-RU" sz="2400" dirty="0" err="1"/>
+              <a:t>безколлекторный</a:t>
+            </a:r>
+            <a:r>
+              <a:rPr lang="ru-RU" sz="2400" dirty="0"/>
+              <a:t> двигатель ДБМ-40.</a:t>
+            </a:r>
+          </a:p>
+          <a:p>
+            <a:pPr algn="just"/>
+            <a:endParaRPr lang="ru-RU" sz="2400" dirty="0"/>
+          </a:p>
+          <a:p>
+            <a:pPr algn="just"/>
+            <a:r>
+              <a:rPr lang="ru-RU" sz="2400" dirty="0"/>
+              <a:t>Двигатель ускоряется по </a:t>
+            </a:r>
+            <a:r>
+              <a:rPr lang="ru-RU" sz="2400" dirty="0" err="1"/>
+              <a:t>трапецевидному</a:t>
+            </a:r>
+            <a:r>
+              <a:rPr lang="ru-RU" sz="2400" dirty="0"/>
+              <a:t> закону.</a:t>
+            </a:r>
+            <a:br>
+              <a:rPr lang="ru-RU" sz="2400" dirty="0"/>
+            </a:br>
+            <a:br>
+              <a:rPr lang="ru-RU" sz="2400" dirty="0"/>
+            </a:br>
+            <a:r>
+              <a:rPr lang="ru-RU" sz="2400" dirty="0"/>
+              <a:t>Скорость двигателя измеряется по датчику угла </a:t>
+            </a:r>
+            <a:r>
+              <a:rPr lang="en-US" sz="2400" dirty="0"/>
+              <a:t>&lt;</a:t>
+            </a:r>
+            <a:r>
+              <a:rPr lang="ru-RU" sz="2400" dirty="0"/>
+              <a:t>ИМЯ</a:t>
+            </a:r>
+            <a:r>
+              <a:rPr lang="en-US" sz="2400" dirty="0"/>
+              <a:t>&gt;</a:t>
+            </a:r>
+            <a:r>
+              <a:rPr lang="ru-RU" sz="2400" dirty="0"/>
+              <a:t>.</a:t>
+            </a:r>
+          </a:p>
+          <a:p>
+            <a:pPr algn="just"/>
+            <a:endParaRPr lang="ru-RU" sz="2400"/>
+          </a:p>
+          <a:p>
+            <a:pPr algn="just"/>
+            <a:endParaRPr lang="ru-RU" sz="2400" dirty="0"/>
           </a:p>
         </p:txBody>
       </p:sp>
-      <p:pic>
-        <p:nvPicPr>
-          <p:cNvPr id="13" name="Picture 12">
-            <a:extLst>
-              <a:ext uri="{FF2B5EF4-FFF2-40B4-BE49-F238E27FC236}">
-                <a16:creationId xmlns:a16="http://schemas.microsoft.com/office/drawing/2014/main" id="{A18D13FB-366E-4C4C-9F7A-49C4B8F08AE0}"/>
-              </a:ext>
-            </a:extLst>
-          </p:cNvPr>
-          <p:cNvPicPr>
-            <a:picLocks noChangeAspect="1"/>
-          </p:cNvPicPr>
-          <p:nvPr/>
-        </p:nvPicPr>
-        <p:blipFill>
-          <a:blip r:embed="rId3">
-            <a:extLst>
-              <a:ext uri="{28A0092B-C50C-407E-A947-70E740481C1C}">
-                <a14:useLocalDpi xmlns:a14="http://schemas.microsoft.com/office/drawing/2010/main" val="0"/>
-              </a:ext>
-            </a:extLst>
-          </a:blip>
-          <a:stretch>
-            <a:fillRect/>
-          </a:stretch>
-        </p:blipFill>
-        <p:spPr>
-          <a:xfrm>
-            <a:off x="616686" y="3630539"/>
-            <a:ext cx="3213446" cy="2410085"/>
-          </a:xfrm>
-          <a:prstGeom prst="rect">
-            <a:avLst/>
-          </a:prstGeom>
-        </p:spPr>
-      </p:pic>
       <p:sp>
         <p:nvSpPr>
-          <p:cNvPr id="14" name="Прямоугольник 9">
+          <p:cNvPr id="18" name="Прямоугольник 17">
             <a:extLst>
               <a:ext uri="{FF2B5EF4-FFF2-40B4-BE49-F238E27FC236}">
-                <a16:creationId xmlns:a16="http://schemas.microsoft.com/office/drawing/2014/main" id="{8193FAB5-6B96-4A51-9989-6033F914817E}"/>
+                <a16:creationId xmlns:a16="http://schemas.microsoft.com/office/drawing/2014/main" id="{754E424C-1F93-4A75-B081-543E48DF86C0}"/>
               </a:ext>
             </a:extLst>
           </p:cNvPr>
@@ -7692,8 +8559,8 @@
         </p:nvSpPr>
         <p:spPr>
           <a:xfrm>
-            <a:off x="694538" y="6005311"/>
-            <a:ext cx="3147117" cy="830997"/>
+            <a:off x="4994997" y="4656580"/>
+            <a:ext cx="4987203" cy="461665"/>
           </a:xfrm>
           <a:prstGeom prst="rect">
             <a:avLst/>
@@ -7705,143 +8572,900 @@
           </a:bodyPr>
           <a:lstStyle/>
           <a:p>
-            <a:r>
-              <a:rPr lang="ru-RU" sz="1600" dirty="0">
-                <a:latin typeface="+mj-lt"/>
-              </a:rPr>
-              <a:t>Рисунок  8– Ускорение колебаний рамы </a:t>
-            </a:r>
-          </a:p>
-          <a:p>
-            <a:r>
-              <a:rPr lang="ru-RU" sz="1600" dirty="0">
-                <a:latin typeface="+mj-lt"/>
-              </a:rPr>
-              <a:t>при тестовом воздействии</a:t>
-            </a:r>
+            <a:pPr algn="just"/>
+            <a:endParaRPr lang="ru-RU" sz="2400" dirty="0"/>
           </a:p>
         </p:txBody>
       </p:sp>
-      <p:pic>
-        <p:nvPicPr>
-          <p:cNvPr id="16" name="Picture 15">
-            <a:extLst>
-              <a:ext uri="{FF2B5EF4-FFF2-40B4-BE49-F238E27FC236}">
-                <a16:creationId xmlns:a16="http://schemas.microsoft.com/office/drawing/2014/main" id="{DD9AE625-63C7-4BAF-9461-48D6D88FCE50}"/>
-              </a:ext>
-            </a:extLst>
-          </p:cNvPr>
-          <p:cNvPicPr>
-            <a:picLocks noChangeAspect="1"/>
-          </p:cNvPicPr>
-          <p:nvPr/>
-        </p:nvPicPr>
-        <p:blipFill>
-          <a:blip r:embed="rId4">
-            <a:extLst>
-              <a:ext uri="{28A0092B-C50C-407E-A947-70E740481C1C}">
-                <a14:useLocalDpi xmlns:a14="http://schemas.microsoft.com/office/drawing/2010/main" val="0"/>
-              </a:ext>
-            </a:extLst>
-          </a:blip>
-          <a:stretch>
-            <a:fillRect/>
-          </a:stretch>
-        </p:blipFill>
-        <p:spPr>
-          <a:xfrm>
-            <a:off x="7064992" y="638825"/>
-            <a:ext cx="3133939" cy="2350455"/>
-          </a:xfrm>
-          <a:prstGeom prst="rect">
-            <a:avLst/>
-          </a:prstGeom>
-        </p:spPr>
-      </p:pic>
-      <p:pic>
-        <p:nvPicPr>
-          <p:cNvPr id="18" name="Picture 17">
-            <a:extLst>
-              <a:ext uri="{FF2B5EF4-FFF2-40B4-BE49-F238E27FC236}">
-                <a16:creationId xmlns:a16="http://schemas.microsoft.com/office/drawing/2014/main" id="{F95B1BAC-4C73-4A73-AED6-C54E96114F7B}"/>
-              </a:ext>
-            </a:extLst>
-          </p:cNvPr>
-          <p:cNvPicPr>
-            <a:picLocks noChangeAspect="1"/>
-          </p:cNvPicPr>
-          <p:nvPr/>
-        </p:nvPicPr>
-        <p:blipFill>
-          <a:blip r:embed="rId5">
-            <a:extLst>
-              <a:ext uri="{28A0092B-C50C-407E-A947-70E740481C1C}">
-                <a14:useLocalDpi xmlns:a14="http://schemas.microsoft.com/office/drawing/2010/main" val="0"/>
-              </a:ext>
-            </a:extLst>
-          </a:blip>
-          <a:stretch>
-            <a:fillRect/>
-          </a:stretch>
-        </p:blipFill>
-        <p:spPr>
-          <a:xfrm>
-            <a:off x="7150605" y="3594443"/>
-            <a:ext cx="3213446" cy="2410084"/>
-          </a:xfrm>
-          <a:prstGeom prst="rect">
-            <a:avLst/>
-          </a:prstGeom>
-        </p:spPr>
-      </p:pic>
-      <p:sp>
-        <p:nvSpPr>
-          <p:cNvPr id="19" name="Прямоугольник 9">
-            <a:extLst>
-              <a:ext uri="{FF2B5EF4-FFF2-40B4-BE49-F238E27FC236}">
-                <a16:creationId xmlns:a16="http://schemas.microsoft.com/office/drawing/2014/main" id="{79452999-2116-4149-B19F-E4A5DE53FA06}"/>
-              </a:ext>
-            </a:extLst>
-          </p:cNvPr>
-          <p:cNvSpPr/>
-          <p:nvPr/>
-        </p:nvSpPr>
-        <p:spPr>
-          <a:xfrm>
-            <a:off x="7199902" y="6004527"/>
-            <a:ext cx="3643946" cy="584775"/>
-          </a:xfrm>
-          <a:prstGeom prst="rect">
-            <a:avLst/>
-          </a:prstGeom>
-        </p:spPr>
-        <p:txBody>
-          <a:bodyPr wrap="none">
-            <a:spAutoFit/>
-          </a:bodyPr>
-          <a:lstStyle/>
-          <a:p>
-            <a:r>
-              <a:rPr lang="ru-RU" sz="1600" dirty="0">
-                <a:latin typeface="+mj-lt"/>
-              </a:rPr>
-              <a:t>Рисунок 9 – Ускорение колебаний рамы</a:t>
-            </a:r>
-          </a:p>
-          <a:p>
-            <a:r>
-              <a:rPr lang="ru-RU" sz="1600" dirty="0">
-                <a:latin typeface="+mj-lt"/>
-              </a:rPr>
-              <a:t> при перенацеливании</a:t>
-            </a:r>
-          </a:p>
-        </p:txBody>
-      </p:sp>
+      <mc:AlternateContent xmlns:mc="http://schemas.openxmlformats.org/markup-compatibility/2006">
+        <mc:Choice xmlns:a14="http://schemas.microsoft.com/office/drawing/2010/main" Requires="a14">
+          <p:sp>
+            <p:nvSpPr>
+              <p:cNvPr id="14" name="TextBox 13">
+                <a:extLst>
+                  <a:ext uri="{FF2B5EF4-FFF2-40B4-BE49-F238E27FC236}">
+                    <a16:creationId xmlns:a16="http://schemas.microsoft.com/office/drawing/2014/main" id="{FD5CE986-D61E-44F6-99D5-3DA81B507ACD}"/>
+                  </a:ext>
+                </a:extLst>
+              </p:cNvPr>
+              <p:cNvSpPr txBox="1"/>
+              <p:nvPr/>
+            </p:nvSpPr>
+            <p:spPr>
+              <a:xfrm>
+                <a:off x="97523" y="4438552"/>
+                <a:ext cx="5677524" cy="1735411"/>
+              </a:xfrm>
+              <a:prstGeom prst="rect">
+                <a:avLst/>
+              </a:prstGeom>
+              <a:noFill/>
+            </p:spPr>
+            <p:txBody>
+              <a:bodyPr wrap="square">
+                <a:spAutoFit/>
+              </a:bodyPr>
+              <a:lstStyle/>
+              <a:p>
+                <a:pPr>
+                  <a:lnSpc>
+                    <a:spcPct val="150000"/>
+                  </a:lnSpc>
+                </a:pPr>
+                <a:r>
+                  <a:rPr lang="ru-RU" sz="1800" dirty="0">
+                    <a:effectLst/>
+                    <a:latin typeface="Cambria Math" panose="02040503050406030204" pitchFamily="18" charset="0"/>
+                    <a:ea typeface="SimSun" panose="02010600030101010101" pitchFamily="2" charset="-122"/>
+                  </a:rPr>
+                  <a:t>Определяем </a:t>
+                </a:r>
+                <a:r>
+                  <a:rPr lang="ru-RU" sz="1800" dirty="0" err="1">
+                    <a:effectLst/>
+                    <a:latin typeface="Cambria Math" panose="02040503050406030204" pitchFamily="18" charset="0"/>
+                    <a:ea typeface="SimSun" panose="02010600030101010101" pitchFamily="2" charset="-122"/>
+                  </a:rPr>
+                  <a:t>погреность</a:t>
+                </a:r>
+                <a:r>
+                  <a:rPr lang="ru-RU" sz="1800" dirty="0">
+                    <a:effectLst/>
+                    <a:latin typeface="Cambria Math" panose="02040503050406030204" pitchFamily="18" charset="0"/>
+                    <a:ea typeface="SimSun" panose="02010600030101010101" pitchFamily="2" charset="-122"/>
+                  </a:rPr>
+                  <a:t> по формуле:</a:t>
+                </a:r>
+              </a:p>
+              <a:p>
+                <a:pPr>
+                  <a:lnSpc>
+                    <a:spcPct val="150000"/>
+                  </a:lnSpc>
+                </a:pPr>
+                <a14:m>
+                  <m:oMathPara xmlns:m="http://schemas.openxmlformats.org/officeDocument/2006/math">
+                    <m:oMathParaPr>
+                      <m:jc m:val="centerGroup"/>
+                    </m:oMathParaPr>
+                    <m:oMath xmlns:m="http://schemas.openxmlformats.org/officeDocument/2006/math">
+                      <m:sSub>
+                        <m:sSubPr>
+                          <m:ctrlPr>
+                            <a:rPr lang="ru-RU" sz="1800" i="1" smtClean="0">
+                              <a:effectLst/>
+                              <a:latin typeface="Cambria Math" panose="02040503050406030204" pitchFamily="18" charset="0"/>
+                              <a:ea typeface="SimSun" panose="02010600030101010101" pitchFamily="2" charset="-122"/>
+                            </a:rPr>
+                          </m:ctrlPr>
+                        </m:sSubPr>
+                        <m:e>
+                          <m:r>
+                            <a:rPr lang="ru-RU" sz="1800" i="1">
+                              <a:effectLst/>
+                              <a:latin typeface="Cambria Math" panose="02040503050406030204" pitchFamily="18" charset="0"/>
+                              <a:ea typeface="SimSun" panose="02010600030101010101" pitchFamily="2" charset="-122"/>
+                            </a:rPr>
+                            <m:t>𝐽</m:t>
+                          </m:r>
+                        </m:e>
+                        <m:sub>
+                          <m:r>
+                            <a:rPr lang="ru-RU" sz="1800" i="1">
+                              <a:effectLst/>
+                              <a:latin typeface="Cambria Math" panose="02040503050406030204" pitchFamily="18" charset="0"/>
+                              <a:ea typeface="SimSun" panose="02010600030101010101" pitchFamily="2" charset="-122"/>
+                            </a:rPr>
+                            <m:t>𝑖</m:t>
+                          </m:r>
+                        </m:sub>
+                      </m:sSub>
+                      <m:r>
+                        <a:rPr lang="ru-RU" sz="1800" i="1">
+                          <a:effectLst/>
+                          <a:latin typeface="Cambria Math" panose="02040503050406030204" pitchFamily="18" charset="0"/>
+                          <a:ea typeface="SimSun" panose="02010600030101010101" pitchFamily="2" charset="-122"/>
+                        </a:rPr>
+                        <m:t>= </m:t>
+                      </m:r>
+                      <m:sSub>
+                        <m:sSubPr>
+                          <m:ctrlPr>
+                            <a:rPr lang="ru-RU" sz="1800" i="1">
+                              <a:effectLst/>
+                              <a:latin typeface="Cambria Math" panose="02040503050406030204" pitchFamily="18" charset="0"/>
+                              <a:ea typeface="SimSun" panose="02010600030101010101" pitchFamily="2" charset="-122"/>
+                            </a:rPr>
+                          </m:ctrlPr>
+                        </m:sSubPr>
+                        <m:e>
+                          <m:r>
+                            <a:rPr lang="en-US" sz="1800" i="1">
+                              <a:effectLst/>
+                              <a:latin typeface="Cambria Math" panose="02040503050406030204" pitchFamily="18" charset="0"/>
+                              <a:ea typeface="SimSun" panose="02010600030101010101" pitchFamily="2" charset="-122"/>
+                            </a:rPr>
+                            <m:t>𝐽</m:t>
+                          </m:r>
+                        </m:e>
+                        <m:sub>
+                          <m:r>
+                            <a:rPr lang="ru-RU" sz="1800" i="1">
+                              <a:effectLst/>
+                              <a:latin typeface="Cambria Math" panose="02040503050406030204" pitchFamily="18" charset="0"/>
+                              <a:ea typeface="SimSun" panose="02010600030101010101" pitchFamily="2" charset="-122"/>
+                            </a:rPr>
+                            <m:t>𝑖</m:t>
+                          </m:r>
+                        </m:sub>
+                      </m:sSub>
+                      <m:rad>
+                        <m:radPr>
+                          <m:degHide m:val="on"/>
+                          <m:ctrlPr>
+                            <a:rPr lang="ru-RU" sz="1800" i="1">
+                              <a:effectLst/>
+                              <a:latin typeface="Cambria Math" panose="02040503050406030204" pitchFamily="18" charset="0"/>
+                              <a:ea typeface="SimSun" panose="02010600030101010101" pitchFamily="2" charset="-122"/>
+                            </a:rPr>
+                          </m:ctrlPr>
+                        </m:radPr>
+                        <m:deg/>
+                        <m:e>
+                          <m:sSup>
+                            <m:sSupPr>
+                              <m:ctrlPr>
+                                <a:rPr lang="ru-RU" sz="1800" i="1">
+                                  <a:effectLst/>
+                                  <a:latin typeface="Cambria Math" panose="02040503050406030204" pitchFamily="18" charset="0"/>
+                                  <a:ea typeface="SimSun" panose="02010600030101010101" pitchFamily="2" charset="-122"/>
+                                </a:rPr>
+                              </m:ctrlPr>
+                            </m:sSupPr>
+                            <m:e>
+                              <m:d>
+                                <m:dPr>
+                                  <m:ctrlPr>
+                                    <a:rPr lang="ru-RU" sz="1800" i="1">
+                                      <a:effectLst/>
+                                      <a:latin typeface="Cambria Math" panose="02040503050406030204" pitchFamily="18" charset="0"/>
+                                      <a:ea typeface="SimSun" panose="02010600030101010101" pitchFamily="2" charset="-122"/>
+                                    </a:rPr>
+                                  </m:ctrlPr>
+                                </m:dPr>
+                                <m:e>
+                                  <m:f>
+                                    <m:fPr>
+                                      <m:ctrlPr>
+                                        <a:rPr lang="ru-RU" sz="1800" i="1">
+                                          <a:effectLst/>
+                                          <a:latin typeface="Cambria Math" panose="02040503050406030204" pitchFamily="18" charset="0"/>
+                                          <a:ea typeface="SimSun" panose="02010600030101010101" pitchFamily="2" charset="-122"/>
+                                        </a:rPr>
+                                      </m:ctrlPr>
+                                    </m:fPr>
+                                    <m:num>
+                                      <m:r>
+                                        <a:rPr lang="ru-RU" sz="1800" i="1">
+                                          <a:effectLst/>
+                                          <a:latin typeface="Cambria Math" panose="02040503050406030204" pitchFamily="18" charset="0"/>
+                                          <a:ea typeface="SimSun" panose="02010600030101010101" pitchFamily="2" charset="-122"/>
+                                        </a:rPr>
+                                        <m:t>𝜕</m:t>
+                                      </m:r>
+                                      <m:r>
+                                        <m:rPr>
+                                          <m:sty m:val="p"/>
+                                        </m:rPr>
+                                        <a:rPr lang="ru-RU" sz="1800">
+                                          <a:effectLst/>
+                                          <a:latin typeface="Cambria Math" panose="02040503050406030204" pitchFamily="18" charset="0"/>
+                                          <a:ea typeface="SimSun" panose="02010600030101010101" pitchFamily="2" charset="-122"/>
+                                        </a:rPr>
+                                        <m:t>ln</m:t>
+                                      </m:r>
+                                      <m:r>
+                                        <a:rPr lang="ru-RU" sz="1800">
+                                          <a:effectLst/>
+                                          <a:latin typeface="Cambria Math" panose="02040503050406030204" pitchFamily="18" charset="0"/>
+                                          <a:ea typeface="SimSun" panose="02010600030101010101" pitchFamily="2" charset="-122"/>
+                                        </a:rPr>
+                                        <m:t>⁡</m:t>
+                                      </m:r>
+                                      <m:r>
+                                        <a:rPr lang="ru-RU" sz="1800" i="1">
+                                          <a:effectLst/>
+                                          <a:latin typeface="Cambria Math" panose="02040503050406030204" pitchFamily="18" charset="0"/>
+                                          <a:ea typeface="SimSun" panose="02010600030101010101" pitchFamily="2" charset="-122"/>
+                                        </a:rPr>
+                                        <m:t>(</m:t>
+                                      </m:r>
+                                      <m:sSub>
+                                        <m:sSubPr>
+                                          <m:ctrlPr>
+                                            <a:rPr lang="ru-RU" sz="1800" i="1">
+                                              <a:effectLst/>
+                                              <a:latin typeface="Cambria Math" panose="02040503050406030204" pitchFamily="18" charset="0"/>
+                                              <a:ea typeface="SimSun" panose="02010600030101010101" pitchFamily="2" charset="-122"/>
+                                            </a:rPr>
+                                          </m:ctrlPr>
+                                        </m:sSubPr>
+                                        <m:e>
+                                          <m:r>
+                                            <a:rPr lang="ru-RU" sz="1800" i="1">
+                                              <a:effectLst/>
+                                              <a:latin typeface="Cambria Math" panose="02040503050406030204" pitchFamily="18" charset="0"/>
+                                              <a:ea typeface="SimSun" panose="02010600030101010101" pitchFamily="2" charset="-122"/>
+                                            </a:rPr>
+                                            <m:t>𝐽</m:t>
+                                          </m:r>
+                                        </m:e>
+                                        <m:sub>
+                                          <m:r>
+                                            <a:rPr lang="ru-RU" sz="1800" i="1">
+                                              <a:effectLst/>
+                                              <a:latin typeface="Cambria Math" panose="02040503050406030204" pitchFamily="18" charset="0"/>
+                                              <a:ea typeface="SimSun" panose="02010600030101010101" pitchFamily="2" charset="-122"/>
+                                            </a:rPr>
+                                            <m:t>𝑖</m:t>
+                                          </m:r>
+                                        </m:sub>
+                                      </m:sSub>
+                                      <m:r>
+                                        <a:rPr lang="ru-RU" sz="1800" i="1">
+                                          <a:effectLst/>
+                                          <a:latin typeface="Cambria Math" panose="02040503050406030204" pitchFamily="18" charset="0"/>
+                                          <a:ea typeface="SimSun" panose="02010600030101010101" pitchFamily="2" charset="-122"/>
+                                        </a:rPr>
+                                        <m:t>)</m:t>
+                                      </m:r>
+                                    </m:num>
+                                    <m:den>
+                                      <m:r>
+                                        <a:rPr lang="ru-RU" sz="1800" i="1">
+                                          <a:effectLst/>
+                                          <a:latin typeface="Cambria Math" panose="02040503050406030204" pitchFamily="18" charset="0"/>
+                                          <a:ea typeface="SimSun" panose="02010600030101010101" pitchFamily="2" charset="-122"/>
+                                        </a:rPr>
+                                        <m:t>𝜕</m:t>
+                                      </m:r>
+                                      <m:sSub>
+                                        <m:sSubPr>
+                                          <m:ctrlPr>
+                                            <a:rPr lang="ru-RU" sz="1800" i="1">
+                                              <a:effectLst/>
+                                              <a:latin typeface="Cambria Math" panose="02040503050406030204" pitchFamily="18" charset="0"/>
+                                              <a:ea typeface="SimSun" panose="02010600030101010101" pitchFamily="2" charset="-122"/>
+                                            </a:rPr>
+                                          </m:ctrlPr>
+                                        </m:sSubPr>
+                                        <m:e>
+                                          <m:r>
+                                            <a:rPr lang="ru-RU" sz="1800" i="1">
+                                              <a:effectLst/>
+                                              <a:latin typeface="Cambria Math" panose="02040503050406030204" pitchFamily="18" charset="0"/>
+                                              <a:ea typeface="SimSun" panose="02010600030101010101" pitchFamily="2" charset="-122"/>
+                                            </a:rPr>
+                                            <m:t>𝑚</m:t>
+                                          </m:r>
+                                        </m:e>
+                                        <m:sub>
+                                          <m:r>
+                                            <a:rPr lang="ru-RU" sz="1800" i="1">
+                                              <a:effectLst/>
+                                              <a:latin typeface="Cambria Math" panose="02040503050406030204" pitchFamily="18" charset="0"/>
+                                              <a:ea typeface="SimSun" panose="02010600030101010101" pitchFamily="2" charset="-122"/>
+                                            </a:rPr>
+                                            <m:t>𝑖</m:t>
+                                          </m:r>
+                                        </m:sub>
+                                      </m:sSub>
+                                    </m:den>
+                                  </m:f>
+                                  <m:r>
+                                    <a:rPr lang="ru-RU" sz="1800" i="1">
+                                      <a:effectLst/>
+                                      <a:latin typeface="Cambria Math" panose="02040503050406030204" pitchFamily="18" charset="0"/>
+                                      <a:ea typeface="SimSun" panose="02010600030101010101" pitchFamily="2" charset="-122"/>
+                                    </a:rPr>
+                                    <m:t>∆</m:t>
+                                  </m:r>
+                                  <m:sSub>
+                                    <m:sSubPr>
+                                      <m:ctrlPr>
+                                        <a:rPr lang="ru-RU" sz="1800" i="1">
+                                          <a:effectLst/>
+                                          <a:latin typeface="Cambria Math" panose="02040503050406030204" pitchFamily="18" charset="0"/>
+                                          <a:ea typeface="SimSun" panose="02010600030101010101" pitchFamily="2" charset="-122"/>
+                                        </a:rPr>
+                                      </m:ctrlPr>
+                                    </m:sSubPr>
+                                    <m:e>
+                                      <m:r>
+                                        <a:rPr lang="ru-RU" sz="1800" i="1">
+                                          <a:effectLst/>
+                                          <a:latin typeface="Cambria Math" panose="02040503050406030204" pitchFamily="18" charset="0"/>
+                                          <a:ea typeface="SimSun" panose="02010600030101010101" pitchFamily="2" charset="-122"/>
+                                        </a:rPr>
+                                        <m:t>𝑚</m:t>
+                                      </m:r>
+                                    </m:e>
+                                    <m:sub>
+                                      <m:r>
+                                        <a:rPr lang="ru-RU" sz="1800" i="1">
+                                          <a:effectLst/>
+                                          <a:latin typeface="Cambria Math" panose="02040503050406030204" pitchFamily="18" charset="0"/>
+                                          <a:ea typeface="SimSun" panose="02010600030101010101" pitchFamily="2" charset="-122"/>
+                                        </a:rPr>
+                                        <m:t>𝑖</m:t>
+                                      </m:r>
+                                    </m:sub>
+                                  </m:sSub>
+                                </m:e>
+                              </m:d>
+                            </m:e>
+                            <m:sup>
+                              <m:r>
+                                <a:rPr lang="ru-RU" sz="1800" i="1">
+                                  <a:effectLst/>
+                                  <a:latin typeface="Cambria Math" panose="02040503050406030204" pitchFamily="18" charset="0"/>
+                                  <a:ea typeface="SimSun" panose="02010600030101010101" pitchFamily="2" charset="-122"/>
+                                </a:rPr>
+                                <m:t>2</m:t>
+                              </m:r>
+                            </m:sup>
+                          </m:sSup>
+                          <m:r>
+                            <a:rPr lang="ru-RU" sz="1800" i="1">
+                              <a:effectLst/>
+                              <a:latin typeface="Cambria Math" panose="02040503050406030204" pitchFamily="18" charset="0"/>
+                              <a:ea typeface="SimSun" panose="02010600030101010101" pitchFamily="2" charset="-122"/>
+                            </a:rPr>
+                            <m:t>+</m:t>
+                          </m:r>
+                          <m:sSup>
+                            <m:sSupPr>
+                              <m:ctrlPr>
+                                <a:rPr lang="ru-RU" sz="1800" i="1">
+                                  <a:effectLst/>
+                                  <a:latin typeface="Cambria Math" panose="02040503050406030204" pitchFamily="18" charset="0"/>
+                                  <a:ea typeface="SimSun" panose="02010600030101010101" pitchFamily="2" charset="-122"/>
+                                </a:rPr>
+                              </m:ctrlPr>
+                            </m:sSupPr>
+                            <m:e>
+                              <m:d>
+                                <m:dPr>
+                                  <m:ctrlPr>
+                                    <a:rPr lang="ru-RU" sz="1800" i="1">
+                                      <a:effectLst/>
+                                      <a:latin typeface="Cambria Math" panose="02040503050406030204" pitchFamily="18" charset="0"/>
+                                      <a:ea typeface="SimSun" panose="02010600030101010101" pitchFamily="2" charset="-122"/>
+                                    </a:rPr>
+                                  </m:ctrlPr>
+                                </m:dPr>
+                                <m:e>
+                                  <m:f>
+                                    <m:fPr>
+                                      <m:ctrlPr>
+                                        <a:rPr lang="ru-RU" sz="1800" i="1">
+                                          <a:effectLst/>
+                                          <a:latin typeface="Cambria Math" panose="02040503050406030204" pitchFamily="18" charset="0"/>
+                                          <a:ea typeface="SimSun" panose="02010600030101010101" pitchFamily="2" charset="-122"/>
+                                        </a:rPr>
+                                      </m:ctrlPr>
+                                    </m:fPr>
+                                    <m:num>
+                                      <m:r>
+                                        <a:rPr lang="ru-RU" sz="1800" i="1">
+                                          <a:effectLst/>
+                                          <a:latin typeface="Cambria Math" panose="02040503050406030204" pitchFamily="18" charset="0"/>
+                                          <a:ea typeface="SimSun" panose="02010600030101010101" pitchFamily="2" charset="-122"/>
+                                        </a:rPr>
+                                        <m:t>𝜕</m:t>
+                                      </m:r>
+                                      <m:r>
+                                        <m:rPr>
+                                          <m:sty m:val="p"/>
+                                        </m:rPr>
+                                        <a:rPr lang="ru-RU" sz="1800">
+                                          <a:effectLst/>
+                                          <a:latin typeface="Cambria Math" panose="02040503050406030204" pitchFamily="18" charset="0"/>
+                                          <a:ea typeface="SimSun" panose="02010600030101010101" pitchFamily="2" charset="-122"/>
+                                        </a:rPr>
+                                        <m:t>ln</m:t>
+                                      </m:r>
+                                      <m:r>
+                                        <a:rPr lang="ru-RU" sz="1800">
+                                          <a:effectLst/>
+                                          <a:latin typeface="Cambria Math" panose="02040503050406030204" pitchFamily="18" charset="0"/>
+                                          <a:ea typeface="SimSun" panose="02010600030101010101" pitchFamily="2" charset="-122"/>
+                                        </a:rPr>
+                                        <m:t>⁡</m:t>
+                                      </m:r>
+                                      <m:r>
+                                        <a:rPr lang="ru-RU" sz="1800" i="1">
+                                          <a:effectLst/>
+                                          <a:latin typeface="Cambria Math" panose="02040503050406030204" pitchFamily="18" charset="0"/>
+                                          <a:ea typeface="SimSun" panose="02010600030101010101" pitchFamily="2" charset="-122"/>
+                                        </a:rPr>
+                                        <m:t>(</m:t>
+                                      </m:r>
+                                      <m:sSub>
+                                        <m:sSubPr>
+                                          <m:ctrlPr>
+                                            <a:rPr lang="ru-RU" sz="1800" i="1">
+                                              <a:effectLst/>
+                                              <a:latin typeface="Cambria Math" panose="02040503050406030204" pitchFamily="18" charset="0"/>
+                                              <a:ea typeface="SimSun" panose="02010600030101010101" pitchFamily="2" charset="-122"/>
+                                            </a:rPr>
+                                          </m:ctrlPr>
+                                        </m:sSubPr>
+                                        <m:e>
+                                          <m:r>
+                                            <a:rPr lang="ru-RU" sz="1800" i="1">
+                                              <a:effectLst/>
+                                              <a:latin typeface="Cambria Math" panose="02040503050406030204" pitchFamily="18" charset="0"/>
+                                              <a:ea typeface="SimSun" panose="02010600030101010101" pitchFamily="2" charset="-122"/>
+                                            </a:rPr>
+                                            <m:t>𝐽</m:t>
+                                          </m:r>
+                                        </m:e>
+                                        <m:sub>
+                                          <m:r>
+                                            <a:rPr lang="ru-RU" sz="1800" i="1">
+                                              <a:effectLst/>
+                                              <a:latin typeface="Cambria Math" panose="02040503050406030204" pitchFamily="18" charset="0"/>
+                                              <a:ea typeface="SimSun" panose="02010600030101010101" pitchFamily="2" charset="-122"/>
+                                            </a:rPr>
+                                            <m:t>𝑖</m:t>
+                                          </m:r>
+                                        </m:sub>
+                                      </m:sSub>
+                                      <m:r>
+                                        <a:rPr lang="ru-RU" sz="1800" i="1">
+                                          <a:effectLst/>
+                                          <a:latin typeface="Cambria Math" panose="02040503050406030204" pitchFamily="18" charset="0"/>
+                                          <a:ea typeface="SimSun" panose="02010600030101010101" pitchFamily="2" charset="-122"/>
+                                        </a:rPr>
+                                        <m:t>)</m:t>
+                                      </m:r>
+                                    </m:num>
+                                    <m:den>
+                                      <m:r>
+                                        <a:rPr lang="ru-RU" sz="1800" i="1">
+                                          <a:effectLst/>
+                                          <a:latin typeface="Cambria Math" panose="02040503050406030204" pitchFamily="18" charset="0"/>
+                                          <a:ea typeface="SimSun" panose="02010600030101010101" pitchFamily="2" charset="-122"/>
+                                        </a:rPr>
+                                        <m:t>𝜕</m:t>
+                                      </m:r>
+                                      <m:sSub>
+                                        <m:sSubPr>
+                                          <m:ctrlPr>
+                                            <a:rPr lang="ru-RU" sz="1800" i="1">
+                                              <a:effectLst/>
+                                              <a:latin typeface="Cambria Math" panose="02040503050406030204" pitchFamily="18" charset="0"/>
+                                              <a:ea typeface="SimSun" panose="02010600030101010101" pitchFamily="2" charset="-122"/>
+                                            </a:rPr>
+                                          </m:ctrlPr>
+                                        </m:sSubPr>
+                                        <m:e>
+                                          <m:r>
+                                            <a:rPr lang="ru-RU" sz="1800" i="1">
+                                              <a:effectLst/>
+                                              <a:latin typeface="Cambria Math" panose="02040503050406030204" pitchFamily="18" charset="0"/>
+                                              <a:ea typeface="SimSun" panose="02010600030101010101" pitchFamily="2" charset="-122"/>
+                                            </a:rPr>
+                                            <m:t>𝑟</m:t>
+                                          </m:r>
+                                        </m:e>
+                                        <m:sub>
+                                          <m:r>
+                                            <a:rPr lang="ru-RU" sz="1800" i="1">
+                                              <a:effectLst/>
+                                              <a:latin typeface="Cambria Math" panose="02040503050406030204" pitchFamily="18" charset="0"/>
+                                              <a:ea typeface="SimSun" panose="02010600030101010101" pitchFamily="2" charset="-122"/>
+                                            </a:rPr>
+                                            <m:t>𝑖</m:t>
+                                          </m:r>
+                                        </m:sub>
+                                      </m:sSub>
+                                    </m:den>
+                                  </m:f>
+                                  <m:r>
+                                    <a:rPr lang="ru-RU" sz="1800" i="1">
+                                      <a:effectLst/>
+                                      <a:latin typeface="Cambria Math" panose="02040503050406030204" pitchFamily="18" charset="0"/>
+                                      <a:ea typeface="SimSun" panose="02010600030101010101" pitchFamily="2" charset="-122"/>
+                                    </a:rPr>
+                                    <m:t>∆</m:t>
+                                  </m:r>
+                                  <m:r>
+                                    <a:rPr lang="ru-RU" sz="1800" i="1">
+                                      <a:effectLst/>
+                                      <a:latin typeface="Cambria Math" panose="02040503050406030204" pitchFamily="18" charset="0"/>
+                                      <a:ea typeface="SimSun" panose="02010600030101010101" pitchFamily="2" charset="-122"/>
+                                    </a:rPr>
+                                    <m:t>𝑟</m:t>
+                                  </m:r>
+                                </m:e>
+                              </m:d>
+                            </m:e>
+                            <m:sup>
+                              <m:r>
+                                <a:rPr lang="ru-RU" sz="1800" i="1">
+                                  <a:effectLst/>
+                                  <a:latin typeface="Cambria Math" panose="02040503050406030204" pitchFamily="18" charset="0"/>
+                                  <a:ea typeface="SimSun" panose="02010600030101010101" pitchFamily="2" charset="-122"/>
+                                </a:rPr>
+                                <m:t>2</m:t>
+                              </m:r>
+                            </m:sup>
+                          </m:sSup>
+                        </m:e>
+                      </m:rad>
+                    </m:oMath>
+                  </m:oMathPara>
+                </a14:m>
+                <a:endParaRPr lang="ru-RU" sz="1800" dirty="0">
+                  <a:effectLst/>
+                  <a:latin typeface="Times New Roman" panose="02020603050405020304" pitchFamily="18" charset="0"/>
+                  <a:ea typeface="SimSun" panose="02010600030101010101" pitchFamily="2" charset="-122"/>
+                </a:endParaRPr>
+              </a:p>
+            </p:txBody>
+          </p:sp>
+        </mc:Choice>
+        <mc:Fallback>
+          <p:sp>
+            <p:nvSpPr>
+              <p:cNvPr id="14" name="TextBox 13">
+                <a:extLst>
+                  <a:ext uri="{FF2B5EF4-FFF2-40B4-BE49-F238E27FC236}">
+                    <a16:creationId xmlns:a16="http://schemas.microsoft.com/office/drawing/2014/main" id="{FD5CE986-D61E-44F6-99D5-3DA81B507ACD}"/>
+                  </a:ext>
+                </a:extLst>
+              </p:cNvPr>
+              <p:cNvSpPr txBox="1">
+                <a:spLocks noRot="1" noChangeAspect="1" noMove="1" noResize="1" noEditPoints="1" noAdjustHandles="1" noChangeArrowheads="1" noChangeShapeType="1" noTextEdit="1"/>
+              </p:cNvSpPr>
+              <p:nvPr/>
+            </p:nvSpPr>
+            <p:spPr>
+              <a:xfrm>
+                <a:off x="97523" y="4438552"/>
+                <a:ext cx="5677524" cy="1735411"/>
+              </a:xfrm>
+              <a:prstGeom prst="rect">
+                <a:avLst/>
+              </a:prstGeom>
+              <a:blipFill>
+                <a:blip r:embed="rId2"/>
+                <a:stretch>
+                  <a:fillRect l="-967"/>
+                </a:stretch>
+              </a:blipFill>
+            </p:spPr>
+            <p:txBody>
+              <a:bodyPr/>
+              <a:lstStyle/>
+              <a:p>
+                <a:r>
+                  <a:rPr lang="ru-RU">
+                    <a:noFill/>
+                  </a:rPr>
+                  <a:t> </a:t>
+                </a:r>
+              </a:p>
+            </p:txBody>
+          </p:sp>
+        </mc:Fallback>
+      </mc:AlternateContent>
+      <mc:AlternateContent xmlns:mc="http://schemas.openxmlformats.org/markup-compatibility/2006">
+        <mc:Choice xmlns:a14="http://schemas.microsoft.com/office/drawing/2010/main" Requires="a14">
+          <p:sp>
+            <p:nvSpPr>
+              <p:cNvPr id="15" name="TextBox 14">
+                <a:extLst>
+                  <a:ext uri="{FF2B5EF4-FFF2-40B4-BE49-F238E27FC236}">
+                    <a16:creationId xmlns:a16="http://schemas.microsoft.com/office/drawing/2014/main" id="{C56A41B1-1177-44A3-8AD3-CD3EA2C2983E}"/>
+                  </a:ext>
+                </a:extLst>
+              </p:cNvPr>
+              <p:cNvSpPr txBox="1"/>
+              <p:nvPr/>
+            </p:nvSpPr>
+            <p:spPr>
+              <a:xfrm>
+                <a:off x="2759700" y="6322484"/>
+                <a:ext cx="6190128" cy="375552"/>
+              </a:xfrm>
+              <a:prstGeom prst="rect">
+                <a:avLst/>
+              </a:prstGeom>
+              <a:noFill/>
+            </p:spPr>
+            <p:txBody>
+              <a:bodyPr wrap="square">
+                <a:spAutoFit/>
+              </a:bodyPr>
+              <a:lstStyle/>
+              <a:p>
+                <a14:m>
+                  <m:oMathPara xmlns:m="http://schemas.openxmlformats.org/officeDocument/2006/math">
+                    <m:oMathParaPr>
+                      <m:jc m:val="centerGroup"/>
+                    </m:oMathParaPr>
+                    <m:oMath xmlns:m="http://schemas.openxmlformats.org/officeDocument/2006/math">
+                      <m:r>
+                        <a:rPr lang="en-US" b="1" i="1" smtClean="0">
+                          <a:latin typeface="Cambria Math" panose="02040503050406030204" pitchFamily="18" charset="0"/>
+                        </a:rPr>
+                        <m:t>𝑱</m:t>
+                      </m:r>
+                      <m:r>
+                        <a:rPr lang="en-US" b="1" i="1" smtClean="0">
+                          <a:latin typeface="Cambria Math" panose="02040503050406030204" pitchFamily="18" charset="0"/>
+                        </a:rPr>
+                        <m:t>=</m:t>
+                      </m:r>
+                      <m:r>
+                        <a:rPr lang="en-US" b="1" i="1" smtClean="0">
+                          <a:latin typeface="Cambria Math" panose="02040503050406030204" pitchFamily="18" charset="0"/>
+                        </a:rPr>
+                        <m:t>𝟐</m:t>
+                      </m:r>
+                      <m:r>
+                        <a:rPr lang="en-US" b="1" i="1" smtClean="0">
+                          <a:latin typeface="Cambria Math" panose="02040503050406030204" pitchFamily="18" charset="0"/>
+                        </a:rPr>
+                        <m:t>,</m:t>
+                      </m:r>
+                      <m:r>
+                        <a:rPr lang="en-US" b="1" i="1" smtClean="0">
+                          <a:latin typeface="Cambria Math" panose="02040503050406030204" pitchFamily="18" charset="0"/>
+                        </a:rPr>
+                        <m:t>𝟔𝟗</m:t>
+                      </m:r>
+                      <m:r>
+                        <a:rPr lang="en-US" b="1" i="1" smtClean="0">
+                          <a:latin typeface="Cambria Math" panose="02040503050406030204" pitchFamily="18" charset="0"/>
+                          <a:ea typeface="Cambria Math" panose="02040503050406030204" pitchFamily="18" charset="0"/>
+                        </a:rPr>
+                        <m:t>∙</m:t>
+                      </m:r>
+                      <m:sSup>
+                        <m:sSupPr>
+                          <m:ctrlPr>
+                            <a:rPr lang="en-US" b="1" i="1" smtClean="0">
+                              <a:latin typeface="Cambria Math" panose="02040503050406030204" pitchFamily="18" charset="0"/>
+                              <a:ea typeface="Cambria Math" panose="02040503050406030204" pitchFamily="18" charset="0"/>
+                            </a:rPr>
+                          </m:ctrlPr>
+                        </m:sSupPr>
+                        <m:e>
+                          <m:r>
+                            <a:rPr lang="en-US" b="1" i="1" smtClean="0">
+                              <a:latin typeface="Cambria Math" panose="02040503050406030204" pitchFamily="18" charset="0"/>
+                              <a:ea typeface="Cambria Math" panose="02040503050406030204" pitchFamily="18" charset="0"/>
+                            </a:rPr>
+                            <m:t>𝟏𝟎</m:t>
+                          </m:r>
+                        </m:e>
+                        <m:sup>
+                          <m:r>
+                            <a:rPr lang="en-US" b="1" i="1" smtClean="0">
+                              <a:latin typeface="Cambria Math" panose="02040503050406030204" pitchFamily="18" charset="0"/>
+                              <a:ea typeface="Cambria Math" panose="02040503050406030204" pitchFamily="18" charset="0"/>
+                            </a:rPr>
+                            <m:t>−</m:t>
+                          </m:r>
+                          <m:r>
+                            <a:rPr lang="en-US" b="1" i="1" smtClean="0">
+                              <a:latin typeface="Cambria Math" panose="02040503050406030204" pitchFamily="18" charset="0"/>
+                              <a:ea typeface="Cambria Math" panose="02040503050406030204" pitchFamily="18" charset="0"/>
+                            </a:rPr>
+                            <m:t>𝟒</m:t>
+                          </m:r>
+                        </m:sup>
+                      </m:sSup>
+                      <m:r>
+                        <a:rPr lang="en-US" b="1" i="1" smtClean="0">
+                          <a:latin typeface="Cambria Math" panose="02040503050406030204" pitchFamily="18" charset="0"/>
+                          <a:ea typeface="Cambria Math" panose="02040503050406030204" pitchFamily="18" charset="0"/>
+                        </a:rPr>
+                        <m:t> ±</m:t>
+                      </m:r>
+                      <m:r>
+                        <a:rPr lang="en-US" b="1" i="1" smtClean="0">
+                          <a:latin typeface="Cambria Math" panose="02040503050406030204" pitchFamily="18" charset="0"/>
+                          <a:ea typeface="Cambria Math" panose="02040503050406030204" pitchFamily="18" charset="0"/>
+                        </a:rPr>
+                        <m:t>𝟒</m:t>
+                      </m:r>
+                      <m:r>
+                        <a:rPr lang="en-US" b="1" i="1" smtClean="0">
+                          <a:latin typeface="Cambria Math" panose="02040503050406030204" pitchFamily="18" charset="0"/>
+                          <a:ea typeface="Cambria Math" panose="02040503050406030204" pitchFamily="18" charset="0"/>
+                        </a:rPr>
+                        <m:t>,</m:t>
+                      </m:r>
+                      <m:r>
+                        <a:rPr lang="en-US" b="1" i="1" smtClean="0">
+                          <a:latin typeface="Cambria Math" panose="02040503050406030204" pitchFamily="18" charset="0"/>
+                          <a:ea typeface="Cambria Math" panose="02040503050406030204" pitchFamily="18" charset="0"/>
+                        </a:rPr>
+                        <m:t>𝟓𝟖</m:t>
+                      </m:r>
+                      <m:r>
+                        <a:rPr lang="en-US" b="1" i="1" smtClean="0">
+                          <a:latin typeface="Cambria Math" panose="02040503050406030204" pitchFamily="18" charset="0"/>
+                          <a:ea typeface="Cambria Math" panose="02040503050406030204" pitchFamily="18" charset="0"/>
+                        </a:rPr>
+                        <m:t>∙</m:t>
+                      </m:r>
+                      <m:sSup>
+                        <m:sSupPr>
+                          <m:ctrlPr>
+                            <a:rPr lang="en-US" b="1" i="1" smtClean="0">
+                              <a:latin typeface="Cambria Math" panose="02040503050406030204" pitchFamily="18" charset="0"/>
+                              <a:ea typeface="Cambria Math" panose="02040503050406030204" pitchFamily="18" charset="0"/>
+                            </a:rPr>
+                          </m:ctrlPr>
+                        </m:sSupPr>
+                        <m:e>
+                          <m:r>
+                            <a:rPr lang="en-US" b="1" i="1" smtClean="0">
+                              <a:latin typeface="Cambria Math" panose="02040503050406030204" pitchFamily="18" charset="0"/>
+                              <a:ea typeface="Cambria Math" panose="02040503050406030204" pitchFamily="18" charset="0"/>
+                            </a:rPr>
+                            <m:t>𝟏𝟎</m:t>
+                          </m:r>
+                        </m:e>
+                        <m:sup>
+                          <m:r>
+                            <a:rPr lang="en-US" b="1" i="1" smtClean="0">
+                              <a:latin typeface="Cambria Math" panose="02040503050406030204" pitchFamily="18" charset="0"/>
+                              <a:ea typeface="Cambria Math" panose="02040503050406030204" pitchFamily="18" charset="0"/>
+                            </a:rPr>
+                            <m:t>−</m:t>
+                          </m:r>
+                          <m:r>
+                            <a:rPr lang="en-US" b="1" i="1" smtClean="0">
+                              <a:latin typeface="Cambria Math" panose="02040503050406030204" pitchFamily="18" charset="0"/>
+                              <a:ea typeface="Cambria Math" panose="02040503050406030204" pitchFamily="18" charset="0"/>
+                            </a:rPr>
+                            <m:t>𝟕</m:t>
+                          </m:r>
+                        </m:sup>
+                      </m:sSup>
+                      <m:r>
+                        <a:rPr lang="en-US" b="1" i="1" smtClean="0">
+                          <a:latin typeface="Cambria Math" panose="02040503050406030204" pitchFamily="18" charset="0"/>
+                          <a:ea typeface="Cambria Math" panose="02040503050406030204" pitchFamily="18" charset="0"/>
+                        </a:rPr>
+                        <m:t> </m:t>
+                      </m:r>
+                      <m:r>
+                        <a:rPr lang="ru-RU" b="1" i="0" smtClean="0">
+                          <a:latin typeface="Cambria Math" panose="02040503050406030204" pitchFamily="18" charset="0"/>
+                          <a:ea typeface="Cambria Math" panose="02040503050406030204" pitchFamily="18" charset="0"/>
+                        </a:rPr>
+                        <m:t>кг</m:t>
+                      </m:r>
+                      <m:r>
+                        <a:rPr lang="ru-RU" b="1" i="1" smtClean="0">
+                          <a:latin typeface="Cambria Math" panose="02040503050406030204" pitchFamily="18" charset="0"/>
+                          <a:ea typeface="Cambria Math" panose="02040503050406030204" pitchFamily="18" charset="0"/>
+                        </a:rPr>
+                        <m:t>∙</m:t>
+                      </m:r>
+                      <m:sSup>
+                        <m:sSupPr>
+                          <m:ctrlPr>
+                            <a:rPr lang="ru-RU" b="1" i="1" smtClean="0">
+                              <a:latin typeface="Cambria Math" panose="02040503050406030204" pitchFamily="18" charset="0"/>
+                              <a:ea typeface="Cambria Math" panose="02040503050406030204" pitchFamily="18" charset="0"/>
+                            </a:rPr>
+                          </m:ctrlPr>
+                        </m:sSupPr>
+                        <m:e>
+                          <m:r>
+                            <a:rPr lang="ru-RU" b="1" i="1" smtClean="0">
+                              <a:latin typeface="Cambria Math" panose="02040503050406030204" pitchFamily="18" charset="0"/>
+                              <a:ea typeface="Cambria Math" panose="02040503050406030204" pitchFamily="18" charset="0"/>
+                            </a:rPr>
+                            <m:t>м</m:t>
+                          </m:r>
+                        </m:e>
+                        <m:sup>
+                          <m:r>
+                            <a:rPr lang="ru-RU" b="1" i="1" smtClean="0">
+                              <a:latin typeface="Cambria Math" panose="02040503050406030204" pitchFamily="18" charset="0"/>
+                              <a:ea typeface="Cambria Math" panose="02040503050406030204" pitchFamily="18" charset="0"/>
+                            </a:rPr>
+                            <m:t>𝟐</m:t>
+                          </m:r>
+                        </m:sup>
+                      </m:sSup>
+                    </m:oMath>
+                  </m:oMathPara>
+                </a14:m>
+                <a:endParaRPr lang="ru-RU" b="1" dirty="0"/>
+              </a:p>
+            </p:txBody>
+          </p:sp>
+        </mc:Choice>
+        <mc:Fallback>
+          <p:sp>
+            <p:nvSpPr>
+              <p:cNvPr id="15" name="TextBox 14">
+                <a:extLst>
+                  <a:ext uri="{FF2B5EF4-FFF2-40B4-BE49-F238E27FC236}">
+                    <a16:creationId xmlns:a16="http://schemas.microsoft.com/office/drawing/2014/main" id="{C56A41B1-1177-44A3-8AD3-CD3EA2C2983E}"/>
+                  </a:ext>
+                </a:extLst>
+              </p:cNvPr>
+              <p:cNvSpPr txBox="1">
+                <a:spLocks noRot="1" noChangeAspect="1" noMove="1" noResize="1" noEditPoints="1" noAdjustHandles="1" noChangeArrowheads="1" noChangeShapeType="1" noTextEdit="1"/>
+              </p:cNvSpPr>
+              <p:nvPr/>
+            </p:nvSpPr>
+            <p:spPr>
+              <a:xfrm>
+                <a:off x="2759700" y="6322484"/>
+                <a:ext cx="6190128" cy="375552"/>
+              </a:xfrm>
+              <a:prstGeom prst="rect">
+                <a:avLst/>
+              </a:prstGeom>
+              <a:blipFill>
+                <a:blip r:embed="rId3"/>
+                <a:stretch>
+                  <a:fillRect b="-9677"/>
+                </a:stretch>
+              </a:blipFill>
+            </p:spPr>
+            <p:txBody>
+              <a:bodyPr/>
+              <a:lstStyle/>
+              <a:p>
+                <a:r>
+                  <a:rPr lang="ru-RU">
+                    <a:noFill/>
+                  </a:rPr>
+                  <a:t> </a:t>
+                </a:r>
+              </a:p>
+            </p:txBody>
+          </p:sp>
+        </mc:Fallback>
+      </mc:AlternateContent>
     </p:spTree>
     <p:extLst>
       <p:ext uri="{BB962C8B-B14F-4D97-AF65-F5344CB8AC3E}">
-        <p14:creationId xmlns:p14="http://schemas.microsoft.com/office/powerpoint/2010/main" val="1363180178"/>
+        <p14:creationId xmlns:p14="http://schemas.microsoft.com/office/powerpoint/2010/main" val="841034221"/>
       </p:ext>
     </p:extLst>
   </p:cSld>
@@ -7870,6 +9494,410 @@
       </p:grpSpPr>
       <p:sp>
         <p:nvSpPr>
+          <p:cNvPr id="4" name="Номер слайда 3"/>
+          <p:cNvSpPr>
+            <a:spLocks noGrp="1"/>
+          </p:cNvSpPr>
+          <p:nvPr>
+            <p:ph type="sldNum" sz="quarter" idx="12"/>
+          </p:nvPr>
+        </p:nvSpPr>
+        <p:spPr/>
+        <p:txBody>
+          <a:bodyPr/>
+          <a:lstStyle/>
+          <a:p>
+            <a:fld id="{1F8BD534-37C6-45AF-BD63-E8CFF4C8D25C}" type="slidenum">
+              <a:rPr lang="en-US" smtClean="0"/>
+              <a:t>7</a:t>
+            </a:fld>
+            <a:endParaRPr lang="en-US"/>
+          </a:p>
+        </p:txBody>
+      </p:sp>
+      <p:sp>
+        <p:nvSpPr>
+          <p:cNvPr id="6" name="TextBox 5">
+            <a:extLst>
+              <a:ext uri="{FF2B5EF4-FFF2-40B4-BE49-F238E27FC236}">
+                <a16:creationId xmlns:a16="http://schemas.microsoft.com/office/drawing/2014/main" id="{CAFF6426-FDD7-42E0-817D-102F277D4415}"/>
+              </a:ext>
+            </a:extLst>
+          </p:cNvPr>
+          <p:cNvSpPr txBox="1"/>
+          <p:nvPr/>
+        </p:nvSpPr>
+        <p:spPr>
+          <a:xfrm>
+            <a:off x="0" y="-7506"/>
+            <a:ext cx="10633039" cy="646331"/>
+          </a:xfrm>
+          <a:prstGeom prst="rect">
+            <a:avLst/>
+          </a:prstGeom>
+          <a:noFill/>
+        </p:spPr>
+        <p:txBody>
+          <a:bodyPr wrap="none" rtlCol="0">
+            <a:spAutoFit/>
+          </a:bodyPr>
+          <a:lstStyle/>
+          <a:p>
+            <a:r>
+              <a:rPr lang="ru-RU" sz="3600" dirty="0">
+                <a:latin typeface="+mj-lt"/>
+              </a:rPr>
+              <a:t>Оценка момента на основание при перенацеливании</a:t>
+            </a:r>
+          </a:p>
+        </p:txBody>
+      </p:sp>
+      <p:sp>
+        <p:nvSpPr>
+          <p:cNvPr id="10" name="Прямоугольник 9"/>
+          <p:cNvSpPr/>
+          <p:nvPr/>
+        </p:nvSpPr>
+        <p:spPr>
+          <a:xfrm>
+            <a:off x="7268029" y="2993861"/>
+            <a:ext cx="3507692" cy="584775"/>
+          </a:xfrm>
+          <a:prstGeom prst="rect">
+            <a:avLst/>
+          </a:prstGeom>
+        </p:spPr>
+        <p:txBody>
+          <a:bodyPr wrap="none">
+            <a:spAutoFit/>
+          </a:bodyPr>
+          <a:lstStyle/>
+          <a:p>
+            <a:r>
+              <a:rPr lang="ru-RU" sz="1600" dirty="0">
+                <a:latin typeface="+mj-lt"/>
+              </a:rPr>
+              <a:t>Рисунок 7 – Скорость колебаний рамы</a:t>
+            </a:r>
+          </a:p>
+          <a:p>
+            <a:r>
+              <a:rPr lang="ru-RU" sz="1600" dirty="0">
+                <a:latin typeface="+mj-lt"/>
+              </a:rPr>
+              <a:t> при перенацеливании</a:t>
+            </a:r>
+          </a:p>
+        </p:txBody>
+      </p:sp>
+      <p:pic>
+        <p:nvPicPr>
+          <p:cNvPr id="5" name="Picture 4">
+            <a:extLst>
+              <a:ext uri="{FF2B5EF4-FFF2-40B4-BE49-F238E27FC236}">
+                <a16:creationId xmlns:a16="http://schemas.microsoft.com/office/drawing/2014/main" id="{89308C76-4FEC-4D20-8A24-B231BF2179F1}"/>
+              </a:ext>
+            </a:extLst>
+          </p:cNvPr>
+          <p:cNvPicPr>
+            <a:picLocks noChangeAspect="1"/>
+          </p:cNvPicPr>
+          <p:nvPr/>
+        </p:nvPicPr>
+        <p:blipFill>
+          <a:blip r:embed="rId2">
+            <a:extLst>
+              <a:ext uri="{28A0092B-C50C-407E-A947-70E740481C1C}">
+                <a14:useLocalDpi xmlns:a14="http://schemas.microsoft.com/office/drawing/2010/main" val="0"/>
+              </a:ext>
+            </a:extLst>
+          </a:blip>
+          <a:stretch>
+            <a:fillRect/>
+          </a:stretch>
+        </p:blipFill>
+        <p:spPr>
+          <a:xfrm>
+            <a:off x="435946" y="569442"/>
+            <a:ext cx="3622410" cy="2716807"/>
+          </a:xfrm>
+          <a:prstGeom prst="rect">
+            <a:avLst/>
+          </a:prstGeom>
+        </p:spPr>
+      </p:pic>
+      <p:sp>
+        <p:nvSpPr>
+          <p:cNvPr id="11" name="Прямоугольник 9">
+            <a:extLst>
+              <a:ext uri="{FF2B5EF4-FFF2-40B4-BE49-F238E27FC236}">
+                <a16:creationId xmlns:a16="http://schemas.microsoft.com/office/drawing/2014/main" id="{8E7C32F8-8752-46DB-9FED-7DA86E6B1059}"/>
+              </a:ext>
+            </a:extLst>
+          </p:cNvPr>
+          <p:cNvSpPr/>
+          <p:nvPr/>
+        </p:nvSpPr>
+        <p:spPr>
+          <a:xfrm>
+            <a:off x="636808" y="3136612"/>
+            <a:ext cx="3534780" cy="584775"/>
+          </a:xfrm>
+          <a:prstGeom prst="rect">
+            <a:avLst/>
+          </a:prstGeom>
+        </p:spPr>
+        <p:txBody>
+          <a:bodyPr wrap="square">
+            <a:spAutoFit/>
+          </a:bodyPr>
+          <a:lstStyle/>
+          <a:p>
+            <a:r>
+              <a:rPr lang="ru-RU" sz="1600" dirty="0">
+                <a:latin typeface="+mj-lt"/>
+              </a:rPr>
+              <a:t>Рисунок 7 – Скорость колебаний рамы </a:t>
+            </a:r>
+          </a:p>
+          <a:p>
+            <a:r>
+              <a:rPr lang="ru-RU" sz="1600" dirty="0">
+                <a:latin typeface="+mj-lt"/>
+              </a:rPr>
+              <a:t>при тестовом воздействии</a:t>
+            </a:r>
+          </a:p>
+        </p:txBody>
+      </p:sp>
+      <p:pic>
+        <p:nvPicPr>
+          <p:cNvPr id="13" name="Picture 12">
+            <a:extLst>
+              <a:ext uri="{FF2B5EF4-FFF2-40B4-BE49-F238E27FC236}">
+                <a16:creationId xmlns:a16="http://schemas.microsoft.com/office/drawing/2014/main" id="{A18D13FB-366E-4C4C-9F7A-49C4B8F08AE0}"/>
+              </a:ext>
+            </a:extLst>
+          </p:cNvPr>
+          <p:cNvPicPr>
+            <a:picLocks noChangeAspect="1"/>
+          </p:cNvPicPr>
+          <p:nvPr/>
+        </p:nvPicPr>
+        <p:blipFill>
+          <a:blip r:embed="rId3">
+            <a:extLst>
+              <a:ext uri="{28A0092B-C50C-407E-A947-70E740481C1C}">
+                <a14:useLocalDpi xmlns:a14="http://schemas.microsoft.com/office/drawing/2010/main" val="0"/>
+              </a:ext>
+            </a:extLst>
+          </a:blip>
+          <a:stretch>
+            <a:fillRect/>
+          </a:stretch>
+        </p:blipFill>
+        <p:spPr>
+          <a:xfrm>
+            <a:off x="616686" y="3630539"/>
+            <a:ext cx="3213446" cy="2410085"/>
+          </a:xfrm>
+          <a:prstGeom prst="rect">
+            <a:avLst/>
+          </a:prstGeom>
+        </p:spPr>
+      </p:pic>
+      <p:sp>
+        <p:nvSpPr>
+          <p:cNvPr id="14" name="Прямоугольник 9">
+            <a:extLst>
+              <a:ext uri="{FF2B5EF4-FFF2-40B4-BE49-F238E27FC236}">
+                <a16:creationId xmlns:a16="http://schemas.microsoft.com/office/drawing/2014/main" id="{8193FAB5-6B96-4A51-9989-6033F914817E}"/>
+              </a:ext>
+            </a:extLst>
+          </p:cNvPr>
+          <p:cNvSpPr/>
+          <p:nvPr/>
+        </p:nvSpPr>
+        <p:spPr>
+          <a:xfrm>
+            <a:off x="694538" y="6005311"/>
+            <a:ext cx="3147117" cy="830997"/>
+          </a:xfrm>
+          <a:prstGeom prst="rect">
+            <a:avLst/>
+          </a:prstGeom>
+        </p:spPr>
+        <p:txBody>
+          <a:bodyPr wrap="square">
+            <a:spAutoFit/>
+          </a:bodyPr>
+          <a:lstStyle/>
+          <a:p>
+            <a:r>
+              <a:rPr lang="ru-RU" sz="1600" dirty="0">
+                <a:latin typeface="+mj-lt"/>
+              </a:rPr>
+              <a:t>Рисунок  8– Ускорение колебаний рамы </a:t>
+            </a:r>
+          </a:p>
+          <a:p>
+            <a:r>
+              <a:rPr lang="ru-RU" sz="1600" dirty="0">
+                <a:latin typeface="+mj-lt"/>
+              </a:rPr>
+              <a:t>при тестовом воздействии</a:t>
+            </a:r>
+          </a:p>
+        </p:txBody>
+      </p:sp>
+      <p:pic>
+        <p:nvPicPr>
+          <p:cNvPr id="16" name="Picture 15">
+            <a:extLst>
+              <a:ext uri="{FF2B5EF4-FFF2-40B4-BE49-F238E27FC236}">
+                <a16:creationId xmlns:a16="http://schemas.microsoft.com/office/drawing/2014/main" id="{DD9AE625-63C7-4BAF-9461-48D6D88FCE50}"/>
+              </a:ext>
+            </a:extLst>
+          </p:cNvPr>
+          <p:cNvPicPr>
+            <a:picLocks noChangeAspect="1"/>
+          </p:cNvPicPr>
+          <p:nvPr/>
+        </p:nvPicPr>
+        <p:blipFill>
+          <a:blip r:embed="rId4">
+            <a:extLst>
+              <a:ext uri="{28A0092B-C50C-407E-A947-70E740481C1C}">
+                <a14:useLocalDpi xmlns:a14="http://schemas.microsoft.com/office/drawing/2010/main" val="0"/>
+              </a:ext>
+            </a:extLst>
+          </a:blip>
+          <a:stretch>
+            <a:fillRect/>
+          </a:stretch>
+        </p:blipFill>
+        <p:spPr>
+          <a:xfrm>
+            <a:off x="7064992" y="638825"/>
+            <a:ext cx="3133939" cy="2350455"/>
+          </a:xfrm>
+          <a:prstGeom prst="rect">
+            <a:avLst/>
+          </a:prstGeom>
+        </p:spPr>
+      </p:pic>
+      <p:pic>
+        <p:nvPicPr>
+          <p:cNvPr id="18" name="Picture 17">
+            <a:extLst>
+              <a:ext uri="{FF2B5EF4-FFF2-40B4-BE49-F238E27FC236}">
+                <a16:creationId xmlns:a16="http://schemas.microsoft.com/office/drawing/2014/main" id="{F95B1BAC-4C73-4A73-AED6-C54E96114F7B}"/>
+              </a:ext>
+            </a:extLst>
+          </p:cNvPr>
+          <p:cNvPicPr>
+            <a:picLocks noChangeAspect="1"/>
+          </p:cNvPicPr>
+          <p:nvPr/>
+        </p:nvPicPr>
+        <p:blipFill>
+          <a:blip r:embed="rId5">
+            <a:extLst>
+              <a:ext uri="{28A0092B-C50C-407E-A947-70E740481C1C}">
+                <a14:useLocalDpi xmlns:a14="http://schemas.microsoft.com/office/drawing/2010/main" val="0"/>
+              </a:ext>
+            </a:extLst>
+          </a:blip>
+          <a:stretch>
+            <a:fillRect/>
+          </a:stretch>
+        </p:blipFill>
+        <p:spPr>
+          <a:xfrm>
+            <a:off x="7150605" y="3594443"/>
+            <a:ext cx="3213446" cy="2410084"/>
+          </a:xfrm>
+          <a:prstGeom prst="rect">
+            <a:avLst/>
+          </a:prstGeom>
+        </p:spPr>
+      </p:pic>
+      <p:sp>
+        <p:nvSpPr>
+          <p:cNvPr id="19" name="Прямоугольник 9">
+            <a:extLst>
+              <a:ext uri="{FF2B5EF4-FFF2-40B4-BE49-F238E27FC236}">
+                <a16:creationId xmlns:a16="http://schemas.microsoft.com/office/drawing/2014/main" id="{79452999-2116-4149-B19F-E4A5DE53FA06}"/>
+              </a:ext>
+            </a:extLst>
+          </p:cNvPr>
+          <p:cNvSpPr/>
+          <p:nvPr/>
+        </p:nvSpPr>
+        <p:spPr>
+          <a:xfrm>
+            <a:off x="7199902" y="6004527"/>
+            <a:ext cx="3643946" cy="584775"/>
+          </a:xfrm>
+          <a:prstGeom prst="rect">
+            <a:avLst/>
+          </a:prstGeom>
+        </p:spPr>
+        <p:txBody>
+          <a:bodyPr wrap="none">
+            <a:spAutoFit/>
+          </a:bodyPr>
+          <a:lstStyle/>
+          <a:p>
+            <a:r>
+              <a:rPr lang="ru-RU" sz="1600" dirty="0">
+                <a:latin typeface="+mj-lt"/>
+              </a:rPr>
+              <a:t>Рисунок 9 – Ускорение колебаний рамы</a:t>
+            </a:r>
+          </a:p>
+          <a:p>
+            <a:r>
+              <a:rPr lang="ru-RU" sz="1600" dirty="0">
+                <a:latin typeface="+mj-lt"/>
+              </a:rPr>
+              <a:t> при перенацеливании</a:t>
+            </a:r>
+          </a:p>
+        </p:txBody>
+      </p:sp>
+    </p:spTree>
+    <p:extLst>
+      <p:ext uri="{BB962C8B-B14F-4D97-AF65-F5344CB8AC3E}">
+        <p14:creationId xmlns:p14="http://schemas.microsoft.com/office/powerpoint/2010/main" val="1363180178"/>
+      </p:ext>
+    </p:extLst>
+  </p:cSld>
+  <p:clrMapOvr>
+    <a:masterClrMapping/>
+  </p:clrMapOvr>
+</p:sld>
+</file>
+
+<file path=ppt/slides/slide8.xml><?xml version="1.0" encoding="utf-8"?>
+<p:sld xmlns:a="http://schemas.openxmlformats.org/drawingml/2006/main" xmlns:r="http://schemas.openxmlformats.org/officeDocument/2006/relationships" xmlns:p="http://schemas.openxmlformats.org/presentationml/2006/main">
+  <p:cSld>
+    <p:spTree>
+      <p:nvGrpSpPr>
+        <p:cNvPr id="1" name=""/>
+        <p:cNvGrpSpPr/>
+        <p:nvPr/>
+      </p:nvGrpSpPr>
+      <p:grpSpPr>
+        <a:xfrm>
+          <a:off x="0" y="0"/>
+          <a:ext cx="0" cy="0"/>
+          <a:chOff x="0" y="0"/>
+          <a:chExt cx="0" cy="0"/>
+        </a:xfrm>
+      </p:grpSpPr>
+      <p:sp>
+        <p:nvSpPr>
           <p:cNvPr id="4" name="Slide Number Placeholder 3">
             <a:extLst>
               <a:ext uri="{FF2B5EF4-FFF2-40B4-BE49-F238E27FC236}">
@@ -7891,7 +9919,7 @@
           <a:p>
             <a:fld id="{1F8BD534-37C6-45AF-BD63-E8CFF4C8D25C}" type="slidenum">
               <a:rPr lang="en-US" smtClean="0"/>
-              <a:t>7</a:t>
+              <a:t>8</a:t>
             </a:fld>
             <a:endParaRPr lang="en-US"/>
           </a:p>
@@ -8512,7 +10540,7 @@
 </p:sld>
 </file>
 
-<file path=ppt/slides/slide8.xml><?xml version="1.0" encoding="utf-8"?>
+<file path=ppt/slides/slide9.xml><?xml version="1.0" encoding="utf-8"?>
 <p:sld xmlns:a="http://schemas.openxmlformats.org/drawingml/2006/main" xmlns:r="http://schemas.openxmlformats.org/officeDocument/2006/relationships" xmlns:p="http://schemas.openxmlformats.org/presentationml/2006/main">
   <p:cSld>
     <p:spTree>
@@ -8546,7 +10574,7 @@
           <a:p>
             <a:fld id="{1F8BD534-37C6-45AF-BD63-E8CFF4C8D25C}" type="slidenum">
               <a:rPr lang="en-US" smtClean="0"/>
-              <a:t>8</a:t>
+              <a:t>9</a:t>
             </a:fld>
             <a:endParaRPr lang="en-US"/>
           </a:p>

--- a/Ppt/финальная версия.pptx
+++ b/Ppt/финальная версия.pptx
@@ -5,7 +5,7 @@
     <p:sldMasterId id="2147483648" r:id="rId1"/>
   </p:sldMasterIdLst>
   <p:notesMasterIdLst>
-    <p:notesMasterId r:id="rId11"/>
+    <p:notesMasterId r:id="rId13"/>
   </p:notesMasterIdLst>
   <p:sldIdLst>
     <p:sldId id="256" r:id="rId2"/>
@@ -14,9 +14,11 @@
     <p:sldId id="264" r:id="rId5"/>
     <p:sldId id="266" r:id="rId6"/>
     <p:sldId id="267" r:id="rId7"/>
-    <p:sldId id="261" r:id="rId8"/>
-    <p:sldId id="265" r:id="rId9"/>
-    <p:sldId id="263" r:id="rId10"/>
+    <p:sldId id="268" r:id="rId8"/>
+    <p:sldId id="269" r:id="rId9"/>
+    <p:sldId id="261" r:id="rId10"/>
+    <p:sldId id="265" r:id="rId11"/>
+    <p:sldId id="263" r:id="rId12"/>
   </p:sldIdLst>
   <p:sldSz cx="12192000" cy="6858000"/>
   <p:notesSz cx="6858000" cy="9144000"/>
@@ -4886,6 +4888,843 @@
     <p:extLst>
       <p:ext uri="{BB962C8B-B14F-4D97-AF65-F5344CB8AC3E}">
         <p14:creationId xmlns:p14="http://schemas.microsoft.com/office/powerpoint/2010/main" val="3704616448"/>
+      </p:ext>
+    </p:extLst>
+  </p:cSld>
+  <p:clrMapOvr>
+    <a:masterClrMapping/>
+  </p:clrMapOvr>
+</p:sld>
+</file>
+
+<file path=ppt/slides/slide10.xml><?xml version="1.0" encoding="utf-8"?>
+<p:sld xmlns:a="http://schemas.openxmlformats.org/drawingml/2006/main" xmlns:r="http://schemas.openxmlformats.org/officeDocument/2006/relationships" xmlns:p="http://schemas.openxmlformats.org/presentationml/2006/main">
+  <p:cSld>
+    <p:spTree>
+      <p:nvGrpSpPr>
+        <p:cNvPr id="1" name=""/>
+        <p:cNvGrpSpPr/>
+        <p:nvPr/>
+      </p:nvGrpSpPr>
+      <p:grpSpPr>
+        <a:xfrm>
+          <a:off x="0" y="0"/>
+          <a:ext cx="0" cy="0"/>
+          <a:chOff x="0" y="0"/>
+          <a:chExt cx="0" cy="0"/>
+        </a:xfrm>
+      </p:grpSpPr>
+      <p:sp>
+        <p:nvSpPr>
+          <p:cNvPr id="4" name="Slide Number Placeholder 3">
+            <a:extLst>
+              <a:ext uri="{FF2B5EF4-FFF2-40B4-BE49-F238E27FC236}">
+                <a16:creationId xmlns:a16="http://schemas.microsoft.com/office/drawing/2014/main" id="{356807AF-B532-44F6-A3C5-779F1176F644}"/>
+              </a:ext>
+            </a:extLst>
+          </p:cNvPr>
+          <p:cNvSpPr>
+            <a:spLocks noGrp="1"/>
+          </p:cNvSpPr>
+          <p:nvPr>
+            <p:ph type="sldNum" sz="quarter" idx="12"/>
+          </p:nvPr>
+        </p:nvSpPr>
+        <p:spPr/>
+        <p:txBody>
+          <a:bodyPr/>
+          <a:lstStyle/>
+          <a:p>
+            <a:fld id="{1F8BD534-37C6-45AF-BD63-E8CFF4C8D25C}" type="slidenum">
+              <a:rPr lang="en-US" smtClean="0"/>
+              <a:t>10</a:t>
+            </a:fld>
+            <a:endParaRPr lang="en-US"/>
+          </a:p>
+        </p:txBody>
+      </p:sp>
+      <p:sp>
+        <p:nvSpPr>
+          <p:cNvPr id="5" name="TextBox 4">
+            <a:extLst>
+              <a:ext uri="{FF2B5EF4-FFF2-40B4-BE49-F238E27FC236}">
+                <a16:creationId xmlns:a16="http://schemas.microsoft.com/office/drawing/2014/main" id="{E2F314B4-3CCB-44D2-AF5F-B866DD7E5345}"/>
+              </a:ext>
+            </a:extLst>
+          </p:cNvPr>
+          <p:cNvSpPr txBox="1"/>
+          <p:nvPr/>
+        </p:nvSpPr>
+        <p:spPr>
+          <a:xfrm>
+            <a:off x="245214" y="796304"/>
+            <a:ext cx="11384715" cy="646331"/>
+          </a:xfrm>
+          <a:prstGeom prst="rect">
+            <a:avLst/>
+          </a:prstGeom>
+          <a:noFill/>
+        </p:spPr>
+        <p:txBody>
+          <a:bodyPr wrap="square">
+            <a:spAutoFit/>
+          </a:bodyPr>
+          <a:lstStyle/>
+          <a:p>
+            <a:pPr algn="just"/>
+            <a:r>
+              <a:rPr lang="ru-RU" dirty="0">
+                <a:latin typeface="+mj-lt"/>
+              </a:rPr>
+              <a:t>Итоговый момент определяется как отношение ускорений рамы при перенацеливании и при тестовом воздействии</a:t>
+            </a:r>
+          </a:p>
+        </p:txBody>
+      </p:sp>
+      <p:sp>
+        <p:nvSpPr>
+          <p:cNvPr id="6" name="TextBox 5">
+            <a:extLst>
+              <a:ext uri="{FF2B5EF4-FFF2-40B4-BE49-F238E27FC236}">
+                <a16:creationId xmlns:a16="http://schemas.microsoft.com/office/drawing/2014/main" id="{339AB545-3535-4DD5-A63E-4232D3ED4C5B}"/>
+              </a:ext>
+            </a:extLst>
+          </p:cNvPr>
+          <p:cNvSpPr txBox="1"/>
+          <p:nvPr/>
+        </p:nvSpPr>
+        <p:spPr>
+          <a:xfrm>
+            <a:off x="0" y="-7506"/>
+            <a:ext cx="10633039" cy="646331"/>
+          </a:xfrm>
+          <a:prstGeom prst="rect">
+            <a:avLst/>
+          </a:prstGeom>
+          <a:noFill/>
+        </p:spPr>
+        <p:txBody>
+          <a:bodyPr wrap="none" rtlCol="0">
+            <a:spAutoFit/>
+          </a:bodyPr>
+          <a:lstStyle/>
+          <a:p>
+            <a:r>
+              <a:rPr lang="ru-RU" sz="3600" dirty="0">
+                <a:latin typeface="+mj-lt"/>
+              </a:rPr>
+              <a:t>Оценка момента на основание при перенацеливании</a:t>
+            </a:r>
+          </a:p>
+        </p:txBody>
+      </p:sp>
+      <mc:AlternateContent xmlns:mc="http://schemas.openxmlformats.org/markup-compatibility/2006" xmlns:a14="http://schemas.microsoft.com/office/drawing/2010/main">
+        <mc:Choice Requires="a14">
+          <p:sp>
+            <p:nvSpPr>
+              <p:cNvPr id="7" name="TextBox 6">
+                <a:extLst>
+                  <a:ext uri="{FF2B5EF4-FFF2-40B4-BE49-F238E27FC236}">
+                    <a16:creationId xmlns:a16="http://schemas.microsoft.com/office/drawing/2014/main" id="{426F59A3-387F-40BD-A3D9-ADE749A62E24}"/>
+                  </a:ext>
+                </a:extLst>
+              </p:cNvPr>
+              <p:cNvSpPr txBox="1"/>
+              <p:nvPr/>
+            </p:nvSpPr>
+            <p:spPr>
+              <a:xfrm>
+                <a:off x="403642" y="1600114"/>
+                <a:ext cx="11384715" cy="612475"/>
+              </a:xfrm>
+              <a:prstGeom prst="rect">
+                <a:avLst/>
+              </a:prstGeom>
+              <a:noFill/>
+            </p:spPr>
+            <p:txBody>
+              <a:bodyPr wrap="square">
+                <a:spAutoFit/>
+              </a:bodyPr>
+              <a:lstStyle/>
+              <a:p>
+                <a:pPr algn="just"/>
+                <a14:m>
+                  <m:oMathPara xmlns:m="http://schemas.openxmlformats.org/officeDocument/2006/math">
+                    <m:oMathParaPr>
+                      <m:jc m:val="centerGroup"/>
+                    </m:oMathParaPr>
+                    <m:oMath xmlns:m="http://schemas.openxmlformats.org/officeDocument/2006/math">
+                      <m:r>
+                        <a:rPr lang="en-US" b="0" i="1" smtClean="0">
+                          <a:latin typeface="Cambria Math" panose="02040503050406030204" pitchFamily="18" charset="0"/>
+                        </a:rPr>
+                        <m:t>𝑀</m:t>
+                      </m:r>
+                      <m:r>
+                        <a:rPr lang="en-US" b="0" i="1" smtClean="0">
+                          <a:latin typeface="Cambria Math" panose="02040503050406030204" pitchFamily="18" charset="0"/>
+                        </a:rPr>
+                        <m:t>=</m:t>
+                      </m:r>
+                      <m:f>
+                        <m:fPr>
+                          <m:ctrlPr>
+                            <a:rPr lang="en-US" b="0" i="1" smtClean="0">
+                              <a:latin typeface="Cambria Math" panose="02040503050406030204" pitchFamily="18" charset="0"/>
+                              <a:ea typeface="Cambria Math" panose="02040503050406030204" pitchFamily="18" charset="0"/>
+                            </a:rPr>
+                          </m:ctrlPr>
+                        </m:fPr>
+                        <m:num>
+                          <m:sSub>
+                            <m:sSubPr>
+                              <m:ctrlPr>
+                                <a:rPr lang="en-US" i="1" smtClean="0">
+                                  <a:latin typeface="Cambria Math" panose="02040503050406030204" pitchFamily="18" charset="0"/>
+                                  <a:ea typeface="Cambria Math" panose="02040503050406030204" pitchFamily="18" charset="0"/>
+                                </a:rPr>
+                              </m:ctrlPr>
+                            </m:sSubPr>
+                            <m:e>
+                              <m:r>
+                                <m:rPr>
+                                  <m:sty m:val="p"/>
+                                </m:rPr>
+                                <a:rPr lang="en-US" i="1">
+                                  <a:latin typeface="Cambria Math" panose="02040503050406030204" pitchFamily="18" charset="0"/>
+                                  <a:ea typeface="Cambria Math" panose="02040503050406030204" pitchFamily="18" charset="0"/>
+                                </a:rPr>
+                                <m:t>ε</m:t>
+                              </m:r>
+                            </m:e>
+                            <m:sub>
+                              <m:r>
+                                <a:rPr lang="ru-RU" b="0" i="1" smtClean="0">
+                                  <a:latin typeface="Cambria Math" panose="02040503050406030204" pitchFamily="18" charset="0"/>
+                                  <a:ea typeface="Cambria Math" panose="02040503050406030204" pitchFamily="18" charset="0"/>
+                                </a:rPr>
+                                <m:t>п</m:t>
+                              </m:r>
+                            </m:sub>
+                          </m:sSub>
+                        </m:num>
+                        <m:den>
+                          <m:sSub>
+                            <m:sSubPr>
+                              <m:ctrlPr>
+                                <a:rPr lang="en-US" i="1">
+                                  <a:latin typeface="Cambria Math" panose="02040503050406030204" pitchFamily="18" charset="0"/>
+                                  <a:ea typeface="Cambria Math" panose="02040503050406030204" pitchFamily="18" charset="0"/>
+                                </a:rPr>
+                              </m:ctrlPr>
+                            </m:sSubPr>
+                            <m:e>
+                              <m:r>
+                                <m:rPr>
+                                  <m:sty m:val="p"/>
+                                </m:rPr>
+                                <a:rPr lang="en-US" i="1">
+                                  <a:latin typeface="Cambria Math" panose="02040503050406030204" pitchFamily="18" charset="0"/>
+                                  <a:ea typeface="Cambria Math" panose="02040503050406030204" pitchFamily="18" charset="0"/>
+                                </a:rPr>
+                                <m:t>ε</m:t>
+                              </m:r>
+                            </m:e>
+                            <m:sub>
+                              <m:r>
+                                <a:rPr lang="ru-RU" b="0" i="1" smtClean="0">
+                                  <a:latin typeface="Cambria Math" panose="02040503050406030204" pitchFamily="18" charset="0"/>
+                                  <a:ea typeface="Cambria Math" panose="02040503050406030204" pitchFamily="18" charset="0"/>
+                                </a:rPr>
+                                <m:t>т</m:t>
+                              </m:r>
+                            </m:sub>
+                          </m:sSub>
+                        </m:den>
+                      </m:f>
+                      <m:r>
+                        <a:rPr lang="en-US" b="0" i="1" smtClean="0">
+                          <a:latin typeface="Cambria Math" panose="02040503050406030204" pitchFamily="18" charset="0"/>
+                          <a:ea typeface="Cambria Math" panose="02040503050406030204" pitchFamily="18" charset="0"/>
+                        </a:rPr>
+                        <m:t>∙</m:t>
+                      </m:r>
+                      <m:sSub>
+                        <m:sSubPr>
+                          <m:ctrlPr>
+                            <a:rPr lang="en-US" b="0" i="1" smtClean="0">
+                              <a:latin typeface="Cambria Math" panose="02040503050406030204" pitchFamily="18" charset="0"/>
+                              <a:ea typeface="Cambria Math" panose="02040503050406030204" pitchFamily="18" charset="0"/>
+                            </a:rPr>
+                          </m:ctrlPr>
+                        </m:sSubPr>
+                        <m:e>
+                          <m:r>
+                            <a:rPr lang="en-US" b="0" i="1" smtClean="0">
+                              <a:latin typeface="Cambria Math" panose="02040503050406030204" pitchFamily="18" charset="0"/>
+                              <a:ea typeface="Cambria Math" panose="02040503050406030204" pitchFamily="18" charset="0"/>
+                            </a:rPr>
+                            <m:t>𝑀</m:t>
+                          </m:r>
+                        </m:e>
+                        <m:sub>
+                          <m:r>
+                            <a:rPr lang="ru-RU" b="0" i="1" smtClean="0">
+                              <a:latin typeface="Cambria Math" panose="02040503050406030204" pitchFamily="18" charset="0"/>
+                              <a:ea typeface="Cambria Math" panose="02040503050406030204" pitchFamily="18" charset="0"/>
+                            </a:rPr>
+                            <m:t>т</m:t>
+                          </m:r>
+                        </m:sub>
+                      </m:sSub>
+                    </m:oMath>
+                  </m:oMathPara>
+                </a14:m>
+                <a:endParaRPr lang="ru-RU" dirty="0">
+                  <a:latin typeface="+mj-lt"/>
+                </a:endParaRPr>
+              </a:p>
+            </p:txBody>
+          </p:sp>
+        </mc:Choice>
+        <mc:Fallback xmlns="">
+          <p:sp>
+            <p:nvSpPr>
+              <p:cNvPr id="7" name="TextBox 6">
+                <a:extLst>
+                  <a:ext uri="{FF2B5EF4-FFF2-40B4-BE49-F238E27FC236}">
+                    <a16:creationId xmlns:a16="http://schemas.microsoft.com/office/drawing/2014/main" id="{426F59A3-387F-40BD-A3D9-ADE749A62E24}"/>
+                  </a:ext>
+                </a:extLst>
+              </p:cNvPr>
+              <p:cNvSpPr txBox="1">
+                <a:spLocks noRot="1" noChangeAspect="1" noMove="1" noResize="1" noEditPoints="1" noAdjustHandles="1" noChangeArrowheads="1" noChangeShapeType="1" noTextEdit="1"/>
+              </p:cNvSpPr>
+              <p:nvPr/>
+            </p:nvSpPr>
+            <p:spPr>
+              <a:xfrm>
+                <a:off x="403642" y="1600114"/>
+                <a:ext cx="11384715" cy="612475"/>
+              </a:xfrm>
+              <a:prstGeom prst="rect">
+                <a:avLst/>
+              </a:prstGeom>
+              <a:blipFill>
+                <a:blip r:embed="rId2"/>
+                <a:stretch>
+                  <a:fillRect/>
+                </a:stretch>
+              </a:blipFill>
+            </p:spPr>
+            <p:txBody>
+              <a:bodyPr/>
+              <a:lstStyle/>
+              <a:p>
+                <a:r>
+                  <a:rPr lang="en-US">
+                    <a:noFill/>
+                  </a:rPr>
+                  <a:t> </a:t>
+                </a:r>
+              </a:p>
+            </p:txBody>
+          </p:sp>
+        </mc:Fallback>
+      </mc:AlternateContent>
+      <mc:AlternateContent xmlns:mc="http://schemas.openxmlformats.org/markup-compatibility/2006" xmlns:a14="http://schemas.microsoft.com/office/drawing/2010/main">
+        <mc:Choice Requires="a14">
+          <p:sp>
+            <p:nvSpPr>
+              <p:cNvPr id="8" name="TextBox 7">
+                <a:extLst>
+                  <a:ext uri="{FF2B5EF4-FFF2-40B4-BE49-F238E27FC236}">
+                    <a16:creationId xmlns:a16="http://schemas.microsoft.com/office/drawing/2014/main" id="{654FEEA9-50CF-470D-ADDC-678036E55340}"/>
+                  </a:ext>
+                </a:extLst>
+              </p:cNvPr>
+              <p:cNvSpPr txBox="1"/>
+              <p:nvPr/>
+            </p:nvSpPr>
+            <p:spPr>
+              <a:xfrm>
+                <a:off x="403642" y="2212589"/>
+                <a:ext cx="11384715" cy="646331"/>
+              </a:xfrm>
+              <a:prstGeom prst="rect">
+                <a:avLst/>
+              </a:prstGeom>
+              <a:noFill/>
+            </p:spPr>
+            <p:txBody>
+              <a:bodyPr wrap="square">
+                <a:spAutoFit/>
+              </a:bodyPr>
+              <a:lstStyle/>
+              <a:p>
+                <a:pPr algn="just"/>
+                <a:r>
+                  <a:rPr lang="ru-RU" dirty="0">
+                    <a:latin typeface="+mj-lt"/>
+                  </a:rPr>
+                  <a:t>Где </a:t>
+                </a:r>
+                <a14:m>
+                  <m:oMath xmlns:m="http://schemas.openxmlformats.org/officeDocument/2006/math">
+                    <m:sSub>
+                      <m:sSubPr>
+                        <m:ctrlPr>
+                          <a:rPr lang="en-US" i="1" smtClean="0">
+                            <a:latin typeface="Cambria Math" panose="02040503050406030204" pitchFamily="18" charset="0"/>
+                            <a:ea typeface="Cambria Math" panose="02040503050406030204" pitchFamily="18" charset="0"/>
+                          </a:rPr>
+                        </m:ctrlPr>
+                      </m:sSubPr>
+                      <m:e>
+                        <m:r>
+                          <m:rPr>
+                            <m:sty m:val="p"/>
+                          </m:rPr>
+                          <a:rPr lang="en-US" i="1">
+                            <a:latin typeface="Cambria Math" panose="02040503050406030204" pitchFamily="18" charset="0"/>
+                            <a:ea typeface="Cambria Math" panose="02040503050406030204" pitchFamily="18" charset="0"/>
+                          </a:rPr>
+                          <m:t>ε</m:t>
+                        </m:r>
+                      </m:e>
+                      <m:sub>
+                        <m:r>
+                          <a:rPr lang="ru-RU" b="0" i="1" smtClean="0">
+                            <a:latin typeface="Cambria Math" panose="02040503050406030204" pitchFamily="18" charset="0"/>
+                            <a:ea typeface="Cambria Math" panose="02040503050406030204" pitchFamily="18" charset="0"/>
+                          </a:rPr>
+                          <m:t>п</m:t>
+                        </m:r>
+                      </m:sub>
+                    </m:sSub>
+                  </m:oMath>
+                </a14:m>
+                <a:r>
+                  <a:rPr lang="ru-RU" dirty="0">
+                    <a:latin typeface="+mj-lt"/>
+                  </a:rPr>
+                  <a:t> - ускорение рамы при перенацеливании</a:t>
+                </a:r>
+                <a:r>
+                  <a:rPr lang="en-US" dirty="0">
+                    <a:latin typeface="+mj-lt"/>
+                  </a:rPr>
+                  <a:t>; </a:t>
+                </a:r>
+                <a14:m>
+                  <m:oMath xmlns:m="http://schemas.openxmlformats.org/officeDocument/2006/math">
+                    <m:sSub>
+                      <m:sSubPr>
+                        <m:ctrlPr>
+                          <a:rPr lang="en-US" i="1">
+                            <a:latin typeface="Cambria Math" panose="02040503050406030204" pitchFamily="18" charset="0"/>
+                            <a:ea typeface="Cambria Math" panose="02040503050406030204" pitchFamily="18" charset="0"/>
+                          </a:rPr>
+                        </m:ctrlPr>
+                      </m:sSubPr>
+                      <m:e>
+                        <m:r>
+                          <m:rPr>
+                            <m:sty m:val="p"/>
+                          </m:rPr>
+                          <a:rPr lang="en-US" i="1">
+                            <a:latin typeface="Cambria Math" panose="02040503050406030204" pitchFamily="18" charset="0"/>
+                            <a:ea typeface="Cambria Math" panose="02040503050406030204" pitchFamily="18" charset="0"/>
+                          </a:rPr>
+                          <m:t>ε</m:t>
+                        </m:r>
+                      </m:e>
+                      <m:sub>
+                        <m:r>
+                          <a:rPr lang="ru-RU" i="1">
+                            <a:latin typeface="Cambria Math" panose="02040503050406030204" pitchFamily="18" charset="0"/>
+                            <a:ea typeface="Cambria Math" panose="02040503050406030204" pitchFamily="18" charset="0"/>
+                          </a:rPr>
+                          <m:t>т</m:t>
+                        </m:r>
+                      </m:sub>
+                    </m:sSub>
+                  </m:oMath>
+                </a14:m>
+                <a:r>
+                  <a:rPr lang="en-US" dirty="0">
+                    <a:latin typeface="+mj-lt"/>
+                  </a:rPr>
+                  <a:t> - </a:t>
+                </a:r>
+                <a:r>
+                  <a:rPr lang="ru-RU" dirty="0">
+                    <a:latin typeface="+mj-lt"/>
+                  </a:rPr>
+                  <a:t>ускорение рамы при тестовом воздействии</a:t>
+                </a:r>
+                <a:r>
+                  <a:rPr lang="en-US" dirty="0">
+                    <a:latin typeface="+mj-lt"/>
+                  </a:rPr>
+                  <a:t>; </a:t>
+                </a:r>
+                <a14:m>
+                  <m:oMath xmlns:m="http://schemas.openxmlformats.org/officeDocument/2006/math">
+                    <m:sSub>
+                      <m:sSubPr>
+                        <m:ctrlPr>
+                          <a:rPr lang="en-US" i="1">
+                            <a:latin typeface="Cambria Math" panose="02040503050406030204" pitchFamily="18" charset="0"/>
+                            <a:ea typeface="Cambria Math" panose="02040503050406030204" pitchFamily="18" charset="0"/>
+                          </a:rPr>
+                        </m:ctrlPr>
+                      </m:sSubPr>
+                      <m:e>
+                        <m:r>
+                          <a:rPr lang="en-US" i="1">
+                            <a:latin typeface="Cambria Math" panose="02040503050406030204" pitchFamily="18" charset="0"/>
+                            <a:ea typeface="Cambria Math" panose="02040503050406030204" pitchFamily="18" charset="0"/>
+                          </a:rPr>
+                          <m:t>𝑀</m:t>
+                        </m:r>
+                      </m:e>
+                      <m:sub>
+                        <m:r>
+                          <a:rPr lang="ru-RU" i="1">
+                            <a:latin typeface="Cambria Math" panose="02040503050406030204" pitchFamily="18" charset="0"/>
+                            <a:ea typeface="Cambria Math" panose="02040503050406030204" pitchFamily="18" charset="0"/>
+                          </a:rPr>
+                          <m:t>т</m:t>
+                        </m:r>
+                      </m:sub>
+                    </m:sSub>
+                  </m:oMath>
+                </a14:m>
+                <a:r>
+                  <a:rPr lang="en-US" dirty="0">
+                    <a:latin typeface="+mj-lt"/>
+                  </a:rPr>
+                  <a:t> - </a:t>
+                </a:r>
+                <a:r>
+                  <a:rPr lang="ru-RU" dirty="0">
+                    <a:latin typeface="+mj-lt"/>
+                  </a:rPr>
+                  <a:t>эталонный момент маховика, равный 0,005 </a:t>
+                </a:r>
+                <a:r>
+                  <a:rPr lang="ru-RU" dirty="0" err="1">
+                    <a:latin typeface="+mj-lt"/>
+                  </a:rPr>
+                  <a:t>Н·м</a:t>
+                </a:r>
+                <a:endParaRPr lang="ru-RU" dirty="0">
+                  <a:latin typeface="+mj-lt"/>
+                </a:endParaRPr>
+              </a:p>
+            </p:txBody>
+          </p:sp>
+        </mc:Choice>
+        <mc:Fallback xmlns="">
+          <p:sp>
+            <p:nvSpPr>
+              <p:cNvPr id="8" name="TextBox 7">
+                <a:extLst>
+                  <a:ext uri="{FF2B5EF4-FFF2-40B4-BE49-F238E27FC236}">
+                    <a16:creationId xmlns:a16="http://schemas.microsoft.com/office/drawing/2014/main" id="{654FEEA9-50CF-470D-ADDC-678036E55340}"/>
+                  </a:ext>
+                </a:extLst>
+              </p:cNvPr>
+              <p:cNvSpPr txBox="1">
+                <a:spLocks noRot="1" noChangeAspect="1" noMove="1" noResize="1" noEditPoints="1" noAdjustHandles="1" noChangeArrowheads="1" noChangeShapeType="1" noTextEdit="1"/>
+              </p:cNvSpPr>
+              <p:nvPr/>
+            </p:nvSpPr>
+            <p:spPr>
+              <a:xfrm>
+                <a:off x="403642" y="2212589"/>
+                <a:ext cx="11384715" cy="646331"/>
+              </a:xfrm>
+              <a:prstGeom prst="rect">
+                <a:avLst/>
+              </a:prstGeom>
+              <a:blipFill>
+                <a:blip r:embed="rId3"/>
+                <a:stretch>
+                  <a:fillRect l="-428" t="-5660" r="-482" b="-14151"/>
+                </a:stretch>
+              </a:blipFill>
+            </p:spPr>
+            <p:txBody>
+              <a:bodyPr/>
+              <a:lstStyle/>
+              <a:p>
+                <a:r>
+                  <a:rPr lang="en-US">
+                    <a:noFill/>
+                  </a:rPr>
+                  <a:t> </a:t>
+                </a:r>
+              </a:p>
+            </p:txBody>
+          </p:sp>
+        </mc:Fallback>
+      </mc:AlternateContent>
+      <p:pic>
+        <p:nvPicPr>
+          <p:cNvPr id="10" name="Picture 9">
+            <a:extLst>
+              <a:ext uri="{FF2B5EF4-FFF2-40B4-BE49-F238E27FC236}">
+                <a16:creationId xmlns:a16="http://schemas.microsoft.com/office/drawing/2014/main" id="{B2C75F8D-E74C-4D9C-92C1-1CD7F2374AE0}"/>
+              </a:ext>
+            </a:extLst>
+          </p:cNvPr>
+          <p:cNvPicPr>
+            <a:picLocks noChangeAspect="1"/>
+          </p:cNvPicPr>
+          <p:nvPr/>
+        </p:nvPicPr>
+        <p:blipFill>
+          <a:blip r:embed="rId4">
+            <a:extLst>
+              <a:ext uri="{28A0092B-C50C-407E-A947-70E740481C1C}">
+                <a14:useLocalDpi xmlns:a14="http://schemas.microsoft.com/office/drawing/2010/main" val="0"/>
+              </a:ext>
+            </a:extLst>
+          </a:blip>
+          <a:stretch>
+            <a:fillRect/>
+          </a:stretch>
+        </p:blipFill>
+        <p:spPr>
+          <a:xfrm>
+            <a:off x="3614549" y="2858920"/>
+            <a:ext cx="4646044" cy="3484533"/>
+          </a:xfrm>
+          <a:prstGeom prst="rect">
+            <a:avLst/>
+          </a:prstGeom>
+        </p:spPr>
+      </p:pic>
+      <p:sp>
+        <p:nvSpPr>
+          <p:cNvPr id="11" name="TextBox 10">
+            <a:extLst>
+              <a:ext uri="{FF2B5EF4-FFF2-40B4-BE49-F238E27FC236}">
+                <a16:creationId xmlns:a16="http://schemas.microsoft.com/office/drawing/2014/main" id="{ED50AAA5-A17C-414A-B679-854F62D0E264}"/>
+              </a:ext>
+            </a:extLst>
+          </p:cNvPr>
+          <p:cNvSpPr txBox="1"/>
+          <p:nvPr/>
+        </p:nvSpPr>
+        <p:spPr>
+          <a:xfrm>
+            <a:off x="3869267" y="6343453"/>
+            <a:ext cx="3964547" cy="338554"/>
+          </a:xfrm>
+          <a:prstGeom prst="rect">
+            <a:avLst/>
+          </a:prstGeom>
+          <a:noFill/>
+        </p:spPr>
+        <p:txBody>
+          <a:bodyPr wrap="none" rtlCol="0">
+            <a:spAutoFit/>
+          </a:bodyPr>
+          <a:lstStyle/>
+          <a:p>
+            <a:r>
+              <a:rPr lang="ru-RU" sz="1600" dirty="0">
+                <a:latin typeface="+mj-lt"/>
+              </a:rPr>
+              <a:t>Рисунок 8 – Нескомпенсированный момент</a:t>
+            </a:r>
+          </a:p>
+        </p:txBody>
+      </p:sp>
+    </p:spTree>
+    <p:extLst>
+      <p:ext uri="{BB962C8B-B14F-4D97-AF65-F5344CB8AC3E}">
+        <p14:creationId xmlns:p14="http://schemas.microsoft.com/office/powerpoint/2010/main" val="2969139650"/>
+      </p:ext>
+    </p:extLst>
+  </p:cSld>
+  <p:clrMapOvr>
+    <a:masterClrMapping/>
+  </p:clrMapOvr>
+</p:sld>
+</file>
+
+<file path=ppt/slides/slide11.xml><?xml version="1.0" encoding="utf-8"?>
+<p:sld xmlns:a="http://schemas.openxmlformats.org/drawingml/2006/main" xmlns:r="http://schemas.openxmlformats.org/officeDocument/2006/relationships" xmlns:p="http://schemas.openxmlformats.org/presentationml/2006/main">
+  <p:cSld>
+    <p:spTree>
+      <p:nvGrpSpPr>
+        <p:cNvPr id="1" name=""/>
+        <p:cNvGrpSpPr/>
+        <p:nvPr/>
+      </p:nvGrpSpPr>
+      <p:grpSpPr>
+        <a:xfrm>
+          <a:off x="0" y="0"/>
+          <a:ext cx="0" cy="0"/>
+          <a:chOff x="0" y="0"/>
+          <a:chExt cx="0" cy="0"/>
+        </a:xfrm>
+      </p:grpSpPr>
+      <p:sp>
+        <p:nvSpPr>
+          <p:cNvPr id="2" name="Номер слайда 1"/>
+          <p:cNvSpPr>
+            <a:spLocks noGrp="1"/>
+          </p:cNvSpPr>
+          <p:nvPr>
+            <p:ph type="sldNum" sz="quarter" idx="12"/>
+          </p:nvPr>
+        </p:nvSpPr>
+        <p:spPr/>
+        <p:txBody>
+          <a:bodyPr/>
+          <a:lstStyle/>
+          <a:p>
+            <a:fld id="{1F8BD534-37C6-45AF-BD63-E8CFF4C8D25C}" type="slidenum">
+              <a:rPr lang="en-US" smtClean="0"/>
+              <a:t>11</a:t>
+            </a:fld>
+            <a:endParaRPr lang="en-US"/>
+          </a:p>
+        </p:txBody>
+      </p:sp>
+      <p:sp>
+        <p:nvSpPr>
+          <p:cNvPr id="4" name="TextBox 3">
+            <a:extLst>
+              <a:ext uri="{FF2B5EF4-FFF2-40B4-BE49-F238E27FC236}">
+                <a16:creationId xmlns:a16="http://schemas.microsoft.com/office/drawing/2014/main" id="{EEEC72EE-784F-449E-A930-23808E09552E}"/>
+              </a:ext>
+            </a:extLst>
+          </p:cNvPr>
+          <p:cNvSpPr txBox="1"/>
+          <p:nvPr/>
+        </p:nvSpPr>
+        <p:spPr>
+          <a:xfrm>
+            <a:off x="0" y="-7506"/>
+            <a:ext cx="2537874" cy="646331"/>
+          </a:xfrm>
+          <a:prstGeom prst="rect">
+            <a:avLst/>
+          </a:prstGeom>
+          <a:noFill/>
+        </p:spPr>
+        <p:txBody>
+          <a:bodyPr wrap="none" rtlCol="0">
+            <a:spAutoFit/>
+          </a:bodyPr>
+          <a:lstStyle/>
+          <a:p>
+            <a:r>
+              <a:rPr lang="ru-RU" sz="3600" dirty="0">
+                <a:latin typeface="+mj-lt"/>
+              </a:rPr>
+              <a:t>Заключение</a:t>
+            </a:r>
+          </a:p>
+        </p:txBody>
+      </p:sp>
+      <p:sp>
+        <p:nvSpPr>
+          <p:cNvPr id="8" name="TextBox 7">
+            <a:extLst>
+              <a:ext uri="{FF2B5EF4-FFF2-40B4-BE49-F238E27FC236}">
+                <a16:creationId xmlns:a16="http://schemas.microsoft.com/office/drawing/2014/main" id="{DCA36B11-BA86-458D-B0D6-526644284586}"/>
+              </a:ext>
+            </a:extLst>
+          </p:cNvPr>
+          <p:cNvSpPr txBox="1"/>
+          <p:nvPr/>
+        </p:nvSpPr>
+        <p:spPr>
+          <a:xfrm>
+            <a:off x="219003" y="964081"/>
+            <a:ext cx="11384715" cy="1477328"/>
+          </a:xfrm>
+          <a:prstGeom prst="rect">
+            <a:avLst/>
+          </a:prstGeom>
+          <a:noFill/>
+        </p:spPr>
+        <p:txBody>
+          <a:bodyPr wrap="square">
+            <a:spAutoFit/>
+          </a:bodyPr>
+          <a:lstStyle/>
+          <a:p>
+            <a:pPr marL="285750" indent="-285750" algn="just">
+              <a:buFont typeface="Arial" panose="020B0604020202020204" pitchFamily="34" charset="0"/>
+              <a:buChar char="•"/>
+            </a:pPr>
+            <a:r>
+              <a:rPr lang="ru-RU" b="1" dirty="0"/>
+              <a:t> </a:t>
+            </a:r>
+            <a:r>
+              <a:rPr lang="ru-RU" dirty="0"/>
+              <a:t>Разработан стенд для измерения остаточного реактивного момента при перенацеливании оптических систем.</a:t>
+            </a:r>
+          </a:p>
+          <a:p>
+            <a:pPr marL="285750" indent="-285750" algn="just">
+              <a:buFont typeface="Arial" panose="020B0604020202020204" pitchFamily="34" charset="0"/>
+              <a:buChar char="•"/>
+            </a:pPr>
+            <a:r>
+              <a:rPr lang="ru-RU" dirty="0"/>
+              <a:t> Проведено моделирование, определены оптимальные параметры колебательного звена.</a:t>
+            </a:r>
+          </a:p>
+          <a:p>
+            <a:pPr marL="285750" indent="-285750" algn="just">
+              <a:buFont typeface="Arial" panose="020B0604020202020204" pitchFamily="34" charset="0"/>
+              <a:buChar char="•"/>
+            </a:pPr>
+            <a:r>
+              <a:rPr lang="ru-RU" dirty="0"/>
+              <a:t> Методика измерения прошла аттестацию в Государственном реестре средств измерений.</a:t>
+            </a:r>
+          </a:p>
+          <a:p>
+            <a:pPr marL="285750" indent="-285750" algn="just">
+              <a:buFont typeface="Arial" panose="020B0604020202020204" pitchFamily="34" charset="0"/>
+              <a:buChar char="•"/>
+            </a:pPr>
+            <a:r>
+              <a:rPr lang="ru-RU" dirty="0"/>
+              <a:t> Достигнута высокая точность — погрешность менее 5%.</a:t>
+            </a:r>
+          </a:p>
+          <a:p>
+            <a:pPr marL="285750" indent="-285750" algn="just">
+              <a:buFont typeface="Arial" panose="020B0604020202020204" pitchFamily="34" charset="0"/>
+              <a:buChar char="•"/>
+            </a:pPr>
+            <a:r>
+              <a:rPr lang="ru-RU" dirty="0"/>
+              <a:t> Методика может применяться для настройки оптико-механических систем различного назначения</a:t>
+            </a:r>
+            <a:endParaRPr lang="ru-RU" dirty="0">
+              <a:latin typeface="+mj-lt"/>
+            </a:endParaRPr>
+          </a:p>
+        </p:txBody>
+      </p:sp>
+    </p:spTree>
+    <p:extLst>
+      <p:ext uri="{BB962C8B-B14F-4D97-AF65-F5344CB8AC3E}">
+        <p14:creationId xmlns:p14="http://schemas.microsoft.com/office/powerpoint/2010/main" val="1270011595"/>
       </p:ext>
     </p:extLst>
   </p:cSld>
@@ -6770,8 +7609,8 @@
           </a:p>
         </p:txBody>
       </p:sp>
-      <mc:AlternateContent xmlns:mc="http://schemas.openxmlformats.org/markup-compatibility/2006">
-        <mc:Choice xmlns:a14="http://schemas.microsoft.com/office/drawing/2010/main" Requires="a14">
+      <mc:AlternateContent xmlns:mc="http://schemas.openxmlformats.org/markup-compatibility/2006" xmlns:a14="http://schemas.microsoft.com/office/drawing/2010/main">
+        <mc:Choice Requires="a14">
           <p:sp>
             <p:nvSpPr>
               <p:cNvPr id="12" name="Прямоугольник 11">
@@ -7323,7 +8162,7 @@
             </p:txBody>
           </p:sp>
         </mc:Choice>
-        <mc:Fallback>
+        <mc:Fallback xmlns="">
           <p:sp>
             <p:nvSpPr>
               <p:cNvPr id="12" name="Прямоугольник 11">
@@ -7436,8 +8275,8 @@
           </a:prstGeom>
         </p:spPr>
       </p:pic>
-      <mc:AlternateContent xmlns:mc="http://schemas.openxmlformats.org/markup-compatibility/2006">
-        <mc:Choice xmlns:a14="http://schemas.microsoft.com/office/drawing/2010/main" Requires="a14">
+      <mc:AlternateContent xmlns:mc="http://schemas.openxmlformats.org/markup-compatibility/2006" xmlns:a14="http://schemas.microsoft.com/office/drawing/2010/main">
+        <mc:Choice Requires="a14">
           <p:sp>
             <p:nvSpPr>
               <p:cNvPr id="14" name="TextBox 13">
@@ -7980,7 +8819,7 @@
             </p:txBody>
           </p:sp>
         </mc:Choice>
-        <mc:Fallback>
+        <mc:Fallback xmlns="">
           <p:sp>
             <p:nvSpPr>
               <p:cNvPr id="14" name="TextBox 13">
@@ -8055,6 +8894,7 @@
               </a:bodyPr>
               <a:lstStyle/>
               <a:p>
+                <a:pPr/>
                 <a14:m>
                   <m:oMathPara xmlns:m="http://schemas.openxmlformats.org/officeDocument/2006/math">
                     <m:oMathParaPr>
@@ -8295,7 +9135,7 @@
               <a:lstStyle/>
               <a:p>
                 <a:r>
-                  <a:rPr lang="ru-RU">
+                  <a:rPr lang="en-US">
                     <a:noFill/>
                   </a:rPr>
                   <a:t> </a:t>
@@ -8426,7 +9266,7 @@
         </p:nvSpPr>
         <p:spPr>
           <a:xfrm>
-            <a:off x="730278" y="4008918"/>
+            <a:off x="573692" y="3726225"/>
             <a:ext cx="2953053" cy="338554"/>
           </a:xfrm>
           <a:prstGeom prst="rect">
@@ -8449,102 +9289,536 @@
           </a:p>
         </p:txBody>
       </p:sp>
-      <p:sp>
-        <p:nvSpPr>
-          <p:cNvPr id="12" name="Прямоугольник 11">
-            <a:extLst>
-              <a:ext uri="{FF2B5EF4-FFF2-40B4-BE49-F238E27FC236}">
-                <a16:creationId xmlns:a16="http://schemas.microsoft.com/office/drawing/2014/main" id="{85C5B0C8-5735-4441-B508-AA2CACCFCBE9}"/>
-              </a:ext>
-            </a:extLst>
-          </p:cNvPr>
-          <p:cNvSpPr/>
-          <p:nvPr/>
-        </p:nvSpPr>
-        <p:spPr>
-          <a:xfrm>
-            <a:off x="4917485" y="684037"/>
-            <a:ext cx="6970644" cy="3416320"/>
-          </a:xfrm>
-          <a:prstGeom prst="rect">
-            <a:avLst/>
-          </a:prstGeom>
-        </p:spPr>
-        <p:txBody>
-          <a:bodyPr wrap="square">
-            <a:spAutoFit/>
-          </a:bodyPr>
-          <a:lstStyle/>
-          <a:p>
-            <a:pPr algn="just"/>
-            <a:r>
-              <a:rPr lang="ru-RU" sz="2400" dirty="0"/>
-              <a:t>Маховик устанавливается на </a:t>
-            </a:r>
-            <a:r>
-              <a:rPr lang="ru-RU" sz="2400" dirty="0" err="1"/>
-              <a:t>безколлекторный</a:t>
-            </a:r>
-            <a:r>
-              <a:rPr lang="ru-RU" sz="2400" dirty="0"/>
-              <a:t> двигатель ДБМ-40.</a:t>
-            </a:r>
-          </a:p>
-          <a:p>
-            <a:pPr algn="just"/>
-            <a:endParaRPr lang="ru-RU" sz="2400" dirty="0"/>
-          </a:p>
-          <a:p>
-            <a:pPr algn="just"/>
-            <a:r>
-              <a:rPr lang="ru-RU" sz="2400" dirty="0"/>
-              <a:t>Двигатель ускоряется по </a:t>
-            </a:r>
-            <a:r>
-              <a:rPr lang="ru-RU" sz="2400" dirty="0" err="1"/>
-              <a:t>трапецевидному</a:t>
-            </a:r>
-            <a:r>
-              <a:rPr lang="ru-RU" sz="2400" dirty="0"/>
-              <a:t> закону.</a:t>
-            </a:r>
-            <a:br>
-              <a:rPr lang="ru-RU" sz="2400" dirty="0"/>
-            </a:br>
-            <a:br>
-              <a:rPr lang="ru-RU" sz="2400" dirty="0"/>
-            </a:br>
-            <a:r>
-              <a:rPr lang="ru-RU" sz="2400" dirty="0"/>
-              <a:t>Скорость двигателя измеряется по датчику угла </a:t>
-            </a:r>
-            <a:r>
-              <a:rPr lang="en-US" sz="2400" dirty="0"/>
-              <a:t>&lt;</a:t>
-            </a:r>
-            <a:r>
-              <a:rPr lang="ru-RU" sz="2400" dirty="0"/>
-              <a:t>ИМЯ</a:t>
-            </a:r>
-            <a:r>
-              <a:rPr lang="en-US" sz="2400" dirty="0"/>
-              <a:t>&gt;</a:t>
-            </a:r>
-            <a:r>
-              <a:rPr lang="ru-RU" sz="2400" dirty="0"/>
-              <a:t>.</a:t>
-            </a:r>
-          </a:p>
-          <a:p>
-            <a:pPr algn="just"/>
-            <a:endParaRPr lang="ru-RU" sz="2400"/>
-          </a:p>
-          <a:p>
-            <a:pPr algn="just"/>
-            <a:endParaRPr lang="ru-RU" sz="2400" dirty="0"/>
-          </a:p>
-        </p:txBody>
-      </p:sp>
+      <mc:AlternateContent xmlns:mc="http://schemas.openxmlformats.org/markup-compatibility/2006">
+        <mc:Choice xmlns:a14="http://schemas.microsoft.com/office/drawing/2010/main" Requires="a14">
+          <p:sp>
+            <p:nvSpPr>
+              <p:cNvPr id="12" name="Прямоугольник 11">
+                <a:extLst>
+                  <a:ext uri="{FF2B5EF4-FFF2-40B4-BE49-F238E27FC236}">
+                    <a16:creationId xmlns:a16="http://schemas.microsoft.com/office/drawing/2014/main" id="{85C5B0C8-5735-4441-B508-AA2CACCFCBE9}"/>
+                  </a:ext>
+                </a:extLst>
+              </p:cNvPr>
+              <p:cNvSpPr/>
+              <p:nvPr/>
+            </p:nvSpPr>
+            <p:spPr>
+              <a:xfrm>
+                <a:off x="4917485" y="684037"/>
+                <a:ext cx="6970644" cy="7170617"/>
+              </a:xfrm>
+              <a:prstGeom prst="rect">
+                <a:avLst/>
+              </a:prstGeom>
+            </p:spPr>
+            <p:txBody>
+              <a:bodyPr wrap="square">
+                <a:spAutoFit/>
+              </a:bodyPr>
+              <a:lstStyle/>
+              <a:p>
+                <a:pPr algn="just"/>
+                <a:r>
+                  <a:rPr lang="ru-RU" sz="2400" dirty="0"/>
+                  <a:t>Маховик устанавливается на бе</a:t>
+                </a:r>
+                <a:r>
+                  <a:rPr lang="en-US" sz="2400" dirty="0"/>
+                  <a:t>c</a:t>
+                </a:r>
+                <a:r>
+                  <a:rPr lang="ru-RU" sz="2400" dirty="0"/>
+                  <a:t>коллекторный двигатель ДБМ-40.</a:t>
+                </a:r>
+              </a:p>
+              <a:p>
+                <a:pPr algn="just"/>
+                <a:endParaRPr lang="ru-RU" sz="2400" dirty="0"/>
+              </a:p>
+              <a:p>
+                <a:pPr algn="just"/>
+                <a:r>
+                  <a:rPr lang="ru-RU" sz="2400" dirty="0"/>
+                  <a:t>Двигатель ускоряется по трапециевидному закону.</a:t>
+                </a:r>
+                <a:br>
+                  <a:rPr lang="ru-RU" sz="2400" dirty="0"/>
+                </a:br>
+                <a:r>
+                  <a:rPr lang="ru-RU" sz="2400" dirty="0"/>
+                  <a:t>Скорость двигателя измеряется по датчику угла </a:t>
+                </a:r>
+                <a:r>
+                  <a:rPr lang="en-US" sz="2400" dirty="0"/>
+                  <a:t>&lt;</a:t>
+                </a:r>
+                <a:r>
+                  <a:rPr lang="ru-RU" sz="2400" dirty="0"/>
+                  <a:t>ИМЯ</a:t>
+                </a:r>
+                <a:r>
+                  <a:rPr lang="en-US" sz="2400" dirty="0"/>
+                  <a:t>&gt;</a:t>
+                </a:r>
+                <a:r>
+                  <a:rPr lang="ru-RU" sz="2400" dirty="0"/>
+                  <a:t>.</a:t>
+                </a:r>
+                <a:endParaRPr lang="en-US" sz="2400" dirty="0"/>
+              </a:p>
+              <a:p>
+                <a:pPr algn="just"/>
+                <a:endParaRPr lang="en-US" sz="2400" dirty="0"/>
+              </a:p>
+              <a:p>
+                <a:pPr algn="just"/>
+                <a:r>
+                  <a:rPr lang="ru-RU" sz="2400" dirty="0"/>
+                  <a:t>Погрешность измерения ускорения определяется многократными измерениями</a:t>
+                </a:r>
+              </a:p>
+              <a:p>
+                <a:pPr algn="just"/>
+                <a14:m>
+                  <m:oMathPara xmlns:m="http://schemas.openxmlformats.org/officeDocument/2006/math">
+                    <m:oMathParaPr>
+                      <m:jc m:val="centerGroup"/>
+                    </m:oMathParaPr>
+                    <m:oMath xmlns:m="http://schemas.openxmlformats.org/officeDocument/2006/math">
+                      <m:r>
+                        <a:rPr lang="ru-RU" sz="2400" i="1" smtClean="0">
+                          <a:latin typeface="Cambria Math" panose="02040503050406030204" pitchFamily="18" charset="0"/>
+                          <a:ea typeface="Cambria Math" panose="02040503050406030204" pitchFamily="18" charset="0"/>
+                        </a:rPr>
+                        <m:t>∆</m:t>
+                      </m:r>
+                      <m:r>
+                        <a:rPr lang="ru-RU" sz="2400" i="1" smtClean="0">
+                          <a:latin typeface="Cambria Math" panose="02040503050406030204" pitchFamily="18" charset="0"/>
+                          <a:ea typeface="Cambria Math" panose="02040503050406030204" pitchFamily="18" charset="0"/>
+                        </a:rPr>
+                        <m:t>𝜀</m:t>
+                      </m:r>
+                      <m:r>
+                        <a:rPr lang="ru-RU" sz="2400" b="0" i="1" smtClean="0">
+                          <a:latin typeface="Cambria Math" panose="02040503050406030204" pitchFamily="18" charset="0"/>
+                          <a:ea typeface="Cambria Math" panose="02040503050406030204" pitchFamily="18" charset="0"/>
+                        </a:rPr>
+                        <m:t>=±0,17 </m:t>
+                      </m:r>
+                      <m:f>
+                        <m:fPr>
+                          <m:ctrlPr>
+                            <a:rPr lang="ru-RU" sz="2400" b="0" i="1" smtClean="0">
+                              <a:latin typeface="Cambria Math" panose="02040503050406030204" pitchFamily="18" charset="0"/>
+                              <a:ea typeface="Cambria Math" panose="02040503050406030204" pitchFamily="18" charset="0"/>
+                            </a:rPr>
+                          </m:ctrlPr>
+                        </m:fPr>
+                        <m:num>
+                          <m:r>
+                            <a:rPr lang="ru-RU" sz="2400" b="0" i="1" smtClean="0">
+                              <a:latin typeface="Cambria Math" panose="02040503050406030204" pitchFamily="18" charset="0"/>
+                              <a:ea typeface="Cambria Math" panose="02040503050406030204" pitchFamily="18" charset="0"/>
+                            </a:rPr>
+                            <m:t>рад</m:t>
+                          </m:r>
+                        </m:num>
+                        <m:den>
+                          <m:sSup>
+                            <m:sSupPr>
+                              <m:ctrlPr>
+                                <a:rPr lang="ru-RU" sz="2400" b="0" i="1" smtClean="0">
+                                  <a:latin typeface="Cambria Math" panose="02040503050406030204" pitchFamily="18" charset="0"/>
+                                  <a:ea typeface="Cambria Math" panose="02040503050406030204" pitchFamily="18" charset="0"/>
+                                </a:rPr>
+                              </m:ctrlPr>
+                            </m:sSupPr>
+                            <m:e>
+                              <m:r>
+                                <a:rPr lang="ru-RU" sz="2400" b="0" i="1" smtClean="0">
+                                  <a:latin typeface="Cambria Math" panose="02040503050406030204" pitchFamily="18" charset="0"/>
+                                  <a:ea typeface="Cambria Math" panose="02040503050406030204" pitchFamily="18" charset="0"/>
+                                </a:rPr>
+                                <m:t>с</m:t>
+                              </m:r>
+                            </m:e>
+                            <m:sup>
+                              <m:r>
+                                <a:rPr lang="ru-RU" sz="2400" b="0" i="1" smtClean="0">
+                                  <a:latin typeface="Cambria Math" panose="02040503050406030204" pitchFamily="18" charset="0"/>
+                                  <a:ea typeface="Cambria Math" panose="02040503050406030204" pitchFamily="18" charset="0"/>
+                                </a:rPr>
+                                <m:t>2</m:t>
+                              </m:r>
+                            </m:sup>
+                          </m:sSup>
+                        </m:den>
+                      </m:f>
+                    </m:oMath>
+                  </m:oMathPara>
+                </a14:m>
+                <a:endParaRPr lang="ru-RU" sz="2400" dirty="0"/>
+              </a:p>
+              <a:p>
+                <a:pPr algn="just"/>
+                <a:endParaRPr lang="en-US" sz="2400" dirty="0"/>
+              </a:p>
+              <a:p>
+                <a:pPr algn="just"/>
+                <a:r>
+                  <a:rPr lang="ru-RU" sz="2400" dirty="0"/>
+                  <a:t>Итоговая погрешность тестового момента:</a:t>
+                </a:r>
+                <a:br>
+                  <a:rPr lang="ru-RU" sz="2400" dirty="0"/>
+                </a:br>
+                <a14:m>
+                  <m:oMathPara xmlns:m="http://schemas.openxmlformats.org/officeDocument/2006/math">
+                    <m:oMathParaPr>
+                      <m:jc m:val="centerGroup"/>
+                    </m:oMathParaPr>
+                    <m:oMath xmlns:m="http://schemas.openxmlformats.org/officeDocument/2006/math">
+                      <m:r>
+                        <a:rPr lang="ru-RU" sz="2400" i="1" smtClean="0">
+                          <a:latin typeface="Cambria Math" panose="02040503050406030204" pitchFamily="18" charset="0"/>
+                          <a:ea typeface="Cambria Math" panose="02040503050406030204" pitchFamily="18" charset="0"/>
+                        </a:rPr>
+                        <m:t>∆</m:t>
+                      </m:r>
+                      <m:r>
+                        <a:rPr lang="en-US" sz="2400" b="0" i="1" smtClean="0">
+                          <a:latin typeface="Cambria Math" panose="02040503050406030204" pitchFamily="18" charset="0"/>
+                          <a:ea typeface="Cambria Math" panose="02040503050406030204" pitchFamily="18" charset="0"/>
+                        </a:rPr>
+                        <m:t>𝑀</m:t>
+                      </m:r>
+                      <m:r>
+                        <a:rPr lang="en-US" sz="2400" b="0" i="1" smtClean="0">
+                          <a:latin typeface="Cambria Math" panose="02040503050406030204" pitchFamily="18" charset="0"/>
+                          <a:ea typeface="Cambria Math" panose="02040503050406030204" pitchFamily="18" charset="0"/>
+                        </a:rPr>
+                        <m:t>=</m:t>
+                      </m:r>
+                      <m:rad>
+                        <m:radPr>
+                          <m:degHide m:val="on"/>
+                          <m:ctrlPr>
+                            <a:rPr lang="en-US" sz="2400" b="0" i="1" smtClean="0">
+                              <a:latin typeface="Cambria Math" panose="02040503050406030204" pitchFamily="18" charset="0"/>
+                              <a:ea typeface="Cambria Math" panose="02040503050406030204" pitchFamily="18" charset="0"/>
+                            </a:rPr>
+                          </m:ctrlPr>
+                        </m:radPr>
+                        <m:deg/>
+                        <m:e>
+                          <m:sSup>
+                            <m:sSupPr>
+                              <m:ctrlPr>
+                                <a:rPr lang="en-US" sz="2400" b="0" i="1" smtClean="0">
+                                  <a:latin typeface="Cambria Math" panose="02040503050406030204" pitchFamily="18" charset="0"/>
+                                  <a:ea typeface="Cambria Math" panose="02040503050406030204" pitchFamily="18" charset="0"/>
+                                </a:rPr>
+                              </m:ctrlPr>
+                            </m:sSupPr>
+                            <m:e>
+                              <m:r>
+                                <a:rPr lang="ru-RU" sz="2400" b="0" i="1" smtClean="0">
+                                  <a:latin typeface="Cambria Math" panose="02040503050406030204" pitchFamily="18" charset="0"/>
+                                  <a:ea typeface="Cambria Math" panose="02040503050406030204" pitchFamily="18" charset="0"/>
+                                </a:rPr>
+                                <m:t>(∆</m:t>
+                              </m:r>
+                              <m:r>
+                                <a:rPr lang="en-US" sz="2400" b="0" i="1" smtClean="0">
+                                  <a:latin typeface="Cambria Math" panose="02040503050406030204" pitchFamily="18" charset="0"/>
+                                  <a:ea typeface="Cambria Math" panose="02040503050406030204" pitchFamily="18" charset="0"/>
+                                </a:rPr>
+                                <m:t>𝐽</m:t>
+                              </m:r>
+                              <m:r>
+                                <a:rPr lang="en-US" sz="2400" b="0" i="1" smtClean="0">
+                                  <a:latin typeface="Cambria Math" panose="02040503050406030204" pitchFamily="18" charset="0"/>
+                                  <a:ea typeface="Cambria Math" panose="02040503050406030204" pitchFamily="18" charset="0"/>
+                                </a:rPr>
+                                <m:t>∙</m:t>
+                              </m:r>
+                              <m:r>
+                                <a:rPr lang="en-US" sz="2400" b="0" i="1" smtClean="0">
+                                  <a:latin typeface="Cambria Math" panose="02040503050406030204" pitchFamily="18" charset="0"/>
+                                  <a:ea typeface="Cambria Math" panose="02040503050406030204" pitchFamily="18" charset="0"/>
+                                </a:rPr>
+                                <m:t>𝜀</m:t>
+                              </m:r>
+                              <m:r>
+                                <a:rPr lang="ru-RU" sz="2400" b="0" i="1" smtClean="0">
+                                  <a:latin typeface="Cambria Math" panose="02040503050406030204" pitchFamily="18" charset="0"/>
+                                  <a:ea typeface="Cambria Math" panose="02040503050406030204" pitchFamily="18" charset="0"/>
+                                </a:rPr>
+                                <m:t>)</m:t>
+                              </m:r>
+                            </m:e>
+                            <m:sup>
+                              <m:r>
+                                <a:rPr lang="en-US" sz="2400" b="0" i="1" smtClean="0">
+                                  <a:latin typeface="Cambria Math" panose="02040503050406030204" pitchFamily="18" charset="0"/>
+                                  <a:ea typeface="Cambria Math" panose="02040503050406030204" pitchFamily="18" charset="0"/>
+                                </a:rPr>
+                                <m:t>2</m:t>
+                              </m:r>
+                            </m:sup>
+                          </m:sSup>
+                          <m:r>
+                            <a:rPr lang="en-US" sz="2400" b="0" i="1" smtClean="0">
+                              <a:latin typeface="Cambria Math" panose="02040503050406030204" pitchFamily="18" charset="0"/>
+                              <a:ea typeface="Cambria Math" panose="02040503050406030204" pitchFamily="18" charset="0"/>
+                            </a:rPr>
+                            <m:t>+</m:t>
+                          </m:r>
+                          <m:sSup>
+                            <m:sSupPr>
+                              <m:ctrlPr>
+                                <a:rPr lang="en-US" sz="2400" b="0" i="1" smtClean="0">
+                                  <a:latin typeface="Cambria Math" panose="02040503050406030204" pitchFamily="18" charset="0"/>
+                                  <a:ea typeface="Cambria Math" panose="02040503050406030204" pitchFamily="18" charset="0"/>
+                                </a:rPr>
+                              </m:ctrlPr>
+                            </m:sSupPr>
+                            <m:e>
+                              <m:r>
+                                <a:rPr lang="en-US" sz="2400" b="0" i="1" smtClean="0">
+                                  <a:latin typeface="Cambria Math" panose="02040503050406030204" pitchFamily="18" charset="0"/>
+                                  <a:ea typeface="Cambria Math" panose="02040503050406030204" pitchFamily="18" charset="0"/>
+                                </a:rPr>
+                                <m:t>(∆</m:t>
+                              </m:r>
+                              <m:r>
+                                <a:rPr lang="en-US" sz="2400" b="0" i="1" smtClean="0">
+                                  <a:latin typeface="Cambria Math" panose="02040503050406030204" pitchFamily="18" charset="0"/>
+                                  <a:ea typeface="Cambria Math" panose="02040503050406030204" pitchFamily="18" charset="0"/>
+                                </a:rPr>
+                                <m:t>𝜀</m:t>
+                              </m:r>
+                              <m:r>
+                                <a:rPr lang="en-US" sz="2400" b="0" i="1" smtClean="0">
+                                  <a:latin typeface="Cambria Math" panose="02040503050406030204" pitchFamily="18" charset="0"/>
+                                  <a:ea typeface="Cambria Math" panose="02040503050406030204" pitchFamily="18" charset="0"/>
+                                </a:rPr>
+                                <m:t>∙</m:t>
+                              </m:r>
+                              <m:r>
+                                <a:rPr lang="en-US" sz="2400" b="0" i="1" smtClean="0">
+                                  <a:latin typeface="Cambria Math" panose="02040503050406030204" pitchFamily="18" charset="0"/>
+                                  <a:ea typeface="Cambria Math" panose="02040503050406030204" pitchFamily="18" charset="0"/>
+                                </a:rPr>
+                                <m:t>𝐽</m:t>
+                              </m:r>
+                              <m:r>
+                                <a:rPr lang="en-US" sz="2400" b="0" i="1" smtClean="0">
+                                  <a:latin typeface="Cambria Math" panose="02040503050406030204" pitchFamily="18" charset="0"/>
+                                  <a:ea typeface="Cambria Math" panose="02040503050406030204" pitchFamily="18" charset="0"/>
+                                </a:rPr>
+                                <m:t>)</m:t>
+                              </m:r>
+                            </m:e>
+                            <m:sup>
+                              <m:r>
+                                <a:rPr lang="en-US" sz="2400" b="0" i="1" smtClean="0">
+                                  <a:latin typeface="Cambria Math" panose="02040503050406030204" pitchFamily="18" charset="0"/>
+                                  <a:ea typeface="Cambria Math" panose="02040503050406030204" pitchFamily="18" charset="0"/>
+                                </a:rPr>
+                                <m:t>2</m:t>
+                              </m:r>
+                            </m:sup>
+                          </m:sSup>
+                        </m:e>
+                      </m:rad>
+                      <m:r>
+                        <a:rPr lang="en-US" sz="2400" b="0" i="1" smtClean="0">
+                          <a:latin typeface="Cambria Math" panose="02040503050406030204" pitchFamily="18" charset="0"/>
+                          <a:ea typeface="Cambria Math" panose="02040503050406030204" pitchFamily="18" charset="0"/>
+                        </a:rPr>
+                        <m:t>=5∙</m:t>
+                      </m:r>
+                      <m:sSup>
+                        <m:sSupPr>
+                          <m:ctrlPr>
+                            <a:rPr lang="en-US" sz="2400" b="0" i="1" smtClean="0">
+                              <a:latin typeface="Cambria Math" panose="02040503050406030204" pitchFamily="18" charset="0"/>
+                              <a:ea typeface="Cambria Math" panose="02040503050406030204" pitchFamily="18" charset="0"/>
+                            </a:rPr>
+                          </m:ctrlPr>
+                        </m:sSupPr>
+                        <m:e>
+                          <m:r>
+                            <a:rPr lang="en-US" sz="2400" b="0" i="1" smtClean="0">
+                              <a:latin typeface="Cambria Math" panose="02040503050406030204" pitchFamily="18" charset="0"/>
+                              <a:ea typeface="Cambria Math" panose="02040503050406030204" pitchFamily="18" charset="0"/>
+                            </a:rPr>
+                            <m:t>10</m:t>
+                          </m:r>
+                        </m:e>
+                        <m:sup>
+                          <m:r>
+                            <a:rPr lang="en-US" sz="2400" b="0" i="1" smtClean="0">
+                              <a:latin typeface="Cambria Math" panose="02040503050406030204" pitchFamily="18" charset="0"/>
+                              <a:ea typeface="Cambria Math" panose="02040503050406030204" pitchFamily="18" charset="0"/>
+                            </a:rPr>
+                            <m:t>−5</m:t>
+                          </m:r>
+                        </m:sup>
+                      </m:sSup>
+                      <m:r>
+                        <a:rPr lang="en-US" sz="2400" b="0" i="1" smtClean="0">
+                          <a:latin typeface="Cambria Math" panose="02040503050406030204" pitchFamily="18" charset="0"/>
+                          <a:ea typeface="Cambria Math" panose="02040503050406030204" pitchFamily="18" charset="0"/>
+                        </a:rPr>
+                        <m:t> </m:t>
+                      </m:r>
+                      <m:r>
+                        <a:rPr lang="ru-RU" sz="2400" b="0" i="1" smtClean="0">
+                          <a:latin typeface="Cambria Math" panose="02040503050406030204" pitchFamily="18" charset="0"/>
+                          <a:ea typeface="Cambria Math" panose="02040503050406030204" pitchFamily="18" charset="0"/>
+                        </a:rPr>
+                        <m:t>Н∙м</m:t>
+                      </m:r>
+                    </m:oMath>
+                  </m:oMathPara>
+                </a14:m>
+                <a:endParaRPr lang="ru-RU" sz="2400" dirty="0"/>
+              </a:p>
+              <a:p>
+                <a:pPr algn="just"/>
+                <a:endParaRPr lang="ru-RU" sz="2400" dirty="0"/>
+              </a:p>
+              <a:p>
+                <a:pPr algn="just"/>
+                <a14:m>
+                  <m:oMathPara xmlns:m="http://schemas.openxmlformats.org/officeDocument/2006/math">
+                    <m:oMathParaPr>
+                      <m:jc m:val="centerGroup"/>
+                    </m:oMathParaPr>
+                    <m:oMath xmlns:m="http://schemas.openxmlformats.org/officeDocument/2006/math">
+                      <m:r>
+                        <a:rPr lang="en-US" sz="2400" b="0" i="1" smtClean="0">
+                          <a:latin typeface="Cambria Math" panose="02040503050406030204" pitchFamily="18" charset="0"/>
+                        </a:rPr>
+                        <m:t>𝑀</m:t>
+                      </m:r>
+                      <m:r>
+                        <a:rPr lang="en-US" sz="2400" b="0" i="1" smtClean="0">
+                          <a:latin typeface="Cambria Math" panose="02040503050406030204" pitchFamily="18" charset="0"/>
+                        </a:rPr>
+                        <m:t>=0,005 ±5∙</m:t>
+                      </m:r>
+                      <m:sSup>
+                        <m:sSupPr>
+                          <m:ctrlPr>
+                            <a:rPr lang="en-US" sz="2400" b="0" i="1" smtClean="0">
+                              <a:latin typeface="Cambria Math" panose="02040503050406030204" pitchFamily="18" charset="0"/>
+                              <a:ea typeface="Cambria Math" panose="02040503050406030204" pitchFamily="18" charset="0"/>
+                            </a:rPr>
+                          </m:ctrlPr>
+                        </m:sSupPr>
+                        <m:e>
+                          <m:r>
+                            <a:rPr lang="en-US" sz="2400" b="0" i="1" smtClean="0">
+                              <a:latin typeface="Cambria Math" panose="02040503050406030204" pitchFamily="18" charset="0"/>
+                              <a:ea typeface="Cambria Math" panose="02040503050406030204" pitchFamily="18" charset="0"/>
+                            </a:rPr>
+                            <m:t>10</m:t>
+                          </m:r>
+                        </m:e>
+                        <m:sup>
+                          <m:r>
+                            <a:rPr lang="en-US" sz="2400" b="0" i="1" smtClean="0">
+                              <a:latin typeface="Cambria Math" panose="02040503050406030204" pitchFamily="18" charset="0"/>
+                              <a:ea typeface="Cambria Math" panose="02040503050406030204" pitchFamily="18" charset="0"/>
+                            </a:rPr>
+                            <m:t>−5</m:t>
+                          </m:r>
+                        </m:sup>
+                      </m:sSup>
+                      <m:r>
+                        <a:rPr lang="en-US" sz="2400" b="0" i="1" smtClean="0">
+                          <a:latin typeface="Cambria Math" panose="02040503050406030204" pitchFamily="18" charset="0"/>
+                          <a:ea typeface="Cambria Math" panose="02040503050406030204" pitchFamily="18" charset="0"/>
+                        </a:rPr>
+                        <m:t> </m:t>
+                      </m:r>
+                      <m:r>
+                        <a:rPr lang="ru-RU" sz="2400" b="0" i="1" smtClean="0">
+                          <a:latin typeface="Cambria Math" panose="02040503050406030204" pitchFamily="18" charset="0"/>
+                          <a:ea typeface="Cambria Math" panose="02040503050406030204" pitchFamily="18" charset="0"/>
+                        </a:rPr>
+                        <m:t>Н∙м</m:t>
+                      </m:r>
+                    </m:oMath>
+                  </m:oMathPara>
+                </a14:m>
+                <a:endParaRPr lang="en-US" sz="2400" dirty="0"/>
+              </a:p>
+              <a:p>
+                <a:pPr algn="just"/>
+                <a:endParaRPr lang="ru-RU" sz="2400" dirty="0"/>
+              </a:p>
+              <a:p>
+                <a:pPr algn="just"/>
+                <a:endParaRPr lang="ru-RU" sz="2400" dirty="0"/>
+              </a:p>
+              <a:p>
+                <a:pPr algn="just"/>
+                <a:endParaRPr lang="ru-RU" sz="2400" dirty="0"/>
+              </a:p>
+            </p:txBody>
+          </p:sp>
+        </mc:Choice>
+        <mc:Fallback>
+          <p:sp>
+            <p:nvSpPr>
+              <p:cNvPr id="12" name="Прямоугольник 11">
+                <a:extLst>
+                  <a:ext uri="{FF2B5EF4-FFF2-40B4-BE49-F238E27FC236}">
+                    <a16:creationId xmlns:a16="http://schemas.microsoft.com/office/drawing/2014/main" id="{85C5B0C8-5735-4441-B508-AA2CACCFCBE9}"/>
+                  </a:ext>
+                </a:extLst>
+              </p:cNvPr>
+              <p:cNvSpPr>
+                <a:spLocks noRot="1" noChangeAspect="1" noMove="1" noResize="1" noEditPoints="1" noAdjustHandles="1" noChangeArrowheads="1" noChangeShapeType="1" noTextEdit="1"/>
+              </p:cNvSpPr>
+              <p:nvPr/>
+            </p:nvSpPr>
+            <p:spPr>
+              <a:xfrm>
+                <a:off x="4917485" y="684037"/>
+                <a:ext cx="6970644" cy="7170617"/>
+              </a:xfrm>
+              <a:prstGeom prst="rect">
+                <a:avLst/>
+              </a:prstGeom>
+              <a:blipFill>
+                <a:blip r:embed="rId2"/>
+                <a:stretch>
+                  <a:fillRect l="-1400" t="-680" r="-1312"/>
+                </a:stretch>
+              </a:blipFill>
+            </p:spPr>
+            <p:txBody>
+              <a:bodyPr/>
+              <a:lstStyle/>
+              <a:p>
+                <a:r>
+                  <a:rPr lang="en-US">
+                    <a:noFill/>
+                  </a:rPr>
+                  <a:t> </a:t>
+                </a:r>
+              </a:p>
+            </p:txBody>
+          </p:sp>
+        </mc:Fallback>
+      </mc:AlternateContent>
       <p:sp>
         <p:nvSpPr>
           <p:cNvPr id="18" name="Прямоугольник 17">
@@ -8577,14 +9851,1082 @@
           </a:p>
         </p:txBody>
       </p:sp>
+      <p:pic>
+        <p:nvPicPr>
+          <p:cNvPr id="3" name="Picture 2">
+            <a:extLst>
+              <a:ext uri="{FF2B5EF4-FFF2-40B4-BE49-F238E27FC236}">
+                <a16:creationId xmlns:a16="http://schemas.microsoft.com/office/drawing/2014/main" id="{A755D10B-EEA6-490C-9BF4-EDD48ADA5B14}"/>
+              </a:ext>
+            </a:extLst>
+          </p:cNvPr>
+          <p:cNvPicPr>
+            <a:picLocks noChangeAspect="1"/>
+          </p:cNvPicPr>
+          <p:nvPr/>
+        </p:nvPicPr>
+        <p:blipFill>
+          <a:blip r:embed="rId3">
+            <a:extLst>
+              <a:ext uri="{28A0092B-C50C-407E-A947-70E740481C1C}">
+                <a14:useLocalDpi xmlns:a14="http://schemas.microsoft.com/office/drawing/2010/main" val="0"/>
+              </a:ext>
+            </a:extLst>
+          </a:blip>
+          <a:stretch>
+            <a:fillRect/>
+          </a:stretch>
+        </p:blipFill>
+        <p:spPr>
+          <a:xfrm>
+            <a:off x="365422" y="776404"/>
+            <a:ext cx="3659459" cy="2949821"/>
+          </a:xfrm>
+          <a:prstGeom prst="rect">
+            <a:avLst/>
+          </a:prstGeom>
+        </p:spPr>
+      </p:pic>
+      <p:pic>
+        <p:nvPicPr>
+          <p:cNvPr id="13" name="Рисунок 1">
+            <a:extLst>
+              <a:ext uri="{FF2B5EF4-FFF2-40B4-BE49-F238E27FC236}">
+                <a16:creationId xmlns:a16="http://schemas.microsoft.com/office/drawing/2014/main" id="{86826F18-664E-4E3A-B0DC-C6F1B216BF3E}"/>
+              </a:ext>
+            </a:extLst>
+          </p:cNvPr>
+          <p:cNvPicPr/>
+          <p:nvPr/>
+        </p:nvPicPr>
+        <p:blipFill>
+          <a:blip r:embed="rId4">
+            <a:extLst>
+              <a:ext uri="{28A0092B-C50C-407E-A947-70E740481C1C}">
+                <a14:useLocalDpi xmlns:a14="http://schemas.microsoft.com/office/drawing/2010/main" val="0"/>
+              </a:ext>
+            </a:extLst>
+          </a:blip>
+          <a:srcRect/>
+          <a:stretch>
+            <a:fillRect/>
+          </a:stretch>
+        </p:blipFill>
+        <p:spPr bwMode="auto">
+          <a:xfrm>
+            <a:off x="438781" y="3973450"/>
+            <a:ext cx="3222874" cy="2398470"/>
+          </a:xfrm>
+          <a:prstGeom prst="rect">
+            <a:avLst/>
+          </a:prstGeom>
+          <a:noFill/>
+          <a:ln>
+            <a:noFill/>
+          </a:ln>
+        </p:spPr>
+      </p:pic>
+    </p:spTree>
+    <p:extLst>
+      <p:ext uri="{BB962C8B-B14F-4D97-AF65-F5344CB8AC3E}">
+        <p14:creationId xmlns:p14="http://schemas.microsoft.com/office/powerpoint/2010/main" val="841034221"/>
+      </p:ext>
+    </p:extLst>
+  </p:cSld>
+  <p:clrMapOvr>
+    <a:masterClrMapping/>
+  </p:clrMapOvr>
+</p:sld>
+</file>
+
+<file path=ppt/slides/slide7.xml><?xml version="1.0" encoding="utf-8"?>
+<p:sld xmlns:a="http://schemas.openxmlformats.org/drawingml/2006/main" xmlns:r="http://schemas.openxmlformats.org/officeDocument/2006/relationships" xmlns:p="http://schemas.openxmlformats.org/presentationml/2006/main">
+  <p:cSld>
+    <p:spTree>
+      <p:nvGrpSpPr>
+        <p:cNvPr id="1" name=""/>
+        <p:cNvGrpSpPr/>
+        <p:nvPr/>
+      </p:nvGrpSpPr>
+      <p:grpSpPr>
+        <a:xfrm>
+          <a:off x="0" y="0"/>
+          <a:ext cx="0" cy="0"/>
+          <a:chOff x="0" y="0"/>
+          <a:chExt cx="0" cy="0"/>
+        </a:xfrm>
+      </p:grpSpPr>
+      <p:sp>
+        <p:nvSpPr>
+          <p:cNvPr id="4" name="Номер слайда 3">
+            <a:extLst>
+              <a:ext uri="{FF2B5EF4-FFF2-40B4-BE49-F238E27FC236}">
+                <a16:creationId xmlns:a16="http://schemas.microsoft.com/office/drawing/2014/main" id="{FA27ABEE-315A-4D20-92C1-C12964519599}"/>
+              </a:ext>
+            </a:extLst>
+          </p:cNvPr>
+          <p:cNvSpPr>
+            <a:spLocks noGrp="1"/>
+          </p:cNvSpPr>
+          <p:nvPr>
+            <p:ph type="sldNum" sz="quarter" idx="12"/>
+          </p:nvPr>
+        </p:nvSpPr>
+        <p:spPr/>
+        <p:txBody>
+          <a:bodyPr/>
+          <a:lstStyle/>
+          <a:p>
+            <a:fld id="{1F8BD534-37C6-45AF-BD63-E8CFF4C8D25C}" type="slidenum">
+              <a:rPr lang="en-US" smtClean="0"/>
+              <a:t>7</a:t>
+            </a:fld>
+            <a:endParaRPr lang="en-US"/>
+          </a:p>
+        </p:txBody>
+      </p:sp>
+      <p:sp>
+        <p:nvSpPr>
+          <p:cNvPr id="7" name="Title 1">
+            <a:extLst>
+              <a:ext uri="{FF2B5EF4-FFF2-40B4-BE49-F238E27FC236}">
+                <a16:creationId xmlns:a16="http://schemas.microsoft.com/office/drawing/2014/main" id="{4F3EFBB3-C0F5-4C25-A4EC-6CEF46C91B4B}"/>
+              </a:ext>
+            </a:extLst>
+          </p:cNvPr>
+          <p:cNvSpPr>
+            <a:spLocks noGrp="1"/>
+          </p:cNvSpPr>
+          <p:nvPr>
+            <p:ph type="title"/>
+          </p:nvPr>
+        </p:nvSpPr>
+        <p:spPr>
+          <a:xfrm>
+            <a:off x="0" y="-11239"/>
+            <a:ext cx="12084424" cy="903161"/>
+          </a:xfrm>
+        </p:spPr>
+        <p:txBody>
+          <a:bodyPr>
+            <a:normAutofit/>
+          </a:bodyPr>
+          <a:lstStyle/>
+          <a:p>
+            <a:r>
+              <a:rPr lang="ru-RU" sz="4000" dirty="0">
+                <a:latin typeface="+mj-lt"/>
+              </a:rPr>
+              <a:t>Аттестация стенда. Измерение </a:t>
+            </a:r>
+            <a:r>
+              <a:rPr lang="ru-RU" sz="4000" dirty="0"/>
+              <a:t>ускорения</a:t>
+            </a:r>
+            <a:r>
+              <a:rPr lang="ru-RU" sz="4000" dirty="0">
+                <a:latin typeface="+mj-lt"/>
+              </a:rPr>
+              <a:t> маховика</a:t>
+            </a:r>
+            <a:endParaRPr lang="en-US" dirty="0"/>
+          </a:p>
+        </p:txBody>
+      </p:sp>
+      <p:sp>
+        <p:nvSpPr>
+          <p:cNvPr id="11" name="TextBox 10">
+            <a:extLst>
+              <a:ext uri="{FF2B5EF4-FFF2-40B4-BE49-F238E27FC236}">
+                <a16:creationId xmlns:a16="http://schemas.microsoft.com/office/drawing/2014/main" id="{256846A2-90A5-48EF-8FAF-1DD4DB27DC82}"/>
+              </a:ext>
+            </a:extLst>
+          </p:cNvPr>
+          <p:cNvSpPr txBox="1"/>
+          <p:nvPr/>
+        </p:nvSpPr>
+        <p:spPr>
+          <a:xfrm>
+            <a:off x="573692" y="3726225"/>
+            <a:ext cx="2953053" cy="338554"/>
+          </a:xfrm>
+          <a:prstGeom prst="rect">
+            <a:avLst/>
+          </a:prstGeom>
+          <a:noFill/>
+        </p:spPr>
+        <p:txBody>
+          <a:bodyPr wrap="none" rtlCol="0">
+            <a:spAutoFit/>
+          </a:bodyPr>
+          <a:lstStyle/>
+          <a:p>
+            <a:r>
+              <a:rPr lang="ru-RU" sz="1600" dirty="0">
+                <a:latin typeface="+mj-lt"/>
+              </a:rPr>
+              <a:t>Рисунок 6 – Эталонный маховик</a:t>
+            </a:r>
+          </a:p>
+        </p:txBody>
+      </p:sp>
       <mc:AlternateContent xmlns:mc="http://schemas.openxmlformats.org/markup-compatibility/2006">
         <mc:Choice xmlns:a14="http://schemas.microsoft.com/office/drawing/2010/main" Requires="a14">
           <p:sp>
             <p:nvSpPr>
-              <p:cNvPr id="14" name="TextBox 13">
+              <p:cNvPr id="12" name="Прямоугольник 11">
                 <a:extLst>
                   <a:ext uri="{FF2B5EF4-FFF2-40B4-BE49-F238E27FC236}">
-                    <a16:creationId xmlns:a16="http://schemas.microsoft.com/office/drawing/2014/main" id="{FD5CE986-D61E-44F6-99D5-3DA81B507ACD}"/>
+                    <a16:creationId xmlns:a16="http://schemas.microsoft.com/office/drawing/2014/main" id="{85C5B0C8-5735-4441-B508-AA2CACCFCBE9}"/>
+                  </a:ext>
+                </a:extLst>
+              </p:cNvPr>
+              <p:cNvSpPr/>
+              <p:nvPr/>
+            </p:nvSpPr>
+            <p:spPr>
+              <a:xfrm>
+                <a:off x="4917485" y="684037"/>
+                <a:ext cx="6970644" cy="7170617"/>
+              </a:xfrm>
+              <a:prstGeom prst="rect">
+                <a:avLst/>
+              </a:prstGeom>
+            </p:spPr>
+            <p:txBody>
+              <a:bodyPr wrap="square">
+                <a:spAutoFit/>
+              </a:bodyPr>
+              <a:lstStyle/>
+              <a:p>
+                <a:pPr algn="just"/>
+                <a:r>
+                  <a:rPr lang="ru-RU" sz="2400" dirty="0"/>
+                  <a:t>Маховик устанавливается на бе</a:t>
+                </a:r>
+                <a:r>
+                  <a:rPr lang="en-US" sz="2400" dirty="0"/>
+                  <a:t>c</a:t>
+                </a:r>
+                <a:r>
+                  <a:rPr lang="ru-RU" sz="2400" dirty="0"/>
+                  <a:t>коллекторный двигатель ДБМ-40.</a:t>
+                </a:r>
+              </a:p>
+              <a:p>
+                <a:pPr algn="just"/>
+                <a:endParaRPr lang="ru-RU" sz="2400" dirty="0"/>
+              </a:p>
+              <a:p>
+                <a:pPr algn="just"/>
+                <a:r>
+                  <a:rPr lang="ru-RU" sz="2400" dirty="0"/>
+                  <a:t>Двигатель ускоряется по трапециевидному закону.</a:t>
+                </a:r>
+                <a:br>
+                  <a:rPr lang="ru-RU" sz="2400" dirty="0"/>
+                </a:br>
+                <a:r>
+                  <a:rPr lang="ru-RU" sz="2400" dirty="0"/>
+                  <a:t>Скорость двигателя измеряется по датчику угла </a:t>
+                </a:r>
+                <a:r>
+                  <a:rPr lang="en-US" sz="2400" dirty="0"/>
+                  <a:t>&lt;</a:t>
+                </a:r>
+                <a:r>
+                  <a:rPr lang="ru-RU" sz="2400" dirty="0"/>
+                  <a:t>ИМЯ</a:t>
+                </a:r>
+                <a:r>
+                  <a:rPr lang="en-US" sz="2400" dirty="0"/>
+                  <a:t>&gt;</a:t>
+                </a:r>
+                <a:r>
+                  <a:rPr lang="ru-RU" sz="2400" dirty="0"/>
+                  <a:t>.</a:t>
+                </a:r>
+                <a:endParaRPr lang="en-US" sz="2400" dirty="0"/>
+              </a:p>
+              <a:p>
+                <a:pPr algn="just"/>
+                <a:endParaRPr lang="en-US" sz="2400" dirty="0"/>
+              </a:p>
+              <a:p>
+                <a:pPr algn="just"/>
+                <a:r>
+                  <a:rPr lang="ru-RU" sz="2400" dirty="0"/>
+                  <a:t>Погрешность измерения ускорения определяется многократными измерениями</a:t>
+                </a:r>
+              </a:p>
+              <a:p>
+                <a:pPr algn="just"/>
+                <a14:m>
+                  <m:oMathPara xmlns:m="http://schemas.openxmlformats.org/officeDocument/2006/math">
+                    <m:oMathParaPr>
+                      <m:jc m:val="centerGroup"/>
+                    </m:oMathParaPr>
+                    <m:oMath xmlns:m="http://schemas.openxmlformats.org/officeDocument/2006/math">
+                      <m:r>
+                        <a:rPr lang="ru-RU" sz="2400" i="1" smtClean="0">
+                          <a:latin typeface="Cambria Math" panose="02040503050406030204" pitchFamily="18" charset="0"/>
+                          <a:ea typeface="Cambria Math" panose="02040503050406030204" pitchFamily="18" charset="0"/>
+                        </a:rPr>
+                        <m:t>∆</m:t>
+                      </m:r>
+                      <m:r>
+                        <a:rPr lang="ru-RU" sz="2400" i="1" smtClean="0">
+                          <a:latin typeface="Cambria Math" panose="02040503050406030204" pitchFamily="18" charset="0"/>
+                          <a:ea typeface="Cambria Math" panose="02040503050406030204" pitchFamily="18" charset="0"/>
+                        </a:rPr>
+                        <m:t>𝜀</m:t>
+                      </m:r>
+                      <m:r>
+                        <a:rPr lang="ru-RU" sz="2400" b="0" i="1" smtClean="0">
+                          <a:latin typeface="Cambria Math" panose="02040503050406030204" pitchFamily="18" charset="0"/>
+                          <a:ea typeface="Cambria Math" panose="02040503050406030204" pitchFamily="18" charset="0"/>
+                        </a:rPr>
+                        <m:t>=±0,17 </m:t>
+                      </m:r>
+                      <m:f>
+                        <m:fPr>
+                          <m:ctrlPr>
+                            <a:rPr lang="ru-RU" sz="2400" b="0" i="1" smtClean="0">
+                              <a:latin typeface="Cambria Math" panose="02040503050406030204" pitchFamily="18" charset="0"/>
+                              <a:ea typeface="Cambria Math" panose="02040503050406030204" pitchFamily="18" charset="0"/>
+                            </a:rPr>
+                          </m:ctrlPr>
+                        </m:fPr>
+                        <m:num>
+                          <m:r>
+                            <a:rPr lang="ru-RU" sz="2400" b="0" i="1" smtClean="0">
+                              <a:latin typeface="Cambria Math" panose="02040503050406030204" pitchFamily="18" charset="0"/>
+                              <a:ea typeface="Cambria Math" panose="02040503050406030204" pitchFamily="18" charset="0"/>
+                            </a:rPr>
+                            <m:t>рад</m:t>
+                          </m:r>
+                        </m:num>
+                        <m:den>
+                          <m:sSup>
+                            <m:sSupPr>
+                              <m:ctrlPr>
+                                <a:rPr lang="ru-RU" sz="2400" b="0" i="1" smtClean="0">
+                                  <a:latin typeface="Cambria Math" panose="02040503050406030204" pitchFamily="18" charset="0"/>
+                                  <a:ea typeface="Cambria Math" panose="02040503050406030204" pitchFamily="18" charset="0"/>
+                                </a:rPr>
+                              </m:ctrlPr>
+                            </m:sSupPr>
+                            <m:e>
+                              <m:r>
+                                <a:rPr lang="ru-RU" sz="2400" b="0" i="1" smtClean="0">
+                                  <a:latin typeface="Cambria Math" panose="02040503050406030204" pitchFamily="18" charset="0"/>
+                                  <a:ea typeface="Cambria Math" panose="02040503050406030204" pitchFamily="18" charset="0"/>
+                                </a:rPr>
+                                <m:t>с</m:t>
+                              </m:r>
+                            </m:e>
+                            <m:sup>
+                              <m:r>
+                                <a:rPr lang="ru-RU" sz="2400" b="0" i="1" smtClean="0">
+                                  <a:latin typeface="Cambria Math" panose="02040503050406030204" pitchFamily="18" charset="0"/>
+                                  <a:ea typeface="Cambria Math" panose="02040503050406030204" pitchFamily="18" charset="0"/>
+                                </a:rPr>
+                                <m:t>2</m:t>
+                              </m:r>
+                            </m:sup>
+                          </m:sSup>
+                        </m:den>
+                      </m:f>
+                    </m:oMath>
+                  </m:oMathPara>
+                </a14:m>
+                <a:endParaRPr lang="ru-RU" sz="2400" dirty="0"/>
+              </a:p>
+              <a:p>
+                <a:pPr algn="just"/>
+                <a:endParaRPr lang="en-US" sz="2400" dirty="0"/>
+              </a:p>
+              <a:p>
+                <a:pPr algn="just"/>
+                <a:r>
+                  <a:rPr lang="ru-RU" sz="2400" dirty="0"/>
+                  <a:t>Итоговая погрешность тестового момента:</a:t>
+                </a:r>
+                <a:br>
+                  <a:rPr lang="ru-RU" sz="2400" dirty="0"/>
+                </a:br>
+                <a14:m>
+                  <m:oMathPara xmlns:m="http://schemas.openxmlformats.org/officeDocument/2006/math">
+                    <m:oMathParaPr>
+                      <m:jc m:val="centerGroup"/>
+                    </m:oMathParaPr>
+                    <m:oMath xmlns:m="http://schemas.openxmlformats.org/officeDocument/2006/math">
+                      <m:r>
+                        <a:rPr lang="ru-RU" sz="2400" i="1" smtClean="0">
+                          <a:latin typeface="Cambria Math" panose="02040503050406030204" pitchFamily="18" charset="0"/>
+                          <a:ea typeface="Cambria Math" panose="02040503050406030204" pitchFamily="18" charset="0"/>
+                        </a:rPr>
+                        <m:t>∆</m:t>
+                      </m:r>
+                      <m:r>
+                        <a:rPr lang="en-US" sz="2400" b="0" i="1" smtClean="0">
+                          <a:latin typeface="Cambria Math" panose="02040503050406030204" pitchFamily="18" charset="0"/>
+                          <a:ea typeface="Cambria Math" panose="02040503050406030204" pitchFamily="18" charset="0"/>
+                        </a:rPr>
+                        <m:t>𝑀</m:t>
+                      </m:r>
+                      <m:r>
+                        <a:rPr lang="en-US" sz="2400" b="0" i="1" smtClean="0">
+                          <a:latin typeface="Cambria Math" panose="02040503050406030204" pitchFamily="18" charset="0"/>
+                          <a:ea typeface="Cambria Math" panose="02040503050406030204" pitchFamily="18" charset="0"/>
+                        </a:rPr>
+                        <m:t>=</m:t>
+                      </m:r>
+                      <m:rad>
+                        <m:radPr>
+                          <m:degHide m:val="on"/>
+                          <m:ctrlPr>
+                            <a:rPr lang="en-US" sz="2400" b="0" i="1" smtClean="0">
+                              <a:latin typeface="Cambria Math" panose="02040503050406030204" pitchFamily="18" charset="0"/>
+                              <a:ea typeface="Cambria Math" panose="02040503050406030204" pitchFamily="18" charset="0"/>
+                            </a:rPr>
+                          </m:ctrlPr>
+                        </m:radPr>
+                        <m:deg/>
+                        <m:e>
+                          <m:sSup>
+                            <m:sSupPr>
+                              <m:ctrlPr>
+                                <a:rPr lang="en-US" sz="2400" b="0" i="1" smtClean="0">
+                                  <a:latin typeface="Cambria Math" panose="02040503050406030204" pitchFamily="18" charset="0"/>
+                                  <a:ea typeface="Cambria Math" panose="02040503050406030204" pitchFamily="18" charset="0"/>
+                                </a:rPr>
+                              </m:ctrlPr>
+                            </m:sSupPr>
+                            <m:e>
+                              <m:r>
+                                <a:rPr lang="ru-RU" sz="2400" b="0" i="1" smtClean="0">
+                                  <a:latin typeface="Cambria Math" panose="02040503050406030204" pitchFamily="18" charset="0"/>
+                                  <a:ea typeface="Cambria Math" panose="02040503050406030204" pitchFamily="18" charset="0"/>
+                                </a:rPr>
+                                <m:t>(∆</m:t>
+                              </m:r>
+                              <m:r>
+                                <a:rPr lang="en-US" sz="2400" b="0" i="1" smtClean="0">
+                                  <a:latin typeface="Cambria Math" panose="02040503050406030204" pitchFamily="18" charset="0"/>
+                                  <a:ea typeface="Cambria Math" panose="02040503050406030204" pitchFamily="18" charset="0"/>
+                                </a:rPr>
+                                <m:t>𝐽</m:t>
+                              </m:r>
+                              <m:r>
+                                <a:rPr lang="en-US" sz="2400" b="0" i="1" smtClean="0">
+                                  <a:latin typeface="Cambria Math" panose="02040503050406030204" pitchFamily="18" charset="0"/>
+                                  <a:ea typeface="Cambria Math" panose="02040503050406030204" pitchFamily="18" charset="0"/>
+                                </a:rPr>
+                                <m:t>∙</m:t>
+                              </m:r>
+                              <m:r>
+                                <a:rPr lang="en-US" sz="2400" b="0" i="1" smtClean="0">
+                                  <a:latin typeface="Cambria Math" panose="02040503050406030204" pitchFamily="18" charset="0"/>
+                                  <a:ea typeface="Cambria Math" panose="02040503050406030204" pitchFamily="18" charset="0"/>
+                                </a:rPr>
+                                <m:t>𝜀</m:t>
+                              </m:r>
+                              <m:r>
+                                <a:rPr lang="ru-RU" sz="2400" b="0" i="1" smtClean="0">
+                                  <a:latin typeface="Cambria Math" panose="02040503050406030204" pitchFamily="18" charset="0"/>
+                                  <a:ea typeface="Cambria Math" panose="02040503050406030204" pitchFamily="18" charset="0"/>
+                                </a:rPr>
+                                <m:t>)</m:t>
+                              </m:r>
+                            </m:e>
+                            <m:sup>
+                              <m:r>
+                                <a:rPr lang="en-US" sz="2400" b="0" i="1" smtClean="0">
+                                  <a:latin typeface="Cambria Math" panose="02040503050406030204" pitchFamily="18" charset="0"/>
+                                  <a:ea typeface="Cambria Math" panose="02040503050406030204" pitchFamily="18" charset="0"/>
+                                </a:rPr>
+                                <m:t>2</m:t>
+                              </m:r>
+                            </m:sup>
+                          </m:sSup>
+                          <m:r>
+                            <a:rPr lang="en-US" sz="2400" b="0" i="1" smtClean="0">
+                              <a:latin typeface="Cambria Math" panose="02040503050406030204" pitchFamily="18" charset="0"/>
+                              <a:ea typeface="Cambria Math" panose="02040503050406030204" pitchFamily="18" charset="0"/>
+                            </a:rPr>
+                            <m:t>+</m:t>
+                          </m:r>
+                          <m:sSup>
+                            <m:sSupPr>
+                              <m:ctrlPr>
+                                <a:rPr lang="en-US" sz="2400" b="0" i="1" smtClean="0">
+                                  <a:latin typeface="Cambria Math" panose="02040503050406030204" pitchFamily="18" charset="0"/>
+                                  <a:ea typeface="Cambria Math" panose="02040503050406030204" pitchFamily="18" charset="0"/>
+                                </a:rPr>
+                              </m:ctrlPr>
+                            </m:sSupPr>
+                            <m:e>
+                              <m:r>
+                                <a:rPr lang="en-US" sz="2400" b="0" i="1" smtClean="0">
+                                  <a:latin typeface="Cambria Math" panose="02040503050406030204" pitchFamily="18" charset="0"/>
+                                  <a:ea typeface="Cambria Math" panose="02040503050406030204" pitchFamily="18" charset="0"/>
+                                </a:rPr>
+                                <m:t>(∆</m:t>
+                              </m:r>
+                              <m:r>
+                                <a:rPr lang="en-US" sz="2400" b="0" i="1" smtClean="0">
+                                  <a:latin typeface="Cambria Math" panose="02040503050406030204" pitchFamily="18" charset="0"/>
+                                  <a:ea typeface="Cambria Math" panose="02040503050406030204" pitchFamily="18" charset="0"/>
+                                </a:rPr>
+                                <m:t>𝜀</m:t>
+                              </m:r>
+                              <m:r>
+                                <a:rPr lang="en-US" sz="2400" b="0" i="1" smtClean="0">
+                                  <a:latin typeface="Cambria Math" panose="02040503050406030204" pitchFamily="18" charset="0"/>
+                                  <a:ea typeface="Cambria Math" panose="02040503050406030204" pitchFamily="18" charset="0"/>
+                                </a:rPr>
+                                <m:t>∙</m:t>
+                              </m:r>
+                              <m:r>
+                                <a:rPr lang="en-US" sz="2400" b="0" i="1" smtClean="0">
+                                  <a:latin typeface="Cambria Math" panose="02040503050406030204" pitchFamily="18" charset="0"/>
+                                  <a:ea typeface="Cambria Math" panose="02040503050406030204" pitchFamily="18" charset="0"/>
+                                </a:rPr>
+                                <m:t>𝐽</m:t>
+                              </m:r>
+                              <m:r>
+                                <a:rPr lang="en-US" sz="2400" b="0" i="1" smtClean="0">
+                                  <a:latin typeface="Cambria Math" panose="02040503050406030204" pitchFamily="18" charset="0"/>
+                                  <a:ea typeface="Cambria Math" panose="02040503050406030204" pitchFamily="18" charset="0"/>
+                                </a:rPr>
+                                <m:t>)</m:t>
+                              </m:r>
+                            </m:e>
+                            <m:sup>
+                              <m:r>
+                                <a:rPr lang="en-US" sz="2400" b="0" i="1" smtClean="0">
+                                  <a:latin typeface="Cambria Math" panose="02040503050406030204" pitchFamily="18" charset="0"/>
+                                  <a:ea typeface="Cambria Math" panose="02040503050406030204" pitchFamily="18" charset="0"/>
+                                </a:rPr>
+                                <m:t>2</m:t>
+                              </m:r>
+                            </m:sup>
+                          </m:sSup>
+                        </m:e>
+                      </m:rad>
+                      <m:r>
+                        <a:rPr lang="en-US" sz="2400" b="0" i="1" smtClean="0">
+                          <a:latin typeface="Cambria Math" panose="02040503050406030204" pitchFamily="18" charset="0"/>
+                          <a:ea typeface="Cambria Math" panose="02040503050406030204" pitchFamily="18" charset="0"/>
+                        </a:rPr>
+                        <m:t>=5∙</m:t>
+                      </m:r>
+                      <m:sSup>
+                        <m:sSupPr>
+                          <m:ctrlPr>
+                            <a:rPr lang="en-US" sz="2400" b="0" i="1" smtClean="0">
+                              <a:latin typeface="Cambria Math" panose="02040503050406030204" pitchFamily="18" charset="0"/>
+                              <a:ea typeface="Cambria Math" panose="02040503050406030204" pitchFamily="18" charset="0"/>
+                            </a:rPr>
+                          </m:ctrlPr>
+                        </m:sSupPr>
+                        <m:e>
+                          <m:r>
+                            <a:rPr lang="en-US" sz="2400" b="0" i="1" smtClean="0">
+                              <a:latin typeface="Cambria Math" panose="02040503050406030204" pitchFamily="18" charset="0"/>
+                              <a:ea typeface="Cambria Math" panose="02040503050406030204" pitchFamily="18" charset="0"/>
+                            </a:rPr>
+                            <m:t>10</m:t>
+                          </m:r>
+                        </m:e>
+                        <m:sup>
+                          <m:r>
+                            <a:rPr lang="en-US" sz="2400" b="0" i="1" smtClean="0">
+                              <a:latin typeface="Cambria Math" panose="02040503050406030204" pitchFamily="18" charset="0"/>
+                              <a:ea typeface="Cambria Math" panose="02040503050406030204" pitchFamily="18" charset="0"/>
+                            </a:rPr>
+                            <m:t>−5</m:t>
+                          </m:r>
+                        </m:sup>
+                      </m:sSup>
+                      <m:r>
+                        <a:rPr lang="en-US" sz="2400" b="0" i="1" smtClean="0">
+                          <a:latin typeface="Cambria Math" panose="02040503050406030204" pitchFamily="18" charset="0"/>
+                          <a:ea typeface="Cambria Math" panose="02040503050406030204" pitchFamily="18" charset="0"/>
+                        </a:rPr>
+                        <m:t> </m:t>
+                      </m:r>
+                      <m:r>
+                        <a:rPr lang="ru-RU" sz="2400" b="0" i="1" smtClean="0">
+                          <a:latin typeface="Cambria Math" panose="02040503050406030204" pitchFamily="18" charset="0"/>
+                          <a:ea typeface="Cambria Math" panose="02040503050406030204" pitchFamily="18" charset="0"/>
+                        </a:rPr>
+                        <m:t>Н∙м</m:t>
+                      </m:r>
+                    </m:oMath>
+                  </m:oMathPara>
+                </a14:m>
+                <a:endParaRPr lang="ru-RU" sz="2400" dirty="0"/>
+              </a:p>
+              <a:p>
+                <a:pPr algn="just"/>
+                <a:endParaRPr lang="ru-RU" sz="2400" dirty="0"/>
+              </a:p>
+              <a:p>
+                <a:pPr algn="just"/>
+                <a14:m>
+                  <m:oMathPara xmlns:m="http://schemas.openxmlformats.org/officeDocument/2006/math">
+                    <m:oMathParaPr>
+                      <m:jc m:val="centerGroup"/>
+                    </m:oMathParaPr>
+                    <m:oMath xmlns:m="http://schemas.openxmlformats.org/officeDocument/2006/math">
+                      <m:r>
+                        <a:rPr lang="en-US" sz="2400" b="0" i="1" smtClean="0">
+                          <a:latin typeface="Cambria Math" panose="02040503050406030204" pitchFamily="18" charset="0"/>
+                        </a:rPr>
+                        <m:t>𝑀</m:t>
+                      </m:r>
+                      <m:r>
+                        <a:rPr lang="en-US" sz="2400" b="0" i="1" smtClean="0">
+                          <a:latin typeface="Cambria Math" panose="02040503050406030204" pitchFamily="18" charset="0"/>
+                        </a:rPr>
+                        <m:t>=0,005 ±5∙</m:t>
+                      </m:r>
+                      <m:sSup>
+                        <m:sSupPr>
+                          <m:ctrlPr>
+                            <a:rPr lang="en-US" sz="2400" b="0" i="1" smtClean="0">
+                              <a:latin typeface="Cambria Math" panose="02040503050406030204" pitchFamily="18" charset="0"/>
+                              <a:ea typeface="Cambria Math" panose="02040503050406030204" pitchFamily="18" charset="0"/>
+                            </a:rPr>
+                          </m:ctrlPr>
+                        </m:sSupPr>
+                        <m:e>
+                          <m:r>
+                            <a:rPr lang="en-US" sz="2400" b="0" i="1" smtClean="0">
+                              <a:latin typeface="Cambria Math" panose="02040503050406030204" pitchFamily="18" charset="0"/>
+                              <a:ea typeface="Cambria Math" panose="02040503050406030204" pitchFamily="18" charset="0"/>
+                            </a:rPr>
+                            <m:t>10</m:t>
+                          </m:r>
+                        </m:e>
+                        <m:sup>
+                          <m:r>
+                            <a:rPr lang="en-US" sz="2400" b="0" i="1" smtClean="0">
+                              <a:latin typeface="Cambria Math" panose="02040503050406030204" pitchFamily="18" charset="0"/>
+                              <a:ea typeface="Cambria Math" panose="02040503050406030204" pitchFamily="18" charset="0"/>
+                            </a:rPr>
+                            <m:t>−5</m:t>
+                          </m:r>
+                        </m:sup>
+                      </m:sSup>
+                      <m:r>
+                        <a:rPr lang="en-US" sz="2400" b="0" i="1" smtClean="0">
+                          <a:latin typeface="Cambria Math" panose="02040503050406030204" pitchFamily="18" charset="0"/>
+                          <a:ea typeface="Cambria Math" panose="02040503050406030204" pitchFamily="18" charset="0"/>
+                        </a:rPr>
+                        <m:t> </m:t>
+                      </m:r>
+                      <m:r>
+                        <a:rPr lang="ru-RU" sz="2400" b="0" i="1" smtClean="0">
+                          <a:latin typeface="Cambria Math" panose="02040503050406030204" pitchFamily="18" charset="0"/>
+                          <a:ea typeface="Cambria Math" panose="02040503050406030204" pitchFamily="18" charset="0"/>
+                        </a:rPr>
+                        <m:t>Н∙м</m:t>
+                      </m:r>
+                    </m:oMath>
+                  </m:oMathPara>
+                </a14:m>
+                <a:endParaRPr lang="en-US" sz="2400" dirty="0"/>
+              </a:p>
+              <a:p>
+                <a:pPr algn="just"/>
+                <a:endParaRPr lang="ru-RU" sz="2400" dirty="0"/>
+              </a:p>
+              <a:p>
+                <a:pPr algn="just"/>
+                <a:endParaRPr lang="ru-RU" sz="2400" dirty="0"/>
+              </a:p>
+              <a:p>
+                <a:pPr algn="just"/>
+                <a:endParaRPr lang="ru-RU" sz="2400" dirty="0"/>
+              </a:p>
+            </p:txBody>
+          </p:sp>
+        </mc:Choice>
+        <mc:Fallback>
+          <p:sp>
+            <p:nvSpPr>
+              <p:cNvPr id="12" name="Прямоугольник 11">
+                <a:extLst>
+                  <a:ext uri="{FF2B5EF4-FFF2-40B4-BE49-F238E27FC236}">
+                    <a16:creationId xmlns:a16="http://schemas.microsoft.com/office/drawing/2014/main" id="{85C5B0C8-5735-4441-B508-AA2CACCFCBE9}"/>
+                  </a:ext>
+                </a:extLst>
+              </p:cNvPr>
+              <p:cNvSpPr>
+                <a:spLocks noRot="1" noChangeAspect="1" noMove="1" noResize="1" noEditPoints="1" noAdjustHandles="1" noChangeArrowheads="1" noChangeShapeType="1" noTextEdit="1"/>
+              </p:cNvSpPr>
+              <p:nvPr/>
+            </p:nvSpPr>
+            <p:spPr>
+              <a:xfrm>
+                <a:off x="4917485" y="684037"/>
+                <a:ext cx="6970644" cy="7170617"/>
+              </a:xfrm>
+              <a:prstGeom prst="rect">
+                <a:avLst/>
+              </a:prstGeom>
+              <a:blipFill>
+                <a:blip r:embed="rId2"/>
+                <a:stretch>
+                  <a:fillRect l="-1400" t="-680" r="-1312"/>
+                </a:stretch>
+              </a:blipFill>
+            </p:spPr>
+            <p:txBody>
+              <a:bodyPr/>
+              <a:lstStyle/>
+              <a:p>
+                <a:r>
+                  <a:rPr lang="en-US">
+                    <a:noFill/>
+                  </a:rPr>
+                  <a:t> </a:t>
+                </a:r>
+              </a:p>
+            </p:txBody>
+          </p:sp>
+        </mc:Fallback>
+      </mc:AlternateContent>
+      <p:sp>
+        <p:nvSpPr>
+          <p:cNvPr id="18" name="Прямоугольник 17">
+            <a:extLst>
+              <a:ext uri="{FF2B5EF4-FFF2-40B4-BE49-F238E27FC236}">
+                <a16:creationId xmlns:a16="http://schemas.microsoft.com/office/drawing/2014/main" id="{754E424C-1F93-4A75-B081-543E48DF86C0}"/>
+              </a:ext>
+            </a:extLst>
+          </p:cNvPr>
+          <p:cNvSpPr/>
+          <p:nvPr/>
+        </p:nvSpPr>
+        <p:spPr>
+          <a:xfrm>
+            <a:off x="4994997" y="4656580"/>
+            <a:ext cx="4987203" cy="461665"/>
+          </a:xfrm>
+          <a:prstGeom prst="rect">
+            <a:avLst/>
+          </a:prstGeom>
+        </p:spPr>
+        <p:txBody>
+          <a:bodyPr wrap="square">
+            <a:spAutoFit/>
+          </a:bodyPr>
+          <a:lstStyle/>
+          <a:p>
+            <a:pPr algn="just"/>
+            <a:endParaRPr lang="ru-RU" sz="2400" dirty="0"/>
+          </a:p>
+        </p:txBody>
+      </p:sp>
+      <p:pic>
+        <p:nvPicPr>
+          <p:cNvPr id="3" name="Picture 2">
+            <a:extLst>
+              <a:ext uri="{FF2B5EF4-FFF2-40B4-BE49-F238E27FC236}">
+                <a16:creationId xmlns:a16="http://schemas.microsoft.com/office/drawing/2014/main" id="{A755D10B-EEA6-490C-9BF4-EDD48ADA5B14}"/>
+              </a:ext>
+            </a:extLst>
+          </p:cNvPr>
+          <p:cNvPicPr>
+            <a:picLocks noChangeAspect="1"/>
+          </p:cNvPicPr>
+          <p:nvPr/>
+        </p:nvPicPr>
+        <p:blipFill>
+          <a:blip r:embed="rId3">
+            <a:extLst>
+              <a:ext uri="{28A0092B-C50C-407E-A947-70E740481C1C}">
+                <a14:useLocalDpi xmlns:a14="http://schemas.microsoft.com/office/drawing/2010/main" val="0"/>
+              </a:ext>
+            </a:extLst>
+          </a:blip>
+          <a:stretch>
+            <a:fillRect/>
+          </a:stretch>
+        </p:blipFill>
+        <p:spPr>
+          <a:xfrm>
+            <a:off x="365422" y="776404"/>
+            <a:ext cx="3659459" cy="2949821"/>
+          </a:xfrm>
+          <a:prstGeom prst="rect">
+            <a:avLst/>
+          </a:prstGeom>
+        </p:spPr>
+      </p:pic>
+      <p:pic>
+        <p:nvPicPr>
+          <p:cNvPr id="13" name="Рисунок 1">
+            <a:extLst>
+              <a:ext uri="{FF2B5EF4-FFF2-40B4-BE49-F238E27FC236}">
+                <a16:creationId xmlns:a16="http://schemas.microsoft.com/office/drawing/2014/main" id="{86826F18-664E-4E3A-B0DC-C6F1B216BF3E}"/>
+              </a:ext>
+            </a:extLst>
+          </p:cNvPr>
+          <p:cNvPicPr/>
+          <p:nvPr/>
+        </p:nvPicPr>
+        <p:blipFill>
+          <a:blip r:embed="rId4">
+            <a:extLst>
+              <a:ext uri="{28A0092B-C50C-407E-A947-70E740481C1C}">
+                <a14:useLocalDpi xmlns:a14="http://schemas.microsoft.com/office/drawing/2010/main" val="0"/>
+              </a:ext>
+            </a:extLst>
+          </a:blip>
+          <a:srcRect/>
+          <a:stretch>
+            <a:fillRect/>
+          </a:stretch>
+        </p:blipFill>
+        <p:spPr bwMode="auto">
+          <a:xfrm>
+            <a:off x="438781" y="3973450"/>
+            <a:ext cx="3222874" cy="2398470"/>
+          </a:xfrm>
+          <a:prstGeom prst="rect">
+            <a:avLst/>
+          </a:prstGeom>
+          <a:noFill/>
+          <a:ln>
+            <a:noFill/>
+          </a:ln>
+        </p:spPr>
+      </p:pic>
+    </p:spTree>
+    <p:extLst>
+      <p:ext uri="{BB962C8B-B14F-4D97-AF65-F5344CB8AC3E}">
+        <p14:creationId xmlns:p14="http://schemas.microsoft.com/office/powerpoint/2010/main" val="3821675543"/>
+      </p:ext>
+    </p:extLst>
+  </p:cSld>
+  <p:clrMapOvr>
+    <a:masterClrMapping/>
+  </p:clrMapOvr>
+</p:sld>
+</file>
+
+<file path=ppt/slides/slide8.xml><?xml version="1.0" encoding="utf-8"?>
+<p:sld xmlns:a="http://schemas.openxmlformats.org/drawingml/2006/main" xmlns:r="http://schemas.openxmlformats.org/officeDocument/2006/relationships" xmlns:p="http://schemas.openxmlformats.org/presentationml/2006/main">
+  <p:cSld>
+    <p:spTree>
+      <p:nvGrpSpPr>
+        <p:cNvPr id="1" name=""/>
+        <p:cNvGrpSpPr/>
+        <p:nvPr/>
+      </p:nvGrpSpPr>
+      <p:grpSpPr>
+        <a:xfrm>
+          <a:off x="0" y="0"/>
+          <a:ext cx="0" cy="0"/>
+          <a:chOff x="0" y="0"/>
+          <a:chExt cx="0" cy="0"/>
+        </a:xfrm>
+      </p:grpSpPr>
+      <p:sp>
+        <p:nvSpPr>
+          <p:cNvPr id="4" name="Номер слайда 3">
+            <a:extLst>
+              <a:ext uri="{FF2B5EF4-FFF2-40B4-BE49-F238E27FC236}">
+                <a16:creationId xmlns:a16="http://schemas.microsoft.com/office/drawing/2014/main" id="{FA27ABEE-315A-4D20-92C1-C12964519599}"/>
+              </a:ext>
+            </a:extLst>
+          </p:cNvPr>
+          <p:cNvSpPr>
+            <a:spLocks noGrp="1"/>
+          </p:cNvSpPr>
+          <p:nvPr>
+            <p:ph type="sldNum" sz="quarter" idx="12"/>
+          </p:nvPr>
+        </p:nvSpPr>
+        <p:spPr/>
+        <p:txBody>
+          <a:bodyPr/>
+          <a:lstStyle/>
+          <a:p>
+            <a:fld id="{1F8BD534-37C6-45AF-BD63-E8CFF4C8D25C}" type="slidenum">
+              <a:rPr lang="en-US" smtClean="0"/>
+              <a:t>8</a:t>
+            </a:fld>
+            <a:endParaRPr lang="en-US"/>
+          </a:p>
+        </p:txBody>
+      </p:sp>
+      <p:sp>
+        <p:nvSpPr>
+          <p:cNvPr id="7" name="Title 1">
+            <a:extLst>
+              <a:ext uri="{FF2B5EF4-FFF2-40B4-BE49-F238E27FC236}">
+                <a16:creationId xmlns:a16="http://schemas.microsoft.com/office/drawing/2014/main" id="{4F3EFBB3-C0F5-4C25-A4EC-6CEF46C91B4B}"/>
+              </a:ext>
+            </a:extLst>
+          </p:cNvPr>
+          <p:cNvSpPr>
+            <a:spLocks noGrp="1"/>
+          </p:cNvSpPr>
+          <p:nvPr>
+            <p:ph type="title"/>
+          </p:nvPr>
+        </p:nvSpPr>
+        <p:spPr>
+          <a:xfrm>
+            <a:off x="0" y="-11239"/>
+            <a:ext cx="12084424" cy="903161"/>
+          </a:xfrm>
+        </p:spPr>
+        <p:txBody>
+          <a:bodyPr>
+            <a:normAutofit/>
+          </a:bodyPr>
+          <a:lstStyle/>
+          <a:p>
+            <a:r>
+              <a:rPr lang="ru-RU" sz="4000" dirty="0">
+                <a:latin typeface="+mj-lt"/>
+              </a:rPr>
+              <a:t>Аттестация стенда. Погрешность гироскопа</a:t>
+            </a:r>
+            <a:endParaRPr lang="en-US" dirty="0"/>
+          </a:p>
+        </p:txBody>
+      </p:sp>
+      <p:sp>
+        <p:nvSpPr>
+          <p:cNvPr id="12" name="Прямоугольник 11">
+            <a:extLst>
+              <a:ext uri="{FF2B5EF4-FFF2-40B4-BE49-F238E27FC236}">
+                <a16:creationId xmlns:a16="http://schemas.microsoft.com/office/drawing/2014/main" id="{85C5B0C8-5735-4441-B508-AA2CACCFCBE9}"/>
+              </a:ext>
+            </a:extLst>
+          </p:cNvPr>
+          <p:cNvSpPr/>
+          <p:nvPr/>
+        </p:nvSpPr>
+        <p:spPr>
+          <a:xfrm>
+            <a:off x="870869" y="4887412"/>
+            <a:ext cx="10342685" cy="830997"/>
+          </a:xfrm>
+          <a:prstGeom prst="rect">
+            <a:avLst/>
+          </a:prstGeom>
+        </p:spPr>
+        <p:txBody>
+          <a:bodyPr wrap="square">
+            <a:spAutoFit/>
+          </a:bodyPr>
+          <a:lstStyle/>
+          <a:p>
+            <a:pPr algn="just"/>
+            <a:endParaRPr lang="ru-RU" sz="2400" dirty="0"/>
+          </a:p>
+          <a:p>
+            <a:pPr algn="just"/>
+            <a:endParaRPr lang="ru-RU" sz="2400" dirty="0"/>
+          </a:p>
+        </p:txBody>
+      </p:sp>
+      <p:sp>
+        <p:nvSpPr>
+          <p:cNvPr id="18" name="Прямоугольник 17">
+            <a:extLst>
+              <a:ext uri="{FF2B5EF4-FFF2-40B4-BE49-F238E27FC236}">
+                <a16:creationId xmlns:a16="http://schemas.microsoft.com/office/drawing/2014/main" id="{754E424C-1F93-4A75-B081-543E48DF86C0}"/>
+              </a:ext>
+            </a:extLst>
+          </p:cNvPr>
+          <p:cNvSpPr/>
+          <p:nvPr/>
+        </p:nvSpPr>
+        <p:spPr>
+          <a:xfrm>
+            <a:off x="4994997" y="4656580"/>
+            <a:ext cx="4987203" cy="461665"/>
+          </a:xfrm>
+          <a:prstGeom prst="rect">
+            <a:avLst/>
+          </a:prstGeom>
+        </p:spPr>
+        <p:txBody>
+          <a:bodyPr wrap="square">
+            <a:spAutoFit/>
+          </a:bodyPr>
+          <a:lstStyle/>
+          <a:p>
+            <a:pPr algn="just"/>
+            <a:endParaRPr lang="ru-RU" sz="2400" dirty="0"/>
+          </a:p>
+        </p:txBody>
+      </p:sp>
+      <p:pic>
+        <p:nvPicPr>
+          <p:cNvPr id="1026" name="Picture 2" descr="Выходное изображение">
+            <a:extLst>
+              <a:ext uri="{FF2B5EF4-FFF2-40B4-BE49-F238E27FC236}">
+                <a16:creationId xmlns:a16="http://schemas.microsoft.com/office/drawing/2014/main" id="{ABA21F3C-631D-47D8-88C9-7BE7FA42906B}"/>
+              </a:ext>
+            </a:extLst>
+          </p:cNvPr>
+          <p:cNvPicPr>
+            <a:picLocks noChangeAspect="1" noChangeArrowheads="1"/>
+          </p:cNvPicPr>
+          <p:nvPr/>
+        </p:nvPicPr>
+        <p:blipFill>
+          <a:blip r:embed="rId2">
+            <a:extLst>
+              <a:ext uri="{28A0092B-C50C-407E-A947-70E740481C1C}">
+                <a14:useLocalDpi xmlns:a14="http://schemas.microsoft.com/office/drawing/2010/main" val="0"/>
+              </a:ext>
+            </a:extLst>
+          </a:blip>
+          <a:srcRect/>
+          <a:stretch>
+            <a:fillRect/>
+          </a:stretch>
+        </p:blipFill>
+        <p:spPr bwMode="auto">
+          <a:xfrm>
+            <a:off x="2169665" y="662807"/>
+            <a:ext cx="7020291" cy="4188325"/>
+          </a:xfrm>
+          <a:prstGeom prst="rect">
+            <a:avLst/>
+          </a:prstGeom>
+          <a:noFill/>
+          <a:extLst>
+            <a:ext uri="{909E8E84-426E-40DD-AFC4-6F175D3DCCD1}">
+              <a14:hiddenFill xmlns:a14="http://schemas.microsoft.com/office/drawing/2010/main">
+                <a:solidFill>
+                  <a:srgbClr val="FFFFFF"/>
+                </a:solidFill>
+              </a14:hiddenFill>
+            </a:ext>
+          </a:extLst>
+        </p:spPr>
+      </p:pic>
+      <mc:AlternateContent xmlns:mc="http://schemas.openxmlformats.org/markup-compatibility/2006">
+        <mc:Choice xmlns:a14="http://schemas.microsoft.com/office/drawing/2010/main" Requires="a14">
+          <p:sp>
+            <p:nvSpPr>
+              <p:cNvPr id="10" name="TextBox 9">
+                <a:extLst>
+                  <a:ext uri="{FF2B5EF4-FFF2-40B4-BE49-F238E27FC236}">
+                    <a16:creationId xmlns:a16="http://schemas.microsoft.com/office/drawing/2014/main" id="{E77CC1F7-E166-4CE6-BB8B-5EB930DA1169}"/>
                   </a:ext>
                 </a:extLst>
               </p:cNvPr>
@@ -8593,8 +10935,8 @@
             </p:nvSpPr>
             <p:spPr>
               <a:xfrm>
-                <a:off x="97523" y="4438552"/>
-                <a:ext cx="5677524" cy="1735411"/>
+                <a:off x="2763715" y="4982326"/>
+                <a:ext cx="6190128" cy="975908"/>
               </a:xfrm>
               <a:prstGeom prst="rect">
                 <a:avLst/>
@@ -8607,611 +10949,7 @@
               </a:bodyPr>
               <a:lstStyle/>
               <a:p>
-                <a:pPr>
-                  <a:lnSpc>
-                    <a:spcPct val="150000"/>
-                  </a:lnSpc>
-                </a:pPr>
-                <a:r>
-                  <a:rPr lang="ru-RU" sz="1800" dirty="0">
-                    <a:effectLst/>
-                    <a:latin typeface="Cambria Math" panose="02040503050406030204" pitchFamily="18" charset="0"/>
-                    <a:ea typeface="SimSun" panose="02010600030101010101" pitchFamily="2" charset="-122"/>
-                  </a:rPr>
-                  <a:t>Определяем </a:t>
-                </a:r>
-                <a:r>
-                  <a:rPr lang="ru-RU" sz="1800" dirty="0" err="1">
-                    <a:effectLst/>
-                    <a:latin typeface="Cambria Math" panose="02040503050406030204" pitchFamily="18" charset="0"/>
-                    <a:ea typeface="SimSun" panose="02010600030101010101" pitchFamily="2" charset="-122"/>
-                  </a:rPr>
-                  <a:t>погреность</a:t>
-                </a:r>
-                <a:r>
-                  <a:rPr lang="ru-RU" sz="1800" dirty="0">
-                    <a:effectLst/>
-                    <a:latin typeface="Cambria Math" panose="02040503050406030204" pitchFamily="18" charset="0"/>
-                    <a:ea typeface="SimSun" panose="02010600030101010101" pitchFamily="2" charset="-122"/>
-                  </a:rPr>
-                  <a:t> по формуле:</a:t>
-                </a:r>
-              </a:p>
-              <a:p>
-                <a:pPr>
-                  <a:lnSpc>
-                    <a:spcPct val="150000"/>
-                  </a:lnSpc>
-                </a:pPr>
-                <a14:m>
-                  <m:oMathPara xmlns:m="http://schemas.openxmlformats.org/officeDocument/2006/math">
-                    <m:oMathParaPr>
-                      <m:jc m:val="centerGroup"/>
-                    </m:oMathParaPr>
-                    <m:oMath xmlns:m="http://schemas.openxmlformats.org/officeDocument/2006/math">
-                      <m:sSub>
-                        <m:sSubPr>
-                          <m:ctrlPr>
-                            <a:rPr lang="ru-RU" sz="1800" i="1" smtClean="0">
-                              <a:effectLst/>
-                              <a:latin typeface="Cambria Math" panose="02040503050406030204" pitchFamily="18" charset="0"/>
-                              <a:ea typeface="SimSun" panose="02010600030101010101" pitchFamily="2" charset="-122"/>
-                            </a:rPr>
-                          </m:ctrlPr>
-                        </m:sSubPr>
-                        <m:e>
-                          <m:r>
-                            <a:rPr lang="ru-RU" sz="1800" i="1">
-                              <a:effectLst/>
-                              <a:latin typeface="Cambria Math" panose="02040503050406030204" pitchFamily="18" charset="0"/>
-                              <a:ea typeface="SimSun" panose="02010600030101010101" pitchFamily="2" charset="-122"/>
-                            </a:rPr>
-                            <m:t>𝐽</m:t>
-                          </m:r>
-                        </m:e>
-                        <m:sub>
-                          <m:r>
-                            <a:rPr lang="ru-RU" sz="1800" i="1">
-                              <a:effectLst/>
-                              <a:latin typeface="Cambria Math" panose="02040503050406030204" pitchFamily="18" charset="0"/>
-                              <a:ea typeface="SimSun" panose="02010600030101010101" pitchFamily="2" charset="-122"/>
-                            </a:rPr>
-                            <m:t>𝑖</m:t>
-                          </m:r>
-                        </m:sub>
-                      </m:sSub>
-                      <m:r>
-                        <a:rPr lang="ru-RU" sz="1800" i="1">
-                          <a:effectLst/>
-                          <a:latin typeface="Cambria Math" panose="02040503050406030204" pitchFamily="18" charset="0"/>
-                          <a:ea typeface="SimSun" panose="02010600030101010101" pitchFamily="2" charset="-122"/>
-                        </a:rPr>
-                        <m:t>= </m:t>
-                      </m:r>
-                      <m:sSub>
-                        <m:sSubPr>
-                          <m:ctrlPr>
-                            <a:rPr lang="ru-RU" sz="1800" i="1">
-                              <a:effectLst/>
-                              <a:latin typeface="Cambria Math" panose="02040503050406030204" pitchFamily="18" charset="0"/>
-                              <a:ea typeface="SimSun" panose="02010600030101010101" pitchFamily="2" charset="-122"/>
-                            </a:rPr>
-                          </m:ctrlPr>
-                        </m:sSubPr>
-                        <m:e>
-                          <m:r>
-                            <a:rPr lang="en-US" sz="1800" i="1">
-                              <a:effectLst/>
-                              <a:latin typeface="Cambria Math" panose="02040503050406030204" pitchFamily="18" charset="0"/>
-                              <a:ea typeface="SimSun" panose="02010600030101010101" pitchFamily="2" charset="-122"/>
-                            </a:rPr>
-                            <m:t>𝐽</m:t>
-                          </m:r>
-                        </m:e>
-                        <m:sub>
-                          <m:r>
-                            <a:rPr lang="ru-RU" sz="1800" i="1">
-                              <a:effectLst/>
-                              <a:latin typeface="Cambria Math" panose="02040503050406030204" pitchFamily="18" charset="0"/>
-                              <a:ea typeface="SimSun" panose="02010600030101010101" pitchFamily="2" charset="-122"/>
-                            </a:rPr>
-                            <m:t>𝑖</m:t>
-                          </m:r>
-                        </m:sub>
-                      </m:sSub>
-                      <m:rad>
-                        <m:radPr>
-                          <m:degHide m:val="on"/>
-                          <m:ctrlPr>
-                            <a:rPr lang="ru-RU" sz="1800" i="1">
-                              <a:effectLst/>
-                              <a:latin typeface="Cambria Math" panose="02040503050406030204" pitchFamily="18" charset="0"/>
-                              <a:ea typeface="SimSun" panose="02010600030101010101" pitchFamily="2" charset="-122"/>
-                            </a:rPr>
-                          </m:ctrlPr>
-                        </m:radPr>
-                        <m:deg/>
-                        <m:e>
-                          <m:sSup>
-                            <m:sSupPr>
-                              <m:ctrlPr>
-                                <a:rPr lang="ru-RU" sz="1800" i="1">
-                                  <a:effectLst/>
-                                  <a:latin typeface="Cambria Math" panose="02040503050406030204" pitchFamily="18" charset="0"/>
-                                  <a:ea typeface="SimSun" panose="02010600030101010101" pitchFamily="2" charset="-122"/>
-                                </a:rPr>
-                              </m:ctrlPr>
-                            </m:sSupPr>
-                            <m:e>
-                              <m:d>
-                                <m:dPr>
-                                  <m:ctrlPr>
-                                    <a:rPr lang="ru-RU" sz="1800" i="1">
-                                      <a:effectLst/>
-                                      <a:latin typeface="Cambria Math" panose="02040503050406030204" pitchFamily="18" charset="0"/>
-                                      <a:ea typeface="SimSun" panose="02010600030101010101" pitchFamily="2" charset="-122"/>
-                                    </a:rPr>
-                                  </m:ctrlPr>
-                                </m:dPr>
-                                <m:e>
-                                  <m:f>
-                                    <m:fPr>
-                                      <m:ctrlPr>
-                                        <a:rPr lang="ru-RU" sz="1800" i="1">
-                                          <a:effectLst/>
-                                          <a:latin typeface="Cambria Math" panose="02040503050406030204" pitchFamily="18" charset="0"/>
-                                          <a:ea typeface="SimSun" panose="02010600030101010101" pitchFamily="2" charset="-122"/>
-                                        </a:rPr>
-                                      </m:ctrlPr>
-                                    </m:fPr>
-                                    <m:num>
-                                      <m:r>
-                                        <a:rPr lang="ru-RU" sz="1800" i="1">
-                                          <a:effectLst/>
-                                          <a:latin typeface="Cambria Math" panose="02040503050406030204" pitchFamily="18" charset="0"/>
-                                          <a:ea typeface="SimSun" panose="02010600030101010101" pitchFamily="2" charset="-122"/>
-                                        </a:rPr>
-                                        <m:t>𝜕</m:t>
-                                      </m:r>
-                                      <m:r>
-                                        <m:rPr>
-                                          <m:sty m:val="p"/>
-                                        </m:rPr>
-                                        <a:rPr lang="ru-RU" sz="1800">
-                                          <a:effectLst/>
-                                          <a:latin typeface="Cambria Math" panose="02040503050406030204" pitchFamily="18" charset="0"/>
-                                          <a:ea typeface="SimSun" panose="02010600030101010101" pitchFamily="2" charset="-122"/>
-                                        </a:rPr>
-                                        <m:t>ln</m:t>
-                                      </m:r>
-                                      <m:r>
-                                        <a:rPr lang="ru-RU" sz="1800">
-                                          <a:effectLst/>
-                                          <a:latin typeface="Cambria Math" panose="02040503050406030204" pitchFamily="18" charset="0"/>
-                                          <a:ea typeface="SimSun" panose="02010600030101010101" pitchFamily="2" charset="-122"/>
-                                        </a:rPr>
-                                        <m:t>⁡</m:t>
-                                      </m:r>
-                                      <m:r>
-                                        <a:rPr lang="ru-RU" sz="1800" i="1">
-                                          <a:effectLst/>
-                                          <a:latin typeface="Cambria Math" panose="02040503050406030204" pitchFamily="18" charset="0"/>
-                                          <a:ea typeface="SimSun" panose="02010600030101010101" pitchFamily="2" charset="-122"/>
-                                        </a:rPr>
-                                        <m:t>(</m:t>
-                                      </m:r>
-                                      <m:sSub>
-                                        <m:sSubPr>
-                                          <m:ctrlPr>
-                                            <a:rPr lang="ru-RU" sz="1800" i="1">
-                                              <a:effectLst/>
-                                              <a:latin typeface="Cambria Math" panose="02040503050406030204" pitchFamily="18" charset="0"/>
-                                              <a:ea typeface="SimSun" panose="02010600030101010101" pitchFamily="2" charset="-122"/>
-                                            </a:rPr>
-                                          </m:ctrlPr>
-                                        </m:sSubPr>
-                                        <m:e>
-                                          <m:r>
-                                            <a:rPr lang="ru-RU" sz="1800" i="1">
-                                              <a:effectLst/>
-                                              <a:latin typeface="Cambria Math" panose="02040503050406030204" pitchFamily="18" charset="0"/>
-                                              <a:ea typeface="SimSun" panose="02010600030101010101" pitchFamily="2" charset="-122"/>
-                                            </a:rPr>
-                                            <m:t>𝐽</m:t>
-                                          </m:r>
-                                        </m:e>
-                                        <m:sub>
-                                          <m:r>
-                                            <a:rPr lang="ru-RU" sz="1800" i="1">
-                                              <a:effectLst/>
-                                              <a:latin typeface="Cambria Math" panose="02040503050406030204" pitchFamily="18" charset="0"/>
-                                              <a:ea typeface="SimSun" panose="02010600030101010101" pitchFamily="2" charset="-122"/>
-                                            </a:rPr>
-                                            <m:t>𝑖</m:t>
-                                          </m:r>
-                                        </m:sub>
-                                      </m:sSub>
-                                      <m:r>
-                                        <a:rPr lang="ru-RU" sz="1800" i="1">
-                                          <a:effectLst/>
-                                          <a:latin typeface="Cambria Math" panose="02040503050406030204" pitchFamily="18" charset="0"/>
-                                          <a:ea typeface="SimSun" panose="02010600030101010101" pitchFamily="2" charset="-122"/>
-                                        </a:rPr>
-                                        <m:t>)</m:t>
-                                      </m:r>
-                                    </m:num>
-                                    <m:den>
-                                      <m:r>
-                                        <a:rPr lang="ru-RU" sz="1800" i="1">
-                                          <a:effectLst/>
-                                          <a:latin typeface="Cambria Math" panose="02040503050406030204" pitchFamily="18" charset="0"/>
-                                          <a:ea typeface="SimSun" panose="02010600030101010101" pitchFamily="2" charset="-122"/>
-                                        </a:rPr>
-                                        <m:t>𝜕</m:t>
-                                      </m:r>
-                                      <m:sSub>
-                                        <m:sSubPr>
-                                          <m:ctrlPr>
-                                            <a:rPr lang="ru-RU" sz="1800" i="1">
-                                              <a:effectLst/>
-                                              <a:latin typeface="Cambria Math" panose="02040503050406030204" pitchFamily="18" charset="0"/>
-                                              <a:ea typeface="SimSun" panose="02010600030101010101" pitchFamily="2" charset="-122"/>
-                                            </a:rPr>
-                                          </m:ctrlPr>
-                                        </m:sSubPr>
-                                        <m:e>
-                                          <m:r>
-                                            <a:rPr lang="ru-RU" sz="1800" i="1">
-                                              <a:effectLst/>
-                                              <a:latin typeface="Cambria Math" panose="02040503050406030204" pitchFamily="18" charset="0"/>
-                                              <a:ea typeface="SimSun" panose="02010600030101010101" pitchFamily="2" charset="-122"/>
-                                            </a:rPr>
-                                            <m:t>𝑚</m:t>
-                                          </m:r>
-                                        </m:e>
-                                        <m:sub>
-                                          <m:r>
-                                            <a:rPr lang="ru-RU" sz="1800" i="1">
-                                              <a:effectLst/>
-                                              <a:latin typeface="Cambria Math" panose="02040503050406030204" pitchFamily="18" charset="0"/>
-                                              <a:ea typeface="SimSun" panose="02010600030101010101" pitchFamily="2" charset="-122"/>
-                                            </a:rPr>
-                                            <m:t>𝑖</m:t>
-                                          </m:r>
-                                        </m:sub>
-                                      </m:sSub>
-                                    </m:den>
-                                  </m:f>
-                                  <m:r>
-                                    <a:rPr lang="ru-RU" sz="1800" i="1">
-                                      <a:effectLst/>
-                                      <a:latin typeface="Cambria Math" panose="02040503050406030204" pitchFamily="18" charset="0"/>
-                                      <a:ea typeface="SimSun" panose="02010600030101010101" pitchFamily="2" charset="-122"/>
-                                    </a:rPr>
-                                    <m:t>∆</m:t>
-                                  </m:r>
-                                  <m:sSub>
-                                    <m:sSubPr>
-                                      <m:ctrlPr>
-                                        <a:rPr lang="ru-RU" sz="1800" i="1">
-                                          <a:effectLst/>
-                                          <a:latin typeface="Cambria Math" panose="02040503050406030204" pitchFamily="18" charset="0"/>
-                                          <a:ea typeface="SimSun" panose="02010600030101010101" pitchFamily="2" charset="-122"/>
-                                        </a:rPr>
-                                      </m:ctrlPr>
-                                    </m:sSubPr>
-                                    <m:e>
-                                      <m:r>
-                                        <a:rPr lang="ru-RU" sz="1800" i="1">
-                                          <a:effectLst/>
-                                          <a:latin typeface="Cambria Math" panose="02040503050406030204" pitchFamily="18" charset="0"/>
-                                          <a:ea typeface="SimSun" panose="02010600030101010101" pitchFamily="2" charset="-122"/>
-                                        </a:rPr>
-                                        <m:t>𝑚</m:t>
-                                      </m:r>
-                                    </m:e>
-                                    <m:sub>
-                                      <m:r>
-                                        <a:rPr lang="ru-RU" sz="1800" i="1">
-                                          <a:effectLst/>
-                                          <a:latin typeface="Cambria Math" panose="02040503050406030204" pitchFamily="18" charset="0"/>
-                                          <a:ea typeface="SimSun" panose="02010600030101010101" pitchFamily="2" charset="-122"/>
-                                        </a:rPr>
-                                        <m:t>𝑖</m:t>
-                                      </m:r>
-                                    </m:sub>
-                                  </m:sSub>
-                                </m:e>
-                              </m:d>
-                            </m:e>
-                            <m:sup>
-                              <m:r>
-                                <a:rPr lang="ru-RU" sz="1800" i="1">
-                                  <a:effectLst/>
-                                  <a:latin typeface="Cambria Math" panose="02040503050406030204" pitchFamily="18" charset="0"/>
-                                  <a:ea typeface="SimSun" panose="02010600030101010101" pitchFamily="2" charset="-122"/>
-                                </a:rPr>
-                                <m:t>2</m:t>
-                              </m:r>
-                            </m:sup>
-                          </m:sSup>
-                          <m:r>
-                            <a:rPr lang="ru-RU" sz="1800" i="1">
-                              <a:effectLst/>
-                              <a:latin typeface="Cambria Math" panose="02040503050406030204" pitchFamily="18" charset="0"/>
-                              <a:ea typeface="SimSun" panose="02010600030101010101" pitchFamily="2" charset="-122"/>
-                            </a:rPr>
-                            <m:t>+</m:t>
-                          </m:r>
-                          <m:sSup>
-                            <m:sSupPr>
-                              <m:ctrlPr>
-                                <a:rPr lang="ru-RU" sz="1800" i="1">
-                                  <a:effectLst/>
-                                  <a:latin typeface="Cambria Math" panose="02040503050406030204" pitchFamily="18" charset="0"/>
-                                  <a:ea typeface="SimSun" panose="02010600030101010101" pitchFamily="2" charset="-122"/>
-                                </a:rPr>
-                              </m:ctrlPr>
-                            </m:sSupPr>
-                            <m:e>
-                              <m:d>
-                                <m:dPr>
-                                  <m:ctrlPr>
-                                    <a:rPr lang="ru-RU" sz="1800" i="1">
-                                      <a:effectLst/>
-                                      <a:latin typeface="Cambria Math" panose="02040503050406030204" pitchFamily="18" charset="0"/>
-                                      <a:ea typeface="SimSun" panose="02010600030101010101" pitchFamily="2" charset="-122"/>
-                                    </a:rPr>
-                                  </m:ctrlPr>
-                                </m:dPr>
-                                <m:e>
-                                  <m:f>
-                                    <m:fPr>
-                                      <m:ctrlPr>
-                                        <a:rPr lang="ru-RU" sz="1800" i="1">
-                                          <a:effectLst/>
-                                          <a:latin typeface="Cambria Math" panose="02040503050406030204" pitchFamily="18" charset="0"/>
-                                          <a:ea typeface="SimSun" panose="02010600030101010101" pitchFamily="2" charset="-122"/>
-                                        </a:rPr>
-                                      </m:ctrlPr>
-                                    </m:fPr>
-                                    <m:num>
-                                      <m:r>
-                                        <a:rPr lang="ru-RU" sz="1800" i="1">
-                                          <a:effectLst/>
-                                          <a:latin typeface="Cambria Math" panose="02040503050406030204" pitchFamily="18" charset="0"/>
-                                          <a:ea typeface="SimSun" panose="02010600030101010101" pitchFamily="2" charset="-122"/>
-                                        </a:rPr>
-                                        <m:t>𝜕</m:t>
-                                      </m:r>
-                                      <m:r>
-                                        <m:rPr>
-                                          <m:sty m:val="p"/>
-                                        </m:rPr>
-                                        <a:rPr lang="ru-RU" sz="1800">
-                                          <a:effectLst/>
-                                          <a:latin typeface="Cambria Math" panose="02040503050406030204" pitchFamily="18" charset="0"/>
-                                          <a:ea typeface="SimSun" panose="02010600030101010101" pitchFamily="2" charset="-122"/>
-                                        </a:rPr>
-                                        <m:t>ln</m:t>
-                                      </m:r>
-                                      <m:r>
-                                        <a:rPr lang="ru-RU" sz="1800">
-                                          <a:effectLst/>
-                                          <a:latin typeface="Cambria Math" panose="02040503050406030204" pitchFamily="18" charset="0"/>
-                                          <a:ea typeface="SimSun" panose="02010600030101010101" pitchFamily="2" charset="-122"/>
-                                        </a:rPr>
-                                        <m:t>⁡</m:t>
-                                      </m:r>
-                                      <m:r>
-                                        <a:rPr lang="ru-RU" sz="1800" i="1">
-                                          <a:effectLst/>
-                                          <a:latin typeface="Cambria Math" panose="02040503050406030204" pitchFamily="18" charset="0"/>
-                                          <a:ea typeface="SimSun" panose="02010600030101010101" pitchFamily="2" charset="-122"/>
-                                        </a:rPr>
-                                        <m:t>(</m:t>
-                                      </m:r>
-                                      <m:sSub>
-                                        <m:sSubPr>
-                                          <m:ctrlPr>
-                                            <a:rPr lang="ru-RU" sz="1800" i="1">
-                                              <a:effectLst/>
-                                              <a:latin typeface="Cambria Math" panose="02040503050406030204" pitchFamily="18" charset="0"/>
-                                              <a:ea typeface="SimSun" panose="02010600030101010101" pitchFamily="2" charset="-122"/>
-                                            </a:rPr>
-                                          </m:ctrlPr>
-                                        </m:sSubPr>
-                                        <m:e>
-                                          <m:r>
-                                            <a:rPr lang="ru-RU" sz="1800" i="1">
-                                              <a:effectLst/>
-                                              <a:latin typeface="Cambria Math" panose="02040503050406030204" pitchFamily="18" charset="0"/>
-                                              <a:ea typeface="SimSun" panose="02010600030101010101" pitchFamily="2" charset="-122"/>
-                                            </a:rPr>
-                                            <m:t>𝐽</m:t>
-                                          </m:r>
-                                        </m:e>
-                                        <m:sub>
-                                          <m:r>
-                                            <a:rPr lang="ru-RU" sz="1800" i="1">
-                                              <a:effectLst/>
-                                              <a:latin typeface="Cambria Math" panose="02040503050406030204" pitchFamily="18" charset="0"/>
-                                              <a:ea typeface="SimSun" panose="02010600030101010101" pitchFamily="2" charset="-122"/>
-                                            </a:rPr>
-                                            <m:t>𝑖</m:t>
-                                          </m:r>
-                                        </m:sub>
-                                      </m:sSub>
-                                      <m:r>
-                                        <a:rPr lang="ru-RU" sz="1800" i="1">
-                                          <a:effectLst/>
-                                          <a:latin typeface="Cambria Math" panose="02040503050406030204" pitchFamily="18" charset="0"/>
-                                          <a:ea typeface="SimSun" panose="02010600030101010101" pitchFamily="2" charset="-122"/>
-                                        </a:rPr>
-                                        <m:t>)</m:t>
-                                      </m:r>
-                                    </m:num>
-                                    <m:den>
-                                      <m:r>
-                                        <a:rPr lang="ru-RU" sz="1800" i="1">
-                                          <a:effectLst/>
-                                          <a:latin typeface="Cambria Math" panose="02040503050406030204" pitchFamily="18" charset="0"/>
-                                          <a:ea typeface="SimSun" panose="02010600030101010101" pitchFamily="2" charset="-122"/>
-                                        </a:rPr>
-                                        <m:t>𝜕</m:t>
-                                      </m:r>
-                                      <m:sSub>
-                                        <m:sSubPr>
-                                          <m:ctrlPr>
-                                            <a:rPr lang="ru-RU" sz="1800" i="1">
-                                              <a:effectLst/>
-                                              <a:latin typeface="Cambria Math" panose="02040503050406030204" pitchFamily="18" charset="0"/>
-                                              <a:ea typeface="SimSun" panose="02010600030101010101" pitchFamily="2" charset="-122"/>
-                                            </a:rPr>
-                                          </m:ctrlPr>
-                                        </m:sSubPr>
-                                        <m:e>
-                                          <m:r>
-                                            <a:rPr lang="ru-RU" sz="1800" i="1">
-                                              <a:effectLst/>
-                                              <a:latin typeface="Cambria Math" panose="02040503050406030204" pitchFamily="18" charset="0"/>
-                                              <a:ea typeface="SimSun" panose="02010600030101010101" pitchFamily="2" charset="-122"/>
-                                            </a:rPr>
-                                            <m:t>𝑟</m:t>
-                                          </m:r>
-                                        </m:e>
-                                        <m:sub>
-                                          <m:r>
-                                            <a:rPr lang="ru-RU" sz="1800" i="1">
-                                              <a:effectLst/>
-                                              <a:latin typeface="Cambria Math" panose="02040503050406030204" pitchFamily="18" charset="0"/>
-                                              <a:ea typeface="SimSun" panose="02010600030101010101" pitchFamily="2" charset="-122"/>
-                                            </a:rPr>
-                                            <m:t>𝑖</m:t>
-                                          </m:r>
-                                        </m:sub>
-                                      </m:sSub>
-                                    </m:den>
-                                  </m:f>
-                                  <m:r>
-                                    <a:rPr lang="ru-RU" sz="1800" i="1">
-                                      <a:effectLst/>
-                                      <a:latin typeface="Cambria Math" panose="02040503050406030204" pitchFamily="18" charset="0"/>
-                                      <a:ea typeface="SimSun" panose="02010600030101010101" pitchFamily="2" charset="-122"/>
-                                    </a:rPr>
-                                    <m:t>∆</m:t>
-                                  </m:r>
-                                  <m:r>
-                                    <a:rPr lang="ru-RU" sz="1800" i="1">
-                                      <a:effectLst/>
-                                      <a:latin typeface="Cambria Math" panose="02040503050406030204" pitchFamily="18" charset="0"/>
-                                      <a:ea typeface="SimSun" panose="02010600030101010101" pitchFamily="2" charset="-122"/>
-                                    </a:rPr>
-                                    <m:t>𝑟</m:t>
-                                  </m:r>
-                                </m:e>
-                              </m:d>
-                            </m:e>
-                            <m:sup>
-                              <m:r>
-                                <a:rPr lang="ru-RU" sz="1800" i="1">
-                                  <a:effectLst/>
-                                  <a:latin typeface="Cambria Math" panose="02040503050406030204" pitchFamily="18" charset="0"/>
-                                  <a:ea typeface="SimSun" panose="02010600030101010101" pitchFamily="2" charset="-122"/>
-                                </a:rPr>
-                                <m:t>2</m:t>
-                              </m:r>
-                            </m:sup>
-                          </m:sSup>
-                        </m:e>
-                      </m:rad>
-                    </m:oMath>
-                  </m:oMathPara>
-                </a14:m>
-                <a:endParaRPr lang="ru-RU" sz="1800" dirty="0">
-                  <a:effectLst/>
-                  <a:latin typeface="Times New Roman" panose="02020603050405020304" pitchFamily="18" charset="0"/>
-                  <a:ea typeface="SimSun" panose="02010600030101010101" pitchFamily="2" charset="-122"/>
-                </a:endParaRPr>
-              </a:p>
-            </p:txBody>
-          </p:sp>
-        </mc:Choice>
-        <mc:Fallback>
-          <p:sp>
-            <p:nvSpPr>
-              <p:cNvPr id="14" name="TextBox 13">
-                <a:extLst>
-                  <a:ext uri="{FF2B5EF4-FFF2-40B4-BE49-F238E27FC236}">
-                    <a16:creationId xmlns:a16="http://schemas.microsoft.com/office/drawing/2014/main" id="{FD5CE986-D61E-44F6-99D5-3DA81B507ACD}"/>
-                  </a:ext>
-                </a:extLst>
-              </p:cNvPr>
-              <p:cNvSpPr txBox="1">
-                <a:spLocks noRot="1" noChangeAspect="1" noMove="1" noResize="1" noEditPoints="1" noAdjustHandles="1" noChangeArrowheads="1" noChangeShapeType="1" noTextEdit="1"/>
-              </p:cNvSpPr>
-              <p:nvPr/>
-            </p:nvSpPr>
-            <p:spPr>
-              <a:xfrm>
-                <a:off x="97523" y="4438552"/>
-                <a:ext cx="5677524" cy="1735411"/>
-              </a:xfrm>
-              <a:prstGeom prst="rect">
-                <a:avLst/>
-              </a:prstGeom>
-              <a:blipFill>
-                <a:blip r:embed="rId2"/>
-                <a:stretch>
-                  <a:fillRect l="-967"/>
-                </a:stretch>
-              </a:blipFill>
-            </p:spPr>
-            <p:txBody>
-              <a:bodyPr/>
-              <a:lstStyle/>
-              <a:p>
-                <a:r>
-                  <a:rPr lang="ru-RU">
-                    <a:noFill/>
-                  </a:rPr>
-                  <a:t> </a:t>
-                </a:r>
-              </a:p>
-            </p:txBody>
-          </p:sp>
-        </mc:Fallback>
-      </mc:AlternateContent>
-      <mc:AlternateContent xmlns:mc="http://schemas.openxmlformats.org/markup-compatibility/2006">
-        <mc:Choice xmlns:a14="http://schemas.microsoft.com/office/drawing/2010/main" Requires="a14">
-          <p:sp>
-            <p:nvSpPr>
-              <p:cNvPr id="15" name="TextBox 14">
-                <a:extLst>
-                  <a:ext uri="{FF2B5EF4-FFF2-40B4-BE49-F238E27FC236}">
-                    <a16:creationId xmlns:a16="http://schemas.microsoft.com/office/drawing/2014/main" id="{C56A41B1-1177-44A3-8AD3-CD3EA2C2983E}"/>
-                  </a:ext>
-                </a:extLst>
-              </p:cNvPr>
-              <p:cNvSpPr txBox="1"/>
-              <p:nvPr/>
-            </p:nvSpPr>
-            <p:spPr>
-              <a:xfrm>
-                <a:off x="2759700" y="6322484"/>
-                <a:ext cx="6190128" cy="375552"/>
-              </a:xfrm>
-              <a:prstGeom prst="rect">
-                <a:avLst/>
-              </a:prstGeom>
-              <a:noFill/>
-            </p:spPr>
-            <p:txBody>
-              <a:bodyPr wrap="square">
-                <a:spAutoFit/>
-              </a:bodyPr>
-              <a:lstStyle/>
-              <a:p>
+                <a:pPr/>
                 <a14:m>
                   <m:oMathPara xmlns:m="http://schemas.openxmlformats.org/officeDocument/2006/math">
                     <m:oMathParaPr>
@@ -9222,7 +10960,7 @@
                         <a:rPr lang="en-US" b="1" i="1" smtClean="0">
                           <a:latin typeface="Cambria Math" panose="02040503050406030204" pitchFamily="18" charset="0"/>
                         </a:rPr>
-                        <m:t>𝑱</m:t>
+                        <m:t>𝑴</m:t>
                       </m:r>
                       <m:r>
                         <a:rPr lang="en-US" b="1" i="1" smtClean="0">
@@ -9234,7 +10972,7 @@
                         <a:rPr lang="en-US" b="1" i="1" smtClean="0">
                           <a:latin typeface="Cambria Math" panose="02040503050406030204" pitchFamily="18" charset="0"/>
                         </a:rPr>
-                        <m:t>𝟐</m:t>
+                        <m:t>𝟎</m:t>
                       </m:r>
                       <m:r>
                         <a:rPr lang="en-US" b="1" i="1" smtClean="0">
@@ -9246,7 +10984,34 @@
                         <a:rPr lang="en-US" b="1" i="1" smtClean="0">
                           <a:latin typeface="Cambria Math" panose="02040503050406030204" pitchFamily="18" charset="0"/>
                         </a:rPr>
-                        <m:t>𝟔𝟗</m:t>
+                        <m:t>𝟎𝟎𝟓</m:t>
+                      </m:r>
+                      <m:r>
+                        <a:rPr lang="en-US" b="1" i="1" smtClean="0">
+                          <a:latin typeface="Cambria Math" panose="02040503050406030204" pitchFamily="18" charset="0"/>
+                        </a:rPr>
+                        <m:t> ±</m:t>
+                      </m:r>
+                      <m:r>
+                        <a:rPr lang="en-US" b="1" i="1" smtClean="0">
+                          <a:latin typeface="Cambria Math" panose="02040503050406030204" pitchFamily="18" charset="0"/>
+                          <a:ea typeface="Cambria Math" panose="02040503050406030204" pitchFamily="18" charset="0"/>
+                        </a:rPr>
+                        <m:t>𝟕</m:t>
+                      </m:r>
+                      <m:r>
+                        <a:rPr lang="en-US" b="1" i="1" smtClean="0">
+                          <a:latin typeface="Cambria Math" panose="02040503050406030204" pitchFamily="18" charset="0"/>
+                          <a:ea typeface="Cambria Math" panose="02040503050406030204" pitchFamily="18" charset="0"/>
+                        </a:rPr>
+                        <m:t>.</m:t>
+                      </m:r>
+                      <m:r>
+                        <a:rPr lang="en-US" b="1" i="1" smtClean="0">
+                          <a:latin typeface="Cambria Math" panose="02040503050406030204" pitchFamily="18" charset="0"/>
+                          <a:ea typeface="Cambria Math" panose="02040503050406030204" pitchFamily="18" charset="0"/>
+                        </a:rPr>
+                        <m:t>𝟎𝟕</m:t>
                       </m:r>
                       <m:r>
                         <a:rPr lang="en-US" b="1" i="1" smtClean="0">
@@ -9279,14 +11044,7 @@
                               <a:latin typeface="Cambria Math" panose="02040503050406030204" pitchFamily="18" charset="0"/>
                               <a:ea typeface="Cambria Math" panose="02040503050406030204" pitchFamily="18" charset="0"/>
                             </a:rPr>
-                            <m:t>−</m:t>
-                          </m:r>
-                          <m:r>
-                            <a:rPr lang="en-US" b="1" i="1" smtClean="0">
-                              <a:latin typeface="Cambria Math" panose="02040503050406030204" pitchFamily="18" charset="0"/>
-                              <a:ea typeface="Cambria Math" panose="02040503050406030204" pitchFamily="18" charset="0"/>
-                            </a:rPr>
-                            <m:t>𝟒</m:t>
+                            <m:t>𝟓</m:t>
                           </m:r>
                         </m:sup>
                       </m:sSup>
@@ -9295,14 +11053,160 @@
                           <a:latin typeface="Cambria Math" panose="02040503050406030204" pitchFamily="18" charset="0"/>
                           <a:ea typeface="Cambria Math" panose="02040503050406030204" pitchFamily="18" charset="0"/>
                         </a:rPr>
-                        <m:t> ±</m:t>
+                        <m:t> </m:t>
+                      </m:r>
+                      <m:r>
+                        <a:rPr lang="ru-RU" b="1" i="1" smtClean="0">
+                          <a:latin typeface="Cambria Math" panose="02040503050406030204" pitchFamily="18" charset="0"/>
+                          <a:ea typeface="Cambria Math" panose="02040503050406030204" pitchFamily="18" charset="0"/>
+                        </a:rPr>
+                        <m:t>Н∙м</m:t>
+                      </m:r>
+                    </m:oMath>
+                  </m:oMathPara>
+                </a14:m>
+                <a:endParaRPr lang="ru-RU" b="1" dirty="0"/>
+              </a:p>
+              <a:p>
+                <a:pPr/>
+                <a14:m>
+                  <m:oMathPara xmlns:m="http://schemas.openxmlformats.org/officeDocument/2006/math">
+                    <m:oMathParaPr>
+                      <m:jc m:val="centerGroup"/>
+                    </m:oMathParaPr>
+                    <m:oMath xmlns:m="http://schemas.openxmlformats.org/officeDocument/2006/math">
+                      <m:r>
+                        <a:rPr lang="ru-RU" b="1" i="1" smtClean="0">
+                          <a:latin typeface="Cambria Math" panose="02040503050406030204" pitchFamily="18" charset="0"/>
+                          <a:ea typeface="Cambria Math" panose="02040503050406030204" pitchFamily="18" charset="0"/>
+                        </a:rPr>
+                        <m:t>𝜹</m:t>
                       </m:r>
                       <m:r>
                         <a:rPr lang="en-US" b="1" i="1" smtClean="0">
                           <a:latin typeface="Cambria Math" panose="02040503050406030204" pitchFamily="18" charset="0"/>
                           <a:ea typeface="Cambria Math" panose="02040503050406030204" pitchFamily="18" charset="0"/>
                         </a:rPr>
-                        <m:t>𝟒</m:t>
+                        <m:t>𝑴</m:t>
+                      </m:r>
+                      <m:r>
+                        <a:rPr lang="en-US" b="1" i="1" smtClean="0">
+                          <a:latin typeface="Cambria Math" panose="02040503050406030204" pitchFamily="18" charset="0"/>
+                          <a:ea typeface="Cambria Math" panose="02040503050406030204" pitchFamily="18" charset="0"/>
+                        </a:rPr>
+                        <m:t>= </m:t>
+                      </m:r>
+                      <m:f>
+                        <m:fPr>
+                          <m:ctrlPr>
+                            <a:rPr lang="en-US" b="1" i="1" smtClean="0">
+                              <a:latin typeface="Cambria Math" panose="02040503050406030204" pitchFamily="18" charset="0"/>
+                              <a:ea typeface="Cambria Math" panose="02040503050406030204" pitchFamily="18" charset="0"/>
+                            </a:rPr>
+                          </m:ctrlPr>
+                        </m:fPr>
+                        <m:num>
+                          <m:r>
+                            <a:rPr lang="en-US" b="1" i="1" smtClean="0">
+                              <a:latin typeface="Cambria Math" panose="02040503050406030204" pitchFamily="18" charset="0"/>
+                              <a:ea typeface="Cambria Math" panose="02040503050406030204" pitchFamily="18" charset="0"/>
+                            </a:rPr>
+                            <m:t>𝟕</m:t>
+                          </m:r>
+                          <m:r>
+                            <a:rPr lang="en-US" b="1" i="1" smtClean="0">
+                              <a:latin typeface="Cambria Math" panose="02040503050406030204" pitchFamily="18" charset="0"/>
+                              <a:ea typeface="Cambria Math" panose="02040503050406030204" pitchFamily="18" charset="0"/>
+                            </a:rPr>
+                            <m:t>,</m:t>
+                          </m:r>
+                          <m:r>
+                            <a:rPr lang="en-US" b="1" i="1" smtClean="0">
+                              <a:latin typeface="Cambria Math" panose="02040503050406030204" pitchFamily="18" charset="0"/>
+                              <a:ea typeface="Cambria Math" panose="02040503050406030204" pitchFamily="18" charset="0"/>
+                            </a:rPr>
+                            <m:t>𝟎𝟕</m:t>
+                          </m:r>
+                          <m:r>
+                            <a:rPr lang="en-US" b="1" i="1" smtClean="0">
+                              <a:latin typeface="Cambria Math" panose="02040503050406030204" pitchFamily="18" charset="0"/>
+                              <a:ea typeface="Cambria Math" panose="02040503050406030204" pitchFamily="18" charset="0"/>
+                            </a:rPr>
+                            <m:t>∙</m:t>
+                          </m:r>
+                          <m:sSup>
+                            <m:sSupPr>
+                              <m:ctrlPr>
+                                <a:rPr lang="en-US" b="1" i="1" smtClean="0">
+                                  <a:latin typeface="Cambria Math" panose="02040503050406030204" pitchFamily="18" charset="0"/>
+                                  <a:ea typeface="Cambria Math" panose="02040503050406030204" pitchFamily="18" charset="0"/>
+                                </a:rPr>
+                              </m:ctrlPr>
+                            </m:sSupPr>
+                            <m:e>
+                              <m:r>
+                                <a:rPr lang="en-US" b="1" i="1" smtClean="0">
+                                  <a:latin typeface="Cambria Math" panose="02040503050406030204" pitchFamily="18" charset="0"/>
+                                  <a:ea typeface="Cambria Math" panose="02040503050406030204" pitchFamily="18" charset="0"/>
+                                </a:rPr>
+                                <m:t>𝟏𝟎</m:t>
+                              </m:r>
+                            </m:e>
+                            <m:sup>
+                              <m:r>
+                                <a:rPr lang="en-US" b="1" i="1" smtClean="0">
+                                  <a:latin typeface="Cambria Math" panose="02040503050406030204" pitchFamily="18" charset="0"/>
+                                  <a:ea typeface="Cambria Math" panose="02040503050406030204" pitchFamily="18" charset="0"/>
+                                </a:rPr>
+                                <m:t>−</m:t>
+                              </m:r>
+                              <m:r>
+                                <a:rPr lang="en-US" b="1" i="1" smtClean="0">
+                                  <a:latin typeface="Cambria Math" panose="02040503050406030204" pitchFamily="18" charset="0"/>
+                                  <a:ea typeface="Cambria Math" panose="02040503050406030204" pitchFamily="18" charset="0"/>
+                                </a:rPr>
+                                <m:t>𝟓</m:t>
+                              </m:r>
+                            </m:sup>
+                          </m:sSup>
+                        </m:num>
+                        <m:den>
+                          <m:r>
+                            <a:rPr lang="en-US" b="1" i="1" smtClean="0">
+                              <a:latin typeface="Cambria Math" panose="02040503050406030204" pitchFamily="18" charset="0"/>
+                              <a:ea typeface="Cambria Math" panose="02040503050406030204" pitchFamily="18" charset="0"/>
+                            </a:rPr>
+                            <m:t>𝟎</m:t>
+                          </m:r>
+                          <m:r>
+                            <a:rPr lang="en-US" b="1" i="1" smtClean="0">
+                              <a:latin typeface="Cambria Math" panose="02040503050406030204" pitchFamily="18" charset="0"/>
+                              <a:ea typeface="Cambria Math" panose="02040503050406030204" pitchFamily="18" charset="0"/>
+                            </a:rPr>
+                            <m:t>,</m:t>
+                          </m:r>
+                          <m:r>
+                            <a:rPr lang="en-US" b="1" i="1" smtClean="0">
+                              <a:latin typeface="Cambria Math" panose="02040503050406030204" pitchFamily="18" charset="0"/>
+                              <a:ea typeface="Cambria Math" panose="02040503050406030204" pitchFamily="18" charset="0"/>
+                            </a:rPr>
+                            <m:t>𝟎𝟎𝟓</m:t>
+                          </m:r>
+                        </m:den>
+                      </m:f>
+                      <m:r>
+                        <a:rPr lang="en-US" b="1" i="1" smtClean="0">
+                          <a:latin typeface="Cambria Math" panose="02040503050406030204" pitchFamily="18" charset="0"/>
+                          <a:ea typeface="Cambria Math" panose="02040503050406030204" pitchFamily="18" charset="0"/>
+                        </a:rPr>
+                        <m:t> ≈</m:t>
+                      </m:r>
+                      <m:r>
+                        <a:rPr lang="en-US" b="1" i="1" smtClean="0">
+                          <a:latin typeface="Cambria Math" panose="02040503050406030204" pitchFamily="18" charset="0"/>
+                          <a:ea typeface="Cambria Math" panose="02040503050406030204" pitchFamily="18" charset="0"/>
+                        </a:rPr>
+                        <m:t>𝟏</m:t>
                       </m:r>
                       <m:r>
                         <a:rPr lang="en-US" b="1" i="1" smtClean="0">
@@ -9316,99 +11220,15 @@
                           <a:latin typeface="Cambria Math" panose="02040503050406030204" pitchFamily="18" charset="0"/>
                           <a:ea typeface="Cambria Math" panose="02040503050406030204" pitchFamily="18" charset="0"/>
                         </a:rPr>
-                        <m:t>𝟓𝟖</m:t>
+                        <m:t>𝟓</m:t>
                       </m:r>
                       <m:r>
                         <a:rPr lang="en-US" b="1" i="1" smtClean="0">
                           <a:latin typeface="Cambria Math" panose="02040503050406030204" pitchFamily="18" charset="0"/>
                           <a:ea typeface="Cambria Math" panose="02040503050406030204" pitchFamily="18" charset="0"/>
                         </a:rPr>
-                        <m:t>∙</m:t>
+                        <m:t> %</m:t>
                       </m:r>
-                      <m:sSup>
-                        <m:sSupPr>
-                          <m:ctrlPr>
-                            <a:rPr lang="en-US" b="1" i="1" smtClean="0">
-                              <a:latin typeface="Cambria Math" panose="02040503050406030204" pitchFamily="18" charset="0"/>
-                              <a:ea typeface="Cambria Math" panose="02040503050406030204" pitchFamily="18" charset="0"/>
-                            </a:rPr>
-                          </m:ctrlPr>
-                        </m:sSupPr>
-                        <m:e>
-                          <m:r>
-                            <a:rPr lang="en-US" b="1" i="1" smtClean="0">
-                              <a:latin typeface="Cambria Math" panose="02040503050406030204" pitchFamily="18" charset="0"/>
-                              <a:ea typeface="Cambria Math" panose="02040503050406030204" pitchFamily="18" charset="0"/>
-                            </a:rPr>
-                            <m:t>𝟏𝟎</m:t>
-                          </m:r>
-                        </m:e>
-                        <m:sup>
-                          <m:r>
-                            <a:rPr lang="en-US" b="1" i="1" smtClean="0">
-                              <a:latin typeface="Cambria Math" panose="02040503050406030204" pitchFamily="18" charset="0"/>
-                              <a:ea typeface="Cambria Math" panose="02040503050406030204" pitchFamily="18" charset="0"/>
-                            </a:rPr>
-                            <m:t>−</m:t>
-                          </m:r>
-                          <m:r>
-                            <a:rPr lang="en-US" b="1" i="1" smtClean="0">
-                              <a:latin typeface="Cambria Math" panose="02040503050406030204" pitchFamily="18" charset="0"/>
-                              <a:ea typeface="Cambria Math" panose="02040503050406030204" pitchFamily="18" charset="0"/>
-                            </a:rPr>
-                            <m:t>𝟕</m:t>
-                          </m:r>
-                        </m:sup>
-                      </m:sSup>
-                      <m:r>
-                        <a:rPr lang="en-US" b="1" i="1" smtClean="0">
-                          <a:latin typeface="Cambria Math" panose="02040503050406030204" pitchFamily="18" charset="0"/>
-                          <a:ea typeface="Cambria Math" panose="02040503050406030204" pitchFamily="18" charset="0"/>
-                        </a:rPr>
-                        <m:t> </m:t>
-                      </m:r>
-                      <m:r>
-                        <a:rPr lang="ru-RU" b="1" i="0" smtClean="0">
-                          <a:latin typeface="Cambria Math" panose="02040503050406030204" pitchFamily="18" charset="0"/>
-                          <a:ea typeface="Cambria Math" panose="02040503050406030204" pitchFamily="18" charset="0"/>
-                        </a:rPr>
-                        <m:t>кг</m:t>
-                      </m:r>
-                      <m:r>
-                        <a:rPr lang="ru-RU" b="1" i="1" smtClean="0">
-                          <a:latin typeface="Cambria Math" panose="02040503050406030204" pitchFamily="18" charset="0"/>
-                          <a:ea typeface="Cambria Math" panose="02040503050406030204" pitchFamily="18" charset="0"/>
-                        </a:rPr>
-                        <m:t>∙</m:t>
-                      </m:r>
-                      <m:sSup>
-                        <m:sSupPr>
-                          <m:ctrlPr>
-                            <a:rPr lang="ru-RU" b="1" i="1" smtClean="0">
-                              <a:latin typeface="Cambria Math" panose="02040503050406030204" pitchFamily="18" charset="0"/>
-                              <a:ea typeface="Cambria Math" panose="02040503050406030204" pitchFamily="18" charset="0"/>
-                            </a:rPr>
-                          </m:ctrlPr>
-                        </m:sSupPr>
-                        <m:e>
-                          <m:r>
-                            <a:rPr lang="ru-RU" b="1" i="1" smtClean="0">
-                              <a:latin typeface="Cambria Math" panose="02040503050406030204" pitchFamily="18" charset="0"/>
-                              <a:ea typeface="Cambria Math" panose="02040503050406030204" pitchFamily="18" charset="0"/>
-                            </a:rPr>
-                            <m:t>м</m:t>
-                          </m:r>
-                        </m:e>
-                        <m:sup>
-                          <m:r>
-                            <a:rPr lang="ru-RU" b="1" i="1" smtClean="0">
-                              <a:latin typeface="Cambria Math" panose="02040503050406030204" pitchFamily="18" charset="0"/>
-                              <a:ea typeface="Cambria Math" panose="02040503050406030204" pitchFamily="18" charset="0"/>
-                            </a:rPr>
-                            <m:t>𝟐</m:t>
-                          </m:r>
-                        </m:sup>
-                      </m:sSup>
                     </m:oMath>
                   </m:oMathPara>
                 </a14:m>
@@ -9420,10 +11240,10 @@
         <mc:Fallback>
           <p:sp>
             <p:nvSpPr>
-              <p:cNvPr id="15" name="TextBox 14">
+              <p:cNvPr id="10" name="TextBox 9">
                 <a:extLst>
                   <a:ext uri="{FF2B5EF4-FFF2-40B4-BE49-F238E27FC236}">
-                    <a16:creationId xmlns:a16="http://schemas.microsoft.com/office/drawing/2014/main" id="{C56A41B1-1177-44A3-8AD3-CD3EA2C2983E}"/>
+                    <a16:creationId xmlns:a16="http://schemas.microsoft.com/office/drawing/2014/main" id="{E77CC1F7-E166-4CE6-BB8B-5EB930DA1169}"/>
                   </a:ext>
                 </a:extLst>
               </p:cNvPr>
@@ -9434,8 +11254,8 @@
             </p:nvSpPr>
             <p:spPr>
               <a:xfrm>
-                <a:off x="2759700" y="6322484"/>
-                <a:ext cx="6190128" cy="375552"/>
+                <a:off x="2763715" y="4982326"/>
+                <a:ext cx="6190128" cy="975908"/>
               </a:xfrm>
               <a:prstGeom prst="rect">
                 <a:avLst/>
@@ -9443,7 +11263,7 @@
               <a:blipFill>
                 <a:blip r:embed="rId3"/>
                 <a:stretch>
-                  <a:fillRect b="-9677"/>
+                  <a:fillRect/>
                 </a:stretch>
               </a:blipFill>
             </p:spPr>
@@ -9452,7 +11272,7 @@
               <a:lstStyle/>
               <a:p>
                 <a:r>
-                  <a:rPr lang="ru-RU">
+                  <a:rPr lang="en-US">
                     <a:noFill/>
                   </a:rPr>
                   <a:t> </a:t>
@@ -9465,7 +11285,7 @@
     </p:spTree>
     <p:extLst>
       <p:ext uri="{BB962C8B-B14F-4D97-AF65-F5344CB8AC3E}">
-        <p14:creationId xmlns:p14="http://schemas.microsoft.com/office/powerpoint/2010/main" val="841034221"/>
+        <p14:creationId xmlns:p14="http://schemas.microsoft.com/office/powerpoint/2010/main" val="2195243119"/>
       </p:ext>
     </p:extLst>
   </p:cSld>
@@ -9475,7 +11295,7 @@
 </p:sld>
 </file>
 
-<file path=ppt/slides/slide7.xml><?xml version="1.0" encoding="utf-8"?>
+<file path=ppt/slides/slide9.xml><?xml version="1.0" encoding="utf-8"?>
 <p:sld xmlns:a="http://schemas.openxmlformats.org/drawingml/2006/main" xmlns:r="http://schemas.openxmlformats.org/officeDocument/2006/relationships" xmlns:p="http://schemas.openxmlformats.org/presentationml/2006/main">
   <p:cSld>
     <p:spTree>
@@ -9509,7 +11329,7 @@
           <a:p>
             <a:fld id="{1F8BD534-37C6-45AF-BD63-E8CFF4C8D25C}" type="slidenum">
               <a:rPr lang="en-US" smtClean="0"/>
-              <a:t>7</a:t>
+              <a:t>9</a:t>
             </a:fld>
             <a:endParaRPr lang="en-US"/>
           </a:p>
@@ -9870,843 +11690,6 @@
     <p:extLst>
       <p:ext uri="{BB962C8B-B14F-4D97-AF65-F5344CB8AC3E}">
         <p14:creationId xmlns:p14="http://schemas.microsoft.com/office/powerpoint/2010/main" val="1363180178"/>
-      </p:ext>
-    </p:extLst>
-  </p:cSld>
-  <p:clrMapOvr>
-    <a:masterClrMapping/>
-  </p:clrMapOvr>
-</p:sld>
-</file>
-
-<file path=ppt/slides/slide8.xml><?xml version="1.0" encoding="utf-8"?>
-<p:sld xmlns:a="http://schemas.openxmlformats.org/drawingml/2006/main" xmlns:r="http://schemas.openxmlformats.org/officeDocument/2006/relationships" xmlns:p="http://schemas.openxmlformats.org/presentationml/2006/main">
-  <p:cSld>
-    <p:spTree>
-      <p:nvGrpSpPr>
-        <p:cNvPr id="1" name=""/>
-        <p:cNvGrpSpPr/>
-        <p:nvPr/>
-      </p:nvGrpSpPr>
-      <p:grpSpPr>
-        <a:xfrm>
-          <a:off x="0" y="0"/>
-          <a:ext cx="0" cy="0"/>
-          <a:chOff x="0" y="0"/>
-          <a:chExt cx="0" cy="0"/>
-        </a:xfrm>
-      </p:grpSpPr>
-      <p:sp>
-        <p:nvSpPr>
-          <p:cNvPr id="4" name="Slide Number Placeholder 3">
-            <a:extLst>
-              <a:ext uri="{FF2B5EF4-FFF2-40B4-BE49-F238E27FC236}">
-                <a16:creationId xmlns:a16="http://schemas.microsoft.com/office/drawing/2014/main" id="{356807AF-B532-44F6-A3C5-779F1176F644}"/>
-              </a:ext>
-            </a:extLst>
-          </p:cNvPr>
-          <p:cNvSpPr>
-            <a:spLocks noGrp="1"/>
-          </p:cNvSpPr>
-          <p:nvPr>
-            <p:ph type="sldNum" sz="quarter" idx="12"/>
-          </p:nvPr>
-        </p:nvSpPr>
-        <p:spPr/>
-        <p:txBody>
-          <a:bodyPr/>
-          <a:lstStyle/>
-          <a:p>
-            <a:fld id="{1F8BD534-37C6-45AF-BD63-E8CFF4C8D25C}" type="slidenum">
-              <a:rPr lang="en-US" smtClean="0"/>
-              <a:t>8</a:t>
-            </a:fld>
-            <a:endParaRPr lang="en-US"/>
-          </a:p>
-        </p:txBody>
-      </p:sp>
-      <p:sp>
-        <p:nvSpPr>
-          <p:cNvPr id="5" name="TextBox 4">
-            <a:extLst>
-              <a:ext uri="{FF2B5EF4-FFF2-40B4-BE49-F238E27FC236}">
-                <a16:creationId xmlns:a16="http://schemas.microsoft.com/office/drawing/2014/main" id="{E2F314B4-3CCB-44D2-AF5F-B866DD7E5345}"/>
-              </a:ext>
-            </a:extLst>
-          </p:cNvPr>
-          <p:cNvSpPr txBox="1"/>
-          <p:nvPr/>
-        </p:nvSpPr>
-        <p:spPr>
-          <a:xfrm>
-            <a:off x="245214" y="796304"/>
-            <a:ext cx="11384715" cy="646331"/>
-          </a:xfrm>
-          <a:prstGeom prst="rect">
-            <a:avLst/>
-          </a:prstGeom>
-          <a:noFill/>
-        </p:spPr>
-        <p:txBody>
-          <a:bodyPr wrap="square">
-            <a:spAutoFit/>
-          </a:bodyPr>
-          <a:lstStyle/>
-          <a:p>
-            <a:pPr algn="just"/>
-            <a:r>
-              <a:rPr lang="ru-RU" dirty="0">
-                <a:latin typeface="+mj-lt"/>
-              </a:rPr>
-              <a:t>Итоговый момент определяется как отношение ускорений рамы при перенацеливании и при тестовом воздействии</a:t>
-            </a:r>
-          </a:p>
-        </p:txBody>
-      </p:sp>
-      <p:sp>
-        <p:nvSpPr>
-          <p:cNvPr id="6" name="TextBox 5">
-            <a:extLst>
-              <a:ext uri="{FF2B5EF4-FFF2-40B4-BE49-F238E27FC236}">
-                <a16:creationId xmlns:a16="http://schemas.microsoft.com/office/drawing/2014/main" id="{339AB545-3535-4DD5-A63E-4232D3ED4C5B}"/>
-              </a:ext>
-            </a:extLst>
-          </p:cNvPr>
-          <p:cNvSpPr txBox="1"/>
-          <p:nvPr/>
-        </p:nvSpPr>
-        <p:spPr>
-          <a:xfrm>
-            <a:off x="0" y="-7506"/>
-            <a:ext cx="10633039" cy="646331"/>
-          </a:xfrm>
-          <a:prstGeom prst="rect">
-            <a:avLst/>
-          </a:prstGeom>
-          <a:noFill/>
-        </p:spPr>
-        <p:txBody>
-          <a:bodyPr wrap="none" rtlCol="0">
-            <a:spAutoFit/>
-          </a:bodyPr>
-          <a:lstStyle/>
-          <a:p>
-            <a:r>
-              <a:rPr lang="ru-RU" sz="3600" dirty="0">
-                <a:latin typeface="+mj-lt"/>
-              </a:rPr>
-              <a:t>Оценка момента на основание при перенацеливании</a:t>
-            </a:r>
-          </a:p>
-        </p:txBody>
-      </p:sp>
-      <mc:AlternateContent xmlns:mc="http://schemas.openxmlformats.org/markup-compatibility/2006" xmlns:a14="http://schemas.microsoft.com/office/drawing/2010/main">
-        <mc:Choice Requires="a14">
-          <p:sp>
-            <p:nvSpPr>
-              <p:cNvPr id="7" name="TextBox 6">
-                <a:extLst>
-                  <a:ext uri="{FF2B5EF4-FFF2-40B4-BE49-F238E27FC236}">
-                    <a16:creationId xmlns:a16="http://schemas.microsoft.com/office/drawing/2014/main" id="{426F59A3-387F-40BD-A3D9-ADE749A62E24}"/>
-                  </a:ext>
-                </a:extLst>
-              </p:cNvPr>
-              <p:cNvSpPr txBox="1"/>
-              <p:nvPr/>
-            </p:nvSpPr>
-            <p:spPr>
-              <a:xfrm>
-                <a:off x="403642" y="1600114"/>
-                <a:ext cx="11384715" cy="612475"/>
-              </a:xfrm>
-              <a:prstGeom prst="rect">
-                <a:avLst/>
-              </a:prstGeom>
-              <a:noFill/>
-            </p:spPr>
-            <p:txBody>
-              <a:bodyPr wrap="square">
-                <a:spAutoFit/>
-              </a:bodyPr>
-              <a:lstStyle/>
-              <a:p>
-                <a:pPr algn="just"/>
-                <a14:m>
-                  <m:oMathPara xmlns:m="http://schemas.openxmlformats.org/officeDocument/2006/math">
-                    <m:oMathParaPr>
-                      <m:jc m:val="centerGroup"/>
-                    </m:oMathParaPr>
-                    <m:oMath xmlns:m="http://schemas.openxmlformats.org/officeDocument/2006/math">
-                      <m:r>
-                        <a:rPr lang="en-US" b="0" i="1" smtClean="0">
-                          <a:latin typeface="Cambria Math" panose="02040503050406030204" pitchFamily="18" charset="0"/>
-                        </a:rPr>
-                        <m:t>𝑀</m:t>
-                      </m:r>
-                      <m:r>
-                        <a:rPr lang="en-US" b="0" i="1" smtClean="0">
-                          <a:latin typeface="Cambria Math" panose="02040503050406030204" pitchFamily="18" charset="0"/>
-                        </a:rPr>
-                        <m:t>=</m:t>
-                      </m:r>
-                      <m:f>
-                        <m:fPr>
-                          <m:ctrlPr>
-                            <a:rPr lang="en-US" b="0" i="1" smtClean="0">
-                              <a:latin typeface="Cambria Math" panose="02040503050406030204" pitchFamily="18" charset="0"/>
-                              <a:ea typeface="Cambria Math" panose="02040503050406030204" pitchFamily="18" charset="0"/>
-                            </a:rPr>
-                          </m:ctrlPr>
-                        </m:fPr>
-                        <m:num>
-                          <m:sSub>
-                            <m:sSubPr>
-                              <m:ctrlPr>
-                                <a:rPr lang="en-US" i="1" smtClean="0">
-                                  <a:latin typeface="Cambria Math" panose="02040503050406030204" pitchFamily="18" charset="0"/>
-                                  <a:ea typeface="Cambria Math" panose="02040503050406030204" pitchFamily="18" charset="0"/>
-                                </a:rPr>
-                              </m:ctrlPr>
-                            </m:sSubPr>
-                            <m:e>
-                              <m:r>
-                                <m:rPr>
-                                  <m:sty m:val="p"/>
-                                </m:rPr>
-                                <a:rPr lang="en-US" i="1">
-                                  <a:latin typeface="Cambria Math" panose="02040503050406030204" pitchFamily="18" charset="0"/>
-                                  <a:ea typeface="Cambria Math" panose="02040503050406030204" pitchFamily="18" charset="0"/>
-                                </a:rPr>
-                                <m:t>ε</m:t>
-                              </m:r>
-                            </m:e>
-                            <m:sub>
-                              <m:r>
-                                <a:rPr lang="ru-RU" b="0" i="1" smtClean="0">
-                                  <a:latin typeface="Cambria Math" panose="02040503050406030204" pitchFamily="18" charset="0"/>
-                                  <a:ea typeface="Cambria Math" panose="02040503050406030204" pitchFamily="18" charset="0"/>
-                                </a:rPr>
-                                <m:t>п</m:t>
-                              </m:r>
-                            </m:sub>
-                          </m:sSub>
-                        </m:num>
-                        <m:den>
-                          <m:sSub>
-                            <m:sSubPr>
-                              <m:ctrlPr>
-                                <a:rPr lang="en-US" i="1">
-                                  <a:latin typeface="Cambria Math" panose="02040503050406030204" pitchFamily="18" charset="0"/>
-                                  <a:ea typeface="Cambria Math" panose="02040503050406030204" pitchFamily="18" charset="0"/>
-                                </a:rPr>
-                              </m:ctrlPr>
-                            </m:sSubPr>
-                            <m:e>
-                              <m:r>
-                                <m:rPr>
-                                  <m:sty m:val="p"/>
-                                </m:rPr>
-                                <a:rPr lang="en-US" i="1">
-                                  <a:latin typeface="Cambria Math" panose="02040503050406030204" pitchFamily="18" charset="0"/>
-                                  <a:ea typeface="Cambria Math" panose="02040503050406030204" pitchFamily="18" charset="0"/>
-                                </a:rPr>
-                                <m:t>ε</m:t>
-                              </m:r>
-                            </m:e>
-                            <m:sub>
-                              <m:r>
-                                <a:rPr lang="ru-RU" b="0" i="1" smtClean="0">
-                                  <a:latin typeface="Cambria Math" panose="02040503050406030204" pitchFamily="18" charset="0"/>
-                                  <a:ea typeface="Cambria Math" panose="02040503050406030204" pitchFamily="18" charset="0"/>
-                                </a:rPr>
-                                <m:t>т</m:t>
-                              </m:r>
-                            </m:sub>
-                          </m:sSub>
-                        </m:den>
-                      </m:f>
-                      <m:r>
-                        <a:rPr lang="en-US" b="0" i="1" smtClean="0">
-                          <a:latin typeface="Cambria Math" panose="02040503050406030204" pitchFamily="18" charset="0"/>
-                          <a:ea typeface="Cambria Math" panose="02040503050406030204" pitchFamily="18" charset="0"/>
-                        </a:rPr>
-                        <m:t>∙</m:t>
-                      </m:r>
-                      <m:sSub>
-                        <m:sSubPr>
-                          <m:ctrlPr>
-                            <a:rPr lang="en-US" b="0" i="1" smtClean="0">
-                              <a:latin typeface="Cambria Math" panose="02040503050406030204" pitchFamily="18" charset="0"/>
-                              <a:ea typeface="Cambria Math" panose="02040503050406030204" pitchFamily="18" charset="0"/>
-                            </a:rPr>
-                          </m:ctrlPr>
-                        </m:sSubPr>
-                        <m:e>
-                          <m:r>
-                            <a:rPr lang="en-US" b="0" i="1" smtClean="0">
-                              <a:latin typeface="Cambria Math" panose="02040503050406030204" pitchFamily="18" charset="0"/>
-                              <a:ea typeface="Cambria Math" panose="02040503050406030204" pitchFamily="18" charset="0"/>
-                            </a:rPr>
-                            <m:t>𝑀</m:t>
-                          </m:r>
-                        </m:e>
-                        <m:sub>
-                          <m:r>
-                            <a:rPr lang="ru-RU" b="0" i="1" smtClean="0">
-                              <a:latin typeface="Cambria Math" panose="02040503050406030204" pitchFamily="18" charset="0"/>
-                              <a:ea typeface="Cambria Math" panose="02040503050406030204" pitchFamily="18" charset="0"/>
-                            </a:rPr>
-                            <m:t>т</m:t>
-                          </m:r>
-                        </m:sub>
-                      </m:sSub>
-                    </m:oMath>
-                  </m:oMathPara>
-                </a14:m>
-                <a:endParaRPr lang="ru-RU" dirty="0">
-                  <a:latin typeface="+mj-lt"/>
-                </a:endParaRPr>
-              </a:p>
-            </p:txBody>
-          </p:sp>
-        </mc:Choice>
-        <mc:Fallback xmlns="">
-          <p:sp>
-            <p:nvSpPr>
-              <p:cNvPr id="7" name="TextBox 6">
-                <a:extLst>
-                  <a:ext uri="{FF2B5EF4-FFF2-40B4-BE49-F238E27FC236}">
-                    <a16:creationId xmlns:a16="http://schemas.microsoft.com/office/drawing/2014/main" id="{426F59A3-387F-40BD-A3D9-ADE749A62E24}"/>
-                  </a:ext>
-                </a:extLst>
-              </p:cNvPr>
-              <p:cNvSpPr txBox="1">
-                <a:spLocks noRot="1" noChangeAspect="1" noMove="1" noResize="1" noEditPoints="1" noAdjustHandles="1" noChangeArrowheads="1" noChangeShapeType="1" noTextEdit="1"/>
-              </p:cNvSpPr>
-              <p:nvPr/>
-            </p:nvSpPr>
-            <p:spPr>
-              <a:xfrm>
-                <a:off x="403642" y="1600114"/>
-                <a:ext cx="11384715" cy="612475"/>
-              </a:xfrm>
-              <a:prstGeom prst="rect">
-                <a:avLst/>
-              </a:prstGeom>
-              <a:blipFill>
-                <a:blip r:embed="rId2"/>
-                <a:stretch>
-                  <a:fillRect/>
-                </a:stretch>
-              </a:blipFill>
-            </p:spPr>
-            <p:txBody>
-              <a:bodyPr/>
-              <a:lstStyle/>
-              <a:p>
-                <a:r>
-                  <a:rPr lang="en-US">
-                    <a:noFill/>
-                  </a:rPr>
-                  <a:t> </a:t>
-                </a:r>
-              </a:p>
-            </p:txBody>
-          </p:sp>
-        </mc:Fallback>
-      </mc:AlternateContent>
-      <mc:AlternateContent xmlns:mc="http://schemas.openxmlformats.org/markup-compatibility/2006" xmlns:a14="http://schemas.microsoft.com/office/drawing/2010/main">
-        <mc:Choice Requires="a14">
-          <p:sp>
-            <p:nvSpPr>
-              <p:cNvPr id="8" name="TextBox 7">
-                <a:extLst>
-                  <a:ext uri="{FF2B5EF4-FFF2-40B4-BE49-F238E27FC236}">
-                    <a16:creationId xmlns:a16="http://schemas.microsoft.com/office/drawing/2014/main" id="{654FEEA9-50CF-470D-ADDC-678036E55340}"/>
-                  </a:ext>
-                </a:extLst>
-              </p:cNvPr>
-              <p:cNvSpPr txBox="1"/>
-              <p:nvPr/>
-            </p:nvSpPr>
-            <p:spPr>
-              <a:xfrm>
-                <a:off x="403642" y="2212589"/>
-                <a:ext cx="11384715" cy="646331"/>
-              </a:xfrm>
-              <a:prstGeom prst="rect">
-                <a:avLst/>
-              </a:prstGeom>
-              <a:noFill/>
-            </p:spPr>
-            <p:txBody>
-              <a:bodyPr wrap="square">
-                <a:spAutoFit/>
-              </a:bodyPr>
-              <a:lstStyle/>
-              <a:p>
-                <a:pPr algn="just"/>
-                <a:r>
-                  <a:rPr lang="ru-RU" dirty="0">
-                    <a:latin typeface="+mj-lt"/>
-                  </a:rPr>
-                  <a:t>Где </a:t>
-                </a:r>
-                <a14:m>
-                  <m:oMath xmlns:m="http://schemas.openxmlformats.org/officeDocument/2006/math">
-                    <m:sSub>
-                      <m:sSubPr>
-                        <m:ctrlPr>
-                          <a:rPr lang="en-US" i="1" smtClean="0">
-                            <a:latin typeface="Cambria Math" panose="02040503050406030204" pitchFamily="18" charset="0"/>
-                            <a:ea typeface="Cambria Math" panose="02040503050406030204" pitchFamily="18" charset="0"/>
-                          </a:rPr>
-                        </m:ctrlPr>
-                      </m:sSubPr>
-                      <m:e>
-                        <m:r>
-                          <m:rPr>
-                            <m:sty m:val="p"/>
-                          </m:rPr>
-                          <a:rPr lang="en-US" i="1">
-                            <a:latin typeface="Cambria Math" panose="02040503050406030204" pitchFamily="18" charset="0"/>
-                            <a:ea typeface="Cambria Math" panose="02040503050406030204" pitchFamily="18" charset="0"/>
-                          </a:rPr>
-                          <m:t>ε</m:t>
-                        </m:r>
-                      </m:e>
-                      <m:sub>
-                        <m:r>
-                          <a:rPr lang="ru-RU" b="0" i="1" smtClean="0">
-                            <a:latin typeface="Cambria Math" panose="02040503050406030204" pitchFamily="18" charset="0"/>
-                            <a:ea typeface="Cambria Math" panose="02040503050406030204" pitchFamily="18" charset="0"/>
-                          </a:rPr>
-                          <m:t>п</m:t>
-                        </m:r>
-                      </m:sub>
-                    </m:sSub>
-                  </m:oMath>
-                </a14:m>
-                <a:r>
-                  <a:rPr lang="ru-RU" dirty="0">
-                    <a:latin typeface="+mj-lt"/>
-                  </a:rPr>
-                  <a:t> - ускорение рамы при перенацеливании</a:t>
-                </a:r>
-                <a:r>
-                  <a:rPr lang="en-US" dirty="0">
-                    <a:latin typeface="+mj-lt"/>
-                  </a:rPr>
-                  <a:t>; </a:t>
-                </a:r>
-                <a14:m>
-                  <m:oMath xmlns:m="http://schemas.openxmlformats.org/officeDocument/2006/math">
-                    <m:sSub>
-                      <m:sSubPr>
-                        <m:ctrlPr>
-                          <a:rPr lang="en-US" i="1">
-                            <a:latin typeface="Cambria Math" panose="02040503050406030204" pitchFamily="18" charset="0"/>
-                            <a:ea typeface="Cambria Math" panose="02040503050406030204" pitchFamily="18" charset="0"/>
-                          </a:rPr>
-                        </m:ctrlPr>
-                      </m:sSubPr>
-                      <m:e>
-                        <m:r>
-                          <m:rPr>
-                            <m:sty m:val="p"/>
-                          </m:rPr>
-                          <a:rPr lang="en-US" i="1">
-                            <a:latin typeface="Cambria Math" panose="02040503050406030204" pitchFamily="18" charset="0"/>
-                            <a:ea typeface="Cambria Math" panose="02040503050406030204" pitchFamily="18" charset="0"/>
-                          </a:rPr>
-                          <m:t>ε</m:t>
-                        </m:r>
-                      </m:e>
-                      <m:sub>
-                        <m:r>
-                          <a:rPr lang="ru-RU" i="1">
-                            <a:latin typeface="Cambria Math" panose="02040503050406030204" pitchFamily="18" charset="0"/>
-                            <a:ea typeface="Cambria Math" panose="02040503050406030204" pitchFamily="18" charset="0"/>
-                          </a:rPr>
-                          <m:t>т</m:t>
-                        </m:r>
-                      </m:sub>
-                    </m:sSub>
-                  </m:oMath>
-                </a14:m>
-                <a:r>
-                  <a:rPr lang="en-US" dirty="0">
-                    <a:latin typeface="+mj-lt"/>
-                  </a:rPr>
-                  <a:t> - </a:t>
-                </a:r>
-                <a:r>
-                  <a:rPr lang="ru-RU" dirty="0">
-                    <a:latin typeface="+mj-lt"/>
-                  </a:rPr>
-                  <a:t>ускорение рамы при тестовом воздействии</a:t>
-                </a:r>
-                <a:r>
-                  <a:rPr lang="en-US" dirty="0">
-                    <a:latin typeface="+mj-lt"/>
-                  </a:rPr>
-                  <a:t>; </a:t>
-                </a:r>
-                <a14:m>
-                  <m:oMath xmlns:m="http://schemas.openxmlformats.org/officeDocument/2006/math">
-                    <m:sSub>
-                      <m:sSubPr>
-                        <m:ctrlPr>
-                          <a:rPr lang="en-US" i="1">
-                            <a:latin typeface="Cambria Math" panose="02040503050406030204" pitchFamily="18" charset="0"/>
-                            <a:ea typeface="Cambria Math" panose="02040503050406030204" pitchFamily="18" charset="0"/>
-                          </a:rPr>
-                        </m:ctrlPr>
-                      </m:sSubPr>
-                      <m:e>
-                        <m:r>
-                          <a:rPr lang="en-US" i="1">
-                            <a:latin typeface="Cambria Math" panose="02040503050406030204" pitchFamily="18" charset="0"/>
-                            <a:ea typeface="Cambria Math" panose="02040503050406030204" pitchFamily="18" charset="0"/>
-                          </a:rPr>
-                          <m:t>𝑀</m:t>
-                        </m:r>
-                      </m:e>
-                      <m:sub>
-                        <m:r>
-                          <a:rPr lang="ru-RU" i="1">
-                            <a:latin typeface="Cambria Math" panose="02040503050406030204" pitchFamily="18" charset="0"/>
-                            <a:ea typeface="Cambria Math" panose="02040503050406030204" pitchFamily="18" charset="0"/>
-                          </a:rPr>
-                          <m:t>т</m:t>
-                        </m:r>
-                      </m:sub>
-                    </m:sSub>
-                  </m:oMath>
-                </a14:m>
-                <a:r>
-                  <a:rPr lang="en-US" dirty="0">
-                    <a:latin typeface="+mj-lt"/>
-                  </a:rPr>
-                  <a:t> - </a:t>
-                </a:r>
-                <a:r>
-                  <a:rPr lang="ru-RU" dirty="0">
-                    <a:latin typeface="+mj-lt"/>
-                  </a:rPr>
-                  <a:t>эталонный момент маховика, равный 0,005 </a:t>
-                </a:r>
-                <a:r>
-                  <a:rPr lang="ru-RU" dirty="0" err="1">
-                    <a:latin typeface="+mj-lt"/>
-                  </a:rPr>
-                  <a:t>Н·м</a:t>
-                </a:r>
-                <a:endParaRPr lang="ru-RU" dirty="0">
-                  <a:latin typeface="+mj-lt"/>
-                </a:endParaRPr>
-              </a:p>
-            </p:txBody>
-          </p:sp>
-        </mc:Choice>
-        <mc:Fallback xmlns="">
-          <p:sp>
-            <p:nvSpPr>
-              <p:cNvPr id="8" name="TextBox 7">
-                <a:extLst>
-                  <a:ext uri="{FF2B5EF4-FFF2-40B4-BE49-F238E27FC236}">
-                    <a16:creationId xmlns:a16="http://schemas.microsoft.com/office/drawing/2014/main" id="{654FEEA9-50CF-470D-ADDC-678036E55340}"/>
-                  </a:ext>
-                </a:extLst>
-              </p:cNvPr>
-              <p:cNvSpPr txBox="1">
-                <a:spLocks noRot="1" noChangeAspect="1" noMove="1" noResize="1" noEditPoints="1" noAdjustHandles="1" noChangeArrowheads="1" noChangeShapeType="1" noTextEdit="1"/>
-              </p:cNvSpPr>
-              <p:nvPr/>
-            </p:nvSpPr>
-            <p:spPr>
-              <a:xfrm>
-                <a:off x="403642" y="2212589"/>
-                <a:ext cx="11384715" cy="646331"/>
-              </a:xfrm>
-              <a:prstGeom prst="rect">
-                <a:avLst/>
-              </a:prstGeom>
-              <a:blipFill>
-                <a:blip r:embed="rId3"/>
-                <a:stretch>
-                  <a:fillRect l="-428" t="-5660" r="-482" b="-14151"/>
-                </a:stretch>
-              </a:blipFill>
-            </p:spPr>
-            <p:txBody>
-              <a:bodyPr/>
-              <a:lstStyle/>
-              <a:p>
-                <a:r>
-                  <a:rPr lang="en-US">
-                    <a:noFill/>
-                  </a:rPr>
-                  <a:t> </a:t>
-                </a:r>
-              </a:p>
-            </p:txBody>
-          </p:sp>
-        </mc:Fallback>
-      </mc:AlternateContent>
-      <p:pic>
-        <p:nvPicPr>
-          <p:cNvPr id="10" name="Picture 9">
-            <a:extLst>
-              <a:ext uri="{FF2B5EF4-FFF2-40B4-BE49-F238E27FC236}">
-                <a16:creationId xmlns:a16="http://schemas.microsoft.com/office/drawing/2014/main" id="{B2C75F8D-E74C-4D9C-92C1-1CD7F2374AE0}"/>
-              </a:ext>
-            </a:extLst>
-          </p:cNvPr>
-          <p:cNvPicPr>
-            <a:picLocks noChangeAspect="1"/>
-          </p:cNvPicPr>
-          <p:nvPr/>
-        </p:nvPicPr>
-        <p:blipFill>
-          <a:blip r:embed="rId4">
-            <a:extLst>
-              <a:ext uri="{28A0092B-C50C-407E-A947-70E740481C1C}">
-                <a14:useLocalDpi xmlns:a14="http://schemas.microsoft.com/office/drawing/2010/main" val="0"/>
-              </a:ext>
-            </a:extLst>
-          </a:blip>
-          <a:stretch>
-            <a:fillRect/>
-          </a:stretch>
-        </p:blipFill>
-        <p:spPr>
-          <a:xfrm>
-            <a:off x="3614549" y="2858920"/>
-            <a:ext cx="4646044" cy="3484533"/>
-          </a:xfrm>
-          <a:prstGeom prst="rect">
-            <a:avLst/>
-          </a:prstGeom>
-        </p:spPr>
-      </p:pic>
-      <p:sp>
-        <p:nvSpPr>
-          <p:cNvPr id="11" name="TextBox 10">
-            <a:extLst>
-              <a:ext uri="{FF2B5EF4-FFF2-40B4-BE49-F238E27FC236}">
-                <a16:creationId xmlns:a16="http://schemas.microsoft.com/office/drawing/2014/main" id="{ED50AAA5-A17C-414A-B679-854F62D0E264}"/>
-              </a:ext>
-            </a:extLst>
-          </p:cNvPr>
-          <p:cNvSpPr txBox="1"/>
-          <p:nvPr/>
-        </p:nvSpPr>
-        <p:spPr>
-          <a:xfrm>
-            <a:off x="3869267" y="6343453"/>
-            <a:ext cx="3964547" cy="338554"/>
-          </a:xfrm>
-          <a:prstGeom prst="rect">
-            <a:avLst/>
-          </a:prstGeom>
-          <a:noFill/>
-        </p:spPr>
-        <p:txBody>
-          <a:bodyPr wrap="none" rtlCol="0">
-            <a:spAutoFit/>
-          </a:bodyPr>
-          <a:lstStyle/>
-          <a:p>
-            <a:r>
-              <a:rPr lang="ru-RU" sz="1600" dirty="0">
-                <a:latin typeface="+mj-lt"/>
-              </a:rPr>
-              <a:t>Рисунок 8 – Нескомпенсированный момент</a:t>
-            </a:r>
-          </a:p>
-        </p:txBody>
-      </p:sp>
-    </p:spTree>
-    <p:extLst>
-      <p:ext uri="{BB962C8B-B14F-4D97-AF65-F5344CB8AC3E}">
-        <p14:creationId xmlns:p14="http://schemas.microsoft.com/office/powerpoint/2010/main" val="2969139650"/>
-      </p:ext>
-    </p:extLst>
-  </p:cSld>
-  <p:clrMapOvr>
-    <a:masterClrMapping/>
-  </p:clrMapOvr>
-</p:sld>
-</file>
-
-<file path=ppt/slides/slide9.xml><?xml version="1.0" encoding="utf-8"?>
-<p:sld xmlns:a="http://schemas.openxmlformats.org/drawingml/2006/main" xmlns:r="http://schemas.openxmlformats.org/officeDocument/2006/relationships" xmlns:p="http://schemas.openxmlformats.org/presentationml/2006/main">
-  <p:cSld>
-    <p:spTree>
-      <p:nvGrpSpPr>
-        <p:cNvPr id="1" name=""/>
-        <p:cNvGrpSpPr/>
-        <p:nvPr/>
-      </p:nvGrpSpPr>
-      <p:grpSpPr>
-        <a:xfrm>
-          <a:off x="0" y="0"/>
-          <a:ext cx="0" cy="0"/>
-          <a:chOff x="0" y="0"/>
-          <a:chExt cx="0" cy="0"/>
-        </a:xfrm>
-      </p:grpSpPr>
-      <p:sp>
-        <p:nvSpPr>
-          <p:cNvPr id="2" name="Номер слайда 1"/>
-          <p:cNvSpPr>
-            <a:spLocks noGrp="1"/>
-          </p:cNvSpPr>
-          <p:nvPr>
-            <p:ph type="sldNum" sz="quarter" idx="12"/>
-          </p:nvPr>
-        </p:nvSpPr>
-        <p:spPr/>
-        <p:txBody>
-          <a:bodyPr/>
-          <a:lstStyle/>
-          <a:p>
-            <a:fld id="{1F8BD534-37C6-45AF-BD63-E8CFF4C8D25C}" type="slidenum">
-              <a:rPr lang="en-US" smtClean="0"/>
-              <a:t>9</a:t>
-            </a:fld>
-            <a:endParaRPr lang="en-US"/>
-          </a:p>
-        </p:txBody>
-      </p:sp>
-      <p:sp>
-        <p:nvSpPr>
-          <p:cNvPr id="4" name="TextBox 3">
-            <a:extLst>
-              <a:ext uri="{FF2B5EF4-FFF2-40B4-BE49-F238E27FC236}">
-                <a16:creationId xmlns:a16="http://schemas.microsoft.com/office/drawing/2014/main" id="{EEEC72EE-784F-449E-A930-23808E09552E}"/>
-              </a:ext>
-            </a:extLst>
-          </p:cNvPr>
-          <p:cNvSpPr txBox="1"/>
-          <p:nvPr/>
-        </p:nvSpPr>
-        <p:spPr>
-          <a:xfrm>
-            <a:off x="0" y="-7506"/>
-            <a:ext cx="2537874" cy="646331"/>
-          </a:xfrm>
-          <a:prstGeom prst="rect">
-            <a:avLst/>
-          </a:prstGeom>
-          <a:noFill/>
-        </p:spPr>
-        <p:txBody>
-          <a:bodyPr wrap="none" rtlCol="0">
-            <a:spAutoFit/>
-          </a:bodyPr>
-          <a:lstStyle/>
-          <a:p>
-            <a:r>
-              <a:rPr lang="ru-RU" sz="3600" dirty="0">
-                <a:latin typeface="+mj-lt"/>
-              </a:rPr>
-              <a:t>Заключение</a:t>
-            </a:r>
-          </a:p>
-        </p:txBody>
-      </p:sp>
-      <p:sp>
-        <p:nvSpPr>
-          <p:cNvPr id="8" name="TextBox 7">
-            <a:extLst>
-              <a:ext uri="{FF2B5EF4-FFF2-40B4-BE49-F238E27FC236}">
-                <a16:creationId xmlns:a16="http://schemas.microsoft.com/office/drawing/2014/main" id="{DCA36B11-BA86-458D-B0D6-526644284586}"/>
-              </a:ext>
-            </a:extLst>
-          </p:cNvPr>
-          <p:cNvSpPr txBox="1"/>
-          <p:nvPr/>
-        </p:nvSpPr>
-        <p:spPr>
-          <a:xfrm>
-            <a:off x="219003" y="964081"/>
-            <a:ext cx="11384715" cy="1477328"/>
-          </a:xfrm>
-          <a:prstGeom prst="rect">
-            <a:avLst/>
-          </a:prstGeom>
-          <a:noFill/>
-        </p:spPr>
-        <p:txBody>
-          <a:bodyPr wrap="square">
-            <a:spAutoFit/>
-          </a:bodyPr>
-          <a:lstStyle/>
-          <a:p>
-            <a:pPr marL="285750" indent="-285750" algn="just">
-              <a:buFont typeface="Arial" panose="020B0604020202020204" pitchFamily="34" charset="0"/>
-              <a:buChar char="•"/>
-            </a:pPr>
-            <a:r>
-              <a:rPr lang="ru-RU" b="1" dirty="0"/>
-              <a:t> </a:t>
-            </a:r>
-            <a:r>
-              <a:rPr lang="ru-RU" dirty="0"/>
-              <a:t>Разработан стенд для измерения остаточного реактивного момента при перенацеливании оптических систем.</a:t>
-            </a:r>
-          </a:p>
-          <a:p>
-            <a:pPr marL="285750" indent="-285750" algn="just">
-              <a:buFont typeface="Arial" panose="020B0604020202020204" pitchFamily="34" charset="0"/>
-              <a:buChar char="•"/>
-            </a:pPr>
-            <a:r>
-              <a:rPr lang="ru-RU" dirty="0"/>
-              <a:t> Проведено моделирование, определены оптимальные параметры колебательного звена.</a:t>
-            </a:r>
-          </a:p>
-          <a:p>
-            <a:pPr marL="285750" indent="-285750" algn="just">
-              <a:buFont typeface="Arial" panose="020B0604020202020204" pitchFamily="34" charset="0"/>
-              <a:buChar char="•"/>
-            </a:pPr>
-            <a:r>
-              <a:rPr lang="ru-RU" dirty="0"/>
-              <a:t> Методика измерения прошла аттестацию в Государственном реестре средств измерений.</a:t>
-            </a:r>
-          </a:p>
-          <a:p>
-            <a:pPr marL="285750" indent="-285750" algn="just">
-              <a:buFont typeface="Arial" panose="020B0604020202020204" pitchFamily="34" charset="0"/>
-              <a:buChar char="•"/>
-            </a:pPr>
-            <a:r>
-              <a:rPr lang="ru-RU" dirty="0"/>
-              <a:t> Достигнута высокая точность — погрешность менее 5%.</a:t>
-            </a:r>
-          </a:p>
-          <a:p>
-            <a:pPr marL="285750" indent="-285750" algn="just">
-              <a:buFont typeface="Arial" panose="020B0604020202020204" pitchFamily="34" charset="0"/>
-              <a:buChar char="•"/>
-            </a:pPr>
-            <a:r>
-              <a:rPr lang="ru-RU" dirty="0"/>
-              <a:t> Методика может применяться для настройки оптико-механических систем различного назначения</a:t>
-            </a:r>
-            <a:endParaRPr lang="ru-RU" dirty="0">
-              <a:latin typeface="+mj-lt"/>
-            </a:endParaRPr>
-          </a:p>
-        </p:txBody>
-      </p:sp>
-    </p:spTree>
-    <p:extLst>
-      <p:ext uri="{BB962C8B-B14F-4D97-AF65-F5344CB8AC3E}">
-        <p14:creationId xmlns:p14="http://schemas.microsoft.com/office/powerpoint/2010/main" val="1270011595"/>
       </p:ext>
     </p:extLst>
   </p:cSld>

--- a/Ppt/финальная версия.pptx
+++ b/Ppt/финальная версия.pptx
@@ -13,9 +13,9 @@
     <p:sldId id="260" r:id="rId4"/>
     <p:sldId id="264" r:id="rId5"/>
     <p:sldId id="266" r:id="rId6"/>
-    <p:sldId id="267" r:id="rId7"/>
-    <p:sldId id="268" r:id="rId8"/>
-    <p:sldId id="269" r:id="rId9"/>
+    <p:sldId id="268" r:id="rId7"/>
+    <p:sldId id="269" r:id="rId8"/>
+    <p:sldId id="270" r:id="rId9"/>
     <p:sldId id="261" r:id="rId10"/>
     <p:sldId id="265" r:id="rId11"/>
     <p:sldId id="263" r:id="rId12"/>
@@ -953,7 +953,7 @@
           <a:p>
             <a:fld id="{26816495-9AA8-4920-A4E3-50BBC0216EB0}" type="datetimeFigureOut">
               <a:rPr lang="en-US" smtClean="0"/>
-              <a:t>4/15/2025</a:t>
+              <a:t>4/16/2025</a:t>
             </a:fld>
             <a:endParaRPr lang="en-US"/>
           </a:p>
@@ -1367,7 +1367,7 @@
           <a:p>
             <a:fld id="{B0943E97-294B-45E9-899C-136CC89940D3}" type="datetime1">
               <a:rPr lang="en-US" smtClean="0"/>
-              <a:t>4/15/2025</a:t>
+              <a:t>4/16/2025</a:t>
             </a:fld>
             <a:endParaRPr lang="en-US"/>
           </a:p>
@@ -1565,7 +1565,7 @@
           <a:p>
             <a:fld id="{0F642BBF-B613-4ABF-8097-BCD36A2F9935}" type="datetime1">
               <a:rPr lang="en-US" smtClean="0"/>
-              <a:t>4/15/2025</a:t>
+              <a:t>4/16/2025</a:t>
             </a:fld>
             <a:endParaRPr lang="en-US"/>
           </a:p>
@@ -1773,7 +1773,7 @@
           <a:p>
             <a:fld id="{CA6AF254-F82C-4AB7-B0BE-ED6A450CD5BD}" type="datetime1">
               <a:rPr lang="en-US" smtClean="0"/>
-              <a:t>4/15/2025</a:t>
+              <a:t>4/16/2025</a:t>
             </a:fld>
             <a:endParaRPr lang="en-US"/>
           </a:p>
@@ -1971,7 +1971,7 @@
           <a:p>
             <a:fld id="{42790A59-F08E-4342-8C8B-7104600D68A6}" type="datetime1">
               <a:rPr lang="en-US" smtClean="0"/>
-              <a:t>4/15/2025</a:t>
+              <a:t>4/16/2025</a:t>
             </a:fld>
             <a:endParaRPr lang="en-US"/>
           </a:p>
@@ -2246,7 +2246,7 @@
           <a:p>
             <a:fld id="{33D8E024-D1DD-4434-8C82-FC7A0679AAF2}" type="datetime1">
               <a:rPr lang="en-US" smtClean="0"/>
-              <a:t>4/15/2025</a:t>
+              <a:t>4/16/2025</a:t>
             </a:fld>
             <a:endParaRPr lang="en-US"/>
           </a:p>
@@ -2511,7 +2511,7 @@
           <a:p>
             <a:fld id="{0FE08A43-03AE-4DD7-8FCA-7D14110C83DA}" type="datetime1">
               <a:rPr lang="en-US" smtClean="0"/>
-              <a:t>4/15/2025</a:t>
+              <a:t>4/16/2025</a:t>
             </a:fld>
             <a:endParaRPr lang="en-US"/>
           </a:p>
@@ -2923,7 +2923,7 @@
           <a:p>
             <a:fld id="{DC8CC3CC-900B-4C7A-AB2C-CE5D2E38FDED}" type="datetime1">
               <a:rPr lang="en-US" smtClean="0"/>
-              <a:t>4/15/2025</a:t>
+              <a:t>4/16/2025</a:t>
             </a:fld>
             <a:endParaRPr lang="en-US"/>
           </a:p>
@@ -3064,7 +3064,7 @@
           <a:p>
             <a:fld id="{87C3D0F9-ED76-44F2-8EF6-6648E44E39FD}" type="datetime1">
               <a:rPr lang="en-US" smtClean="0"/>
-              <a:t>4/15/2025</a:t>
+              <a:t>4/16/2025</a:t>
             </a:fld>
             <a:endParaRPr lang="en-US"/>
           </a:p>
@@ -3177,7 +3177,7 @@
           <a:p>
             <a:fld id="{2658607D-C406-4FB4-805C-5E07B4201D6D}" type="datetime1">
               <a:rPr lang="en-US" smtClean="0"/>
-              <a:t>4/15/2025</a:t>
+              <a:t>4/16/2025</a:t>
             </a:fld>
             <a:endParaRPr lang="en-US"/>
           </a:p>
@@ -3488,7 +3488,7 @@
           <a:p>
             <a:fld id="{BB5DB84C-98D2-480C-8EBB-99BD433F18D1}" type="datetime1">
               <a:rPr lang="en-US" smtClean="0"/>
-              <a:t>4/15/2025</a:t>
+              <a:t>4/16/2025</a:t>
             </a:fld>
             <a:endParaRPr lang="en-US"/>
           </a:p>
@@ -3776,7 +3776,7 @@
           <a:p>
             <a:fld id="{2DE09F59-93C7-4A82-BB08-710DF6652C16}" type="datetime1">
               <a:rPr lang="en-US" smtClean="0"/>
-              <a:t>4/15/2025</a:t>
+              <a:t>4/16/2025</a:t>
             </a:fld>
             <a:endParaRPr lang="en-US"/>
           </a:p>
@@ -4017,7 +4017,7 @@
           <a:p>
             <a:fld id="{12A4CB97-BF3E-4765-A4AA-0F70F4B845F2}" type="datetime1">
               <a:rPr lang="en-US" smtClean="0"/>
-              <a:t>4/15/2025</a:t>
+              <a:t>4/16/2025</a:t>
             </a:fld>
             <a:endParaRPr lang="en-US"/>
           </a:p>
@@ -5523,7 +5523,7 @@
         <p:spPr>
           <a:xfrm>
             <a:off x="3869267" y="6343453"/>
-            <a:ext cx="3964547" cy="338554"/>
+            <a:ext cx="4068743" cy="338554"/>
           </a:xfrm>
           <a:prstGeom prst="rect">
             <a:avLst/>
@@ -5540,7 +5540,7 @@
               <a:rPr lang="ru-RU" sz="1600" dirty="0">
                 <a:latin typeface="+mj-lt"/>
               </a:rPr>
-              <a:t>Рисунок 8 – Нескомпенсированный момент</a:t>
+              <a:t>Рисунок 14 – Нескомпенсированный момент</a:t>
             </a:r>
           </a:p>
         </p:txBody>
@@ -8864,8 +8864,8 @@
           </p:sp>
         </mc:Fallback>
       </mc:AlternateContent>
-      <mc:AlternateContent xmlns:mc="http://schemas.openxmlformats.org/markup-compatibility/2006">
-        <mc:Choice xmlns:a14="http://schemas.microsoft.com/office/drawing/2010/main" Requires="a14">
+      <mc:AlternateContent xmlns:mc="http://schemas.openxmlformats.org/markup-compatibility/2006" xmlns:a14="http://schemas.microsoft.com/office/drawing/2010/main">
+        <mc:Choice Requires="a14">
           <p:sp>
             <p:nvSpPr>
               <p:cNvPr id="15" name="TextBox 14">
@@ -9100,7 +9100,7 @@
             </p:txBody>
           </p:sp>
         </mc:Choice>
-        <mc:Fallback>
+        <mc:Fallback xmlns="">
           <p:sp>
             <p:nvSpPr>
               <p:cNvPr id="15" name="TextBox 14">
@@ -9284,7 +9284,7 @@
               <a:rPr lang="ru-RU" sz="1600" dirty="0">
                 <a:latin typeface="+mj-lt"/>
               </a:rPr>
-              <a:t>Рисунок 6 – Эталонный маховик</a:t>
+              <a:t>Рисунок 7 – Эталонный маховик</a:t>
             </a:r>
           </a:p>
         </p:txBody>
@@ -9306,7 +9306,7 @@
             <p:spPr>
               <a:xfrm>
                 <a:off x="4917485" y="684037"/>
-                <a:ext cx="6970644" cy="7170617"/>
+                <a:ext cx="6970644" cy="7085594"/>
               </a:xfrm>
               <a:prstGeom prst="rect">
                 <a:avLst/>
@@ -9347,23 +9347,7 @@
                 </a:br>
                 <a:r>
                   <a:rPr lang="ru-RU" sz="2400" dirty="0"/>
-                  <a:t>Скорость двигателя измеряется по датчику угла </a:t>
-                </a:r>
-                <a:r>
-                  <a:rPr lang="en-US" sz="2400" dirty="0"/>
-                  <a:t>&lt;</a:t>
-                </a:r>
-                <a:r>
-                  <a:rPr lang="ru-RU" sz="2400" dirty="0"/>
-                  <a:t>ИМЯ</a:t>
-                </a:r>
-                <a:r>
-                  <a:rPr lang="en-US" sz="2400" dirty="0"/>
-                  <a:t>&gt;</a:t>
-                </a:r>
-                <a:r>
-                  <a:rPr lang="ru-RU" sz="2400" dirty="0"/>
-                  <a:t>.</a:t>
+                  <a:t>Скорость двигателя измеряется по датчику угла ЛИР-ДА190К (№ ФИФ ОЕИ 80050-20).</a:t>
                 </a:r>
                 <a:endParaRPr lang="en-US" sz="2400" dirty="0"/>
               </a:p>
@@ -9792,7 +9776,7 @@
             <p:spPr>
               <a:xfrm>
                 <a:off x="4917485" y="684037"/>
-                <a:ext cx="6970644" cy="7170617"/>
+                <a:ext cx="6970644" cy="7085594"/>
               </a:xfrm>
               <a:prstGeom prst="rect">
                 <a:avLst/>
@@ -9800,7 +9784,7 @@
               <a:blipFill>
                 <a:blip r:embed="rId2"/>
                 <a:stretch>
-                  <a:fillRect l="-1400" t="-680" r="-1312"/>
+                  <a:fillRect l="-1400" t="-688" r="-1312"/>
                 </a:stretch>
               </a:blipFill>
             </p:spPr>
@@ -9809,7 +9793,7 @@
               <a:lstStyle/>
               <a:p>
                 <a:r>
-                  <a:rPr lang="en-US">
+                  <a:rPr lang="ru-RU">
                     <a:noFill/>
                   </a:rPr>
                   <a:t> </a:t>
@@ -9879,7 +9863,7 @@
         </p:blipFill>
         <p:spPr>
           <a:xfrm>
-            <a:off x="365422" y="776404"/>
+            <a:off x="303871" y="776404"/>
             <a:ext cx="3659459" cy="2949821"/>
           </a:xfrm>
           <a:prstGeom prst="rect">
@@ -9926,10 +9910,47 @@
           </a:ln>
         </p:spPr>
       </p:pic>
+      <p:sp>
+        <p:nvSpPr>
+          <p:cNvPr id="10" name="TextBox 9">
+            <a:extLst>
+              <a:ext uri="{FF2B5EF4-FFF2-40B4-BE49-F238E27FC236}">
+                <a16:creationId xmlns:a16="http://schemas.microsoft.com/office/drawing/2014/main" id="{3111AD07-6431-416D-933C-619F9C8CBC72}"/>
+              </a:ext>
+            </a:extLst>
+          </p:cNvPr>
+          <p:cNvSpPr txBox="1"/>
+          <p:nvPr/>
+        </p:nvSpPr>
+        <p:spPr>
+          <a:xfrm>
+            <a:off x="708602" y="6391251"/>
+            <a:ext cx="4366901" cy="338554"/>
+          </a:xfrm>
+          <a:prstGeom prst="rect">
+            <a:avLst/>
+          </a:prstGeom>
+          <a:noFill/>
+        </p:spPr>
+        <p:txBody>
+          <a:bodyPr wrap="none" rtlCol="0">
+            <a:spAutoFit/>
+          </a:bodyPr>
+          <a:lstStyle/>
+          <a:p>
+            <a:r>
+              <a:rPr lang="ru-RU" sz="1600" dirty="0">
+                <a:latin typeface="+mj-lt"/>
+              </a:rPr>
+              <a:t>Рисунок 7 –многократные измерения ускорения</a:t>
+            </a:r>
+          </a:p>
+        </p:txBody>
+      </p:sp>
     </p:spTree>
     <p:extLst>
       <p:ext uri="{BB962C8B-B14F-4D97-AF65-F5344CB8AC3E}">
-        <p14:creationId xmlns:p14="http://schemas.microsoft.com/office/powerpoint/2010/main" val="841034221"/>
+        <p14:creationId xmlns:p14="http://schemas.microsoft.com/office/powerpoint/2010/main" val="3821675543"/>
       </p:ext>
     </p:extLst>
   </p:cSld>
@@ -10017,17 +10038,7 @@
               <a:rPr lang="ru-RU" sz="4000" dirty="0">
                 <a:latin typeface="+mj-lt"/>
               </a:rPr>
-              <a:t>Аттестация стенда. Измерение </a:t>
-            </a:r>
-            <a:r>
-              <a:rPr lang="ru-RU" sz="4000" dirty="0"/>
-              <a:t>ускорения</a:t>
-            </a:r>
-            <a:r>
-              <a:rPr lang="ru-RU" sz="4000" dirty="0">
-                <a:latin typeface="+mj-lt"/>
-              </a:rPr>
-              <a:t> маховика</a:t>
+              <a:t>Аттестация стенда. Погрешность гироскопа</a:t>
             </a:r>
             <a:endParaRPr lang="en-US" dirty="0"/>
           </a:p>
@@ -10035,571 +10046,40 @@
       </p:sp>
       <p:sp>
         <p:nvSpPr>
-          <p:cNvPr id="11" name="TextBox 10">
+          <p:cNvPr id="12" name="Прямоугольник 11">
             <a:extLst>
               <a:ext uri="{FF2B5EF4-FFF2-40B4-BE49-F238E27FC236}">
-                <a16:creationId xmlns:a16="http://schemas.microsoft.com/office/drawing/2014/main" id="{256846A2-90A5-48EF-8FAF-1DD4DB27DC82}"/>
+                <a16:creationId xmlns:a16="http://schemas.microsoft.com/office/drawing/2014/main" id="{85C5B0C8-5735-4441-B508-AA2CACCFCBE9}"/>
               </a:ext>
             </a:extLst>
           </p:cNvPr>
-          <p:cNvSpPr txBox="1"/>
+          <p:cNvSpPr/>
           <p:nvPr/>
         </p:nvSpPr>
         <p:spPr>
           <a:xfrm>
-            <a:off x="573692" y="3726225"/>
-            <a:ext cx="2953053" cy="338554"/>
+            <a:off x="870869" y="4887412"/>
+            <a:ext cx="10342685" cy="830997"/>
           </a:xfrm>
           <a:prstGeom prst="rect">
             <a:avLst/>
           </a:prstGeom>
-          <a:noFill/>
         </p:spPr>
         <p:txBody>
-          <a:bodyPr wrap="none" rtlCol="0">
+          <a:bodyPr wrap="square">
             <a:spAutoFit/>
           </a:bodyPr>
           <a:lstStyle/>
           <a:p>
-            <a:r>
-              <a:rPr lang="ru-RU" sz="1600" dirty="0">
-                <a:latin typeface="+mj-lt"/>
-              </a:rPr>
-              <a:t>Рисунок 6 – Эталонный маховик</a:t>
-            </a:r>
+            <a:pPr algn="just"/>
+            <a:endParaRPr lang="ru-RU" sz="2400" dirty="0"/>
+          </a:p>
+          <a:p>
+            <a:pPr algn="just"/>
+            <a:endParaRPr lang="ru-RU" sz="2400" dirty="0"/>
           </a:p>
         </p:txBody>
       </p:sp>
-      <mc:AlternateContent xmlns:mc="http://schemas.openxmlformats.org/markup-compatibility/2006">
-        <mc:Choice xmlns:a14="http://schemas.microsoft.com/office/drawing/2010/main" Requires="a14">
-          <p:sp>
-            <p:nvSpPr>
-              <p:cNvPr id="12" name="Прямоугольник 11">
-                <a:extLst>
-                  <a:ext uri="{FF2B5EF4-FFF2-40B4-BE49-F238E27FC236}">
-                    <a16:creationId xmlns:a16="http://schemas.microsoft.com/office/drawing/2014/main" id="{85C5B0C8-5735-4441-B508-AA2CACCFCBE9}"/>
-                  </a:ext>
-                </a:extLst>
-              </p:cNvPr>
-              <p:cNvSpPr/>
-              <p:nvPr/>
-            </p:nvSpPr>
-            <p:spPr>
-              <a:xfrm>
-                <a:off x="4917485" y="684037"/>
-                <a:ext cx="6970644" cy="7170617"/>
-              </a:xfrm>
-              <a:prstGeom prst="rect">
-                <a:avLst/>
-              </a:prstGeom>
-            </p:spPr>
-            <p:txBody>
-              <a:bodyPr wrap="square">
-                <a:spAutoFit/>
-              </a:bodyPr>
-              <a:lstStyle/>
-              <a:p>
-                <a:pPr algn="just"/>
-                <a:r>
-                  <a:rPr lang="ru-RU" sz="2400" dirty="0"/>
-                  <a:t>Маховик устанавливается на бе</a:t>
-                </a:r>
-                <a:r>
-                  <a:rPr lang="en-US" sz="2400" dirty="0"/>
-                  <a:t>c</a:t>
-                </a:r>
-                <a:r>
-                  <a:rPr lang="ru-RU" sz="2400" dirty="0"/>
-                  <a:t>коллекторный двигатель ДБМ-40.</a:t>
-                </a:r>
-              </a:p>
-              <a:p>
-                <a:pPr algn="just"/>
-                <a:endParaRPr lang="ru-RU" sz="2400" dirty="0"/>
-              </a:p>
-              <a:p>
-                <a:pPr algn="just"/>
-                <a:r>
-                  <a:rPr lang="ru-RU" sz="2400" dirty="0"/>
-                  <a:t>Двигатель ускоряется по трапециевидному закону.</a:t>
-                </a:r>
-                <a:br>
-                  <a:rPr lang="ru-RU" sz="2400" dirty="0"/>
-                </a:br>
-                <a:r>
-                  <a:rPr lang="ru-RU" sz="2400" dirty="0"/>
-                  <a:t>Скорость двигателя измеряется по датчику угла </a:t>
-                </a:r>
-                <a:r>
-                  <a:rPr lang="en-US" sz="2400" dirty="0"/>
-                  <a:t>&lt;</a:t>
-                </a:r>
-                <a:r>
-                  <a:rPr lang="ru-RU" sz="2400" dirty="0"/>
-                  <a:t>ИМЯ</a:t>
-                </a:r>
-                <a:r>
-                  <a:rPr lang="en-US" sz="2400" dirty="0"/>
-                  <a:t>&gt;</a:t>
-                </a:r>
-                <a:r>
-                  <a:rPr lang="ru-RU" sz="2400" dirty="0"/>
-                  <a:t>.</a:t>
-                </a:r>
-                <a:endParaRPr lang="en-US" sz="2400" dirty="0"/>
-              </a:p>
-              <a:p>
-                <a:pPr algn="just"/>
-                <a:endParaRPr lang="en-US" sz="2400" dirty="0"/>
-              </a:p>
-              <a:p>
-                <a:pPr algn="just"/>
-                <a:r>
-                  <a:rPr lang="ru-RU" sz="2400" dirty="0"/>
-                  <a:t>Погрешность измерения ускорения определяется многократными измерениями</a:t>
-                </a:r>
-              </a:p>
-              <a:p>
-                <a:pPr algn="just"/>
-                <a14:m>
-                  <m:oMathPara xmlns:m="http://schemas.openxmlformats.org/officeDocument/2006/math">
-                    <m:oMathParaPr>
-                      <m:jc m:val="centerGroup"/>
-                    </m:oMathParaPr>
-                    <m:oMath xmlns:m="http://schemas.openxmlformats.org/officeDocument/2006/math">
-                      <m:r>
-                        <a:rPr lang="ru-RU" sz="2400" i="1" smtClean="0">
-                          <a:latin typeface="Cambria Math" panose="02040503050406030204" pitchFamily="18" charset="0"/>
-                          <a:ea typeface="Cambria Math" panose="02040503050406030204" pitchFamily="18" charset="0"/>
-                        </a:rPr>
-                        <m:t>∆</m:t>
-                      </m:r>
-                      <m:r>
-                        <a:rPr lang="ru-RU" sz="2400" i="1" smtClean="0">
-                          <a:latin typeface="Cambria Math" panose="02040503050406030204" pitchFamily="18" charset="0"/>
-                          <a:ea typeface="Cambria Math" panose="02040503050406030204" pitchFamily="18" charset="0"/>
-                        </a:rPr>
-                        <m:t>𝜀</m:t>
-                      </m:r>
-                      <m:r>
-                        <a:rPr lang="ru-RU" sz="2400" b="0" i="1" smtClean="0">
-                          <a:latin typeface="Cambria Math" panose="02040503050406030204" pitchFamily="18" charset="0"/>
-                          <a:ea typeface="Cambria Math" panose="02040503050406030204" pitchFamily="18" charset="0"/>
-                        </a:rPr>
-                        <m:t>=±0,17 </m:t>
-                      </m:r>
-                      <m:f>
-                        <m:fPr>
-                          <m:ctrlPr>
-                            <a:rPr lang="ru-RU" sz="2400" b="0" i="1" smtClean="0">
-                              <a:latin typeface="Cambria Math" panose="02040503050406030204" pitchFamily="18" charset="0"/>
-                              <a:ea typeface="Cambria Math" panose="02040503050406030204" pitchFamily="18" charset="0"/>
-                            </a:rPr>
-                          </m:ctrlPr>
-                        </m:fPr>
-                        <m:num>
-                          <m:r>
-                            <a:rPr lang="ru-RU" sz="2400" b="0" i="1" smtClean="0">
-                              <a:latin typeface="Cambria Math" panose="02040503050406030204" pitchFamily="18" charset="0"/>
-                              <a:ea typeface="Cambria Math" panose="02040503050406030204" pitchFamily="18" charset="0"/>
-                            </a:rPr>
-                            <m:t>рад</m:t>
-                          </m:r>
-                        </m:num>
-                        <m:den>
-                          <m:sSup>
-                            <m:sSupPr>
-                              <m:ctrlPr>
-                                <a:rPr lang="ru-RU" sz="2400" b="0" i="1" smtClean="0">
-                                  <a:latin typeface="Cambria Math" panose="02040503050406030204" pitchFamily="18" charset="0"/>
-                                  <a:ea typeface="Cambria Math" panose="02040503050406030204" pitchFamily="18" charset="0"/>
-                                </a:rPr>
-                              </m:ctrlPr>
-                            </m:sSupPr>
-                            <m:e>
-                              <m:r>
-                                <a:rPr lang="ru-RU" sz="2400" b="0" i="1" smtClean="0">
-                                  <a:latin typeface="Cambria Math" panose="02040503050406030204" pitchFamily="18" charset="0"/>
-                                  <a:ea typeface="Cambria Math" panose="02040503050406030204" pitchFamily="18" charset="0"/>
-                                </a:rPr>
-                                <m:t>с</m:t>
-                              </m:r>
-                            </m:e>
-                            <m:sup>
-                              <m:r>
-                                <a:rPr lang="ru-RU" sz="2400" b="0" i="1" smtClean="0">
-                                  <a:latin typeface="Cambria Math" panose="02040503050406030204" pitchFamily="18" charset="0"/>
-                                  <a:ea typeface="Cambria Math" panose="02040503050406030204" pitchFamily="18" charset="0"/>
-                                </a:rPr>
-                                <m:t>2</m:t>
-                              </m:r>
-                            </m:sup>
-                          </m:sSup>
-                        </m:den>
-                      </m:f>
-                    </m:oMath>
-                  </m:oMathPara>
-                </a14:m>
-                <a:endParaRPr lang="ru-RU" sz="2400" dirty="0"/>
-              </a:p>
-              <a:p>
-                <a:pPr algn="just"/>
-                <a:endParaRPr lang="en-US" sz="2400" dirty="0"/>
-              </a:p>
-              <a:p>
-                <a:pPr algn="just"/>
-                <a:r>
-                  <a:rPr lang="ru-RU" sz="2400" dirty="0"/>
-                  <a:t>Итоговая погрешность тестового момента:</a:t>
-                </a:r>
-                <a:br>
-                  <a:rPr lang="ru-RU" sz="2400" dirty="0"/>
-                </a:br>
-                <a14:m>
-                  <m:oMathPara xmlns:m="http://schemas.openxmlformats.org/officeDocument/2006/math">
-                    <m:oMathParaPr>
-                      <m:jc m:val="centerGroup"/>
-                    </m:oMathParaPr>
-                    <m:oMath xmlns:m="http://schemas.openxmlformats.org/officeDocument/2006/math">
-                      <m:r>
-                        <a:rPr lang="ru-RU" sz="2400" i="1" smtClean="0">
-                          <a:latin typeface="Cambria Math" panose="02040503050406030204" pitchFamily="18" charset="0"/>
-                          <a:ea typeface="Cambria Math" panose="02040503050406030204" pitchFamily="18" charset="0"/>
-                        </a:rPr>
-                        <m:t>∆</m:t>
-                      </m:r>
-                      <m:r>
-                        <a:rPr lang="en-US" sz="2400" b="0" i="1" smtClean="0">
-                          <a:latin typeface="Cambria Math" panose="02040503050406030204" pitchFamily="18" charset="0"/>
-                          <a:ea typeface="Cambria Math" panose="02040503050406030204" pitchFamily="18" charset="0"/>
-                        </a:rPr>
-                        <m:t>𝑀</m:t>
-                      </m:r>
-                      <m:r>
-                        <a:rPr lang="en-US" sz="2400" b="0" i="1" smtClean="0">
-                          <a:latin typeface="Cambria Math" panose="02040503050406030204" pitchFamily="18" charset="0"/>
-                          <a:ea typeface="Cambria Math" panose="02040503050406030204" pitchFamily="18" charset="0"/>
-                        </a:rPr>
-                        <m:t>=</m:t>
-                      </m:r>
-                      <m:rad>
-                        <m:radPr>
-                          <m:degHide m:val="on"/>
-                          <m:ctrlPr>
-                            <a:rPr lang="en-US" sz="2400" b="0" i="1" smtClean="0">
-                              <a:latin typeface="Cambria Math" panose="02040503050406030204" pitchFamily="18" charset="0"/>
-                              <a:ea typeface="Cambria Math" panose="02040503050406030204" pitchFamily="18" charset="0"/>
-                            </a:rPr>
-                          </m:ctrlPr>
-                        </m:radPr>
-                        <m:deg/>
-                        <m:e>
-                          <m:sSup>
-                            <m:sSupPr>
-                              <m:ctrlPr>
-                                <a:rPr lang="en-US" sz="2400" b="0" i="1" smtClean="0">
-                                  <a:latin typeface="Cambria Math" panose="02040503050406030204" pitchFamily="18" charset="0"/>
-                                  <a:ea typeface="Cambria Math" panose="02040503050406030204" pitchFamily="18" charset="0"/>
-                                </a:rPr>
-                              </m:ctrlPr>
-                            </m:sSupPr>
-                            <m:e>
-                              <m:r>
-                                <a:rPr lang="ru-RU" sz="2400" b="0" i="1" smtClean="0">
-                                  <a:latin typeface="Cambria Math" panose="02040503050406030204" pitchFamily="18" charset="0"/>
-                                  <a:ea typeface="Cambria Math" panose="02040503050406030204" pitchFamily="18" charset="0"/>
-                                </a:rPr>
-                                <m:t>(∆</m:t>
-                              </m:r>
-                              <m:r>
-                                <a:rPr lang="en-US" sz="2400" b="0" i="1" smtClean="0">
-                                  <a:latin typeface="Cambria Math" panose="02040503050406030204" pitchFamily="18" charset="0"/>
-                                  <a:ea typeface="Cambria Math" panose="02040503050406030204" pitchFamily="18" charset="0"/>
-                                </a:rPr>
-                                <m:t>𝐽</m:t>
-                              </m:r>
-                              <m:r>
-                                <a:rPr lang="en-US" sz="2400" b="0" i="1" smtClean="0">
-                                  <a:latin typeface="Cambria Math" panose="02040503050406030204" pitchFamily="18" charset="0"/>
-                                  <a:ea typeface="Cambria Math" panose="02040503050406030204" pitchFamily="18" charset="0"/>
-                                </a:rPr>
-                                <m:t>∙</m:t>
-                              </m:r>
-                              <m:r>
-                                <a:rPr lang="en-US" sz="2400" b="0" i="1" smtClean="0">
-                                  <a:latin typeface="Cambria Math" panose="02040503050406030204" pitchFamily="18" charset="0"/>
-                                  <a:ea typeface="Cambria Math" panose="02040503050406030204" pitchFamily="18" charset="0"/>
-                                </a:rPr>
-                                <m:t>𝜀</m:t>
-                              </m:r>
-                              <m:r>
-                                <a:rPr lang="ru-RU" sz="2400" b="0" i="1" smtClean="0">
-                                  <a:latin typeface="Cambria Math" panose="02040503050406030204" pitchFamily="18" charset="0"/>
-                                  <a:ea typeface="Cambria Math" panose="02040503050406030204" pitchFamily="18" charset="0"/>
-                                </a:rPr>
-                                <m:t>)</m:t>
-                              </m:r>
-                            </m:e>
-                            <m:sup>
-                              <m:r>
-                                <a:rPr lang="en-US" sz="2400" b="0" i="1" smtClean="0">
-                                  <a:latin typeface="Cambria Math" panose="02040503050406030204" pitchFamily="18" charset="0"/>
-                                  <a:ea typeface="Cambria Math" panose="02040503050406030204" pitchFamily="18" charset="0"/>
-                                </a:rPr>
-                                <m:t>2</m:t>
-                              </m:r>
-                            </m:sup>
-                          </m:sSup>
-                          <m:r>
-                            <a:rPr lang="en-US" sz="2400" b="0" i="1" smtClean="0">
-                              <a:latin typeface="Cambria Math" panose="02040503050406030204" pitchFamily="18" charset="0"/>
-                              <a:ea typeface="Cambria Math" panose="02040503050406030204" pitchFamily="18" charset="0"/>
-                            </a:rPr>
-                            <m:t>+</m:t>
-                          </m:r>
-                          <m:sSup>
-                            <m:sSupPr>
-                              <m:ctrlPr>
-                                <a:rPr lang="en-US" sz="2400" b="0" i="1" smtClean="0">
-                                  <a:latin typeface="Cambria Math" panose="02040503050406030204" pitchFamily="18" charset="0"/>
-                                  <a:ea typeface="Cambria Math" panose="02040503050406030204" pitchFamily="18" charset="0"/>
-                                </a:rPr>
-                              </m:ctrlPr>
-                            </m:sSupPr>
-                            <m:e>
-                              <m:r>
-                                <a:rPr lang="en-US" sz="2400" b="0" i="1" smtClean="0">
-                                  <a:latin typeface="Cambria Math" panose="02040503050406030204" pitchFamily="18" charset="0"/>
-                                  <a:ea typeface="Cambria Math" panose="02040503050406030204" pitchFamily="18" charset="0"/>
-                                </a:rPr>
-                                <m:t>(∆</m:t>
-                              </m:r>
-                              <m:r>
-                                <a:rPr lang="en-US" sz="2400" b="0" i="1" smtClean="0">
-                                  <a:latin typeface="Cambria Math" panose="02040503050406030204" pitchFamily="18" charset="0"/>
-                                  <a:ea typeface="Cambria Math" panose="02040503050406030204" pitchFamily="18" charset="0"/>
-                                </a:rPr>
-                                <m:t>𝜀</m:t>
-                              </m:r>
-                              <m:r>
-                                <a:rPr lang="en-US" sz="2400" b="0" i="1" smtClean="0">
-                                  <a:latin typeface="Cambria Math" panose="02040503050406030204" pitchFamily="18" charset="0"/>
-                                  <a:ea typeface="Cambria Math" panose="02040503050406030204" pitchFamily="18" charset="0"/>
-                                </a:rPr>
-                                <m:t>∙</m:t>
-                              </m:r>
-                              <m:r>
-                                <a:rPr lang="en-US" sz="2400" b="0" i="1" smtClean="0">
-                                  <a:latin typeface="Cambria Math" panose="02040503050406030204" pitchFamily="18" charset="0"/>
-                                  <a:ea typeface="Cambria Math" panose="02040503050406030204" pitchFamily="18" charset="0"/>
-                                </a:rPr>
-                                <m:t>𝐽</m:t>
-                              </m:r>
-                              <m:r>
-                                <a:rPr lang="en-US" sz="2400" b="0" i="1" smtClean="0">
-                                  <a:latin typeface="Cambria Math" panose="02040503050406030204" pitchFamily="18" charset="0"/>
-                                  <a:ea typeface="Cambria Math" panose="02040503050406030204" pitchFamily="18" charset="0"/>
-                                </a:rPr>
-                                <m:t>)</m:t>
-                              </m:r>
-                            </m:e>
-                            <m:sup>
-                              <m:r>
-                                <a:rPr lang="en-US" sz="2400" b="0" i="1" smtClean="0">
-                                  <a:latin typeface="Cambria Math" panose="02040503050406030204" pitchFamily="18" charset="0"/>
-                                  <a:ea typeface="Cambria Math" panose="02040503050406030204" pitchFamily="18" charset="0"/>
-                                </a:rPr>
-                                <m:t>2</m:t>
-                              </m:r>
-                            </m:sup>
-                          </m:sSup>
-                        </m:e>
-                      </m:rad>
-                      <m:r>
-                        <a:rPr lang="en-US" sz="2400" b="0" i="1" smtClean="0">
-                          <a:latin typeface="Cambria Math" panose="02040503050406030204" pitchFamily="18" charset="0"/>
-                          <a:ea typeface="Cambria Math" panose="02040503050406030204" pitchFamily="18" charset="0"/>
-                        </a:rPr>
-                        <m:t>=5∙</m:t>
-                      </m:r>
-                      <m:sSup>
-                        <m:sSupPr>
-                          <m:ctrlPr>
-                            <a:rPr lang="en-US" sz="2400" b="0" i="1" smtClean="0">
-                              <a:latin typeface="Cambria Math" panose="02040503050406030204" pitchFamily="18" charset="0"/>
-                              <a:ea typeface="Cambria Math" panose="02040503050406030204" pitchFamily="18" charset="0"/>
-                            </a:rPr>
-                          </m:ctrlPr>
-                        </m:sSupPr>
-                        <m:e>
-                          <m:r>
-                            <a:rPr lang="en-US" sz="2400" b="0" i="1" smtClean="0">
-                              <a:latin typeface="Cambria Math" panose="02040503050406030204" pitchFamily="18" charset="0"/>
-                              <a:ea typeface="Cambria Math" panose="02040503050406030204" pitchFamily="18" charset="0"/>
-                            </a:rPr>
-                            <m:t>10</m:t>
-                          </m:r>
-                        </m:e>
-                        <m:sup>
-                          <m:r>
-                            <a:rPr lang="en-US" sz="2400" b="0" i="1" smtClean="0">
-                              <a:latin typeface="Cambria Math" panose="02040503050406030204" pitchFamily="18" charset="0"/>
-                              <a:ea typeface="Cambria Math" panose="02040503050406030204" pitchFamily="18" charset="0"/>
-                            </a:rPr>
-                            <m:t>−5</m:t>
-                          </m:r>
-                        </m:sup>
-                      </m:sSup>
-                      <m:r>
-                        <a:rPr lang="en-US" sz="2400" b="0" i="1" smtClean="0">
-                          <a:latin typeface="Cambria Math" panose="02040503050406030204" pitchFamily="18" charset="0"/>
-                          <a:ea typeface="Cambria Math" panose="02040503050406030204" pitchFamily="18" charset="0"/>
-                        </a:rPr>
-                        <m:t> </m:t>
-                      </m:r>
-                      <m:r>
-                        <a:rPr lang="ru-RU" sz="2400" b="0" i="1" smtClean="0">
-                          <a:latin typeface="Cambria Math" panose="02040503050406030204" pitchFamily="18" charset="0"/>
-                          <a:ea typeface="Cambria Math" panose="02040503050406030204" pitchFamily="18" charset="0"/>
-                        </a:rPr>
-                        <m:t>Н∙м</m:t>
-                      </m:r>
-                    </m:oMath>
-                  </m:oMathPara>
-                </a14:m>
-                <a:endParaRPr lang="ru-RU" sz="2400" dirty="0"/>
-              </a:p>
-              <a:p>
-                <a:pPr algn="just"/>
-                <a:endParaRPr lang="ru-RU" sz="2400" dirty="0"/>
-              </a:p>
-              <a:p>
-                <a:pPr algn="just"/>
-                <a14:m>
-                  <m:oMathPara xmlns:m="http://schemas.openxmlformats.org/officeDocument/2006/math">
-                    <m:oMathParaPr>
-                      <m:jc m:val="centerGroup"/>
-                    </m:oMathParaPr>
-                    <m:oMath xmlns:m="http://schemas.openxmlformats.org/officeDocument/2006/math">
-                      <m:r>
-                        <a:rPr lang="en-US" sz="2400" b="0" i="1" smtClean="0">
-                          <a:latin typeface="Cambria Math" panose="02040503050406030204" pitchFamily="18" charset="0"/>
-                        </a:rPr>
-                        <m:t>𝑀</m:t>
-                      </m:r>
-                      <m:r>
-                        <a:rPr lang="en-US" sz="2400" b="0" i="1" smtClean="0">
-                          <a:latin typeface="Cambria Math" panose="02040503050406030204" pitchFamily="18" charset="0"/>
-                        </a:rPr>
-                        <m:t>=0,005 ±5∙</m:t>
-                      </m:r>
-                      <m:sSup>
-                        <m:sSupPr>
-                          <m:ctrlPr>
-                            <a:rPr lang="en-US" sz="2400" b="0" i="1" smtClean="0">
-                              <a:latin typeface="Cambria Math" panose="02040503050406030204" pitchFamily="18" charset="0"/>
-                              <a:ea typeface="Cambria Math" panose="02040503050406030204" pitchFamily="18" charset="0"/>
-                            </a:rPr>
-                          </m:ctrlPr>
-                        </m:sSupPr>
-                        <m:e>
-                          <m:r>
-                            <a:rPr lang="en-US" sz="2400" b="0" i="1" smtClean="0">
-                              <a:latin typeface="Cambria Math" panose="02040503050406030204" pitchFamily="18" charset="0"/>
-                              <a:ea typeface="Cambria Math" panose="02040503050406030204" pitchFamily="18" charset="0"/>
-                            </a:rPr>
-                            <m:t>10</m:t>
-                          </m:r>
-                        </m:e>
-                        <m:sup>
-                          <m:r>
-                            <a:rPr lang="en-US" sz="2400" b="0" i="1" smtClean="0">
-                              <a:latin typeface="Cambria Math" panose="02040503050406030204" pitchFamily="18" charset="0"/>
-                              <a:ea typeface="Cambria Math" panose="02040503050406030204" pitchFamily="18" charset="0"/>
-                            </a:rPr>
-                            <m:t>−5</m:t>
-                          </m:r>
-                        </m:sup>
-                      </m:sSup>
-                      <m:r>
-                        <a:rPr lang="en-US" sz="2400" b="0" i="1" smtClean="0">
-                          <a:latin typeface="Cambria Math" panose="02040503050406030204" pitchFamily="18" charset="0"/>
-                          <a:ea typeface="Cambria Math" panose="02040503050406030204" pitchFamily="18" charset="0"/>
-                        </a:rPr>
-                        <m:t> </m:t>
-                      </m:r>
-                      <m:r>
-                        <a:rPr lang="ru-RU" sz="2400" b="0" i="1" smtClean="0">
-                          <a:latin typeface="Cambria Math" panose="02040503050406030204" pitchFamily="18" charset="0"/>
-                          <a:ea typeface="Cambria Math" panose="02040503050406030204" pitchFamily="18" charset="0"/>
-                        </a:rPr>
-                        <m:t>Н∙м</m:t>
-                      </m:r>
-                    </m:oMath>
-                  </m:oMathPara>
-                </a14:m>
-                <a:endParaRPr lang="en-US" sz="2400" dirty="0"/>
-              </a:p>
-              <a:p>
-                <a:pPr algn="just"/>
-                <a:endParaRPr lang="ru-RU" sz="2400" dirty="0"/>
-              </a:p>
-              <a:p>
-                <a:pPr algn="just"/>
-                <a:endParaRPr lang="ru-RU" sz="2400" dirty="0"/>
-              </a:p>
-              <a:p>
-                <a:pPr algn="just"/>
-                <a:endParaRPr lang="ru-RU" sz="2400" dirty="0"/>
-              </a:p>
-            </p:txBody>
-          </p:sp>
-        </mc:Choice>
-        <mc:Fallback>
-          <p:sp>
-            <p:nvSpPr>
-              <p:cNvPr id="12" name="Прямоугольник 11">
-                <a:extLst>
-                  <a:ext uri="{FF2B5EF4-FFF2-40B4-BE49-F238E27FC236}">
-                    <a16:creationId xmlns:a16="http://schemas.microsoft.com/office/drawing/2014/main" id="{85C5B0C8-5735-4441-B508-AA2CACCFCBE9}"/>
-                  </a:ext>
-                </a:extLst>
-              </p:cNvPr>
-              <p:cNvSpPr>
-                <a:spLocks noRot="1" noChangeAspect="1" noMove="1" noResize="1" noEditPoints="1" noAdjustHandles="1" noChangeArrowheads="1" noChangeShapeType="1" noTextEdit="1"/>
-              </p:cNvSpPr>
-              <p:nvPr/>
-            </p:nvSpPr>
-            <p:spPr>
-              <a:xfrm>
-                <a:off x="4917485" y="684037"/>
-                <a:ext cx="6970644" cy="7170617"/>
-              </a:xfrm>
-              <a:prstGeom prst="rect">
-                <a:avLst/>
-              </a:prstGeom>
-              <a:blipFill>
-                <a:blip r:embed="rId2"/>
-                <a:stretch>
-                  <a:fillRect l="-1400" t="-680" r="-1312"/>
-                </a:stretch>
-              </a:blipFill>
-            </p:spPr>
-            <p:txBody>
-              <a:bodyPr/>
-              <a:lstStyle/>
-              <a:p>
-                <a:r>
-                  <a:rPr lang="en-US">
-                    <a:noFill/>
-                  </a:rPr>
-                  <a:t> </a:t>
-                </a:r>
-              </a:p>
-            </p:txBody>
-          </p:sp>
-        </mc:Fallback>
-      </mc:AlternateContent>
       <p:sp>
         <p:nvSpPr>
           <p:cNvPr id="18" name="Прямоугольник 17">
@@ -10634,54 +10114,20 @@
       </p:sp>
       <p:pic>
         <p:nvPicPr>
-          <p:cNvPr id="3" name="Picture 2">
+          <p:cNvPr id="1026" name="Picture 2" descr="Выходное изображение">
             <a:extLst>
               <a:ext uri="{FF2B5EF4-FFF2-40B4-BE49-F238E27FC236}">
-                <a16:creationId xmlns:a16="http://schemas.microsoft.com/office/drawing/2014/main" id="{A755D10B-EEA6-490C-9BF4-EDD48ADA5B14}"/>
+                <a16:creationId xmlns:a16="http://schemas.microsoft.com/office/drawing/2014/main" id="{ABA21F3C-631D-47D8-88C9-7BE7FA42906B}"/>
               </a:ext>
             </a:extLst>
           </p:cNvPr>
           <p:cNvPicPr>
-            <a:picLocks noChangeAspect="1"/>
+            <a:picLocks noChangeAspect="1" noChangeArrowheads="1"/>
           </p:cNvPicPr>
           <p:nvPr/>
         </p:nvPicPr>
         <p:blipFill>
-          <a:blip r:embed="rId3">
-            <a:extLst>
-              <a:ext uri="{28A0092B-C50C-407E-A947-70E740481C1C}">
-                <a14:useLocalDpi xmlns:a14="http://schemas.microsoft.com/office/drawing/2010/main" val="0"/>
-              </a:ext>
-            </a:extLst>
-          </a:blip>
-          <a:stretch>
-            <a:fillRect/>
-          </a:stretch>
-        </p:blipFill>
-        <p:spPr>
-          <a:xfrm>
-            <a:off x="365422" y="776404"/>
-            <a:ext cx="3659459" cy="2949821"/>
-          </a:xfrm>
-          <a:prstGeom prst="rect">
-            <a:avLst/>
-          </a:prstGeom>
-        </p:spPr>
-      </p:pic>
-      <p:pic>
-        <p:nvPicPr>
-          <p:cNvPr id="13" name="Рисунок 1">
-            <a:extLst>
-              <a:ext uri="{FF2B5EF4-FFF2-40B4-BE49-F238E27FC236}">
-                <a16:creationId xmlns:a16="http://schemas.microsoft.com/office/drawing/2014/main" id="{86826F18-664E-4E3A-B0DC-C6F1B216BF3E}"/>
-              </a:ext>
-            </a:extLst>
-          </p:cNvPr>
-          <p:cNvPicPr/>
-          <p:nvPr/>
-        </p:nvPicPr>
-        <p:blipFill>
-          <a:blip r:embed="rId4">
+          <a:blip r:embed="rId2">
             <a:extLst>
               <a:ext uri="{28A0092B-C50C-407E-A947-70E740481C1C}">
                 <a14:useLocalDpi xmlns:a14="http://schemas.microsoft.com/office/drawing/2010/main" val="0"/>
@@ -10695,22 +10141,472 @@
         </p:blipFill>
         <p:spPr bwMode="auto">
           <a:xfrm>
-            <a:off x="438781" y="3973450"/>
-            <a:ext cx="3222874" cy="2398470"/>
+            <a:off x="2295171" y="637238"/>
+            <a:ext cx="7020291" cy="4188325"/>
           </a:xfrm>
           <a:prstGeom prst="rect">
             <a:avLst/>
           </a:prstGeom>
           <a:noFill/>
-          <a:ln>
-            <a:noFill/>
-          </a:ln>
+          <a:extLst>
+            <a:ext uri="{909E8E84-426E-40DD-AFC4-6F175D3DCCD1}">
+              <a14:hiddenFill xmlns:a14="http://schemas.microsoft.com/office/drawing/2010/main">
+                <a:solidFill>
+                  <a:srgbClr val="FFFFFF"/>
+                </a:solidFill>
+              </a14:hiddenFill>
+            </a:ext>
+          </a:extLst>
         </p:spPr>
       </p:pic>
+      <mc:AlternateContent xmlns:mc="http://schemas.openxmlformats.org/markup-compatibility/2006">
+        <mc:Choice xmlns:a14="http://schemas.microsoft.com/office/drawing/2010/main" Requires="a14">
+          <p:sp>
+            <p:nvSpPr>
+              <p:cNvPr id="3" name="TextBox 2">
+                <a:extLst>
+                  <a:ext uri="{FF2B5EF4-FFF2-40B4-BE49-F238E27FC236}">
+                    <a16:creationId xmlns:a16="http://schemas.microsoft.com/office/drawing/2014/main" id="{9EBBCD34-06BC-403D-8A19-B648C632BAA9}"/>
+                  </a:ext>
+                </a:extLst>
+              </p:cNvPr>
+              <p:cNvSpPr txBox="1"/>
+              <p:nvPr/>
+            </p:nvSpPr>
+            <p:spPr>
+              <a:xfrm>
+                <a:off x="5084222" y="5711996"/>
+                <a:ext cx="1764266" cy="301686"/>
+              </a:xfrm>
+              <a:prstGeom prst="rect">
+                <a:avLst/>
+              </a:prstGeom>
+              <a:noFill/>
+            </p:spPr>
+            <p:txBody>
+              <a:bodyPr wrap="none" lIns="0" tIns="0" rIns="0" bIns="0" rtlCol="0">
+                <a:spAutoFit/>
+              </a:bodyPr>
+              <a:lstStyle/>
+              <a:p>
+                <a14:m>
+                  <m:oMathPara xmlns:m="http://schemas.openxmlformats.org/officeDocument/2006/math">
+                    <m:oMathParaPr>
+                      <m:jc m:val="centerGroup"/>
+                    </m:oMathParaPr>
+                    <m:oMath xmlns:m="http://schemas.openxmlformats.org/officeDocument/2006/math">
+                      <m:sSub>
+                        <m:sSubPr>
+                          <m:ctrlPr>
+                            <a:rPr lang="ru-RU" i="1" smtClean="0">
+                              <a:latin typeface="Cambria Math" panose="02040503050406030204" pitchFamily="18" charset="0"/>
+                            </a:rPr>
+                          </m:ctrlPr>
+                        </m:sSubPr>
+                        <m:e>
+                          <m:r>
+                            <a:rPr lang="ru-RU" i="1" smtClean="0">
+                              <a:latin typeface="Cambria Math" panose="02040503050406030204" pitchFamily="18" charset="0"/>
+                              <a:ea typeface="Cambria Math" panose="02040503050406030204" pitchFamily="18" charset="0"/>
+                            </a:rPr>
+                            <m:t>𝜔</m:t>
+                          </m:r>
+                        </m:e>
+                        <m:sub>
+                          <m:r>
+                            <a:rPr lang="ru-RU" i="1" smtClean="0">
+                              <a:latin typeface="Cambria Math" panose="02040503050406030204" pitchFamily="18" charset="0"/>
+                              <a:ea typeface="Cambria Math" panose="02040503050406030204" pitchFamily="18" charset="0"/>
+                            </a:rPr>
+                            <m:t>𝜑</m:t>
+                          </m:r>
+                        </m:sub>
+                      </m:sSub>
+                      <m:r>
+                        <a:rPr lang="ru-RU" b="0" i="1" smtClean="0">
+                          <a:latin typeface="Cambria Math" panose="02040503050406030204" pitchFamily="18" charset="0"/>
+                        </a:rPr>
+                        <m:t>=</m:t>
+                      </m:r>
+                      <m:sSub>
+                        <m:sSubPr>
+                          <m:ctrlPr>
+                            <a:rPr lang="ru-RU" b="0" i="1" smtClean="0">
+                              <a:latin typeface="Cambria Math" panose="02040503050406030204" pitchFamily="18" charset="0"/>
+                            </a:rPr>
+                          </m:ctrlPr>
+                        </m:sSubPr>
+                        <m:e>
+                          <m:r>
+                            <a:rPr lang="ru-RU" b="0" i="1" smtClean="0">
+                              <a:latin typeface="Cambria Math" panose="02040503050406030204" pitchFamily="18" charset="0"/>
+                              <a:ea typeface="Cambria Math" panose="02040503050406030204" pitchFamily="18" charset="0"/>
+                            </a:rPr>
+                            <m:t>𝜔</m:t>
+                          </m:r>
+                        </m:e>
+                        <m:sub>
+                          <m:r>
+                            <a:rPr lang="ru-RU" b="0" i="1" smtClean="0">
+                              <a:latin typeface="Cambria Math" panose="02040503050406030204" pitchFamily="18" charset="0"/>
+                            </a:rPr>
+                            <m:t>З</m:t>
+                          </m:r>
+                        </m:sub>
+                      </m:sSub>
+                      <m:r>
+                        <a:rPr lang="ru-RU" b="0" i="1" smtClean="0">
+                          <a:latin typeface="Cambria Math" panose="02040503050406030204" pitchFamily="18" charset="0"/>
+                          <a:ea typeface="Cambria Math" panose="02040503050406030204" pitchFamily="18" charset="0"/>
+                        </a:rPr>
+                        <m:t>∙</m:t>
+                      </m:r>
+                      <m:r>
+                        <m:rPr>
+                          <m:sty m:val="p"/>
+                        </m:rPr>
+                        <a:rPr lang="en-US" b="0" i="0" smtClean="0">
+                          <a:latin typeface="Cambria Math" panose="02040503050406030204" pitchFamily="18" charset="0"/>
+                          <a:ea typeface="Cambria Math" panose="02040503050406030204" pitchFamily="18" charset="0"/>
+                        </a:rPr>
+                        <m:t>cos</m:t>
+                      </m:r>
+                      <m:r>
+                        <a:rPr lang="en-US" b="0" i="1" smtClean="0">
+                          <a:latin typeface="Cambria Math" panose="02040503050406030204" pitchFamily="18" charset="0"/>
+                          <a:ea typeface="Cambria Math" panose="02040503050406030204" pitchFamily="18" charset="0"/>
+                        </a:rPr>
+                        <m:t>⁡(</m:t>
+                      </m:r>
+                      <m:r>
+                        <a:rPr lang="en-US" b="0" i="1" smtClean="0">
+                          <a:latin typeface="Cambria Math" panose="02040503050406030204" pitchFamily="18" charset="0"/>
+                          <a:ea typeface="Cambria Math" panose="02040503050406030204" pitchFamily="18" charset="0"/>
+                        </a:rPr>
+                        <m:t>𝜑</m:t>
+                      </m:r>
+                      <m:r>
+                        <a:rPr lang="en-US" b="0" i="1" smtClean="0">
+                          <a:latin typeface="Cambria Math" panose="02040503050406030204" pitchFamily="18" charset="0"/>
+                          <a:ea typeface="Cambria Math" panose="02040503050406030204" pitchFamily="18" charset="0"/>
+                        </a:rPr>
+                        <m:t>)</m:t>
+                      </m:r>
+                    </m:oMath>
+                  </m:oMathPara>
+                </a14:m>
+                <a:endParaRPr lang="ru-RU" dirty="0"/>
+              </a:p>
+            </p:txBody>
+          </p:sp>
+        </mc:Choice>
+        <mc:Fallback>
+          <p:sp>
+            <p:nvSpPr>
+              <p:cNvPr id="3" name="TextBox 2">
+                <a:extLst>
+                  <a:ext uri="{FF2B5EF4-FFF2-40B4-BE49-F238E27FC236}">
+                    <a16:creationId xmlns:a16="http://schemas.microsoft.com/office/drawing/2014/main" id="{9EBBCD34-06BC-403D-8A19-B648C632BAA9}"/>
+                  </a:ext>
+                </a:extLst>
+              </p:cNvPr>
+              <p:cNvSpPr txBox="1">
+                <a:spLocks noRot="1" noChangeAspect="1" noMove="1" noResize="1" noEditPoints="1" noAdjustHandles="1" noChangeArrowheads="1" noChangeShapeType="1" noTextEdit="1"/>
+              </p:cNvSpPr>
+              <p:nvPr/>
+            </p:nvSpPr>
+            <p:spPr>
+              <a:xfrm>
+                <a:off x="5084222" y="5711996"/>
+                <a:ext cx="1764266" cy="301686"/>
+              </a:xfrm>
+              <a:prstGeom prst="rect">
+                <a:avLst/>
+              </a:prstGeom>
+              <a:blipFill>
+                <a:blip r:embed="rId3"/>
+                <a:stretch>
+                  <a:fillRect l="-1384" r="-4498" b="-26531"/>
+                </a:stretch>
+              </a:blipFill>
+            </p:spPr>
+            <p:txBody>
+              <a:bodyPr/>
+              <a:lstStyle/>
+              <a:p>
+                <a:r>
+                  <a:rPr lang="ru-RU">
+                    <a:noFill/>
+                  </a:rPr>
+                  <a:t> </a:t>
+                </a:r>
+              </a:p>
+            </p:txBody>
+          </p:sp>
+        </mc:Fallback>
+      </mc:AlternateContent>
+      <mc:AlternateContent xmlns:mc="http://schemas.openxmlformats.org/markup-compatibility/2006">
+        <mc:Choice xmlns:a14="http://schemas.microsoft.com/office/drawing/2010/main" Requires="a14">
+          <p:sp>
+            <p:nvSpPr>
+              <p:cNvPr id="5" name="TextBox 4">
+                <a:extLst>
+                  <a:ext uri="{FF2B5EF4-FFF2-40B4-BE49-F238E27FC236}">
+                    <a16:creationId xmlns:a16="http://schemas.microsoft.com/office/drawing/2014/main" id="{175A592C-7B71-4CC2-A3EB-A506DF6ACFD8}"/>
+                  </a:ext>
+                </a:extLst>
+              </p:cNvPr>
+              <p:cNvSpPr txBox="1"/>
+              <p:nvPr/>
+            </p:nvSpPr>
+            <p:spPr>
+              <a:xfrm>
+                <a:off x="5163045" y="6072076"/>
+                <a:ext cx="1302472" cy="602409"/>
+              </a:xfrm>
+              <a:prstGeom prst="rect">
+                <a:avLst/>
+              </a:prstGeom>
+              <a:noFill/>
+            </p:spPr>
+            <p:txBody>
+              <a:bodyPr wrap="none" lIns="0" tIns="0" rIns="0" bIns="0" rtlCol="0">
+                <a:spAutoFit/>
+              </a:bodyPr>
+              <a:lstStyle/>
+              <a:p>
+                <a14:m>
+                  <m:oMathPara xmlns:m="http://schemas.openxmlformats.org/officeDocument/2006/math">
+                    <m:oMathParaPr>
+                      <m:jc m:val="centerGroup"/>
+                    </m:oMathParaPr>
+                    <m:oMath xmlns:m="http://schemas.openxmlformats.org/officeDocument/2006/math">
+                      <m:r>
+                        <a:rPr lang="ru-RU" i="1" smtClean="0">
+                          <a:latin typeface="Cambria Math" panose="02040503050406030204" pitchFamily="18" charset="0"/>
+                          <a:ea typeface="Cambria Math" panose="02040503050406030204" pitchFamily="18" charset="0"/>
+                        </a:rPr>
+                        <m:t>𝛿</m:t>
+                      </m:r>
+                      <m:r>
+                        <a:rPr lang="ru-RU" b="0" i="1" smtClean="0">
+                          <a:latin typeface="Cambria Math" panose="02040503050406030204" pitchFamily="18" charset="0"/>
+                          <a:ea typeface="Cambria Math" panose="02040503050406030204" pitchFamily="18" charset="0"/>
+                        </a:rPr>
+                        <m:t>=</m:t>
+                      </m:r>
+                      <m:f>
+                        <m:fPr>
+                          <m:ctrlPr>
+                            <a:rPr lang="ru-RU" b="0" i="1" smtClean="0">
+                              <a:latin typeface="Cambria Math" panose="02040503050406030204" pitchFamily="18" charset="0"/>
+                              <a:ea typeface="Cambria Math" panose="02040503050406030204" pitchFamily="18" charset="0"/>
+                            </a:rPr>
+                          </m:ctrlPr>
+                        </m:fPr>
+                        <m:num>
+                          <m:acc>
+                            <m:accPr>
+                              <m:chr m:val="̅"/>
+                              <m:ctrlPr>
+                                <a:rPr lang="ru-RU" b="0" i="1" smtClean="0">
+                                  <a:latin typeface="Cambria Math" panose="02040503050406030204" pitchFamily="18" charset="0"/>
+                                  <a:ea typeface="Cambria Math" panose="02040503050406030204" pitchFamily="18" charset="0"/>
+                                </a:rPr>
+                              </m:ctrlPr>
+                            </m:accPr>
+                            <m:e>
+                              <m:sSub>
+                                <m:sSubPr>
+                                  <m:ctrlPr>
+                                    <a:rPr lang="ru-RU" b="0" i="1" smtClean="0">
+                                      <a:latin typeface="Cambria Math" panose="02040503050406030204" pitchFamily="18" charset="0"/>
+                                      <a:ea typeface="Cambria Math" panose="02040503050406030204" pitchFamily="18" charset="0"/>
+                                    </a:rPr>
+                                  </m:ctrlPr>
+                                </m:sSubPr>
+                                <m:e>
+                                  <m:r>
+                                    <a:rPr lang="ru-RU" b="0" i="1" smtClean="0">
+                                      <a:latin typeface="Cambria Math" panose="02040503050406030204" pitchFamily="18" charset="0"/>
+                                      <a:ea typeface="Cambria Math" panose="02040503050406030204" pitchFamily="18" charset="0"/>
+                                    </a:rPr>
+                                    <m:t>𝜔</m:t>
+                                  </m:r>
+                                </m:e>
+                                <m:sub>
+                                  <m:r>
+                                    <a:rPr lang="ru-RU" b="0" i="1" smtClean="0">
+                                      <a:latin typeface="Cambria Math" panose="02040503050406030204" pitchFamily="18" charset="0"/>
+                                      <a:ea typeface="Cambria Math" panose="02040503050406030204" pitchFamily="18" charset="0"/>
+                                    </a:rPr>
+                                    <m:t>г</m:t>
+                                  </m:r>
+                                </m:sub>
+                              </m:sSub>
+                            </m:e>
+                          </m:acc>
+                          <m:r>
+                            <a:rPr lang="ru-RU" b="0" i="1" smtClean="0">
+                              <a:latin typeface="Cambria Math" panose="02040503050406030204" pitchFamily="18" charset="0"/>
+                              <a:ea typeface="Cambria Math" panose="02040503050406030204" pitchFamily="18" charset="0"/>
+                            </a:rPr>
+                            <m:t>−</m:t>
+                          </m:r>
+                          <m:sSub>
+                            <m:sSubPr>
+                              <m:ctrlPr>
+                                <a:rPr lang="ru-RU" i="1">
+                                  <a:latin typeface="Cambria Math" panose="02040503050406030204" pitchFamily="18" charset="0"/>
+                                  <a:ea typeface="Cambria Math" panose="02040503050406030204" pitchFamily="18" charset="0"/>
+                                </a:rPr>
+                              </m:ctrlPr>
+                            </m:sSubPr>
+                            <m:e>
+                              <m:r>
+                                <a:rPr lang="ru-RU" i="1">
+                                  <a:latin typeface="Cambria Math" panose="02040503050406030204" pitchFamily="18" charset="0"/>
+                                  <a:ea typeface="Cambria Math" panose="02040503050406030204" pitchFamily="18" charset="0"/>
+                                </a:rPr>
+                                <m:t>𝜔</m:t>
+                              </m:r>
+                            </m:e>
+                            <m:sub>
+                              <m:r>
+                                <a:rPr lang="ru-RU" i="1">
+                                  <a:latin typeface="Cambria Math" panose="02040503050406030204" pitchFamily="18" charset="0"/>
+                                  <a:ea typeface="Cambria Math" panose="02040503050406030204" pitchFamily="18" charset="0"/>
+                                </a:rPr>
+                                <m:t>𝜑</m:t>
+                              </m:r>
+                            </m:sub>
+                          </m:sSub>
+                        </m:num>
+                        <m:den>
+                          <m:sSub>
+                            <m:sSubPr>
+                              <m:ctrlPr>
+                                <a:rPr lang="ru-RU" b="0" i="1" smtClean="0">
+                                  <a:latin typeface="Cambria Math" panose="02040503050406030204" pitchFamily="18" charset="0"/>
+                                  <a:ea typeface="Cambria Math" panose="02040503050406030204" pitchFamily="18" charset="0"/>
+                                </a:rPr>
+                              </m:ctrlPr>
+                            </m:sSubPr>
+                            <m:e>
+                              <m:r>
+                                <a:rPr lang="ru-RU" b="0" i="1" smtClean="0">
+                                  <a:latin typeface="Cambria Math" panose="02040503050406030204" pitchFamily="18" charset="0"/>
+                                  <a:ea typeface="Cambria Math" panose="02040503050406030204" pitchFamily="18" charset="0"/>
+                                </a:rPr>
+                                <m:t>𝜔</m:t>
+                              </m:r>
+                            </m:e>
+                            <m:sub>
+                              <m:r>
+                                <a:rPr lang="ru-RU" b="0" i="1" smtClean="0">
+                                  <a:latin typeface="Cambria Math" panose="02040503050406030204" pitchFamily="18" charset="0"/>
+                                  <a:ea typeface="Cambria Math" panose="02040503050406030204" pitchFamily="18" charset="0"/>
+                                </a:rPr>
+                                <m:t>𝜑</m:t>
+                              </m:r>
+                            </m:sub>
+                          </m:sSub>
+                        </m:den>
+                      </m:f>
+                    </m:oMath>
+                  </m:oMathPara>
+                </a14:m>
+                <a:endParaRPr lang="ru-RU" dirty="0"/>
+              </a:p>
+            </p:txBody>
+          </p:sp>
+        </mc:Choice>
+        <mc:Fallback>
+          <p:sp>
+            <p:nvSpPr>
+              <p:cNvPr id="5" name="TextBox 4">
+                <a:extLst>
+                  <a:ext uri="{FF2B5EF4-FFF2-40B4-BE49-F238E27FC236}">
+                    <a16:creationId xmlns:a16="http://schemas.microsoft.com/office/drawing/2014/main" id="{175A592C-7B71-4CC2-A3EB-A506DF6ACFD8}"/>
+                  </a:ext>
+                </a:extLst>
+              </p:cNvPr>
+              <p:cNvSpPr txBox="1">
+                <a:spLocks noRot="1" noChangeAspect="1" noMove="1" noResize="1" noEditPoints="1" noAdjustHandles="1" noChangeArrowheads="1" noChangeShapeType="1" noTextEdit="1"/>
+              </p:cNvSpPr>
+              <p:nvPr/>
+            </p:nvSpPr>
+            <p:spPr>
+              <a:xfrm>
+                <a:off x="5163045" y="6072076"/>
+                <a:ext cx="1302472" cy="602409"/>
+              </a:xfrm>
+              <a:prstGeom prst="rect">
+                <a:avLst/>
+              </a:prstGeom>
+              <a:blipFill>
+                <a:blip r:embed="rId4"/>
+                <a:stretch>
+                  <a:fillRect/>
+                </a:stretch>
+              </a:blipFill>
+            </p:spPr>
+            <p:txBody>
+              <a:bodyPr/>
+              <a:lstStyle/>
+              <a:p>
+                <a:r>
+                  <a:rPr lang="ru-RU">
+                    <a:noFill/>
+                  </a:rPr>
+                  <a:t> </a:t>
+                </a:r>
+              </a:p>
+            </p:txBody>
+          </p:sp>
+        </mc:Fallback>
+      </mc:AlternateContent>
+      <p:sp>
+        <p:nvSpPr>
+          <p:cNvPr id="11" name="TextBox 10">
+            <a:extLst>
+              <a:ext uri="{FF2B5EF4-FFF2-40B4-BE49-F238E27FC236}">
+                <a16:creationId xmlns:a16="http://schemas.microsoft.com/office/drawing/2014/main" id="{FD3056DD-C317-454C-A54B-2800E9D19C6B}"/>
+              </a:ext>
+            </a:extLst>
+          </p:cNvPr>
+          <p:cNvSpPr txBox="1"/>
+          <p:nvPr/>
+        </p:nvSpPr>
+        <p:spPr>
+          <a:xfrm>
+            <a:off x="3858760" y="4924459"/>
+            <a:ext cx="4474302" cy="338554"/>
+          </a:xfrm>
+          <a:prstGeom prst="rect">
+            <a:avLst/>
+          </a:prstGeom>
+          <a:noFill/>
+        </p:spPr>
+        <p:txBody>
+          <a:bodyPr wrap="none" rtlCol="0">
+            <a:spAutoFit/>
+          </a:bodyPr>
+          <a:lstStyle/>
+          <a:p>
+            <a:r>
+              <a:rPr lang="ru-RU" sz="1600" dirty="0">
+                <a:latin typeface="+mj-lt"/>
+              </a:rPr>
+              <a:t>Рисунок 8 –Измерения скорости вращения Земли</a:t>
+            </a:r>
+          </a:p>
+        </p:txBody>
+      </p:sp>
     </p:spTree>
     <p:extLst>
       <p:ext uri="{BB962C8B-B14F-4D97-AF65-F5344CB8AC3E}">
-        <p14:creationId xmlns:p14="http://schemas.microsoft.com/office/powerpoint/2010/main" val="3821675543"/>
+        <p14:creationId xmlns:p14="http://schemas.microsoft.com/office/powerpoint/2010/main" val="2195243119"/>
       </p:ext>
     </p:extLst>
   </p:cSld>
@@ -10798,7 +10694,7 @@
               <a:rPr lang="ru-RU" sz="4000" dirty="0">
                 <a:latin typeface="+mj-lt"/>
               </a:rPr>
-              <a:t>Аттестация стенда. Погрешность гироскопа</a:t>
+              <a:t>Аттестация стенда</a:t>
             </a:r>
             <a:endParaRPr lang="en-US" dirty="0"/>
           </a:p>
@@ -10872,53 +10768,6 @@
           </a:p>
         </p:txBody>
       </p:sp>
-      <p:pic>
-        <p:nvPicPr>
-          <p:cNvPr id="1026" name="Picture 2" descr="Выходное изображение">
-            <a:extLst>
-              <a:ext uri="{FF2B5EF4-FFF2-40B4-BE49-F238E27FC236}">
-                <a16:creationId xmlns:a16="http://schemas.microsoft.com/office/drawing/2014/main" id="{ABA21F3C-631D-47D8-88C9-7BE7FA42906B}"/>
-              </a:ext>
-            </a:extLst>
-          </p:cNvPr>
-          <p:cNvPicPr>
-            <a:picLocks noChangeAspect="1" noChangeArrowheads="1"/>
-          </p:cNvPicPr>
-          <p:nvPr/>
-        </p:nvPicPr>
-        <p:blipFill>
-          <a:blip r:embed="rId2">
-            <a:extLst>
-              <a:ext uri="{28A0092B-C50C-407E-A947-70E740481C1C}">
-                <a14:useLocalDpi xmlns:a14="http://schemas.microsoft.com/office/drawing/2010/main" val="0"/>
-              </a:ext>
-            </a:extLst>
-          </a:blip>
-          <a:srcRect/>
-          <a:stretch>
-            <a:fillRect/>
-          </a:stretch>
-        </p:blipFill>
-        <p:spPr bwMode="auto">
-          <a:xfrm>
-            <a:off x="2169665" y="662807"/>
-            <a:ext cx="7020291" cy="4188325"/>
-          </a:xfrm>
-          <a:prstGeom prst="rect">
-            <a:avLst/>
-          </a:prstGeom>
-          <a:noFill/>
-          <a:extLst>
-            <a:ext uri="{909E8E84-426E-40DD-AFC4-6F175D3DCCD1}">
-              <a14:hiddenFill xmlns:a14="http://schemas.microsoft.com/office/drawing/2010/main">
-                <a:solidFill>
-                  <a:srgbClr val="FFFFFF"/>
-                </a:solidFill>
-              </a14:hiddenFill>
-            </a:ext>
-          </a:extLst>
-        </p:spPr>
-      </p:pic>
       <mc:AlternateContent xmlns:mc="http://schemas.openxmlformats.org/markup-compatibility/2006">
         <mc:Choice xmlns:a14="http://schemas.microsoft.com/office/drawing/2010/main" Requires="a14">
           <p:sp>
@@ -10935,7 +10784,7 @@
             </p:nvSpPr>
             <p:spPr>
               <a:xfrm>
-                <a:off x="2763715" y="4982326"/>
+                <a:off x="2862326" y="5754689"/>
                 <a:ext cx="6190128" cy="975908"/>
               </a:xfrm>
               <a:prstGeom prst="rect">
@@ -11254,14 +11103,14 @@
             </p:nvSpPr>
             <p:spPr>
               <a:xfrm>
-                <a:off x="2763715" y="4982326"/>
+                <a:off x="2862326" y="5754689"/>
                 <a:ext cx="6190128" cy="975908"/>
               </a:xfrm>
               <a:prstGeom prst="rect">
                 <a:avLst/>
               </a:prstGeom>
               <a:blipFill>
-                <a:blip r:embed="rId3"/>
+                <a:blip r:embed="rId2"/>
                 <a:stretch>
                   <a:fillRect/>
                 </a:stretch>
@@ -11272,7 +11121,7 @@
               <a:lstStyle/>
               <a:p>
                 <a:r>
-                  <a:rPr lang="en-US">
+                  <a:rPr lang="ru-RU">
                     <a:noFill/>
                   </a:rPr>
                   <a:t> </a:t>
@@ -11282,10 +11131,77 @@
           </p:sp>
         </mc:Fallback>
       </mc:AlternateContent>
+      <p:pic>
+        <p:nvPicPr>
+          <p:cNvPr id="8" name="Picture 7">
+            <a:extLst>
+              <a:ext uri="{FF2B5EF4-FFF2-40B4-BE49-F238E27FC236}">
+                <a16:creationId xmlns:a16="http://schemas.microsoft.com/office/drawing/2014/main" id="{33FABB59-BD48-464A-AC03-2116B66B6CEF}"/>
+              </a:ext>
+            </a:extLst>
+          </p:cNvPr>
+          <p:cNvPicPr>
+            <a:picLocks noChangeAspect="1"/>
+          </p:cNvPicPr>
+          <p:nvPr/>
+        </p:nvPicPr>
+        <p:blipFill>
+          <a:blip r:embed="rId3"/>
+          <a:stretch>
+            <a:fillRect/>
+          </a:stretch>
+        </p:blipFill>
+        <p:spPr>
+          <a:xfrm>
+            <a:off x="2470513" y="754731"/>
+            <a:ext cx="7143396" cy="4535489"/>
+          </a:xfrm>
+          <a:prstGeom prst="rect">
+            <a:avLst/>
+          </a:prstGeom>
+        </p:spPr>
+      </p:pic>
+      <p:sp>
+        <p:nvSpPr>
+          <p:cNvPr id="13" name="TextBox 12">
+            <a:extLst>
+              <a:ext uri="{FF2B5EF4-FFF2-40B4-BE49-F238E27FC236}">
+                <a16:creationId xmlns:a16="http://schemas.microsoft.com/office/drawing/2014/main" id="{455CC56D-2156-4C45-A214-ED24D06DCCC3}"/>
+              </a:ext>
+            </a:extLst>
+          </p:cNvPr>
+          <p:cNvSpPr txBox="1"/>
+          <p:nvPr/>
+        </p:nvSpPr>
+        <p:spPr>
+          <a:xfrm>
+            <a:off x="3858849" y="5354438"/>
+            <a:ext cx="4596130" cy="338554"/>
+          </a:xfrm>
+          <a:prstGeom prst="rect">
+            <a:avLst/>
+          </a:prstGeom>
+          <a:noFill/>
+        </p:spPr>
+        <p:txBody>
+          <a:bodyPr wrap="none" rtlCol="0">
+            <a:spAutoFit/>
+          </a:bodyPr>
+          <a:lstStyle/>
+          <a:p>
+            <a:r>
+              <a:rPr lang="ru-RU" sz="1600" dirty="0">
+                <a:latin typeface="+mj-lt"/>
+              </a:rPr>
+              <a:t>Рисунок 9 –Свидетельство об аттестации методики</a:t>
+            </a:r>
+          </a:p>
+        </p:txBody>
+      </p:sp>
     </p:spTree>
     <p:extLst>
       <p:ext uri="{BB962C8B-B14F-4D97-AF65-F5344CB8AC3E}">
-        <p14:creationId xmlns:p14="http://schemas.microsoft.com/office/powerpoint/2010/main" val="2195243119"/>
+        <p14:creationId xmlns:p14="http://schemas.microsoft.com/office/powerpoint/2010/main" val="484823968"/>
       </p:ext>
     </p:extLst>
   </p:cSld>
@@ -11381,7 +11297,7 @@
         <p:spPr>
           <a:xfrm>
             <a:off x="7268029" y="2993861"/>
-            <a:ext cx="3507692" cy="584775"/>
+            <a:ext cx="3611886" cy="584775"/>
           </a:xfrm>
           <a:prstGeom prst="rect">
             <a:avLst/>
@@ -11397,7 +11313,7 @@
               <a:rPr lang="ru-RU" sz="1600" dirty="0">
                 <a:latin typeface="+mj-lt"/>
               </a:rPr>
-              <a:t>Рисунок 7 – Скорость колебаний рамы</a:t>
+              <a:t>Рисунок 11 – Скорость колебаний рамы</a:t>
             </a:r>
           </a:p>
           <a:p>
@@ -11461,7 +11377,7 @@
         <p:spPr>
           <a:xfrm>
             <a:off x="636808" y="3136612"/>
-            <a:ext cx="3534780" cy="584775"/>
+            <a:ext cx="4287164" cy="584775"/>
           </a:xfrm>
           <a:prstGeom prst="rect">
             <a:avLst/>
@@ -11477,7 +11393,7 @@
               <a:rPr lang="ru-RU" sz="1600" dirty="0">
                 <a:latin typeface="+mj-lt"/>
               </a:rPr>
-              <a:t>Рисунок 7 – Скорость колебаний рамы </a:t>
+              <a:t>Рисунок 10 – Скорость колебаний рамы </a:t>
             </a:r>
           </a:p>
           <a:p>
@@ -11557,7 +11473,7 @@
               <a:rPr lang="ru-RU" sz="1600" dirty="0">
                 <a:latin typeface="+mj-lt"/>
               </a:rPr>
-              <a:t>Рисунок  8– Ускорение колебаний рамы </a:t>
+              <a:t>Рисунок  12– Ускорение колебаний рамы </a:t>
             </a:r>
           </a:p>
           <a:p>
@@ -11657,7 +11573,7 @@
         <p:spPr>
           <a:xfrm>
             <a:off x="7199902" y="6004527"/>
-            <a:ext cx="3643946" cy="584775"/>
+            <a:ext cx="3748142" cy="584775"/>
           </a:xfrm>
           <a:prstGeom prst="rect">
             <a:avLst/>
@@ -11673,7 +11589,7 @@
               <a:rPr lang="ru-RU" sz="1600" dirty="0">
                 <a:latin typeface="+mj-lt"/>
               </a:rPr>
-              <a:t>Рисунок 9 – Ускорение колебаний рамы</a:t>
+              <a:t>Рисунок 13 – Ускорение колебаний рамы</a:t>
             </a:r>
           </a:p>
           <a:p>

--- a/Ppt/финальная версия.pptx
+++ b/Ppt/финальная версия.pptx
@@ -9289,8 +9289,8 @@
           </a:p>
         </p:txBody>
       </p:sp>
-      <mc:AlternateContent xmlns:mc="http://schemas.openxmlformats.org/markup-compatibility/2006">
-        <mc:Choice xmlns:a14="http://schemas.microsoft.com/office/drawing/2010/main" Requires="a14">
+      <mc:AlternateContent xmlns:mc="http://schemas.openxmlformats.org/markup-compatibility/2006" xmlns:a14="http://schemas.microsoft.com/office/drawing/2010/main">
+        <mc:Choice Requires="a14">
           <p:sp>
             <p:nvSpPr>
               <p:cNvPr id="12" name="Прямоугольник 11">
@@ -9758,7 +9758,7 @@
             </p:txBody>
           </p:sp>
         </mc:Choice>
-        <mc:Fallback>
+        <mc:Fallback xmlns="">
           <p:sp>
             <p:nvSpPr>
               <p:cNvPr id="12" name="Прямоугольник 11">
@@ -10159,8 +10159,8 @@
           </a:extLst>
         </p:spPr>
       </p:pic>
-      <mc:AlternateContent xmlns:mc="http://schemas.openxmlformats.org/markup-compatibility/2006">
-        <mc:Choice xmlns:a14="http://schemas.microsoft.com/office/drawing/2010/main" Requires="a14">
+      <mc:AlternateContent xmlns:mc="http://schemas.openxmlformats.org/markup-compatibility/2006" xmlns:a14="http://schemas.microsoft.com/office/drawing/2010/main">
+        <mc:Choice Requires="a14">
           <p:sp>
             <p:nvSpPr>
               <p:cNvPr id="3" name="TextBox 2">
@@ -10189,6 +10189,7 @@
               </a:bodyPr>
               <a:lstStyle/>
               <a:p>
+                <a:pPr/>
                 <a14:m>
                   <m:oMathPara xmlns:m="http://schemas.openxmlformats.org/officeDocument/2006/math">
                     <m:oMathParaPr>
@@ -10300,7 +10301,7 @@
             </p:txBody>
           </p:sp>
         </mc:Choice>
-        <mc:Fallback>
+        <mc:Fallback xmlns="">
           <p:sp>
             <p:nvSpPr>
               <p:cNvPr id="3" name="TextBox 2">
@@ -10345,8 +10346,8 @@
           </p:sp>
         </mc:Fallback>
       </mc:AlternateContent>
-      <mc:AlternateContent xmlns:mc="http://schemas.openxmlformats.org/markup-compatibility/2006">
-        <mc:Choice xmlns:a14="http://schemas.microsoft.com/office/drawing/2010/main" Requires="a14">
+      <mc:AlternateContent xmlns:mc="http://schemas.openxmlformats.org/markup-compatibility/2006" xmlns:a14="http://schemas.microsoft.com/office/drawing/2010/main">
+        <mc:Choice Requires="a14">
           <p:sp>
             <p:nvSpPr>
               <p:cNvPr id="5" name="TextBox 4">
@@ -10375,6 +10376,7 @@
               </a:bodyPr>
               <a:lstStyle/>
               <a:p>
+                <a:pPr/>
                 <a14:m>
                   <m:oMathPara xmlns:m="http://schemas.openxmlformats.org/officeDocument/2006/math">
                     <m:oMathParaPr>
@@ -10521,7 +10523,7 @@
             </p:txBody>
           </p:sp>
         </mc:Choice>
-        <mc:Fallback>
+        <mc:Fallback xmlns="">
           <p:sp>
             <p:nvSpPr>
               <p:cNvPr id="5" name="TextBox 4">
@@ -10768,8 +10770,8 @@
           </a:p>
         </p:txBody>
       </p:sp>
-      <mc:AlternateContent xmlns:mc="http://schemas.openxmlformats.org/markup-compatibility/2006">
-        <mc:Choice xmlns:a14="http://schemas.microsoft.com/office/drawing/2010/main" Requires="a14">
+      <mc:AlternateContent xmlns:mc="http://schemas.openxmlformats.org/markup-compatibility/2006" xmlns:a14="http://schemas.microsoft.com/office/drawing/2010/main">
+        <mc:Choice Requires="a14">
           <p:sp>
             <p:nvSpPr>
               <p:cNvPr id="10" name="TextBox 9">
@@ -11086,7 +11088,7 @@
             </p:txBody>
           </p:sp>
         </mc:Choice>
-        <mc:Fallback>
+        <mc:Fallback xmlns="">
           <p:sp>
             <p:nvSpPr>
               <p:cNvPr id="10" name="TextBox 9">
